--- a/Снегири. Презентация.pptx
+++ b/Снегири. Презентация.pptx
@@ -5,35 +5,42 @@
     <p:sldMasterId id="2147483673" r:id="rId1"/>
   </p:sldMasterIdLst>
   <p:notesMasterIdLst>
-    <p:notesMasterId r:id="rId4"/>
+    <p:notesMasterId r:id="rId11"/>
   </p:notesMasterIdLst>
   <p:sldIdLst>
     <p:sldId id="256" r:id="rId2"/>
-    <p:sldId id="305" r:id="rId3"/>
+    <p:sldId id="344" r:id="rId3"/>
+    <p:sldId id="345" r:id="rId4"/>
+    <p:sldId id="346" r:id="rId5"/>
+    <p:sldId id="347" r:id="rId6"/>
+    <p:sldId id="348" r:id="rId7"/>
+    <p:sldId id="349" r:id="rId8"/>
+    <p:sldId id="350" r:id="rId9"/>
+    <p:sldId id="305" r:id="rId10"/>
   </p:sldIdLst>
   <p:sldSz cx="9144000" cy="5143500" type="screen16x9"/>
   <p:notesSz cx="6858000" cy="9144000"/>
   <p:embeddedFontLst>
     <p:embeddedFont>
       <p:font typeface="Catamaran" panose="020B0604020202020204" charset="0"/>
-      <p:regular r:id="rId5"/>
-      <p:bold r:id="rId6"/>
+      <p:regular r:id="rId12"/>
+      <p:bold r:id="rId13"/>
     </p:embeddedFont>
     <p:embeddedFont>
       <p:font typeface="Lexend Deca" panose="020B0604020202020204" charset="0"/>
-      <p:regular r:id="rId7"/>
-      <p:bold r:id="rId8"/>
+      <p:regular r:id="rId14"/>
+      <p:bold r:id="rId15"/>
     </p:embeddedFont>
     <p:embeddedFont>
       <p:font typeface="Nunito" pitchFamily="2" charset="-52"/>
-      <p:regular r:id="rId9"/>
-      <p:bold r:id="rId10"/>
-      <p:italic r:id="rId11"/>
-      <p:boldItalic r:id="rId12"/>
+      <p:regular r:id="rId16"/>
+      <p:bold r:id="rId17"/>
+      <p:italic r:id="rId18"/>
+      <p:boldItalic r:id="rId19"/>
     </p:embeddedFont>
     <p:embeddedFont>
       <p:font typeface="Questrial" pitchFamily="2" charset="0"/>
-      <p:regular r:id="rId13"/>
+      <p:regular r:id="rId20"/>
     </p:embeddedFont>
   </p:embeddedFontLst>
   <p:defaultTextStyle>
@@ -831,6 +838,769 @@
 </file>
 
 <file path=ppt/notesSlides/notesSlide2.xml><?xml version="1.0" encoding="utf-8"?>
+<p:notes xmlns:a="http://schemas.openxmlformats.org/drawingml/2006/main" xmlns:r="http://schemas.openxmlformats.org/officeDocument/2006/relationships" xmlns:p="http://schemas.openxmlformats.org/presentationml/2006/main" showMasterSp="0" showMasterPhAnim="0">
+  <p:cSld>
+    <p:spTree>
+      <p:nvGrpSpPr>
+        <p:cNvPr id="1" name="Shape 190"/>
+        <p:cNvGrpSpPr/>
+        <p:nvPr/>
+      </p:nvGrpSpPr>
+      <p:grpSpPr>
+        <a:xfrm>
+          <a:off x="0" y="0"/>
+          <a:ext cx="0" cy="0"/>
+          <a:chOff x="0" y="0"/>
+          <a:chExt cx="0" cy="0"/>
+        </a:xfrm>
+      </p:grpSpPr>
+      <p:sp>
+        <p:nvSpPr>
+          <p:cNvPr id="191" name="Google Shape;191;ge1d838b627_4_0:notes"/>
+          <p:cNvSpPr>
+            <a:spLocks noGrp="1" noRot="1" noChangeAspect="1"/>
+          </p:cNvSpPr>
+          <p:nvPr>
+            <p:ph type="sldImg" idx="2"/>
+          </p:nvPr>
+        </p:nvSpPr>
+        <p:spPr>
+          <a:xfrm>
+            <a:off x="381000" y="685800"/>
+            <a:ext cx="6096000" cy="3429000"/>
+          </a:xfrm>
+          <a:custGeom>
+            <a:avLst/>
+            <a:gdLst/>
+            <a:ahLst/>
+            <a:cxnLst/>
+            <a:rect l="l" t="t" r="r" b="b"/>
+            <a:pathLst>
+              <a:path w="120000" h="120000" extrusionOk="0">
+                <a:moveTo>
+                  <a:pt x="0" y="0"/>
+                </a:moveTo>
+                <a:lnTo>
+                  <a:pt x="120000" y="0"/>
+                </a:lnTo>
+                <a:lnTo>
+                  <a:pt x="120000" y="120000"/>
+                </a:lnTo>
+                <a:lnTo>
+                  <a:pt x="0" y="120000"/>
+                </a:lnTo>
+                <a:close/>
+              </a:path>
+            </a:pathLst>
+          </a:custGeom>
+        </p:spPr>
+      </p:sp>
+      <p:sp>
+        <p:nvSpPr>
+          <p:cNvPr id="192" name="Google Shape;192;ge1d838b627_4_0:notes"/>
+          <p:cNvSpPr txBox="1">
+            <a:spLocks noGrp="1"/>
+          </p:cNvSpPr>
+          <p:nvPr>
+            <p:ph type="body" idx="1"/>
+          </p:nvPr>
+        </p:nvSpPr>
+        <p:spPr>
+          <a:xfrm>
+            <a:off x="685800" y="4343400"/>
+            <a:ext cx="5486400" cy="4114800"/>
+          </a:xfrm>
+          <a:prstGeom prst="rect">
+            <a:avLst/>
+          </a:prstGeom>
+        </p:spPr>
+        <p:txBody>
+          <a:bodyPr spcFirstLastPara="1" wrap="square" lIns="91425" tIns="91425" rIns="91425" bIns="91425" anchor="t" anchorCtr="0">
+            <a:noAutofit/>
+          </a:bodyPr>
+          <a:lstStyle/>
+          <a:p>
+            <a:pPr marL="0" lvl="0" indent="0" algn="l" rtl="0">
+              <a:spcBef>
+                <a:spcPts val="0"/>
+              </a:spcBef>
+              <a:spcAft>
+                <a:spcPts val="0"/>
+              </a:spcAft>
+              <a:buNone/>
+            </a:pPr>
+            <a:endParaRPr dirty="0"/>
+          </a:p>
+        </p:txBody>
+      </p:sp>
+    </p:spTree>
+    <p:extLst>
+      <p:ext uri="{BB962C8B-B14F-4D97-AF65-F5344CB8AC3E}">
+        <p14:creationId xmlns:p14="http://schemas.microsoft.com/office/powerpoint/2010/main" val="552624942"/>
+      </p:ext>
+    </p:extLst>
+  </p:cSld>
+  <p:clrMapOvr>
+    <a:masterClrMapping/>
+  </p:clrMapOvr>
+</p:notes>
+</file>
+
+<file path=ppt/notesSlides/notesSlide3.xml><?xml version="1.0" encoding="utf-8"?>
+<p:notes xmlns:a="http://schemas.openxmlformats.org/drawingml/2006/main" xmlns:r="http://schemas.openxmlformats.org/officeDocument/2006/relationships" xmlns:p="http://schemas.openxmlformats.org/presentationml/2006/main" showMasterSp="0" showMasterPhAnim="0">
+  <p:cSld>
+    <p:spTree>
+      <p:nvGrpSpPr>
+        <p:cNvPr id="1" name="Shape 190"/>
+        <p:cNvGrpSpPr/>
+        <p:nvPr/>
+      </p:nvGrpSpPr>
+      <p:grpSpPr>
+        <a:xfrm>
+          <a:off x="0" y="0"/>
+          <a:ext cx="0" cy="0"/>
+          <a:chOff x="0" y="0"/>
+          <a:chExt cx="0" cy="0"/>
+        </a:xfrm>
+      </p:grpSpPr>
+      <p:sp>
+        <p:nvSpPr>
+          <p:cNvPr id="191" name="Google Shape;191;ge1d838b627_4_0:notes"/>
+          <p:cNvSpPr>
+            <a:spLocks noGrp="1" noRot="1" noChangeAspect="1"/>
+          </p:cNvSpPr>
+          <p:nvPr>
+            <p:ph type="sldImg" idx="2"/>
+          </p:nvPr>
+        </p:nvSpPr>
+        <p:spPr>
+          <a:xfrm>
+            <a:off x="381000" y="685800"/>
+            <a:ext cx="6096000" cy="3429000"/>
+          </a:xfrm>
+          <a:custGeom>
+            <a:avLst/>
+            <a:gdLst/>
+            <a:ahLst/>
+            <a:cxnLst/>
+            <a:rect l="l" t="t" r="r" b="b"/>
+            <a:pathLst>
+              <a:path w="120000" h="120000" extrusionOk="0">
+                <a:moveTo>
+                  <a:pt x="0" y="0"/>
+                </a:moveTo>
+                <a:lnTo>
+                  <a:pt x="120000" y="0"/>
+                </a:lnTo>
+                <a:lnTo>
+                  <a:pt x="120000" y="120000"/>
+                </a:lnTo>
+                <a:lnTo>
+                  <a:pt x="0" y="120000"/>
+                </a:lnTo>
+                <a:close/>
+              </a:path>
+            </a:pathLst>
+          </a:custGeom>
+        </p:spPr>
+      </p:sp>
+      <p:sp>
+        <p:nvSpPr>
+          <p:cNvPr id="192" name="Google Shape;192;ge1d838b627_4_0:notes"/>
+          <p:cNvSpPr txBox="1">
+            <a:spLocks noGrp="1"/>
+          </p:cNvSpPr>
+          <p:nvPr>
+            <p:ph type="body" idx="1"/>
+          </p:nvPr>
+        </p:nvSpPr>
+        <p:spPr>
+          <a:xfrm>
+            <a:off x="685800" y="4343400"/>
+            <a:ext cx="5486400" cy="4114800"/>
+          </a:xfrm>
+          <a:prstGeom prst="rect">
+            <a:avLst/>
+          </a:prstGeom>
+        </p:spPr>
+        <p:txBody>
+          <a:bodyPr spcFirstLastPara="1" wrap="square" lIns="91425" tIns="91425" rIns="91425" bIns="91425" anchor="t" anchorCtr="0">
+            <a:noAutofit/>
+          </a:bodyPr>
+          <a:lstStyle/>
+          <a:p>
+            <a:pPr marL="0" lvl="0" indent="0" algn="l" rtl="0">
+              <a:spcBef>
+                <a:spcPts val="0"/>
+              </a:spcBef>
+              <a:spcAft>
+                <a:spcPts val="0"/>
+              </a:spcAft>
+              <a:buNone/>
+            </a:pPr>
+            <a:endParaRPr dirty="0"/>
+          </a:p>
+        </p:txBody>
+      </p:sp>
+    </p:spTree>
+    <p:extLst>
+      <p:ext uri="{BB962C8B-B14F-4D97-AF65-F5344CB8AC3E}">
+        <p14:creationId xmlns:p14="http://schemas.microsoft.com/office/powerpoint/2010/main" val="3151265527"/>
+      </p:ext>
+    </p:extLst>
+  </p:cSld>
+  <p:clrMapOvr>
+    <a:masterClrMapping/>
+  </p:clrMapOvr>
+</p:notes>
+</file>
+
+<file path=ppt/notesSlides/notesSlide4.xml><?xml version="1.0" encoding="utf-8"?>
+<p:notes xmlns:a="http://schemas.openxmlformats.org/drawingml/2006/main" xmlns:r="http://schemas.openxmlformats.org/officeDocument/2006/relationships" xmlns:p="http://schemas.openxmlformats.org/presentationml/2006/main" showMasterSp="0" showMasterPhAnim="0">
+  <p:cSld>
+    <p:spTree>
+      <p:nvGrpSpPr>
+        <p:cNvPr id="1" name="Shape 190"/>
+        <p:cNvGrpSpPr/>
+        <p:nvPr/>
+      </p:nvGrpSpPr>
+      <p:grpSpPr>
+        <a:xfrm>
+          <a:off x="0" y="0"/>
+          <a:ext cx="0" cy="0"/>
+          <a:chOff x="0" y="0"/>
+          <a:chExt cx="0" cy="0"/>
+        </a:xfrm>
+      </p:grpSpPr>
+      <p:sp>
+        <p:nvSpPr>
+          <p:cNvPr id="191" name="Google Shape;191;ge1d838b627_4_0:notes"/>
+          <p:cNvSpPr>
+            <a:spLocks noGrp="1" noRot="1" noChangeAspect="1"/>
+          </p:cNvSpPr>
+          <p:nvPr>
+            <p:ph type="sldImg" idx="2"/>
+          </p:nvPr>
+        </p:nvSpPr>
+        <p:spPr>
+          <a:xfrm>
+            <a:off x="381000" y="685800"/>
+            <a:ext cx="6096000" cy="3429000"/>
+          </a:xfrm>
+          <a:custGeom>
+            <a:avLst/>
+            <a:gdLst/>
+            <a:ahLst/>
+            <a:cxnLst/>
+            <a:rect l="l" t="t" r="r" b="b"/>
+            <a:pathLst>
+              <a:path w="120000" h="120000" extrusionOk="0">
+                <a:moveTo>
+                  <a:pt x="0" y="0"/>
+                </a:moveTo>
+                <a:lnTo>
+                  <a:pt x="120000" y="0"/>
+                </a:lnTo>
+                <a:lnTo>
+                  <a:pt x="120000" y="120000"/>
+                </a:lnTo>
+                <a:lnTo>
+                  <a:pt x="0" y="120000"/>
+                </a:lnTo>
+                <a:close/>
+              </a:path>
+            </a:pathLst>
+          </a:custGeom>
+        </p:spPr>
+      </p:sp>
+      <p:sp>
+        <p:nvSpPr>
+          <p:cNvPr id="192" name="Google Shape;192;ge1d838b627_4_0:notes"/>
+          <p:cNvSpPr txBox="1">
+            <a:spLocks noGrp="1"/>
+          </p:cNvSpPr>
+          <p:nvPr>
+            <p:ph type="body" idx="1"/>
+          </p:nvPr>
+        </p:nvSpPr>
+        <p:spPr>
+          <a:xfrm>
+            <a:off x="685800" y="4343400"/>
+            <a:ext cx="5486400" cy="4114800"/>
+          </a:xfrm>
+          <a:prstGeom prst="rect">
+            <a:avLst/>
+          </a:prstGeom>
+        </p:spPr>
+        <p:txBody>
+          <a:bodyPr spcFirstLastPara="1" wrap="square" lIns="91425" tIns="91425" rIns="91425" bIns="91425" anchor="t" anchorCtr="0">
+            <a:noAutofit/>
+          </a:bodyPr>
+          <a:lstStyle/>
+          <a:p>
+            <a:pPr marL="0" lvl="0" indent="0" algn="l" rtl="0">
+              <a:spcBef>
+                <a:spcPts val="0"/>
+              </a:spcBef>
+              <a:spcAft>
+                <a:spcPts val="0"/>
+              </a:spcAft>
+              <a:buNone/>
+            </a:pPr>
+            <a:endParaRPr dirty="0"/>
+          </a:p>
+        </p:txBody>
+      </p:sp>
+    </p:spTree>
+    <p:extLst>
+      <p:ext uri="{BB962C8B-B14F-4D97-AF65-F5344CB8AC3E}">
+        <p14:creationId xmlns:p14="http://schemas.microsoft.com/office/powerpoint/2010/main" val="490480084"/>
+      </p:ext>
+    </p:extLst>
+  </p:cSld>
+  <p:clrMapOvr>
+    <a:masterClrMapping/>
+  </p:clrMapOvr>
+</p:notes>
+</file>
+
+<file path=ppt/notesSlides/notesSlide5.xml><?xml version="1.0" encoding="utf-8"?>
+<p:notes xmlns:a="http://schemas.openxmlformats.org/drawingml/2006/main" xmlns:r="http://schemas.openxmlformats.org/officeDocument/2006/relationships" xmlns:p="http://schemas.openxmlformats.org/presentationml/2006/main" showMasterSp="0" showMasterPhAnim="0">
+  <p:cSld>
+    <p:spTree>
+      <p:nvGrpSpPr>
+        <p:cNvPr id="1" name="Shape 190"/>
+        <p:cNvGrpSpPr/>
+        <p:nvPr/>
+      </p:nvGrpSpPr>
+      <p:grpSpPr>
+        <a:xfrm>
+          <a:off x="0" y="0"/>
+          <a:ext cx="0" cy="0"/>
+          <a:chOff x="0" y="0"/>
+          <a:chExt cx="0" cy="0"/>
+        </a:xfrm>
+      </p:grpSpPr>
+      <p:sp>
+        <p:nvSpPr>
+          <p:cNvPr id="191" name="Google Shape;191;ge1d838b627_4_0:notes"/>
+          <p:cNvSpPr>
+            <a:spLocks noGrp="1" noRot="1" noChangeAspect="1"/>
+          </p:cNvSpPr>
+          <p:nvPr>
+            <p:ph type="sldImg" idx="2"/>
+          </p:nvPr>
+        </p:nvSpPr>
+        <p:spPr>
+          <a:xfrm>
+            <a:off x="381000" y="685800"/>
+            <a:ext cx="6096000" cy="3429000"/>
+          </a:xfrm>
+          <a:custGeom>
+            <a:avLst/>
+            <a:gdLst/>
+            <a:ahLst/>
+            <a:cxnLst/>
+            <a:rect l="l" t="t" r="r" b="b"/>
+            <a:pathLst>
+              <a:path w="120000" h="120000" extrusionOk="0">
+                <a:moveTo>
+                  <a:pt x="0" y="0"/>
+                </a:moveTo>
+                <a:lnTo>
+                  <a:pt x="120000" y="0"/>
+                </a:lnTo>
+                <a:lnTo>
+                  <a:pt x="120000" y="120000"/>
+                </a:lnTo>
+                <a:lnTo>
+                  <a:pt x="0" y="120000"/>
+                </a:lnTo>
+                <a:close/>
+              </a:path>
+            </a:pathLst>
+          </a:custGeom>
+        </p:spPr>
+      </p:sp>
+      <p:sp>
+        <p:nvSpPr>
+          <p:cNvPr id="192" name="Google Shape;192;ge1d838b627_4_0:notes"/>
+          <p:cNvSpPr txBox="1">
+            <a:spLocks noGrp="1"/>
+          </p:cNvSpPr>
+          <p:nvPr>
+            <p:ph type="body" idx="1"/>
+          </p:nvPr>
+        </p:nvSpPr>
+        <p:spPr>
+          <a:xfrm>
+            <a:off x="685800" y="4343400"/>
+            <a:ext cx="5486400" cy="4114800"/>
+          </a:xfrm>
+          <a:prstGeom prst="rect">
+            <a:avLst/>
+          </a:prstGeom>
+        </p:spPr>
+        <p:txBody>
+          <a:bodyPr spcFirstLastPara="1" wrap="square" lIns="91425" tIns="91425" rIns="91425" bIns="91425" anchor="t" anchorCtr="0">
+            <a:noAutofit/>
+          </a:bodyPr>
+          <a:lstStyle/>
+          <a:p>
+            <a:pPr marL="0" lvl="0" indent="0" algn="l" rtl="0">
+              <a:spcBef>
+                <a:spcPts val="0"/>
+              </a:spcBef>
+              <a:spcAft>
+                <a:spcPts val="0"/>
+              </a:spcAft>
+              <a:buNone/>
+            </a:pPr>
+            <a:endParaRPr dirty="0"/>
+          </a:p>
+        </p:txBody>
+      </p:sp>
+    </p:spTree>
+    <p:extLst>
+      <p:ext uri="{BB962C8B-B14F-4D97-AF65-F5344CB8AC3E}">
+        <p14:creationId xmlns:p14="http://schemas.microsoft.com/office/powerpoint/2010/main" val="1027184536"/>
+      </p:ext>
+    </p:extLst>
+  </p:cSld>
+  <p:clrMapOvr>
+    <a:masterClrMapping/>
+  </p:clrMapOvr>
+</p:notes>
+</file>
+
+<file path=ppt/notesSlides/notesSlide6.xml><?xml version="1.0" encoding="utf-8"?>
+<p:notes xmlns:a="http://schemas.openxmlformats.org/drawingml/2006/main" xmlns:r="http://schemas.openxmlformats.org/officeDocument/2006/relationships" xmlns:p="http://schemas.openxmlformats.org/presentationml/2006/main" showMasterSp="0" showMasterPhAnim="0">
+  <p:cSld>
+    <p:spTree>
+      <p:nvGrpSpPr>
+        <p:cNvPr id="1" name="Shape 190"/>
+        <p:cNvGrpSpPr/>
+        <p:nvPr/>
+      </p:nvGrpSpPr>
+      <p:grpSpPr>
+        <a:xfrm>
+          <a:off x="0" y="0"/>
+          <a:ext cx="0" cy="0"/>
+          <a:chOff x="0" y="0"/>
+          <a:chExt cx="0" cy="0"/>
+        </a:xfrm>
+      </p:grpSpPr>
+      <p:sp>
+        <p:nvSpPr>
+          <p:cNvPr id="191" name="Google Shape;191;ge1d838b627_4_0:notes"/>
+          <p:cNvSpPr>
+            <a:spLocks noGrp="1" noRot="1" noChangeAspect="1"/>
+          </p:cNvSpPr>
+          <p:nvPr>
+            <p:ph type="sldImg" idx="2"/>
+          </p:nvPr>
+        </p:nvSpPr>
+        <p:spPr>
+          <a:xfrm>
+            <a:off x="381000" y="685800"/>
+            <a:ext cx="6096000" cy="3429000"/>
+          </a:xfrm>
+          <a:custGeom>
+            <a:avLst/>
+            <a:gdLst/>
+            <a:ahLst/>
+            <a:cxnLst/>
+            <a:rect l="l" t="t" r="r" b="b"/>
+            <a:pathLst>
+              <a:path w="120000" h="120000" extrusionOk="0">
+                <a:moveTo>
+                  <a:pt x="0" y="0"/>
+                </a:moveTo>
+                <a:lnTo>
+                  <a:pt x="120000" y="0"/>
+                </a:lnTo>
+                <a:lnTo>
+                  <a:pt x="120000" y="120000"/>
+                </a:lnTo>
+                <a:lnTo>
+                  <a:pt x="0" y="120000"/>
+                </a:lnTo>
+                <a:close/>
+              </a:path>
+            </a:pathLst>
+          </a:custGeom>
+        </p:spPr>
+      </p:sp>
+      <p:sp>
+        <p:nvSpPr>
+          <p:cNvPr id="192" name="Google Shape;192;ge1d838b627_4_0:notes"/>
+          <p:cNvSpPr txBox="1">
+            <a:spLocks noGrp="1"/>
+          </p:cNvSpPr>
+          <p:nvPr>
+            <p:ph type="body" idx="1"/>
+          </p:nvPr>
+        </p:nvSpPr>
+        <p:spPr>
+          <a:xfrm>
+            <a:off x="685800" y="4343400"/>
+            <a:ext cx="5486400" cy="4114800"/>
+          </a:xfrm>
+          <a:prstGeom prst="rect">
+            <a:avLst/>
+          </a:prstGeom>
+        </p:spPr>
+        <p:txBody>
+          <a:bodyPr spcFirstLastPara="1" wrap="square" lIns="91425" tIns="91425" rIns="91425" bIns="91425" anchor="t" anchorCtr="0">
+            <a:noAutofit/>
+          </a:bodyPr>
+          <a:lstStyle/>
+          <a:p>
+            <a:pPr marL="0" lvl="0" indent="0" algn="l" rtl="0">
+              <a:spcBef>
+                <a:spcPts val="0"/>
+              </a:spcBef>
+              <a:spcAft>
+                <a:spcPts val="0"/>
+              </a:spcAft>
+              <a:buNone/>
+            </a:pPr>
+            <a:endParaRPr dirty="0"/>
+          </a:p>
+        </p:txBody>
+      </p:sp>
+    </p:spTree>
+    <p:extLst>
+      <p:ext uri="{BB962C8B-B14F-4D97-AF65-F5344CB8AC3E}">
+        <p14:creationId xmlns:p14="http://schemas.microsoft.com/office/powerpoint/2010/main" val="482038372"/>
+      </p:ext>
+    </p:extLst>
+  </p:cSld>
+  <p:clrMapOvr>
+    <a:masterClrMapping/>
+  </p:clrMapOvr>
+</p:notes>
+</file>
+
+<file path=ppt/notesSlides/notesSlide7.xml><?xml version="1.0" encoding="utf-8"?>
+<p:notes xmlns:a="http://schemas.openxmlformats.org/drawingml/2006/main" xmlns:r="http://schemas.openxmlformats.org/officeDocument/2006/relationships" xmlns:p="http://schemas.openxmlformats.org/presentationml/2006/main" showMasterSp="0" showMasterPhAnim="0">
+  <p:cSld>
+    <p:spTree>
+      <p:nvGrpSpPr>
+        <p:cNvPr id="1" name="Shape 190"/>
+        <p:cNvGrpSpPr/>
+        <p:nvPr/>
+      </p:nvGrpSpPr>
+      <p:grpSpPr>
+        <a:xfrm>
+          <a:off x="0" y="0"/>
+          <a:ext cx="0" cy="0"/>
+          <a:chOff x="0" y="0"/>
+          <a:chExt cx="0" cy="0"/>
+        </a:xfrm>
+      </p:grpSpPr>
+      <p:sp>
+        <p:nvSpPr>
+          <p:cNvPr id="191" name="Google Shape;191;ge1d838b627_4_0:notes"/>
+          <p:cNvSpPr>
+            <a:spLocks noGrp="1" noRot="1" noChangeAspect="1"/>
+          </p:cNvSpPr>
+          <p:nvPr>
+            <p:ph type="sldImg" idx="2"/>
+          </p:nvPr>
+        </p:nvSpPr>
+        <p:spPr>
+          <a:xfrm>
+            <a:off x="381000" y="685800"/>
+            <a:ext cx="6096000" cy="3429000"/>
+          </a:xfrm>
+          <a:custGeom>
+            <a:avLst/>
+            <a:gdLst/>
+            <a:ahLst/>
+            <a:cxnLst/>
+            <a:rect l="l" t="t" r="r" b="b"/>
+            <a:pathLst>
+              <a:path w="120000" h="120000" extrusionOk="0">
+                <a:moveTo>
+                  <a:pt x="0" y="0"/>
+                </a:moveTo>
+                <a:lnTo>
+                  <a:pt x="120000" y="0"/>
+                </a:lnTo>
+                <a:lnTo>
+                  <a:pt x="120000" y="120000"/>
+                </a:lnTo>
+                <a:lnTo>
+                  <a:pt x="0" y="120000"/>
+                </a:lnTo>
+                <a:close/>
+              </a:path>
+            </a:pathLst>
+          </a:custGeom>
+        </p:spPr>
+      </p:sp>
+      <p:sp>
+        <p:nvSpPr>
+          <p:cNvPr id="192" name="Google Shape;192;ge1d838b627_4_0:notes"/>
+          <p:cNvSpPr txBox="1">
+            <a:spLocks noGrp="1"/>
+          </p:cNvSpPr>
+          <p:nvPr>
+            <p:ph type="body" idx="1"/>
+          </p:nvPr>
+        </p:nvSpPr>
+        <p:spPr>
+          <a:xfrm>
+            <a:off x="685800" y="4343400"/>
+            <a:ext cx="5486400" cy="4114800"/>
+          </a:xfrm>
+          <a:prstGeom prst="rect">
+            <a:avLst/>
+          </a:prstGeom>
+        </p:spPr>
+        <p:txBody>
+          <a:bodyPr spcFirstLastPara="1" wrap="square" lIns="91425" tIns="91425" rIns="91425" bIns="91425" anchor="t" anchorCtr="0">
+            <a:noAutofit/>
+          </a:bodyPr>
+          <a:lstStyle/>
+          <a:p>
+            <a:pPr marL="0" lvl="0" indent="0" algn="l" rtl="0">
+              <a:spcBef>
+                <a:spcPts val="0"/>
+              </a:spcBef>
+              <a:spcAft>
+                <a:spcPts val="0"/>
+              </a:spcAft>
+              <a:buNone/>
+            </a:pPr>
+            <a:endParaRPr dirty="0"/>
+          </a:p>
+        </p:txBody>
+      </p:sp>
+    </p:spTree>
+    <p:extLst>
+      <p:ext uri="{BB962C8B-B14F-4D97-AF65-F5344CB8AC3E}">
+        <p14:creationId xmlns:p14="http://schemas.microsoft.com/office/powerpoint/2010/main" val="3529079727"/>
+      </p:ext>
+    </p:extLst>
+  </p:cSld>
+  <p:clrMapOvr>
+    <a:masterClrMapping/>
+  </p:clrMapOvr>
+</p:notes>
+</file>
+
+<file path=ppt/notesSlides/notesSlide8.xml><?xml version="1.0" encoding="utf-8"?>
+<p:notes xmlns:a="http://schemas.openxmlformats.org/drawingml/2006/main" xmlns:r="http://schemas.openxmlformats.org/officeDocument/2006/relationships" xmlns:p="http://schemas.openxmlformats.org/presentationml/2006/main" showMasterSp="0" showMasterPhAnim="0">
+  <p:cSld>
+    <p:spTree>
+      <p:nvGrpSpPr>
+        <p:cNvPr id="1" name="Shape 190"/>
+        <p:cNvGrpSpPr/>
+        <p:nvPr/>
+      </p:nvGrpSpPr>
+      <p:grpSpPr>
+        <a:xfrm>
+          <a:off x="0" y="0"/>
+          <a:ext cx="0" cy="0"/>
+          <a:chOff x="0" y="0"/>
+          <a:chExt cx="0" cy="0"/>
+        </a:xfrm>
+      </p:grpSpPr>
+      <p:sp>
+        <p:nvSpPr>
+          <p:cNvPr id="191" name="Google Shape;191;ge1d838b627_4_0:notes"/>
+          <p:cNvSpPr>
+            <a:spLocks noGrp="1" noRot="1" noChangeAspect="1"/>
+          </p:cNvSpPr>
+          <p:nvPr>
+            <p:ph type="sldImg" idx="2"/>
+          </p:nvPr>
+        </p:nvSpPr>
+        <p:spPr>
+          <a:xfrm>
+            <a:off x="381000" y="685800"/>
+            <a:ext cx="6096000" cy="3429000"/>
+          </a:xfrm>
+          <a:custGeom>
+            <a:avLst/>
+            <a:gdLst/>
+            <a:ahLst/>
+            <a:cxnLst/>
+            <a:rect l="l" t="t" r="r" b="b"/>
+            <a:pathLst>
+              <a:path w="120000" h="120000" extrusionOk="0">
+                <a:moveTo>
+                  <a:pt x="0" y="0"/>
+                </a:moveTo>
+                <a:lnTo>
+                  <a:pt x="120000" y="0"/>
+                </a:lnTo>
+                <a:lnTo>
+                  <a:pt x="120000" y="120000"/>
+                </a:lnTo>
+                <a:lnTo>
+                  <a:pt x="0" y="120000"/>
+                </a:lnTo>
+                <a:close/>
+              </a:path>
+            </a:pathLst>
+          </a:custGeom>
+        </p:spPr>
+      </p:sp>
+      <p:sp>
+        <p:nvSpPr>
+          <p:cNvPr id="192" name="Google Shape;192;ge1d838b627_4_0:notes"/>
+          <p:cNvSpPr txBox="1">
+            <a:spLocks noGrp="1"/>
+          </p:cNvSpPr>
+          <p:nvPr>
+            <p:ph type="body" idx="1"/>
+          </p:nvPr>
+        </p:nvSpPr>
+        <p:spPr>
+          <a:xfrm>
+            <a:off x="685800" y="4343400"/>
+            <a:ext cx="5486400" cy="4114800"/>
+          </a:xfrm>
+          <a:prstGeom prst="rect">
+            <a:avLst/>
+          </a:prstGeom>
+        </p:spPr>
+        <p:txBody>
+          <a:bodyPr spcFirstLastPara="1" wrap="square" lIns="91425" tIns="91425" rIns="91425" bIns="91425" anchor="t" anchorCtr="0">
+            <a:noAutofit/>
+          </a:bodyPr>
+          <a:lstStyle/>
+          <a:p>
+            <a:pPr marL="0" lvl="0" indent="0" algn="l" rtl="0">
+              <a:spcBef>
+                <a:spcPts val="0"/>
+              </a:spcBef>
+              <a:spcAft>
+                <a:spcPts val="0"/>
+              </a:spcAft>
+              <a:buNone/>
+            </a:pPr>
+            <a:endParaRPr dirty="0"/>
+          </a:p>
+        </p:txBody>
+      </p:sp>
+    </p:spTree>
+    <p:extLst>
+      <p:ext uri="{BB962C8B-B14F-4D97-AF65-F5344CB8AC3E}">
+        <p14:creationId xmlns:p14="http://schemas.microsoft.com/office/powerpoint/2010/main" val="2797687056"/>
+      </p:ext>
+    </p:extLst>
+  </p:cSld>
+  <p:clrMapOvr>
+    <a:masterClrMapping/>
+  </p:clrMapOvr>
+</p:notes>
+</file>
+
+<file path=ppt/notesSlides/notesSlide9.xml><?xml version="1.0" encoding="utf-8"?>
 <p:notes xmlns:a="http://schemas.openxmlformats.org/drawingml/2006/main" xmlns:r="http://schemas.openxmlformats.org/officeDocument/2006/relationships" xmlns:p="http://schemas.openxmlformats.org/presentationml/2006/main" showMasterSp="0" showMasterPhAnim="0">
   <p:cSld>
     <p:spTree>
@@ -3272,405 +4042,6 @@
           </a:extLst>
         </p:spPr>
       </p:pic>
-      <p:sp>
-        <p:nvSpPr>
-          <p:cNvPr id="15" name="Google Shape;144;p28">
-            <a:extLst>
-              <a:ext uri="{FF2B5EF4-FFF2-40B4-BE49-F238E27FC236}">
-                <a16:creationId xmlns:a16="http://schemas.microsoft.com/office/drawing/2014/main" id="{49079FE0-F27F-658B-E22C-51276586994C}"/>
-              </a:ext>
-            </a:extLst>
-          </p:cNvPr>
-          <p:cNvSpPr txBox="1">
-            <a:spLocks/>
-          </p:cNvSpPr>
-          <p:nvPr/>
-        </p:nvSpPr>
-        <p:spPr>
-          <a:xfrm>
-            <a:off x="295976" y="3388614"/>
-            <a:ext cx="4809540" cy="1438548"/>
-          </a:xfrm>
-          <a:prstGeom prst="rect">
-            <a:avLst/>
-          </a:prstGeom>
-          <a:noFill/>
-          <a:ln>
-            <a:noFill/>
-          </a:ln>
-        </p:spPr>
-        <p:txBody>
-          <a:bodyPr spcFirstLastPara="1" wrap="square" lIns="91425" tIns="91425" rIns="91425" bIns="91425" anchor="ctr" anchorCtr="0">
-            <a:noAutofit/>
-          </a:bodyPr>
-          <a:lstStyle>
-            <a:defPPr marR="0" lvl="0" algn="l" rtl="0">
-              <a:lnSpc>
-                <a:spcPct val="100000"/>
-              </a:lnSpc>
-              <a:spcBef>
-                <a:spcPts val="0"/>
-              </a:spcBef>
-              <a:spcAft>
-                <a:spcPts val="0"/>
-              </a:spcAft>
-            </a:defPPr>
-            <a:lvl1pPr marL="457200" marR="0" lvl="0" indent="-317500" algn="l" rtl="0">
-              <a:lnSpc>
-                <a:spcPct val="100000"/>
-              </a:lnSpc>
-              <a:spcBef>
-                <a:spcPts val="0"/>
-              </a:spcBef>
-              <a:spcAft>
-                <a:spcPts val="0"/>
-              </a:spcAft>
-              <a:buClr>
-                <a:schemeClr val="dk1"/>
-              </a:buClr>
-              <a:buSzPts val="1400"/>
-              <a:buFont typeface="Nunito"/>
-              <a:buNone/>
-              <a:defRPr sz="1800" b="0" i="0" u="none" strike="noStrike" cap="none">
-                <a:solidFill>
-                  <a:schemeClr val="dk1"/>
-                </a:solidFill>
-                <a:latin typeface="Nunito"/>
-                <a:ea typeface="Nunito"/>
-                <a:cs typeface="Nunito"/>
-                <a:sym typeface="Nunito"/>
-              </a:defRPr>
-            </a:lvl1pPr>
-            <a:lvl2pPr marL="914400" marR="0" lvl="1" indent="-317500" algn="ctr" rtl="0">
-              <a:lnSpc>
-                <a:spcPct val="100000"/>
-              </a:lnSpc>
-              <a:spcBef>
-                <a:spcPts val="0"/>
-              </a:spcBef>
-              <a:spcAft>
-                <a:spcPts val="0"/>
-              </a:spcAft>
-              <a:buClr>
-                <a:schemeClr val="dk1"/>
-              </a:buClr>
-              <a:buSzPts val="1800"/>
-              <a:buFont typeface="Nunito"/>
-              <a:buNone/>
-              <a:defRPr sz="1800" b="0" i="0" u="none" strike="noStrike" cap="none">
-                <a:solidFill>
-                  <a:schemeClr val="dk1"/>
-                </a:solidFill>
-                <a:latin typeface="Nunito"/>
-                <a:ea typeface="Nunito"/>
-                <a:cs typeface="Nunito"/>
-                <a:sym typeface="Nunito"/>
-              </a:defRPr>
-            </a:lvl2pPr>
-            <a:lvl3pPr marL="1371600" marR="0" lvl="2" indent="-317500" algn="ctr" rtl="0">
-              <a:lnSpc>
-                <a:spcPct val="100000"/>
-              </a:lnSpc>
-              <a:spcBef>
-                <a:spcPts val="0"/>
-              </a:spcBef>
-              <a:spcAft>
-                <a:spcPts val="0"/>
-              </a:spcAft>
-              <a:buClr>
-                <a:schemeClr val="dk1"/>
-              </a:buClr>
-              <a:buSzPts val="1800"/>
-              <a:buFont typeface="Nunito"/>
-              <a:buNone/>
-              <a:defRPr sz="1800" b="0" i="0" u="none" strike="noStrike" cap="none">
-                <a:solidFill>
-                  <a:schemeClr val="dk1"/>
-                </a:solidFill>
-                <a:latin typeface="Nunito"/>
-                <a:ea typeface="Nunito"/>
-                <a:cs typeface="Nunito"/>
-                <a:sym typeface="Nunito"/>
-              </a:defRPr>
-            </a:lvl3pPr>
-            <a:lvl4pPr marL="1828800" marR="0" lvl="3" indent="-317500" algn="ctr" rtl="0">
-              <a:lnSpc>
-                <a:spcPct val="100000"/>
-              </a:lnSpc>
-              <a:spcBef>
-                <a:spcPts val="0"/>
-              </a:spcBef>
-              <a:spcAft>
-                <a:spcPts val="0"/>
-              </a:spcAft>
-              <a:buClr>
-                <a:schemeClr val="dk1"/>
-              </a:buClr>
-              <a:buSzPts val="1800"/>
-              <a:buFont typeface="Nunito"/>
-              <a:buNone/>
-              <a:defRPr sz="1800" b="0" i="0" u="none" strike="noStrike" cap="none">
-                <a:solidFill>
-                  <a:schemeClr val="dk1"/>
-                </a:solidFill>
-                <a:latin typeface="Nunito"/>
-                <a:ea typeface="Nunito"/>
-                <a:cs typeface="Nunito"/>
-                <a:sym typeface="Nunito"/>
-              </a:defRPr>
-            </a:lvl4pPr>
-            <a:lvl5pPr marL="2286000" marR="0" lvl="4" indent="-317500" algn="ctr" rtl="0">
-              <a:lnSpc>
-                <a:spcPct val="100000"/>
-              </a:lnSpc>
-              <a:spcBef>
-                <a:spcPts val="0"/>
-              </a:spcBef>
-              <a:spcAft>
-                <a:spcPts val="0"/>
-              </a:spcAft>
-              <a:buClr>
-                <a:schemeClr val="dk1"/>
-              </a:buClr>
-              <a:buSzPts val="1800"/>
-              <a:buFont typeface="Nunito"/>
-              <a:buNone/>
-              <a:defRPr sz="1800" b="0" i="0" u="none" strike="noStrike" cap="none">
-                <a:solidFill>
-                  <a:schemeClr val="dk1"/>
-                </a:solidFill>
-                <a:latin typeface="Nunito"/>
-                <a:ea typeface="Nunito"/>
-                <a:cs typeface="Nunito"/>
-                <a:sym typeface="Nunito"/>
-              </a:defRPr>
-            </a:lvl5pPr>
-            <a:lvl6pPr marL="2743200" marR="0" lvl="5" indent="-317500" algn="ctr" rtl="0">
-              <a:lnSpc>
-                <a:spcPct val="100000"/>
-              </a:lnSpc>
-              <a:spcBef>
-                <a:spcPts val="0"/>
-              </a:spcBef>
-              <a:spcAft>
-                <a:spcPts val="0"/>
-              </a:spcAft>
-              <a:buClr>
-                <a:schemeClr val="dk1"/>
-              </a:buClr>
-              <a:buSzPts val="1800"/>
-              <a:buFont typeface="Nunito"/>
-              <a:buNone/>
-              <a:defRPr sz="1800" b="0" i="0" u="none" strike="noStrike" cap="none">
-                <a:solidFill>
-                  <a:schemeClr val="dk1"/>
-                </a:solidFill>
-                <a:latin typeface="Nunito"/>
-                <a:ea typeface="Nunito"/>
-                <a:cs typeface="Nunito"/>
-                <a:sym typeface="Nunito"/>
-              </a:defRPr>
-            </a:lvl6pPr>
-            <a:lvl7pPr marL="3200400" marR="0" lvl="6" indent="-317500" algn="ctr" rtl="0">
-              <a:lnSpc>
-                <a:spcPct val="100000"/>
-              </a:lnSpc>
-              <a:spcBef>
-                <a:spcPts val="0"/>
-              </a:spcBef>
-              <a:spcAft>
-                <a:spcPts val="0"/>
-              </a:spcAft>
-              <a:buClr>
-                <a:schemeClr val="dk1"/>
-              </a:buClr>
-              <a:buSzPts val="1800"/>
-              <a:buFont typeface="Nunito"/>
-              <a:buNone/>
-              <a:defRPr sz="1800" b="0" i="0" u="none" strike="noStrike" cap="none">
-                <a:solidFill>
-                  <a:schemeClr val="dk1"/>
-                </a:solidFill>
-                <a:latin typeface="Nunito"/>
-                <a:ea typeface="Nunito"/>
-                <a:cs typeface="Nunito"/>
-                <a:sym typeface="Nunito"/>
-              </a:defRPr>
-            </a:lvl7pPr>
-            <a:lvl8pPr marL="3657600" marR="0" lvl="7" indent="-317500" algn="ctr" rtl="0">
-              <a:lnSpc>
-                <a:spcPct val="100000"/>
-              </a:lnSpc>
-              <a:spcBef>
-                <a:spcPts val="0"/>
-              </a:spcBef>
-              <a:spcAft>
-                <a:spcPts val="0"/>
-              </a:spcAft>
-              <a:buClr>
-                <a:schemeClr val="dk1"/>
-              </a:buClr>
-              <a:buSzPts val="1800"/>
-              <a:buFont typeface="Nunito"/>
-              <a:buNone/>
-              <a:defRPr sz="1800" b="0" i="0" u="none" strike="noStrike" cap="none">
-                <a:solidFill>
-                  <a:schemeClr val="dk1"/>
-                </a:solidFill>
-                <a:latin typeface="Nunito"/>
-                <a:ea typeface="Nunito"/>
-                <a:cs typeface="Nunito"/>
-                <a:sym typeface="Nunito"/>
-              </a:defRPr>
-            </a:lvl8pPr>
-            <a:lvl9pPr marL="4114800" marR="0" lvl="8" indent="-317500" algn="ctr" rtl="0">
-              <a:lnSpc>
-                <a:spcPct val="100000"/>
-              </a:lnSpc>
-              <a:spcBef>
-                <a:spcPts val="0"/>
-              </a:spcBef>
-              <a:spcAft>
-                <a:spcPts val="0"/>
-              </a:spcAft>
-              <a:buClr>
-                <a:schemeClr val="dk1"/>
-              </a:buClr>
-              <a:buSzPts val="1800"/>
-              <a:buFont typeface="Nunito"/>
-              <a:buNone/>
-              <a:defRPr sz="1800" b="0" i="0" u="none" strike="noStrike" cap="none">
-                <a:solidFill>
-                  <a:schemeClr val="dk1"/>
-                </a:solidFill>
-                <a:latin typeface="Nunito"/>
-                <a:ea typeface="Nunito"/>
-                <a:cs typeface="Nunito"/>
-                <a:sym typeface="Nunito"/>
-              </a:defRPr>
-            </a:lvl9pPr>
-          </a:lstStyle>
-          <a:p>
-            <a:pPr marL="0" indent="0" algn="just"/>
-            <a:r>
-              <a:rPr lang="ru-RU" sz="1400" b="1" dirty="0">
-                <a:solidFill>
-                  <a:schemeClr val="tx1">
-                    <a:lumMod val="50000"/>
-                  </a:schemeClr>
-                </a:solidFill>
-              </a:rPr>
-              <a:t>Состав команды</a:t>
-            </a:r>
-            <a:r>
-              <a:rPr lang="en-US" sz="1400" b="1" dirty="0">
-                <a:solidFill>
-                  <a:schemeClr val="tx1">
-                    <a:lumMod val="50000"/>
-                  </a:schemeClr>
-                </a:solidFill>
-              </a:rPr>
-              <a:t>:</a:t>
-            </a:r>
-          </a:p>
-          <a:p>
-            <a:pPr marL="0" indent="0"/>
-            <a:r>
-              <a:rPr lang="ru-RU" sz="1400" b="1" dirty="0">
-                <a:solidFill>
-                  <a:schemeClr val="tx1">
-                    <a:lumMod val="50000"/>
-                  </a:schemeClr>
-                </a:solidFill>
-              </a:rPr>
-              <a:t>-</a:t>
-            </a:r>
-            <a:br>
-              <a:rPr lang="ru-RU" sz="1400" b="1" dirty="0">
-                <a:solidFill>
-                  <a:schemeClr val="tx1">
-                    <a:lumMod val="50000"/>
-                  </a:schemeClr>
-                </a:solidFill>
-              </a:rPr>
-            </a:br>
-            <a:r>
-              <a:rPr lang="ru-RU" sz="1400" b="1" dirty="0">
-                <a:solidFill>
-                  <a:schemeClr val="tx1">
-                    <a:lumMod val="50000"/>
-                  </a:schemeClr>
-                </a:solidFill>
-              </a:rPr>
-              <a:t>-</a:t>
-            </a:r>
-            <a:br>
-              <a:rPr lang="ru-RU" sz="1400" b="1" dirty="0">
-                <a:solidFill>
-                  <a:schemeClr val="tx1">
-                    <a:lumMod val="50000"/>
-                  </a:schemeClr>
-                </a:solidFill>
-              </a:rPr>
-            </a:br>
-            <a:r>
-              <a:rPr lang="ru-RU" sz="1400" b="1" dirty="0">
-                <a:solidFill>
-                  <a:schemeClr val="tx1">
-                    <a:lumMod val="50000"/>
-                  </a:schemeClr>
-                </a:solidFill>
-              </a:rPr>
-              <a:t>-</a:t>
-            </a:r>
-            <a:br>
-              <a:rPr lang="ru-RU" sz="1400" b="1" dirty="0">
-                <a:solidFill>
-                  <a:schemeClr val="tx1">
-                    <a:lumMod val="50000"/>
-                  </a:schemeClr>
-                </a:solidFill>
-              </a:rPr>
-            </a:br>
-            <a:r>
-              <a:rPr lang="ru-RU" sz="1400" b="1" dirty="0">
-                <a:solidFill>
-                  <a:schemeClr val="tx1">
-                    <a:lumMod val="50000"/>
-                  </a:schemeClr>
-                </a:solidFill>
-              </a:rPr>
-              <a:t>-</a:t>
-            </a:r>
-            <a:br>
-              <a:rPr lang="ru-RU" sz="1400" b="1" dirty="0">
-                <a:solidFill>
-                  <a:schemeClr val="tx1">
-                    <a:lumMod val="50000"/>
-                  </a:schemeClr>
-                </a:solidFill>
-              </a:rPr>
-            </a:br>
-            <a:r>
-              <a:rPr lang="ru-RU" sz="1400" b="1" dirty="0">
-                <a:solidFill>
-                  <a:schemeClr val="tx1">
-                    <a:lumMod val="50000"/>
-                  </a:schemeClr>
-                </a:solidFill>
-              </a:rPr>
-              <a:t>-</a:t>
-            </a:r>
-            <a:endParaRPr lang="ru-RU" sz="1400" dirty="0">
-              <a:solidFill>
-                <a:schemeClr val="tx1">
-                  <a:lumMod val="50000"/>
-                </a:schemeClr>
-              </a:solidFill>
-            </a:endParaRPr>
-          </a:p>
-        </p:txBody>
-      </p:sp>
       <p:pic>
         <p:nvPicPr>
           <p:cNvPr id="1026" name="Picture 2">
@@ -3700,8 +4071,8 @@
         </p:blipFill>
         <p:spPr bwMode="auto">
           <a:xfrm>
-            <a:off x="7122295" y="2656658"/>
-            <a:ext cx="1889079" cy="1463912"/>
+            <a:off x="6876891" y="2656657"/>
+            <a:ext cx="2134484" cy="1654085"/>
           </a:xfrm>
           <a:prstGeom prst="rect">
             <a:avLst/>
@@ -4128,6 +4499,4761 @@
           <p:cNvPr id="7" name="Picture 2">
             <a:extLst>
               <a:ext uri="{FF2B5EF4-FFF2-40B4-BE49-F238E27FC236}">
+                <a16:creationId xmlns:a16="http://schemas.microsoft.com/office/drawing/2014/main" id="{E39C36B1-1A6A-B18D-85DC-38D2DF94C228}"/>
+              </a:ext>
+            </a:extLst>
+          </p:cNvPr>
+          <p:cNvPicPr>
+            <a:picLocks noChangeAspect="1" noChangeArrowheads="1"/>
+          </p:cNvPicPr>
+          <p:nvPr/>
+        </p:nvPicPr>
+        <p:blipFill>
+          <a:blip r:embed="rId3">
+            <a:extLst>
+              <a:ext uri="{28A0092B-C50C-407E-A947-70E740481C1C}">
+                <a14:useLocalDpi xmlns:a14="http://schemas.microsoft.com/office/drawing/2010/main" val="0"/>
+              </a:ext>
+            </a:extLst>
+          </a:blip>
+          <a:srcRect/>
+          <a:stretch>
+            <a:fillRect/>
+          </a:stretch>
+        </p:blipFill>
+        <p:spPr bwMode="auto">
+          <a:xfrm>
+            <a:off x="0" y="0"/>
+            <a:ext cx="9144000" cy="5143500"/>
+          </a:xfrm>
+          <a:prstGeom prst="rect">
+            <a:avLst/>
+          </a:prstGeom>
+          <a:noFill/>
+          <a:extLst>
+            <a:ext uri="{909E8E84-426E-40DD-AFC4-6F175D3DCCD1}">
+              <a14:hiddenFill xmlns:a14="http://schemas.microsoft.com/office/drawing/2010/main">
+                <a:solidFill>
+                  <a:srgbClr val="FFFFFF"/>
+                </a:solidFill>
+              </a14:hiddenFill>
+            </a:ext>
+          </a:extLst>
+        </p:spPr>
+      </p:pic>
+      <p:sp>
+        <p:nvSpPr>
+          <p:cNvPr id="15" name="Google Shape;510;p46">
+            <a:extLst>
+              <a:ext uri="{FF2B5EF4-FFF2-40B4-BE49-F238E27FC236}">
+                <a16:creationId xmlns:a16="http://schemas.microsoft.com/office/drawing/2014/main" id="{E7A8F942-5745-9CD6-9937-F52A4F305A79}"/>
+              </a:ext>
+            </a:extLst>
+          </p:cNvPr>
+          <p:cNvSpPr txBox="1">
+            <a:spLocks/>
+          </p:cNvSpPr>
+          <p:nvPr/>
+        </p:nvSpPr>
+        <p:spPr>
+          <a:xfrm>
+            <a:off x="2252192" y="296746"/>
+            <a:ext cx="4639610" cy="441908"/>
+          </a:xfrm>
+          <a:prstGeom prst="rect">
+            <a:avLst/>
+          </a:prstGeom>
+          <a:noFill/>
+          <a:ln>
+            <a:noFill/>
+          </a:ln>
+        </p:spPr>
+        <p:txBody>
+          <a:bodyPr spcFirstLastPara="1" wrap="square" lIns="91425" tIns="91425" rIns="91425" bIns="91425" anchor="ctr" anchorCtr="0">
+            <a:noAutofit/>
+          </a:bodyPr>
+          <a:lstStyle>
+            <a:defPPr marR="0" lvl="0" algn="l" rtl="0">
+              <a:lnSpc>
+                <a:spcPct val="100000"/>
+              </a:lnSpc>
+              <a:spcBef>
+                <a:spcPts val="0"/>
+              </a:spcBef>
+              <a:spcAft>
+                <a:spcPts val="0"/>
+              </a:spcAft>
+            </a:defPPr>
+            <a:lvl1pPr marR="0" lvl="0" algn="l" rtl="0">
+              <a:lnSpc>
+                <a:spcPct val="100000"/>
+              </a:lnSpc>
+              <a:spcBef>
+                <a:spcPts val="0"/>
+              </a:spcBef>
+              <a:spcAft>
+                <a:spcPts val="0"/>
+              </a:spcAft>
+              <a:buClr>
+                <a:schemeClr val="dk1"/>
+              </a:buClr>
+              <a:buSzPts val="3000"/>
+              <a:buFont typeface="Questrial"/>
+              <a:buNone/>
+              <a:defRPr sz="3000" b="0" i="0" u="none" strike="noStrike" cap="none">
+                <a:solidFill>
+                  <a:schemeClr val="dk1"/>
+                </a:solidFill>
+                <a:latin typeface="Questrial"/>
+                <a:ea typeface="Questrial"/>
+                <a:cs typeface="Questrial"/>
+                <a:sym typeface="Questrial"/>
+              </a:defRPr>
+            </a:lvl1pPr>
+            <a:lvl2pPr marR="0" lvl="1" algn="l" rtl="0">
+              <a:lnSpc>
+                <a:spcPct val="100000"/>
+              </a:lnSpc>
+              <a:spcBef>
+                <a:spcPts val="0"/>
+              </a:spcBef>
+              <a:spcAft>
+                <a:spcPts val="0"/>
+              </a:spcAft>
+              <a:buClr>
+                <a:schemeClr val="dk1"/>
+              </a:buClr>
+              <a:buSzPts val="3000"/>
+              <a:buFont typeface="Questrial"/>
+              <a:buNone/>
+              <a:defRPr sz="3000" b="0" i="0" u="none" strike="noStrike" cap="none">
+                <a:solidFill>
+                  <a:schemeClr val="dk1"/>
+                </a:solidFill>
+                <a:latin typeface="Questrial"/>
+                <a:ea typeface="Questrial"/>
+                <a:cs typeface="Questrial"/>
+                <a:sym typeface="Questrial"/>
+              </a:defRPr>
+            </a:lvl2pPr>
+            <a:lvl3pPr marR="0" lvl="2" algn="l" rtl="0">
+              <a:lnSpc>
+                <a:spcPct val="100000"/>
+              </a:lnSpc>
+              <a:spcBef>
+                <a:spcPts val="0"/>
+              </a:spcBef>
+              <a:spcAft>
+                <a:spcPts val="0"/>
+              </a:spcAft>
+              <a:buClr>
+                <a:schemeClr val="dk1"/>
+              </a:buClr>
+              <a:buSzPts val="3000"/>
+              <a:buFont typeface="Questrial"/>
+              <a:buNone/>
+              <a:defRPr sz="3000" b="0" i="0" u="none" strike="noStrike" cap="none">
+                <a:solidFill>
+                  <a:schemeClr val="dk1"/>
+                </a:solidFill>
+                <a:latin typeface="Questrial"/>
+                <a:ea typeface="Questrial"/>
+                <a:cs typeface="Questrial"/>
+                <a:sym typeface="Questrial"/>
+              </a:defRPr>
+            </a:lvl3pPr>
+            <a:lvl4pPr marR="0" lvl="3" algn="l" rtl="0">
+              <a:lnSpc>
+                <a:spcPct val="100000"/>
+              </a:lnSpc>
+              <a:spcBef>
+                <a:spcPts val="0"/>
+              </a:spcBef>
+              <a:spcAft>
+                <a:spcPts val="0"/>
+              </a:spcAft>
+              <a:buClr>
+                <a:schemeClr val="dk1"/>
+              </a:buClr>
+              <a:buSzPts val="3000"/>
+              <a:buFont typeface="Questrial"/>
+              <a:buNone/>
+              <a:defRPr sz="3000" b="0" i="0" u="none" strike="noStrike" cap="none">
+                <a:solidFill>
+                  <a:schemeClr val="dk1"/>
+                </a:solidFill>
+                <a:latin typeface="Questrial"/>
+                <a:ea typeface="Questrial"/>
+                <a:cs typeface="Questrial"/>
+                <a:sym typeface="Questrial"/>
+              </a:defRPr>
+            </a:lvl4pPr>
+            <a:lvl5pPr marR="0" lvl="4" algn="l" rtl="0">
+              <a:lnSpc>
+                <a:spcPct val="100000"/>
+              </a:lnSpc>
+              <a:spcBef>
+                <a:spcPts val="0"/>
+              </a:spcBef>
+              <a:spcAft>
+                <a:spcPts val="0"/>
+              </a:spcAft>
+              <a:buClr>
+                <a:schemeClr val="dk1"/>
+              </a:buClr>
+              <a:buSzPts val="3000"/>
+              <a:buFont typeface="Questrial"/>
+              <a:buNone/>
+              <a:defRPr sz="3000" b="0" i="0" u="none" strike="noStrike" cap="none">
+                <a:solidFill>
+                  <a:schemeClr val="dk1"/>
+                </a:solidFill>
+                <a:latin typeface="Questrial"/>
+                <a:ea typeface="Questrial"/>
+                <a:cs typeface="Questrial"/>
+                <a:sym typeface="Questrial"/>
+              </a:defRPr>
+            </a:lvl5pPr>
+            <a:lvl6pPr marR="0" lvl="5" algn="l" rtl="0">
+              <a:lnSpc>
+                <a:spcPct val="100000"/>
+              </a:lnSpc>
+              <a:spcBef>
+                <a:spcPts val="0"/>
+              </a:spcBef>
+              <a:spcAft>
+                <a:spcPts val="0"/>
+              </a:spcAft>
+              <a:buClr>
+                <a:schemeClr val="dk1"/>
+              </a:buClr>
+              <a:buSzPts val="3000"/>
+              <a:buFont typeface="Questrial"/>
+              <a:buNone/>
+              <a:defRPr sz="3000" b="0" i="0" u="none" strike="noStrike" cap="none">
+                <a:solidFill>
+                  <a:schemeClr val="dk1"/>
+                </a:solidFill>
+                <a:latin typeface="Questrial"/>
+                <a:ea typeface="Questrial"/>
+                <a:cs typeface="Questrial"/>
+                <a:sym typeface="Questrial"/>
+              </a:defRPr>
+            </a:lvl6pPr>
+            <a:lvl7pPr marR="0" lvl="6" algn="l" rtl="0">
+              <a:lnSpc>
+                <a:spcPct val="100000"/>
+              </a:lnSpc>
+              <a:spcBef>
+                <a:spcPts val="0"/>
+              </a:spcBef>
+              <a:spcAft>
+                <a:spcPts val="0"/>
+              </a:spcAft>
+              <a:buClr>
+                <a:schemeClr val="dk1"/>
+              </a:buClr>
+              <a:buSzPts val="3000"/>
+              <a:buFont typeface="Questrial"/>
+              <a:buNone/>
+              <a:defRPr sz="3000" b="0" i="0" u="none" strike="noStrike" cap="none">
+                <a:solidFill>
+                  <a:schemeClr val="dk1"/>
+                </a:solidFill>
+                <a:latin typeface="Questrial"/>
+                <a:ea typeface="Questrial"/>
+                <a:cs typeface="Questrial"/>
+                <a:sym typeface="Questrial"/>
+              </a:defRPr>
+            </a:lvl7pPr>
+            <a:lvl8pPr marR="0" lvl="7" algn="l" rtl="0">
+              <a:lnSpc>
+                <a:spcPct val="100000"/>
+              </a:lnSpc>
+              <a:spcBef>
+                <a:spcPts val="0"/>
+              </a:spcBef>
+              <a:spcAft>
+                <a:spcPts val="0"/>
+              </a:spcAft>
+              <a:buClr>
+                <a:schemeClr val="dk1"/>
+              </a:buClr>
+              <a:buSzPts val="3000"/>
+              <a:buFont typeface="Questrial"/>
+              <a:buNone/>
+              <a:defRPr sz="3000" b="0" i="0" u="none" strike="noStrike" cap="none">
+                <a:solidFill>
+                  <a:schemeClr val="dk1"/>
+                </a:solidFill>
+                <a:latin typeface="Questrial"/>
+                <a:ea typeface="Questrial"/>
+                <a:cs typeface="Questrial"/>
+                <a:sym typeface="Questrial"/>
+              </a:defRPr>
+            </a:lvl8pPr>
+            <a:lvl9pPr marR="0" lvl="8" algn="l" rtl="0">
+              <a:lnSpc>
+                <a:spcPct val="100000"/>
+              </a:lnSpc>
+              <a:spcBef>
+                <a:spcPts val="0"/>
+              </a:spcBef>
+              <a:spcAft>
+                <a:spcPts val="0"/>
+              </a:spcAft>
+              <a:buClr>
+                <a:schemeClr val="dk1"/>
+              </a:buClr>
+              <a:buSzPts val="3000"/>
+              <a:buFont typeface="Questrial"/>
+              <a:buNone/>
+              <a:defRPr sz="3000" b="0" i="0" u="none" strike="noStrike" cap="none">
+                <a:solidFill>
+                  <a:schemeClr val="dk1"/>
+                </a:solidFill>
+                <a:latin typeface="Questrial"/>
+                <a:ea typeface="Questrial"/>
+                <a:cs typeface="Questrial"/>
+                <a:sym typeface="Questrial"/>
+              </a:defRPr>
+            </a:lvl9pPr>
+          </a:lstStyle>
+          <a:p>
+            <a:pPr algn="ctr"/>
+            <a:r>
+              <a:rPr lang="ru-RU" sz="3200" b="1" dirty="0">
+                <a:solidFill>
+                  <a:schemeClr val="bg1">
+                    <a:lumMod val="10000"/>
+                  </a:schemeClr>
+                </a:solidFill>
+              </a:rPr>
+              <a:t>Введение</a:t>
+            </a:r>
+            <a:endParaRPr lang="en-US" sz="3200" b="1" dirty="0">
+              <a:solidFill>
+                <a:schemeClr val="bg1">
+                  <a:lumMod val="10000"/>
+                </a:schemeClr>
+              </a:solidFill>
+            </a:endParaRPr>
+          </a:p>
+        </p:txBody>
+      </p:sp>
+      <p:grpSp>
+        <p:nvGrpSpPr>
+          <p:cNvPr id="16" name="Группа 15">
+            <a:extLst>
+              <a:ext uri="{FF2B5EF4-FFF2-40B4-BE49-F238E27FC236}">
+                <a16:creationId xmlns:a16="http://schemas.microsoft.com/office/drawing/2014/main" id="{A7772888-662B-9DC4-15BA-8858DE067D32}"/>
+              </a:ext>
+            </a:extLst>
+          </p:cNvPr>
+          <p:cNvGrpSpPr/>
+          <p:nvPr/>
+        </p:nvGrpSpPr>
+        <p:grpSpPr>
+          <a:xfrm>
+            <a:off x="3625847" y="776754"/>
+            <a:ext cx="1892300" cy="221876"/>
+            <a:chOff x="2050256" y="941294"/>
+            <a:chExt cx="5093494" cy="0"/>
+          </a:xfrm>
+        </p:grpSpPr>
+        <p:cxnSp>
+          <p:nvCxnSpPr>
+            <p:cNvPr id="20" name="Google Shape;258;p35">
+              <a:extLst>
+                <a:ext uri="{FF2B5EF4-FFF2-40B4-BE49-F238E27FC236}">
+                  <a16:creationId xmlns:a16="http://schemas.microsoft.com/office/drawing/2014/main" id="{6DAAA07D-DD3F-8850-AB6E-EB27B6A5E07A}"/>
+                </a:ext>
+              </a:extLst>
+            </p:cNvPr>
+            <p:cNvCxnSpPr>
+              <a:cxnSpLocks/>
+            </p:cNvCxnSpPr>
+            <p:nvPr/>
+          </p:nvCxnSpPr>
+          <p:spPr>
+            <a:xfrm>
+              <a:off x="2050256" y="941294"/>
+              <a:ext cx="5093494" cy="0"/>
+            </a:xfrm>
+            <a:prstGeom prst="straightConnector1">
+              <a:avLst/>
+            </a:prstGeom>
+            <a:noFill/>
+            <a:ln w="38100" cap="flat" cmpd="sng">
+              <a:solidFill>
+                <a:schemeClr val="accent1"/>
+              </a:solidFill>
+              <a:prstDash val="solid"/>
+              <a:round/>
+              <a:headEnd type="none" w="med" len="med"/>
+              <a:tailEnd type="none" w="med" len="med"/>
+            </a:ln>
+          </p:spPr>
+        </p:cxnSp>
+        <p:cxnSp>
+          <p:nvCxnSpPr>
+            <p:cNvPr id="21" name="Google Shape;145;p28">
+              <a:extLst>
+                <a:ext uri="{FF2B5EF4-FFF2-40B4-BE49-F238E27FC236}">
+                  <a16:creationId xmlns:a16="http://schemas.microsoft.com/office/drawing/2014/main" id="{0C2C9889-4C7B-EAF9-8A68-D46B36B18D0D}"/>
+                </a:ext>
+              </a:extLst>
+            </p:cNvPr>
+            <p:cNvCxnSpPr/>
+            <p:nvPr/>
+          </p:nvCxnSpPr>
+          <p:spPr>
+            <a:xfrm>
+              <a:off x="2073959" y="941294"/>
+              <a:ext cx="5041761" cy="0"/>
+            </a:xfrm>
+            <a:prstGeom prst="straightConnector1">
+              <a:avLst/>
+            </a:prstGeom>
+            <a:noFill/>
+            <a:ln w="19050" cap="flat" cmpd="sng">
+              <a:solidFill>
+                <a:schemeClr val="dk1"/>
+              </a:solidFill>
+              <a:prstDash val="solid"/>
+              <a:round/>
+              <a:headEnd type="none" w="med" len="med"/>
+              <a:tailEnd type="none" w="med" len="med"/>
+            </a:ln>
+          </p:spPr>
+        </p:cxnSp>
+      </p:grpSp>
+      <p:sp>
+        <p:nvSpPr>
+          <p:cNvPr id="24" name="Google Shape;182;p31">
+            <a:extLst>
+              <a:ext uri="{FF2B5EF4-FFF2-40B4-BE49-F238E27FC236}">
+                <a16:creationId xmlns:a16="http://schemas.microsoft.com/office/drawing/2014/main" id="{8F6ABAC1-3711-0A72-5C33-AA22D3E37D56}"/>
+              </a:ext>
+            </a:extLst>
+          </p:cNvPr>
+          <p:cNvSpPr txBox="1">
+            <a:spLocks/>
+          </p:cNvSpPr>
+          <p:nvPr/>
+        </p:nvSpPr>
+        <p:spPr>
+          <a:xfrm>
+            <a:off x="342484" y="1019957"/>
+            <a:ext cx="737401" cy="671326"/>
+          </a:xfrm>
+          <a:prstGeom prst="rect">
+            <a:avLst/>
+          </a:prstGeom>
+          <a:noFill/>
+          <a:ln>
+            <a:noFill/>
+          </a:ln>
+        </p:spPr>
+        <p:txBody>
+          <a:bodyPr spcFirstLastPara="1" wrap="square" lIns="91425" tIns="91425" rIns="91425" bIns="91425" anchor="ctr" anchorCtr="0">
+            <a:noAutofit/>
+          </a:bodyPr>
+          <a:lstStyle>
+            <a:defPPr marR="0" lvl="0" algn="l" rtl="0">
+              <a:lnSpc>
+                <a:spcPct val="100000"/>
+              </a:lnSpc>
+              <a:spcBef>
+                <a:spcPts val="0"/>
+              </a:spcBef>
+              <a:spcAft>
+                <a:spcPts val="0"/>
+              </a:spcAft>
+            </a:defPPr>
+            <a:lvl1pPr marR="0" lvl="0" algn="ctr" rtl="0">
+              <a:lnSpc>
+                <a:spcPct val="100000"/>
+              </a:lnSpc>
+              <a:spcBef>
+                <a:spcPts val="0"/>
+              </a:spcBef>
+              <a:spcAft>
+                <a:spcPts val="0"/>
+              </a:spcAft>
+              <a:buClr>
+                <a:schemeClr val="dk1"/>
+              </a:buClr>
+              <a:buSzPts val="3000"/>
+              <a:buFont typeface="Questrial"/>
+              <a:buNone/>
+              <a:defRPr sz="5400" b="1" i="0" u="none" strike="noStrike" cap="none">
+                <a:solidFill>
+                  <a:schemeClr val="dk1"/>
+                </a:solidFill>
+                <a:latin typeface="Questrial"/>
+                <a:ea typeface="Questrial"/>
+                <a:cs typeface="Questrial"/>
+                <a:sym typeface="Questrial"/>
+              </a:defRPr>
+            </a:lvl1pPr>
+            <a:lvl2pPr marR="0" lvl="1" algn="l" rtl="0">
+              <a:lnSpc>
+                <a:spcPct val="100000"/>
+              </a:lnSpc>
+              <a:spcBef>
+                <a:spcPts val="0"/>
+              </a:spcBef>
+              <a:spcAft>
+                <a:spcPts val="0"/>
+              </a:spcAft>
+              <a:buClr>
+                <a:schemeClr val="dk1"/>
+              </a:buClr>
+              <a:buSzPts val="3000"/>
+              <a:buFont typeface="Questrial"/>
+              <a:buNone/>
+              <a:defRPr sz="3000" b="0" i="0" u="none" strike="noStrike" cap="none">
+                <a:solidFill>
+                  <a:schemeClr val="dk1"/>
+                </a:solidFill>
+                <a:latin typeface="Questrial"/>
+                <a:ea typeface="Questrial"/>
+                <a:cs typeface="Questrial"/>
+                <a:sym typeface="Questrial"/>
+              </a:defRPr>
+            </a:lvl2pPr>
+            <a:lvl3pPr marR="0" lvl="2" algn="l" rtl="0">
+              <a:lnSpc>
+                <a:spcPct val="100000"/>
+              </a:lnSpc>
+              <a:spcBef>
+                <a:spcPts val="0"/>
+              </a:spcBef>
+              <a:spcAft>
+                <a:spcPts val="0"/>
+              </a:spcAft>
+              <a:buClr>
+                <a:schemeClr val="dk1"/>
+              </a:buClr>
+              <a:buSzPts val="3000"/>
+              <a:buFont typeface="Questrial"/>
+              <a:buNone/>
+              <a:defRPr sz="3000" b="0" i="0" u="none" strike="noStrike" cap="none">
+                <a:solidFill>
+                  <a:schemeClr val="dk1"/>
+                </a:solidFill>
+                <a:latin typeface="Questrial"/>
+                <a:ea typeface="Questrial"/>
+                <a:cs typeface="Questrial"/>
+                <a:sym typeface="Questrial"/>
+              </a:defRPr>
+            </a:lvl3pPr>
+            <a:lvl4pPr marR="0" lvl="3" algn="l" rtl="0">
+              <a:lnSpc>
+                <a:spcPct val="100000"/>
+              </a:lnSpc>
+              <a:spcBef>
+                <a:spcPts val="0"/>
+              </a:spcBef>
+              <a:spcAft>
+                <a:spcPts val="0"/>
+              </a:spcAft>
+              <a:buClr>
+                <a:schemeClr val="dk1"/>
+              </a:buClr>
+              <a:buSzPts val="3000"/>
+              <a:buFont typeface="Questrial"/>
+              <a:buNone/>
+              <a:defRPr sz="3000" b="0" i="0" u="none" strike="noStrike" cap="none">
+                <a:solidFill>
+                  <a:schemeClr val="dk1"/>
+                </a:solidFill>
+                <a:latin typeface="Questrial"/>
+                <a:ea typeface="Questrial"/>
+                <a:cs typeface="Questrial"/>
+                <a:sym typeface="Questrial"/>
+              </a:defRPr>
+            </a:lvl4pPr>
+            <a:lvl5pPr marR="0" lvl="4" algn="l" rtl="0">
+              <a:lnSpc>
+                <a:spcPct val="100000"/>
+              </a:lnSpc>
+              <a:spcBef>
+                <a:spcPts val="0"/>
+              </a:spcBef>
+              <a:spcAft>
+                <a:spcPts val="0"/>
+              </a:spcAft>
+              <a:buClr>
+                <a:schemeClr val="dk1"/>
+              </a:buClr>
+              <a:buSzPts val="3000"/>
+              <a:buFont typeface="Questrial"/>
+              <a:buNone/>
+              <a:defRPr sz="3000" b="0" i="0" u="none" strike="noStrike" cap="none">
+                <a:solidFill>
+                  <a:schemeClr val="dk1"/>
+                </a:solidFill>
+                <a:latin typeface="Questrial"/>
+                <a:ea typeface="Questrial"/>
+                <a:cs typeface="Questrial"/>
+                <a:sym typeface="Questrial"/>
+              </a:defRPr>
+            </a:lvl5pPr>
+            <a:lvl6pPr marR="0" lvl="5" algn="l" rtl="0">
+              <a:lnSpc>
+                <a:spcPct val="100000"/>
+              </a:lnSpc>
+              <a:spcBef>
+                <a:spcPts val="0"/>
+              </a:spcBef>
+              <a:spcAft>
+                <a:spcPts val="0"/>
+              </a:spcAft>
+              <a:buClr>
+                <a:schemeClr val="dk1"/>
+              </a:buClr>
+              <a:buSzPts val="3000"/>
+              <a:buFont typeface="Questrial"/>
+              <a:buNone/>
+              <a:defRPr sz="3000" b="0" i="0" u="none" strike="noStrike" cap="none">
+                <a:solidFill>
+                  <a:schemeClr val="dk1"/>
+                </a:solidFill>
+                <a:latin typeface="Questrial"/>
+                <a:ea typeface="Questrial"/>
+                <a:cs typeface="Questrial"/>
+                <a:sym typeface="Questrial"/>
+              </a:defRPr>
+            </a:lvl6pPr>
+            <a:lvl7pPr marR="0" lvl="6" algn="l" rtl="0">
+              <a:lnSpc>
+                <a:spcPct val="100000"/>
+              </a:lnSpc>
+              <a:spcBef>
+                <a:spcPts val="0"/>
+              </a:spcBef>
+              <a:spcAft>
+                <a:spcPts val="0"/>
+              </a:spcAft>
+              <a:buClr>
+                <a:schemeClr val="dk1"/>
+              </a:buClr>
+              <a:buSzPts val="3000"/>
+              <a:buFont typeface="Questrial"/>
+              <a:buNone/>
+              <a:defRPr sz="3000" b="0" i="0" u="none" strike="noStrike" cap="none">
+                <a:solidFill>
+                  <a:schemeClr val="dk1"/>
+                </a:solidFill>
+                <a:latin typeface="Questrial"/>
+                <a:ea typeface="Questrial"/>
+                <a:cs typeface="Questrial"/>
+                <a:sym typeface="Questrial"/>
+              </a:defRPr>
+            </a:lvl7pPr>
+            <a:lvl8pPr marR="0" lvl="7" algn="l" rtl="0">
+              <a:lnSpc>
+                <a:spcPct val="100000"/>
+              </a:lnSpc>
+              <a:spcBef>
+                <a:spcPts val="0"/>
+              </a:spcBef>
+              <a:spcAft>
+                <a:spcPts val="0"/>
+              </a:spcAft>
+              <a:buClr>
+                <a:schemeClr val="dk1"/>
+              </a:buClr>
+              <a:buSzPts val="3000"/>
+              <a:buFont typeface="Questrial"/>
+              <a:buNone/>
+              <a:defRPr sz="3000" b="0" i="0" u="none" strike="noStrike" cap="none">
+                <a:solidFill>
+                  <a:schemeClr val="dk1"/>
+                </a:solidFill>
+                <a:latin typeface="Questrial"/>
+                <a:ea typeface="Questrial"/>
+                <a:cs typeface="Questrial"/>
+                <a:sym typeface="Questrial"/>
+              </a:defRPr>
+            </a:lvl8pPr>
+            <a:lvl9pPr marR="0" lvl="8" algn="l" rtl="0">
+              <a:lnSpc>
+                <a:spcPct val="100000"/>
+              </a:lnSpc>
+              <a:spcBef>
+                <a:spcPts val="0"/>
+              </a:spcBef>
+              <a:spcAft>
+                <a:spcPts val="0"/>
+              </a:spcAft>
+              <a:buClr>
+                <a:schemeClr val="dk1"/>
+              </a:buClr>
+              <a:buSzPts val="3000"/>
+              <a:buFont typeface="Questrial"/>
+              <a:buNone/>
+              <a:defRPr sz="3000" b="0" i="0" u="none" strike="noStrike" cap="none">
+                <a:solidFill>
+                  <a:schemeClr val="dk1"/>
+                </a:solidFill>
+                <a:latin typeface="Questrial"/>
+                <a:ea typeface="Questrial"/>
+                <a:cs typeface="Questrial"/>
+                <a:sym typeface="Questrial"/>
+              </a:defRPr>
+            </a:lvl9pPr>
+          </a:lstStyle>
+          <a:p>
+            <a:r>
+              <a:rPr lang="es" dirty="0">
+                <a:solidFill>
+                  <a:schemeClr val="bg1">
+                    <a:lumMod val="10000"/>
+                  </a:schemeClr>
+                </a:solidFill>
+              </a:rPr>
+              <a:t>1</a:t>
+            </a:r>
+          </a:p>
+        </p:txBody>
+      </p:sp>
+      <p:sp>
+        <p:nvSpPr>
+          <p:cNvPr id="26" name="Google Shape;172;p31">
+            <a:extLst>
+              <a:ext uri="{FF2B5EF4-FFF2-40B4-BE49-F238E27FC236}">
+                <a16:creationId xmlns:a16="http://schemas.microsoft.com/office/drawing/2014/main" id="{074C7FD6-5173-0DDA-4AA1-4F10A5D7E649}"/>
+              </a:ext>
+            </a:extLst>
+          </p:cNvPr>
+          <p:cNvSpPr txBox="1">
+            <a:spLocks noGrp="1"/>
+          </p:cNvSpPr>
+          <p:nvPr>
+            <p:ph type="title"/>
+          </p:nvPr>
+        </p:nvSpPr>
+        <p:spPr>
+          <a:xfrm>
+            <a:off x="1248530" y="1884516"/>
+            <a:ext cx="7430157" cy="1023000"/>
+          </a:xfrm>
+          <a:prstGeom prst="rect">
+            <a:avLst/>
+          </a:prstGeom>
+        </p:spPr>
+        <p:txBody>
+          <a:bodyPr spcFirstLastPara="1" wrap="square" lIns="91425" tIns="91425" rIns="91425" bIns="91425" anchor="ctr" anchorCtr="0">
+            <a:noAutofit/>
+          </a:bodyPr>
+          <a:lstStyle/>
+          <a:p>
+            <a:pPr marL="0" lvl="0" indent="0" algn="just" rtl="0">
+              <a:spcBef>
+                <a:spcPts val="0"/>
+              </a:spcBef>
+              <a:spcAft>
+                <a:spcPts val="0"/>
+              </a:spcAft>
+              <a:buNone/>
+            </a:pPr>
+            <a:r>
+              <a:rPr lang="ru-RU" sz="1800" b="1" dirty="0">
+                <a:solidFill>
+                  <a:schemeClr val="bg1">
+                    <a:lumMod val="10000"/>
+                  </a:schemeClr>
+                </a:solidFill>
+              </a:rPr>
+              <a:t>-</a:t>
+            </a:r>
+            <a:endParaRPr sz="1800" dirty="0">
+              <a:solidFill>
+                <a:schemeClr val="bg1">
+                  <a:lumMod val="10000"/>
+                </a:schemeClr>
+              </a:solidFill>
+            </a:endParaRPr>
+          </a:p>
+        </p:txBody>
+      </p:sp>
+      <p:sp>
+        <p:nvSpPr>
+          <p:cNvPr id="30" name="Google Shape;172;p31">
+            <a:extLst>
+              <a:ext uri="{FF2B5EF4-FFF2-40B4-BE49-F238E27FC236}">
+                <a16:creationId xmlns:a16="http://schemas.microsoft.com/office/drawing/2014/main" id="{ED095148-E910-0B76-5E13-858671579D12}"/>
+              </a:ext>
+            </a:extLst>
+          </p:cNvPr>
+          <p:cNvSpPr txBox="1">
+            <a:spLocks/>
+          </p:cNvSpPr>
+          <p:nvPr/>
+        </p:nvSpPr>
+        <p:spPr>
+          <a:xfrm>
+            <a:off x="1248530" y="3026318"/>
+            <a:ext cx="6780060" cy="836522"/>
+          </a:xfrm>
+          <a:prstGeom prst="rect">
+            <a:avLst/>
+          </a:prstGeom>
+          <a:noFill/>
+          <a:ln>
+            <a:noFill/>
+          </a:ln>
+        </p:spPr>
+        <p:txBody>
+          <a:bodyPr spcFirstLastPara="1" wrap="square" lIns="91425" tIns="91425" rIns="91425" bIns="91425" anchor="ctr" anchorCtr="0">
+            <a:noAutofit/>
+          </a:bodyPr>
+          <a:lstStyle>
+            <a:defPPr marR="0" lvl="0" algn="l" rtl="0">
+              <a:lnSpc>
+                <a:spcPct val="100000"/>
+              </a:lnSpc>
+              <a:spcBef>
+                <a:spcPts val="0"/>
+              </a:spcBef>
+              <a:spcAft>
+                <a:spcPts val="0"/>
+              </a:spcAft>
+            </a:defPPr>
+            <a:lvl1pPr marR="0" lvl="0" algn="l" rtl="0">
+              <a:lnSpc>
+                <a:spcPct val="100000"/>
+              </a:lnSpc>
+              <a:spcBef>
+                <a:spcPts val="0"/>
+              </a:spcBef>
+              <a:spcAft>
+                <a:spcPts val="0"/>
+              </a:spcAft>
+              <a:buClr>
+                <a:schemeClr val="dk1"/>
+              </a:buClr>
+              <a:buSzPts val="3000"/>
+              <a:buFont typeface="Questrial"/>
+              <a:buNone/>
+              <a:defRPr sz="3000" b="0" i="0" u="none" strike="noStrike" cap="none">
+                <a:solidFill>
+                  <a:schemeClr val="dk1"/>
+                </a:solidFill>
+                <a:latin typeface="Questrial"/>
+                <a:ea typeface="Questrial"/>
+                <a:cs typeface="Questrial"/>
+                <a:sym typeface="Questrial"/>
+              </a:defRPr>
+            </a:lvl1pPr>
+            <a:lvl2pPr marR="0" lvl="1" algn="l" rtl="0">
+              <a:lnSpc>
+                <a:spcPct val="100000"/>
+              </a:lnSpc>
+              <a:spcBef>
+                <a:spcPts val="0"/>
+              </a:spcBef>
+              <a:spcAft>
+                <a:spcPts val="0"/>
+              </a:spcAft>
+              <a:buClr>
+                <a:schemeClr val="dk1"/>
+              </a:buClr>
+              <a:buSzPts val="3000"/>
+              <a:buFont typeface="Questrial"/>
+              <a:buNone/>
+              <a:defRPr sz="3000" b="0" i="0" u="none" strike="noStrike" cap="none">
+                <a:solidFill>
+                  <a:schemeClr val="dk1"/>
+                </a:solidFill>
+                <a:latin typeface="Questrial"/>
+                <a:ea typeface="Questrial"/>
+                <a:cs typeface="Questrial"/>
+                <a:sym typeface="Questrial"/>
+              </a:defRPr>
+            </a:lvl2pPr>
+            <a:lvl3pPr marR="0" lvl="2" algn="l" rtl="0">
+              <a:lnSpc>
+                <a:spcPct val="100000"/>
+              </a:lnSpc>
+              <a:spcBef>
+                <a:spcPts val="0"/>
+              </a:spcBef>
+              <a:spcAft>
+                <a:spcPts val="0"/>
+              </a:spcAft>
+              <a:buClr>
+                <a:schemeClr val="dk1"/>
+              </a:buClr>
+              <a:buSzPts val="3000"/>
+              <a:buFont typeface="Questrial"/>
+              <a:buNone/>
+              <a:defRPr sz="3000" b="0" i="0" u="none" strike="noStrike" cap="none">
+                <a:solidFill>
+                  <a:schemeClr val="dk1"/>
+                </a:solidFill>
+                <a:latin typeface="Questrial"/>
+                <a:ea typeface="Questrial"/>
+                <a:cs typeface="Questrial"/>
+                <a:sym typeface="Questrial"/>
+              </a:defRPr>
+            </a:lvl3pPr>
+            <a:lvl4pPr marR="0" lvl="3" algn="l" rtl="0">
+              <a:lnSpc>
+                <a:spcPct val="100000"/>
+              </a:lnSpc>
+              <a:spcBef>
+                <a:spcPts val="0"/>
+              </a:spcBef>
+              <a:spcAft>
+                <a:spcPts val="0"/>
+              </a:spcAft>
+              <a:buClr>
+                <a:schemeClr val="dk1"/>
+              </a:buClr>
+              <a:buSzPts val="3000"/>
+              <a:buFont typeface="Questrial"/>
+              <a:buNone/>
+              <a:defRPr sz="3000" b="0" i="0" u="none" strike="noStrike" cap="none">
+                <a:solidFill>
+                  <a:schemeClr val="dk1"/>
+                </a:solidFill>
+                <a:latin typeface="Questrial"/>
+                <a:ea typeface="Questrial"/>
+                <a:cs typeface="Questrial"/>
+                <a:sym typeface="Questrial"/>
+              </a:defRPr>
+            </a:lvl4pPr>
+            <a:lvl5pPr marR="0" lvl="4" algn="l" rtl="0">
+              <a:lnSpc>
+                <a:spcPct val="100000"/>
+              </a:lnSpc>
+              <a:spcBef>
+                <a:spcPts val="0"/>
+              </a:spcBef>
+              <a:spcAft>
+                <a:spcPts val="0"/>
+              </a:spcAft>
+              <a:buClr>
+                <a:schemeClr val="dk1"/>
+              </a:buClr>
+              <a:buSzPts val="3000"/>
+              <a:buFont typeface="Questrial"/>
+              <a:buNone/>
+              <a:defRPr sz="3000" b="0" i="0" u="none" strike="noStrike" cap="none">
+                <a:solidFill>
+                  <a:schemeClr val="dk1"/>
+                </a:solidFill>
+                <a:latin typeface="Questrial"/>
+                <a:ea typeface="Questrial"/>
+                <a:cs typeface="Questrial"/>
+                <a:sym typeface="Questrial"/>
+              </a:defRPr>
+            </a:lvl5pPr>
+            <a:lvl6pPr marR="0" lvl="5" algn="l" rtl="0">
+              <a:lnSpc>
+                <a:spcPct val="100000"/>
+              </a:lnSpc>
+              <a:spcBef>
+                <a:spcPts val="0"/>
+              </a:spcBef>
+              <a:spcAft>
+                <a:spcPts val="0"/>
+              </a:spcAft>
+              <a:buClr>
+                <a:schemeClr val="dk1"/>
+              </a:buClr>
+              <a:buSzPts val="3000"/>
+              <a:buFont typeface="Questrial"/>
+              <a:buNone/>
+              <a:defRPr sz="3000" b="0" i="0" u="none" strike="noStrike" cap="none">
+                <a:solidFill>
+                  <a:schemeClr val="dk1"/>
+                </a:solidFill>
+                <a:latin typeface="Questrial"/>
+                <a:ea typeface="Questrial"/>
+                <a:cs typeface="Questrial"/>
+                <a:sym typeface="Questrial"/>
+              </a:defRPr>
+            </a:lvl6pPr>
+            <a:lvl7pPr marR="0" lvl="6" algn="l" rtl="0">
+              <a:lnSpc>
+                <a:spcPct val="100000"/>
+              </a:lnSpc>
+              <a:spcBef>
+                <a:spcPts val="0"/>
+              </a:spcBef>
+              <a:spcAft>
+                <a:spcPts val="0"/>
+              </a:spcAft>
+              <a:buClr>
+                <a:schemeClr val="dk1"/>
+              </a:buClr>
+              <a:buSzPts val="3000"/>
+              <a:buFont typeface="Questrial"/>
+              <a:buNone/>
+              <a:defRPr sz="3000" b="0" i="0" u="none" strike="noStrike" cap="none">
+                <a:solidFill>
+                  <a:schemeClr val="dk1"/>
+                </a:solidFill>
+                <a:latin typeface="Questrial"/>
+                <a:ea typeface="Questrial"/>
+                <a:cs typeface="Questrial"/>
+                <a:sym typeface="Questrial"/>
+              </a:defRPr>
+            </a:lvl7pPr>
+            <a:lvl8pPr marR="0" lvl="7" algn="l" rtl="0">
+              <a:lnSpc>
+                <a:spcPct val="100000"/>
+              </a:lnSpc>
+              <a:spcBef>
+                <a:spcPts val="0"/>
+              </a:spcBef>
+              <a:spcAft>
+                <a:spcPts val="0"/>
+              </a:spcAft>
+              <a:buClr>
+                <a:schemeClr val="dk1"/>
+              </a:buClr>
+              <a:buSzPts val="3000"/>
+              <a:buFont typeface="Questrial"/>
+              <a:buNone/>
+              <a:defRPr sz="3000" b="0" i="0" u="none" strike="noStrike" cap="none">
+                <a:solidFill>
+                  <a:schemeClr val="dk1"/>
+                </a:solidFill>
+                <a:latin typeface="Questrial"/>
+                <a:ea typeface="Questrial"/>
+                <a:cs typeface="Questrial"/>
+                <a:sym typeface="Questrial"/>
+              </a:defRPr>
+            </a:lvl8pPr>
+            <a:lvl9pPr marR="0" lvl="8" algn="l" rtl="0">
+              <a:lnSpc>
+                <a:spcPct val="100000"/>
+              </a:lnSpc>
+              <a:spcBef>
+                <a:spcPts val="0"/>
+              </a:spcBef>
+              <a:spcAft>
+                <a:spcPts val="0"/>
+              </a:spcAft>
+              <a:buClr>
+                <a:schemeClr val="dk1"/>
+              </a:buClr>
+              <a:buSzPts val="3000"/>
+              <a:buFont typeface="Questrial"/>
+              <a:buNone/>
+              <a:defRPr sz="3000" b="0" i="0" u="none" strike="noStrike" cap="none">
+                <a:solidFill>
+                  <a:schemeClr val="dk1"/>
+                </a:solidFill>
+                <a:latin typeface="Questrial"/>
+                <a:ea typeface="Questrial"/>
+                <a:cs typeface="Questrial"/>
+                <a:sym typeface="Questrial"/>
+              </a:defRPr>
+            </a:lvl9pPr>
+          </a:lstStyle>
+          <a:p>
+            <a:pPr algn="just"/>
+            <a:r>
+              <a:rPr lang="ru-RU" sz="1800" b="1" dirty="0">
+                <a:solidFill>
+                  <a:schemeClr val="bg1">
+                    <a:lumMod val="10000"/>
+                  </a:schemeClr>
+                </a:solidFill>
+              </a:rPr>
+              <a:t>-</a:t>
+            </a:r>
+            <a:endParaRPr lang="ru-RU" sz="1800" dirty="0">
+              <a:solidFill>
+                <a:schemeClr val="bg1">
+                  <a:lumMod val="10000"/>
+                </a:schemeClr>
+              </a:solidFill>
+            </a:endParaRPr>
+          </a:p>
+        </p:txBody>
+      </p:sp>
+      <p:sp>
+        <p:nvSpPr>
+          <p:cNvPr id="33" name="Google Shape;172;p31">
+            <a:extLst>
+              <a:ext uri="{FF2B5EF4-FFF2-40B4-BE49-F238E27FC236}">
+                <a16:creationId xmlns:a16="http://schemas.microsoft.com/office/drawing/2014/main" id="{B71EBB11-A3C5-92F0-83F2-850D6041F6AD}"/>
+              </a:ext>
+            </a:extLst>
+          </p:cNvPr>
+          <p:cNvSpPr txBox="1">
+            <a:spLocks/>
+          </p:cNvSpPr>
+          <p:nvPr/>
+        </p:nvSpPr>
+        <p:spPr>
+          <a:xfrm>
+            <a:off x="1426486" y="3563382"/>
+            <a:ext cx="7660364" cy="836522"/>
+          </a:xfrm>
+          <a:prstGeom prst="rect">
+            <a:avLst/>
+          </a:prstGeom>
+          <a:noFill/>
+          <a:ln>
+            <a:noFill/>
+          </a:ln>
+        </p:spPr>
+        <p:txBody>
+          <a:bodyPr spcFirstLastPara="1" wrap="square" lIns="91425" tIns="91425" rIns="91425" bIns="91425" anchor="ctr" anchorCtr="0">
+            <a:noAutofit/>
+          </a:bodyPr>
+          <a:lstStyle>
+            <a:defPPr marR="0" lvl="0" algn="l" rtl="0">
+              <a:lnSpc>
+                <a:spcPct val="100000"/>
+              </a:lnSpc>
+              <a:spcBef>
+                <a:spcPts val="0"/>
+              </a:spcBef>
+              <a:spcAft>
+                <a:spcPts val="0"/>
+              </a:spcAft>
+            </a:defPPr>
+            <a:lvl1pPr marR="0" lvl="0" algn="l" rtl="0">
+              <a:lnSpc>
+                <a:spcPct val="100000"/>
+              </a:lnSpc>
+              <a:spcBef>
+                <a:spcPts val="0"/>
+              </a:spcBef>
+              <a:spcAft>
+                <a:spcPts val="0"/>
+              </a:spcAft>
+              <a:buClr>
+                <a:schemeClr val="dk1"/>
+              </a:buClr>
+              <a:buSzPts val="3000"/>
+              <a:buFont typeface="Questrial"/>
+              <a:buNone/>
+              <a:defRPr sz="3000" b="0" i="0" u="none" strike="noStrike" cap="none">
+                <a:solidFill>
+                  <a:schemeClr val="dk1"/>
+                </a:solidFill>
+                <a:latin typeface="Questrial"/>
+                <a:ea typeface="Questrial"/>
+                <a:cs typeface="Questrial"/>
+                <a:sym typeface="Questrial"/>
+              </a:defRPr>
+            </a:lvl1pPr>
+            <a:lvl2pPr marR="0" lvl="1" algn="l" rtl="0">
+              <a:lnSpc>
+                <a:spcPct val="100000"/>
+              </a:lnSpc>
+              <a:spcBef>
+                <a:spcPts val="0"/>
+              </a:spcBef>
+              <a:spcAft>
+                <a:spcPts val="0"/>
+              </a:spcAft>
+              <a:buClr>
+                <a:schemeClr val="dk1"/>
+              </a:buClr>
+              <a:buSzPts val="3000"/>
+              <a:buFont typeface="Questrial"/>
+              <a:buNone/>
+              <a:defRPr sz="3000" b="0" i="0" u="none" strike="noStrike" cap="none">
+                <a:solidFill>
+                  <a:schemeClr val="dk1"/>
+                </a:solidFill>
+                <a:latin typeface="Questrial"/>
+                <a:ea typeface="Questrial"/>
+                <a:cs typeface="Questrial"/>
+                <a:sym typeface="Questrial"/>
+              </a:defRPr>
+            </a:lvl2pPr>
+            <a:lvl3pPr marR="0" lvl="2" algn="l" rtl="0">
+              <a:lnSpc>
+                <a:spcPct val="100000"/>
+              </a:lnSpc>
+              <a:spcBef>
+                <a:spcPts val="0"/>
+              </a:spcBef>
+              <a:spcAft>
+                <a:spcPts val="0"/>
+              </a:spcAft>
+              <a:buClr>
+                <a:schemeClr val="dk1"/>
+              </a:buClr>
+              <a:buSzPts val="3000"/>
+              <a:buFont typeface="Questrial"/>
+              <a:buNone/>
+              <a:defRPr sz="3000" b="0" i="0" u="none" strike="noStrike" cap="none">
+                <a:solidFill>
+                  <a:schemeClr val="dk1"/>
+                </a:solidFill>
+                <a:latin typeface="Questrial"/>
+                <a:ea typeface="Questrial"/>
+                <a:cs typeface="Questrial"/>
+                <a:sym typeface="Questrial"/>
+              </a:defRPr>
+            </a:lvl3pPr>
+            <a:lvl4pPr marR="0" lvl="3" algn="l" rtl="0">
+              <a:lnSpc>
+                <a:spcPct val="100000"/>
+              </a:lnSpc>
+              <a:spcBef>
+                <a:spcPts val="0"/>
+              </a:spcBef>
+              <a:spcAft>
+                <a:spcPts val="0"/>
+              </a:spcAft>
+              <a:buClr>
+                <a:schemeClr val="dk1"/>
+              </a:buClr>
+              <a:buSzPts val="3000"/>
+              <a:buFont typeface="Questrial"/>
+              <a:buNone/>
+              <a:defRPr sz="3000" b="0" i="0" u="none" strike="noStrike" cap="none">
+                <a:solidFill>
+                  <a:schemeClr val="dk1"/>
+                </a:solidFill>
+                <a:latin typeface="Questrial"/>
+                <a:ea typeface="Questrial"/>
+                <a:cs typeface="Questrial"/>
+                <a:sym typeface="Questrial"/>
+              </a:defRPr>
+            </a:lvl4pPr>
+            <a:lvl5pPr marR="0" lvl="4" algn="l" rtl="0">
+              <a:lnSpc>
+                <a:spcPct val="100000"/>
+              </a:lnSpc>
+              <a:spcBef>
+                <a:spcPts val="0"/>
+              </a:spcBef>
+              <a:spcAft>
+                <a:spcPts val="0"/>
+              </a:spcAft>
+              <a:buClr>
+                <a:schemeClr val="dk1"/>
+              </a:buClr>
+              <a:buSzPts val="3000"/>
+              <a:buFont typeface="Questrial"/>
+              <a:buNone/>
+              <a:defRPr sz="3000" b="0" i="0" u="none" strike="noStrike" cap="none">
+                <a:solidFill>
+                  <a:schemeClr val="dk1"/>
+                </a:solidFill>
+                <a:latin typeface="Questrial"/>
+                <a:ea typeface="Questrial"/>
+                <a:cs typeface="Questrial"/>
+                <a:sym typeface="Questrial"/>
+              </a:defRPr>
+            </a:lvl5pPr>
+            <a:lvl6pPr marR="0" lvl="5" algn="l" rtl="0">
+              <a:lnSpc>
+                <a:spcPct val="100000"/>
+              </a:lnSpc>
+              <a:spcBef>
+                <a:spcPts val="0"/>
+              </a:spcBef>
+              <a:spcAft>
+                <a:spcPts val="0"/>
+              </a:spcAft>
+              <a:buClr>
+                <a:schemeClr val="dk1"/>
+              </a:buClr>
+              <a:buSzPts val="3000"/>
+              <a:buFont typeface="Questrial"/>
+              <a:buNone/>
+              <a:defRPr sz="3000" b="0" i="0" u="none" strike="noStrike" cap="none">
+                <a:solidFill>
+                  <a:schemeClr val="dk1"/>
+                </a:solidFill>
+                <a:latin typeface="Questrial"/>
+                <a:ea typeface="Questrial"/>
+                <a:cs typeface="Questrial"/>
+                <a:sym typeface="Questrial"/>
+              </a:defRPr>
+            </a:lvl6pPr>
+            <a:lvl7pPr marR="0" lvl="6" algn="l" rtl="0">
+              <a:lnSpc>
+                <a:spcPct val="100000"/>
+              </a:lnSpc>
+              <a:spcBef>
+                <a:spcPts val="0"/>
+              </a:spcBef>
+              <a:spcAft>
+                <a:spcPts val="0"/>
+              </a:spcAft>
+              <a:buClr>
+                <a:schemeClr val="dk1"/>
+              </a:buClr>
+              <a:buSzPts val="3000"/>
+              <a:buFont typeface="Questrial"/>
+              <a:buNone/>
+              <a:defRPr sz="3000" b="0" i="0" u="none" strike="noStrike" cap="none">
+                <a:solidFill>
+                  <a:schemeClr val="dk1"/>
+                </a:solidFill>
+                <a:latin typeface="Questrial"/>
+                <a:ea typeface="Questrial"/>
+                <a:cs typeface="Questrial"/>
+                <a:sym typeface="Questrial"/>
+              </a:defRPr>
+            </a:lvl7pPr>
+            <a:lvl8pPr marR="0" lvl="7" algn="l" rtl="0">
+              <a:lnSpc>
+                <a:spcPct val="100000"/>
+              </a:lnSpc>
+              <a:spcBef>
+                <a:spcPts val="0"/>
+              </a:spcBef>
+              <a:spcAft>
+                <a:spcPts val="0"/>
+              </a:spcAft>
+              <a:buClr>
+                <a:schemeClr val="dk1"/>
+              </a:buClr>
+              <a:buSzPts val="3000"/>
+              <a:buFont typeface="Questrial"/>
+              <a:buNone/>
+              <a:defRPr sz="3000" b="0" i="0" u="none" strike="noStrike" cap="none">
+                <a:solidFill>
+                  <a:schemeClr val="dk1"/>
+                </a:solidFill>
+                <a:latin typeface="Questrial"/>
+                <a:ea typeface="Questrial"/>
+                <a:cs typeface="Questrial"/>
+                <a:sym typeface="Questrial"/>
+              </a:defRPr>
+            </a:lvl8pPr>
+            <a:lvl9pPr marR="0" lvl="8" algn="l" rtl="0">
+              <a:lnSpc>
+                <a:spcPct val="100000"/>
+              </a:lnSpc>
+              <a:spcBef>
+                <a:spcPts val="0"/>
+              </a:spcBef>
+              <a:spcAft>
+                <a:spcPts val="0"/>
+              </a:spcAft>
+              <a:buClr>
+                <a:schemeClr val="dk1"/>
+              </a:buClr>
+              <a:buSzPts val="3000"/>
+              <a:buFont typeface="Questrial"/>
+              <a:buNone/>
+              <a:defRPr sz="3000" b="0" i="0" u="none" strike="noStrike" cap="none">
+                <a:solidFill>
+                  <a:schemeClr val="dk1"/>
+                </a:solidFill>
+                <a:latin typeface="Questrial"/>
+                <a:ea typeface="Questrial"/>
+                <a:cs typeface="Questrial"/>
+                <a:sym typeface="Questrial"/>
+              </a:defRPr>
+            </a:lvl9pPr>
+          </a:lstStyle>
+          <a:p>
+            <a:endParaRPr lang="ru-RU" sz="2800" dirty="0">
+              <a:solidFill>
+                <a:schemeClr val="bg1">
+                  <a:lumMod val="10000"/>
+                </a:schemeClr>
+              </a:solidFill>
+            </a:endParaRPr>
+          </a:p>
+        </p:txBody>
+      </p:sp>
+      <p:sp>
+        <p:nvSpPr>
+          <p:cNvPr id="5" name="Прямоугольник: скругленные углы 4">
+            <a:extLst>
+              <a:ext uri="{FF2B5EF4-FFF2-40B4-BE49-F238E27FC236}">
+                <a16:creationId xmlns:a16="http://schemas.microsoft.com/office/drawing/2014/main" id="{D558931A-4240-023F-1832-16600BF80CD6}"/>
+              </a:ext>
+            </a:extLst>
+          </p:cNvPr>
+          <p:cNvSpPr/>
+          <p:nvPr/>
+        </p:nvSpPr>
+        <p:spPr>
+          <a:xfrm>
+            <a:off x="8573269" y="4796684"/>
+            <a:ext cx="408824" cy="239937"/>
+          </a:xfrm>
+          <a:prstGeom prst="roundRect">
+            <a:avLst/>
+          </a:prstGeom>
+          <a:solidFill>
+            <a:srgbClr val="3B9FFF">
+              <a:alpha val="50196"/>
+            </a:srgbClr>
+          </a:solidFill>
+          <a:ln>
+            <a:solidFill>
+              <a:schemeClr val="bg1">
+                <a:alpha val="94902"/>
+              </a:schemeClr>
+            </a:solidFill>
+            <a:headEnd type="none" w="med" len="med"/>
+            <a:tailEnd type="none" w="med" len="med"/>
+          </a:ln>
+        </p:spPr>
+        <p:style>
+          <a:lnRef idx="3">
+            <a:schemeClr val="lt1"/>
+          </a:lnRef>
+          <a:fillRef idx="1">
+            <a:schemeClr val="dk1"/>
+          </a:fillRef>
+          <a:effectRef idx="1">
+            <a:schemeClr val="dk1"/>
+          </a:effectRef>
+          <a:fontRef idx="minor">
+            <a:schemeClr val="lt1"/>
+          </a:fontRef>
+        </p:style>
+        <p:txBody>
+          <a:bodyPr rtlCol="0" anchor="ctr"/>
+          <a:lstStyle/>
+          <a:p>
+            <a:pPr algn="ctr"/>
+            <a:fld id="{C60D91B0-6C93-47AD-8D23-510063BB0AB5}" type="slidenum">
+              <a:rPr lang="ru-RU" smtClean="0">
+                <a:solidFill>
+                  <a:schemeClr val="bg2"/>
+                </a:solidFill>
+              </a:rPr>
+              <a:t>2</a:t>
+            </a:fld>
+            <a:endParaRPr lang="ru-RU" dirty="0">
+              <a:solidFill>
+                <a:schemeClr val="bg2"/>
+              </a:solidFill>
+            </a:endParaRPr>
+          </a:p>
+        </p:txBody>
+      </p:sp>
+      <p:sp>
+        <p:nvSpPr>
+          <p:cNvPr id="9" name="Google Shape;172;p31">
+            <a:extLst>
+              <a:ext uri="{FF2B5EF4-FFF2-40B4-BE49-F238E27FC236}">
+                <a16:creationId xmlns:a16="http://schemas.microsoft.com/office/drawing/2014/main" id="{C0225353-66A3-A538-51DE-F190608F3B3C}"/>
+              </a:ext>
+            </a:extLst>
+          </p:cNvPr>
+          <p:cNvSpPr txBox="1">
+            <a:spLocks/>
+          </p:cNvSpPr>
+          <p:nvPr/>
+        </p:nvSpPr>
+        <p:spPr>
+          <a:xfrm>
+            <a:off x="1248529" y="3994799"/>
+            <a:ext cx="7430157" cy="836522"/>
+          </a:xfrm>
+          <a:prstGeom prst="rect">
+            <a:avLst/>
+          </a:prstGeom>
+          <a:noFill/>
+          <a:ln>
+            <a:noFill/>
+          </a:ln>
+        </p:spPr>
+        <p:txBody>
+          <a:bodyPr spcFirstLastPara="1" wrap="square" lIns="91425" tIns="91425" rIns="91425" bIns="91425" anchor="ctr" anchorCtr="0">
+            <a:noAutofit/>
+          </a:bodyPr>
+          <a:lstStyle>
+            <a:defPPr marR="0" lvl="0" algn="l" rtl="0">
+              <a:lnSpc>
+                <a:spcPct val="100000"/>
+              </a:lnSpc>
+              <a:spcBef>
+                <a:spcPts val="0"/>
+              </a:spcBef>
+              <a:spcAft>
+                <a:spcPts val="0"/>
+              </a:spcAft>
+            </a:defPPr>
+            <a:lvl1pPr marR="0" lvl="0" algn="l" rtl="0">
+              <a:lnSpc>
+                <a:spcPct val="100000"/>
+              </a:lnSpc>
+              <a:spcBef>
+                <a:spcPts val="0"/>
+              </a:spcBef>
+              <a:spcAft>
+                <a:spcPts val="0"/>
+              </a:spcAft>
+              <a:buClr>
+                <a:schemeClr val="dk1"/>
+              </a:buClr>
+              <a:buSzPts val="3000"/>
+              <a:buFont typeface="Questrial"/>
+              <a:buNone/>
+              <a:defRPr sz="3000" b="0" i="0" u="none" strike="noStrike" cap="none">
+                <a:solidFill>
+                  <a:schemeClr val="dk1"/>
+                </a:solidFill>
+                <a:latin typeface="Questrial"/>
+                <a:ea typeface="Questrial"/>
+                <a:cs typeface="Questrial"/>
+                <a:sym typeface="Questrial"/>
+              </a:defRPr>
+            </a:lvl1pPr>
+            <a:lvl2pPr marR="0" lvl="1" algn="l" rtl="0">
+              <a:lnSpc>
+                <a:spcPct val="100000"/>
+              </a:lnSpc>
+              <a:spcBef>
+                <a:spcPts val="0"/>
+              </a:spcBef>
+              <a:spcAft>
+                <a:spcPts val="0"/>
+              </a:spcAft>
+              <a:buClr>
+                <a:schemeClr val="dk1"/>
+              </a:buClr>
+              <a:buSzPts val="3000"/>
+              <a:buFont typeface="Questrial"/>
+              <a:buNone/>
+              <a:defRPr sz="3000" b="0" i="0" u="none" strike="noStrike" cap="none">
+                <a:solidFill>
+                  <a:schemeClr val="dk1"/>
+                </a:solidFill>
+                <a:latin typeface="Questrial"/>
+                <a:ea typeface="Questrial"/>
+                <a:cs typeface="Questrial"/>
+                <a:sym typeface="Questrial"/>
+              </a:defRPr>
+            </a:lvl2pPr>
+            <a:lvl3pPr marR="0" lvl="2" algn="l" rtl="0">
+              <a:lnSpc>
+                <a:spcPct val="100000"/>
+              </a:lnSpc>
+              <a:spcBef>
+                <a:spcPts val="0"/>
+              </a:spcBef>
+              <a:spcAft>
+                <a:spcPts val="0"/>
+              </a:spcAft>
+              <a:buClr>
+                <a:schemeClr val="dk1"/>
+              </a:buClr>
+              <a:buSzPts val="3000"/>
+              <a:buFont typeface="Questrial"/>
+              <a:buNone/>
+              <a:defRPr sz="3000" b="0" i="0" u="none" strike="noStrike" cap="none">
+                <a:solidFill>
+                  <a:schemeClr val="dk1"/>
+                </a:solidFill>
+                <a:latin typeface="Questrial"/>
+                <a:ea typeface="Questrial"/>
+                <a:cs typeface="Questrial"/>
+                <a:sym typeface="Questrial"/>
+              </a:defRPr>
+            </a:lvl3pPr>
+            <a:lvl4pPr marR="0" lvl="3" algn="l" rtl="0">
+              <a:lnSpc>
+                <a:spcPct val="100000"/>
+              </a:lnSpc>
+              <a:spcBef>
+                <a:spcPts val="0"/>
+              </a:spcBef>
+              <a:spcAft>
+                <a:spcPts val="0"/>
+              </a:spcAft>
+              <a:buClr>
+                <a:schemeClr val="dk1"/>
+              </a:buClr>
+              <a:buSzPts val="3000"/>
+              <a:buFont typeface="Questrial"/>
+              <a:buNone/>
+              <a:defRPr sz="3000" b="0" i="0" u="none" strike="noStrike" cap="none">
+                <a:solidFill>
+                  <a:schemeClr val="dk1"/>
+                </a:solidFill>
+                <a:latin typeface="Questrial"/>
+                <a:ea typeface="Questrial"/>
+                <a:cs typeface="Questrial"/>
+                <a:sym typeface="Questrial"/>
+              </a:defRPr>
+            </a:lvl4pPr>
+            <a:lvl5pPr marR="0" lvl="4" algn="l" rtl="0">
+              <a:lnSpc>
+                <a:spcPct val="100000"/>
+              </a:lnSpc>
+              <a:spcBef>
+                <a:spcPts val="0"/>
+              </a:spcBef>
+              <a:spcAft>
+                <a:spcPts val="0"/>
+              </a:spcAft>
+              <a:buClr>
+                <a:schemeClr val="dk1"/>
+              </a:buClr>
+              <a:buSzPts val="3000"/>
+              <a:buFont typeface="Questrial"/>
+              <a:buNone/>
+              <a:defRPr sz="3000" b="0" i="0" u="none" strike="noStrike" cap="none">
+                <a:solidFill>
+                  <a:schemeClr val="dk1"/>
+                </a:solidFill>
+                <a:latin typeface="Questrial"/>
+                <a:ea typeface="Questrial"/>
+                <a:cs typeface="Questrial"/>
+                <a:sym typeface="Questrial"/>
+              </a:defRPr>
+            </a:lvl5pPr>
+            <a:lvl6pPr marR="0" lvl="5" algn="l" rtl="0">
+              <a:lnSpc>
+                <a:spcPct val="100000"/>
+              </a:lnSpc>
+              <a:spcBef>
+                <a:spcPts val="0"/>
+              </a:spcBef>
+              <a:spcAft>
+                <a:spcPts val="0"/>
+              </a:spcAft>
+              <a:buClr>
+                <a:schemeClr val="dk1"/>
+              </a:buClr>
+              <a:buSzPts val="3000"/>
+              <a:buFont typeface="Questrial"/>
+              <a:buNone/>
+              <a:defRPr sz="3000" b="0" i="0" u="none" strike="noStrike" cap="none">
+                <a:solidFill>
+                  <a:schemeClr val="dk1"/>
+                </a:solidFill>
+                <a:latin typeface="Questrial"/>
+                <a:ea typeface="Questrial"/>
+                <a:cs typeface="Questrial"/>
+                <a:sym typeface="Questrial"/>
+              </a:defRPr>
+            </a:lvl6pPr>
+            <a:lvl7pPr marR="0" lvl="6" algn="l" rtl="0">
+              <a:lnSpc>
+                <a:spcPct val="100000"/>
+              </a:lnSpc>
+              <a:spcBef>
+                <a:spcPts val="0"/>
+              </a:spcBef>
+              <a:spcAft>
+                <a:spcPts val="0"/>
+              </a:spcAft>
+              <a:buClr>
+                <a:schemeClr val="dk1"/>
+              </a:buClr>
+              <a:buSzPts val="3000"/>
+              <a:buFont typeface="Questrial"/>
+              <a:buNone/>
+              <a:defRPr sz="3000" b="0" i="0" u="none" strike="noStrike" cap="none">
+                <a:solidFill>
+                  <a:schemeClr val="dk1"/>
+                </a:solidFill>
+                <a:latin typeface="Questrial"/>
+                <a:ea typeface="Questrial"/>
+                <a:cs typeface="Questrial"/>
+                <a:sym typeface="Questrial"/>
+              </a:defRPr>
+            </a:lvl7pPr>
+            <a:lvl8pPr marR="0" lvl="7" algn="l" rtl="0">
+              <a:lnSpc>
+                <a:spcPct val="100000"/>
+              </a:lnSpc>
+              <a:spcBef>
+                <a:spcPts val="0"/>
+              </a:spcBef>
+              <a:spcAft>
+                <a:spcPts val="0"/>
+              </a:spcAft>
+              <a:buClr>
+                <a:schemeClr val="dk1"/>
+              </a:buClr>
+              <a:buSzPts val="3000"/>
+              <a:buFont typeface="Questrial"/>
+              <a:buNone/>
+              <a:defRPr sz="3000" b="0" i="0" u="none" strike="noStrike" cap="none">
+                <a:solidFill>
+                  <a:schemeClr val="dk1"/>
+                </a:solidFill>
+                <a:latin typeface="Questrial"/>
+                <a:ea typeface="Questrial"/>
+                <a:cs typeface="Questrial"/>
+                <a:sym typeface="Questrial"/>
+              </a:defRPr>
+            </a:lvl8pPr>
+            <a:lvl9pPr marR="0" lvl="8" algn="l" rtl="0">
+              <a:lnSpc>
+                <a:spcPct val="100000"/>
+              </a:lnSpc>
+              <a:spcBef>
+                <a:spcPts val="0"/>
+              </a:spcBef>
+              <a:spcAft>
+                <a:spcPts val="0"/>
+              </a:spcAft>
+              <a:buClr>
+                <a:schemeClr val="dk1"/>
+              </a:buClr>
+              <a:buSzPts val="3000"/>
+              <a:buFont typeface="Questrial"/>
+              <a:buNone/>
+              <a:defRPr sz="3000" b="0" i="0" u="none" strike="noStrike" cap="none">
+                <a:solidFill>
+                  <a:schemeClr val="dk1"/>
+                </a:solidFill>
+                <a:latin typeface="Questrial"/>
+                <a:ea typeface="Questrial"/>
+                <a:cs typeface="Questrial"/>
+                <a:sym typeface="Questrial"/>
+              </a:defRPr>
+            </a:lvl9pPr>
+          </a:lstStyle>
+          <a:p>
+            <a:pPr algn="just"/>
+            <a:r>
+              <a:rPr lang="ru-RU" sz="1800" b="1" dirty="0">
+                <a:solidFill>
+                  <a:schemeClr val="bg1">
+                    <a:lumMod val="10000"/>
+                  </a:schemeClr>
+                </a:solidFill>
+              </a:rPr>
+              <a:t>-</a:t>
+            </a:r>
+            <a:endParaRPr lang="ru-RU" sz="1800" dirty="0">
+              <a:solidFill>
+                <a:schemeClr val="bg1">
+                  <a:lumMod val="10000"/>
+                </a:schemeClr>
+              </a:solidFill>
+            </a:endParaRPr>
+          </a:p>
+        </p:txBody>
+      </p:sp>
+      <p:grpSp>
+        <p:nvGrpSpPr>
+          <p:cNvPr id="2" name="Группа 1">
+            <a:extLst>
+              <a:ext uri="{FF2B5EF4-FFF2-40B4-BE49-F238E27FC236}">
+                <a16:creationId xmlns:a16="http://schemas.microsoft.com/office/drawing/2014/main" id="{ABCDCD35-126C-E93F-0FD6-CFE8C852899A}"/>
+              </a:ext>
+            </a:extLst>
+          </p:cNvPr>
+          <p:cNvGrpSpPr/>
+          <p:nvPr/>
+        </p:nvGrpSpPr>
+        <p:grpSpPr>
+          <a:xfrm>
+            <a:off x="453864" y="1654123"/>
+            <a:ext cx="577034" cy="175828"/>
+            <a:chOff x="2050256" y="941294"/>
+            <a:chExt cx="5093494" cy="0"/>
+          </a:xfrm>
+        </p:grpSpPr>
+        <p:cxnSp>
+          <p:nvCxnSpPr>
+            <p:cNvPr id="3" name="Google Shape;258;p35">
+              <a:extLst>
+                <a:ext uri="{FF2B5EF4-FFF2-40B4-BE49-F238E27FC236}">
+                  <a16:creationId xmlns:a16="http://schemas.microsoft.com/office/drawing/2014/main" id="{D03B6E36-F884-2359-32AB-82BFC0F1560E}"/>
+                </a:ext>
+              </a:extLst>
+            </p:cNvPr>
+            <p:cNvCxnSpPr>
+              <a:cxnSpLocks/>
+            </p:cNvCxnSpPr>
+            <p:nvPr/>
+          </p:nvCxnSpPr>
+          <p:spPr>
+            <a:xfrm>
+              <a:off x="2050256" y="941294"/>
+              <a:ext cx="5093494" cy="0"/>
+            </a:xfrm>
+            <a:prstGeom prst="straightConnector1">
+              <a:avLst/>
+            </a:prstGeom>
+            <a:noFill/>
+            <a:ln w="38100" cap="flat" cmpd="sng">
+              <a:solidFill>
+                <a:schemeClr val="accent1"/>
+              </a:solidFill>
+              <a:prstDash val="solid"/>
+              <a:round/>
+              <a:headEnd type="none" w="med" len="med"/>
+              <a:tailEnd type="none" w="med" len="med"/>
+            </a:ln>
+          </p:spPr>
+        </p:cxnSp>
+        <p:cxnSp>
+          <p:nvCxnSpPr>
+            <p:cNvPr id="6" name="Google Shape;145;p28">
+              <a:extLst>
+                <a:ext uri="{FF2B5EF4-FFF2-40B4-BE49-F238E27FC236}">
+                  <a16:creationId xmlns:a16="http://schemas.microsoft.com/office/drawing/2014/main" id="{5BE1F0BC-047E-0213-DA73-B98BE87E08EA}"/>
+                </a:ext>
+              </a:extLst>
+            </p:cNvPr>
+            <p:cNvCxnSpPr/>
+            <p:nvPr/>
+          </p:nvCxnSpPr>
+          <p:spPr>
+            <a:xfrm>
+              <a:off x="2073959" y="941294"/>
+              <a:ext cx="5041761" cy="0"/>
+            </a:xfrm>
+            <a:prstGeom prst="straightConnector1">
+              <a:avLst/>
+            </a:prstGeom>
+            <a:noFill/>
+            <a:ln w="19050" cap="flat" cmpd="sng">
+              <a:solidFill>
+                <a:schemeClr val="dk1"/>
+              </a:solidFill>
+              <a:prstDash val="solid"/>
+              <a:round/>
+              <a:headEnd type="none" w="med" len="med"/>
+              <a:tailEnd type="none" w="med" len="med"/>
+            </a:ln>
+          </p:spPr>
+        </p:cxnSp>
+      </p:grpSp>
+      <p:sp>
+        <p:nvSpPr>
+          <p:cNvPr id="12" name="Google Shape;182;p31">
+            <a:extLst>
+              <a:ext uri="{FF2B5EF4-FFF2-40B4-BE49-F238E27FC236}">
+                <a16:creationId xmlns:a16="http://schemas.microsoft.com/office/drawing/2014/main" id="{6DF5FB5E-C52A-B0F0-0763-A29F08ED0C40}"/>
+              </a:ext>
+            </a:extLst>
+          </p:cNvPr>
+          <p:cNvSpPr txBox="1">
+            <a:spLocks/>
+          </p:cNvSpPr>
+          <p:nvPr/>
+        </p:nvSpPr>
+        <p:spPr>
+          <a:xfrm>
+            <a:off x="357844" y="2064086"/>
+            <a:ext cx="737401" cy="671326"/>
+          </a:xfrm>
+          <a:prstGeom prst="rect">
+            <a:avLst/>
+          </a:prstGeom>
+          <a:noFill/>
+          <a:ln>
+            <a:noFill/>
+          </a:ln>
+        </p:spPr>
+        <p:txBody>
+          <a:bodyPr spcFirstLastPara="1" wrap="square" lIns="91425" tIns="91425" rIns="91425" bIns="91425" anchor="ctr" anchorCtr="0">
+            <a:noAutofit/>
+          </a:bodyPr>
+          <a:lstStyle>
+            <a:defPPr marR="0" lvl="0" algn="l" rtl="0">
+              <a:lnSpc>
+                <a:spcPct val="100000"/>
+              </a:lnSpc>
+              <a:spcBef>
+                <a:spcPts val="0"/>
+              </a:spcBef>
+              <a:spcAft>
+                <a:spcPts val="0"/>
+              </a:spcAft>
+            </a:defPPr>
+            <a:lvl1pPr marR="0" lvl="0" algn="ctr" rtl="0">
+              <a:lnSpc>
+                <a:spcPct val="100000"/>
+              </a:lnSpc>
+              <a:spcBef>
+                <a:spcPts val="0"/>
+              </a:spcBef>
+              <a:spcAft>
+                <a:spcPts val="0"/>
+              </a:spcAft>
+              <a:buClr>
+                <a:schemeClr val="dk1"/>
+              </a:buClr>
+              <a:buSzPts val="3000"/>
+              <a:buFont typeface="Questrial"/>
+              <a:buNone/>
+              <a:defRPr sz="5400" b="1" i="0" u="none" strike="noStrike" cap="none">
+                <a:solidFill>
+                  <a:schemeClr val="dk1"/>
+                </a:solidFill>
+                <a:latin typeface="Questrial"/>
+                <a:ea typeface="Questrial"/>
+                <a:cs typeface="Questrial"/>
+                <a:sym typeface="Questrial"/>
+              </a:defRPr>
+            </a:lvl1pPr>
+            <a:lvl2pPr marR="0" lvl="1" algn="l" rtl="0">
+              <a:lnSpc>
+                <a:spcPct val="100000"/>
+              </a:lnSpc>
+              <a:spcBef>
+                <a:spcPts val="0"/>
+              </a:spcBef>
+              <a:spcAft>
+                <a:spcPts val="0"/>
+              </a:spcAft>
+              <a:buClr>
+                <a:schemeClr val="dk1"/>
+              </a:buClr>
+              <a:buSzPts val="3000"/>
+              <a:buFont typeface="Questrial"/>
+              <a:buNone/>
+              <a:defRPr sz="3000" b="0" i="0" u="none" strike="noStrike" cap="none">
+                <a:solidFill>
+                  <a:schemeClr val="dk1"/>
+                </a:solidFill>
+                <a:latin typeface="Questrial"/>
+                <a:ea typeface="Questrial"/>
+                <a:cs typeface="Questrial"/>
+                <a:sym typeface="Questrial"/>
+              </a:defRPr>
+            </a:lvl2pPr>
+            <a:lvl3pPr marR="0" lvl="2" algn="l" rtl="0">
+              <a:lnSpc>
+                <a:spcPct val="100000"/>
+              </a:lnSpc>
+              <a:spcBef>
+                <a:spcPts val="0"/>
+              </a:spcBef>
+              <a:spcAft>
+                <a:spcPts val="0"/>
+              </a:spcAft>
+              <a:buClr>
+                <a:schemeClr val="dk1"/>
+              </a:buClr>
+              <a:buSzPts val="3000"/>
+              <a:buFont typeface="Questrial"/>
+              <a:buNone/>
+              <a:defRPr sz="3000" b="0" i="0" u="none" strike="noStrike" cap="none">
+                <a:solidFill>
+                  <a:schemeClr val="dk1"/>
+                </a:solidFill>
+                <a:latin typeface="Questrial"/>
+                <a:ea typeface="Questrial"/>
+                <a:cs typeface="Questrial"/>
+                <a:sym typeface="Questrial"/>
+              </a:defRPr>
+            </a:lvl3pPr>
+            <a:lvl4pPr marR="0" lvl="3" algn="l" rtl="0">
+              <a:lnSpc>
+                <a:spcPct val="100000"/>
+              </a:lnSpc>
+              <a:spcBef>
+                <a:spcPts val="0"/>
+              </a:spcBef>
+              <a:spcAft>
+                <a:spcPts val="0"/>
+              </a:spcAft>
+              <a:buClr>
+                <a:schemeClr val="dk1"/>
+              </a:buClr>
+              <a:buSzPts val="3000"/>
+              <a:buFont typeface="Questrial"/>
+              <a:buNone/>
+              <a:defRPr sz="3000" b="0" i="0" u="none" strike="noStrike" cap="none">
+                <a:solidFill>
+                  <a:schemeClr val="dk1"/>
+                </a:solidFill>
+                <a:latin typeface="Questrial"/>
+                <a:ea typeface="Questrial"/>
+                <a:cs typeface="Questrial"/>
+                <a:sym typeface="Questrial"/>
+              </a:defRPr>
+            </a:lvl4pPr>
+            <a:lvl5pPr marR="0" lvl="4" algn="l" rtl="0">
+              <a:lnSpc>
+                <a:spcPct val="100000"/>
+              </a:lnSpc>
+              <a:spcBef>
+                <a:spcPts val="0"/>
+              </a:spcBef>
+              <a:spcAft>
+                <a:spcPts val="0"/>
+              </a:spcAft>
+              <a:buClr>
+                <a:schemeClr val="dk1"/>
+              </a:buClr>
+              <a:buSzPts val="3000"/>
+              <a:buFont typeface="Questrial"/>
+              <a:buNone/>
+              <a:defRPr sz="3000" b="0" i="0" u="none" strike="noStrike" cap="none">
+                <a:solidFill>
+                  <a:schemeClr val="dk1"/>
+                </a:solidFill>
+                <a:latin typeface="Questrial"/>
+                <a:ea typeface="Questrial"/>
+                <a:cs typeface="Questrial"/>
+                <a:sym typeface="Questrial"/>
+              </a:defRPr>
+            </a:lvl5pPr>
+            <a:lvl6pPr marR="0" lvl="5" algn="l" rtl="0">
+              <a:lnSpc>
+                <a:spcPct val="100000"/>
+              </a:lnSpc>
+              <a:spcBef>
+                <a:spcPts val="0"/>
+              </a:spcBef>
+              <a:spcAft>
+                <a:spcPts val="0"/>
+              </a:spcAft>
+              <a:buClr>
+                <a:schemeClr val="dk1"/>
+              </a:buClr>
+              <a:buSzPts val="3000"/>
+              <a:buFont typeface="Questrial"/>
+              <a:buNone/>
+              <a:defRPr sz="3000" b="0" i="0" u="none" strike="noStrike" cap="none">
+                <a:solidFill>
+                  <a:schemeClr val="dk1"/>
+                </a:solidFill>
+                <a:latin typeface="Questrial"/>
+                <a:ea typeface="Questrial"/>
+                <a:cs typeface="Questrial"/>
+                <a:sym typeface="Questrial"/>
+              </a:defRPr>
+            </a:lvl6pPr>
+            <a:lvl7pPr marR="0" lvl="6" algn="l" rtl="0">
+              <a:lnSpc>
+                <a:spcPct val="100000"/>
+              </a:lnSpc>
+              <a:spcBef>
+                <a:spcPts val="0"/>
+              </a:spcBef>
+              <a:spcAft>
+                <a:spcPts val="0"/>
+              </a:spcAft>
+              <a:buClr>
+                <a:schemeClr val="dk1"/>
+              </a:buClr>
+              <a:buSzPts val="3000"/>
+              <a:buFont typeface="Questrial"/>
+              <a:buNone/>
+              <a:defRPr sz="3000" b="0" i="0" u="none" strike="noStrike" cap="none">
+                <a:solidFill>
+                  <a:schemeClr val="dk1"/>
+                </a:solidFill>
+                <a:latin typeface="Questrial"/>
+                <a:ea typeface="Questrial"/>
+                <a:cs typeface="Questrial"/>
+                <a:sym typeface="Questrial"/>
+              </a:defRPr>
+            </a:lvl7pPr>
+            <a:lvl8pPr marR="0" lvl="7" algn="l" rtl="0">
+              <a:lnSpc>
+                <a:spcPct val="100000"/>
+              </a:lnSpc>
+              <a:spcBef>
+                <a:spcPts val="0"/>
+              </a:spcBef>
+              <a:spcAft>
+                <a:spcPts val="0"/>
+              </a:spcAft>
+              <a:buClr>
+                <a:schemeClr val="dk1"/>
+              </a:buClr>
+              <a:buSzPts val="3000"/>
+              <a:buFont typeface="Questrial"/>
+              <a:buNone/>
+              <a:defRPr sz="3000" b="0" i="0" u="none" strike="noStrike" cap="none">
+                <a:solidFill>
+                  <a:schemeClr val="dk1"/>
+                </a:solidFill>
+                <a:latin typeface="Questrial"/>
+                <a:ea typeface="Questrial"/>
+                <a:cs typeface="Questrial"/>
+                <a:sym typeface="Questrial"/>
+              </a:defRPr>
+            </a:lvl8pPr>
+            <a:lvl9pPr marR="0" lvl="8" algn="l" rtl="0">
+              <a:lnSpc>
+                <a:spcPct val="100000"/>
+              </a:lnSpc>
+              <a:spcBef>
+                <a:spcPts val="0"/>
+              </a:spcBef>
+              <a:spcAft>
+                <a:spcPts val="0"/>
+              </a:spcAft>
+              <a:buClr>
+                <a:schemeClr val="dk1"/>
+              </a:buClr>
+              <a:buSzPts val="3000"/>
+              <a:buFont typeface="Questrial"/>
+              <a:buNone/>
+              <a:defRPr sz="3000" b="0" i="0" u="none" strike="noStrike" cap="none">
+                <a:solidFill>
+                  <a:schemeClr val="dk1"/>
+                </a:solidFill>
+                <a:latin typeface="Questrial"/>
+                <a:ea typeface="Questrial"/>
+                <a:cs typeface="Questrial"/>
+                <a:sym typeface="Questrial"/>
+              </a:defRPr>
+            </a:lvl9pPr>
+          </a:lstStyle>
+          <a:p>
+            <a:r>
+              <a:rPr lang="ru-RU" dirty="0">
+                <a:solidFill>
+                  <a:schemeClr val="bg1">
+                    <a:lumMod val="10000"/>
+                  </a:schemeClr>
+                </a:solidFill>
+              </a:rPr>
+              <a:t>2</a:t>
+            </a:r>
+            <a:endParaRPr lang="es" dirty="0">
+              <a:solidFill>
+                <a:schemeClr val="bg1">
+                  <a:lumMod val="10000"/>
+                </a:schemeClr>
+              </a:solidFill>
+            </a:endParaRPr>
+          </a:p>
+        </p:txBody>
+      </p:sp>
+      <p:sp>
+        <p:nvSpPr>
+          <p:cNvPr id="13" name="Google Shape;182;p31">
+            <a:extLst>
+              <a:ext uri="{FF2B5EF4-FFF2-40B4-BE49-F238E27FC236}">
+                <a16:creationId xmlns:a16="http://schemas.microsoft.com/office/drawing/2014/main" id="{9A3A1385-51CC-C77E-7CCB-E733628B7067}"/>
+              </a:ext>
+            </a:extLst>
+          </p:cNvPr>
+          <p:cNvSpPr txBox="1">
+            <a:spLocks/>
+          </p:cNvSpPr>
+          <p:nvPr/>
+        </p:nvSpPr>
+        <p:spPr>
+          <a:xfrm>
+            <a:off x="344543" y="3103174"/>
+            <a:ext cx="737401" cy="671326"/>
+          </a:xfrm>
+          <a:prstGeom prst="rect">
+            <a:avLst/>
+          </a:prstGeom>
+          <a:noFill/>
+          <a:ln>
+            <a:noFill/>
+          </a:ln>
+        </p:spPr>
+        <p:txBody>
+          <a:bodyPr spcFirstLastPara="1" wrap="square" lIns="91425" tIns="91425" rIns="91425" bIns="91425" anchor="ctr" anchorCtr="0">
+            <a:noAutofit/>
+          </a:bodyPr>
+          <a:lstStyle>
+            <a:defPPr marR="0" lvl="0" algn="l" rtl="0">
+              <a:lnSpc>
+                <a:spcPct val="100000"/>
+              </a:lnSpc>
+              <a:spcBef>
+                <a:spcPts val="0"/>
+              </a:spcBef>
+              <a:spcAft>
+                <a:spcPts val="0"/>
+              </a:spcAft>
+            </a:defPPr>
+            <a:lvl1pPr marR="0" lvl="0" algn="ctr" rtl="0">
+              <a:lnSpc>
+                <a:spcPct val="100000"/>
+              </a:lnSpc>
+              <a:spcBef>
+                <a:spcPts val="0"/>
+              </a:spcBef>
+              <a:spcAft>
+                <a:spcPts val="0"/>
+              </a:spcAft>
+              <a:buClr>
+                <a:schemeClr val="dk1"/>
+              </a:buClr>
+              <a:buSzPts val="3000"/>
+              <a:buFont typeface="Questrial"/>
+              <a:buNone/>
+              <a:defRPr sz="5400" b="1" i="0" u="none" strike="noStrike" cap="none">
+                <a:solidFill>
+                  <a:schemeClr val="dk1"/>
+                </a:solidFill>
+                <a:latin typeface="Questrial"/>
+                <a:ea typeface="Questrial"/>
+                <a:cs typeface="Questrial"/>
+                <a:sym typeface="Questrial"/>
+              </a:defRPr>
+            </a:lvl1pPr>
+            <a:lvl2pPr marR="0" lvl="1" algn="l" rtl="0">
+              <a:lnSpc>
+                <a:spcPct val="100000"/>
+              </a:lnSpc>
+              <a:spcBef>
+                <a:spcPts val="0"/>
+              </a:spcBef>
+              <a:spcAft>
+                <a:spcPts val="0"/>
+              </a:spcAft>
+              <a:buClr>
+                <a:schemeClr val="dk1"/>
+              </a:buClr>
+              <a:buSzPts val="3000"/>
+              <a:buFont typeface="Questrial"/>
+              <a:buNone/>
+              <a:defRPr sz="3000" b="0" i="0" u="none" strike="noStrike" cap="none">
+                <a:solidFill>
+                  <a:schemeClr val="dk1"/>
+                </a:solidFill>
+                <a:latin typeface="Questrial"/>
+                <a:ea typeface="Questrial"/>
+                <a:cs typeface="Questrial"/>
+                <a:sym typeface="Questrial"/>
+              </a:defRPr>
+            </a:lvl2pPr>
+            <a:lvl3pPr marR="0" lvl="2" algn="l" rtl="0">
+              <a:lnSpc>
+                <a:spcPct val="100000"/>
+              </a:lnSpc>
+              <a:spcBef>
+                <a:spcPts val="0"/>
+              </a:spcBef>
+              <a:spcAft>
+                <a:spcPts val="0"/>
+              </a:spcAft>
+              <a:buClr>
+                <a:schemeClr val="dk1"/>
+              </a:buClr>
+              <a:buSzPts val="3000"/>
+              <a:buFont typeface="Questrial"/>
+              <a:buNone/>
+              <a:defRPr sz="3000" b="0" i="0" u="none" strike="noStrike" cap="none">
+                <a:solidFill>
+                  <a:schemeClr val="dk1"/>
+                </a:solidFill>
+                <a:latin typeface="Questrial"/>
+                <a:ea typeface="Questrial"/>
+                <a:cs typeface="Questrial"/>
+                <a:sym typeface="Questrial"/>
+              </a:defRPr>
+            </a:lvl3pPr>
+            <a:lvl4pPr marR="0" lvl="3" algn="l" rtl="0">
+              <a:lnSpc>
+                <a:spcPct val="100000"/>
+              </a:lnSpc>
+              <a:spcBef>
+                <a:spcPts val="0"/>
+              </a:spcBef>
+              <a:spcAft>
+                <a:spcPts val="0"/>
+              </a:spcAft>
+              <a:buClr>
+                <a:schemeClr val="dk1"/>
+              </a:buClr>
+              <a:buSzPts val="3000"/>
+              <a:buFont typeface="Questrial"/>
+              <a:buNone/>
+              <a:defRPr sz="3000" b="0" i="0" u="none" strike="noStrike" cap="none">
+                <a:solidFill>
+                  <a:schemeClr val="dk1"/>
+                </a:solidFill>
+                <a:latin typeface="Questrial"/>
+                <a:ea typeface="Questrial"/>
+                <a:cs typeface="Questrial"/>
+                <a:sym typeface="Questrial"/>
+              </a:defRPr>
+            </a:lvl4pPr>
+            <a:lvl5pPr marR="0" lvl="4" algn="l" rtl="0">
+              <a:lnSpc>
+                <a:spcPct val="100000"/>
+              </a:lnSpc>
+              <a:spcBef>
+                <a:spcPts val="0"/>
+              </a:spcBef>
+              <a:spcAft>
+                <a:spcPts val="0"/>
+              </a:spcAft>
+              <a:buClr>
+                <a:schemeClr val="dk1"/>
+              </a:buClr>
+              <a:buSzPts val="3000"/>
+              <a:buFont typeface="Questrial"/>
+              <a:buNone/>
+              <a:defRPr sz="3000" b="0" i="0" u="none" strike="noStrike" cap="none">
+                <a:solidFill>
+                  <a:schemeClr val="dk1"/>
+                </a:solidFill>
+                <a:latin typeface="Questrial"/>
+                <a:ea typeface="Questrial"/>
+                <a:cs typeface="Questrial"/>
+                <a:sym typeface="Questrial"/>
+              </a:defRPr>
+            </a:lvl5pPr>
+            <a:lvl6pPr marR="0" lvl="5" algn="l" rtl="0">
+              <a:lnSpc>
+                <a:spcPct val="100000"/>
+              </a:lnSpc>
+              <a:spcBef>
+                <a:spcPts val="0"/>
+              </a:spcBef>
+              <a:spcAft>
+                <a:spcPts val="0"/>
+              </a:spcAft>
+              <a:buClr>
+                <a:schemeClr val="dk1"/>
+              </a:buClr>
+              <a:buSzPts val="3000"/>
+              <a:buFont typeface="Questrial"/>
+              <a:buNone/>
+              <a:defRPr sz="3000" b="0" i="0" u="none" strike="noStrike" cap="none">
+                <a:solidFill>
+                  <a:schemeClr val="dk1"/>
+                </a:solidFill>
+                <a:latin typeface="Questrial"/>
+                <a:ea typeface="Questrial"/>
+                <a:cs typeface="Questrial"/>
+                <a:sym typeface="Questrial"/>
+              </a:defRPr>
+            </a:lvl6pPr>
+            <a:lvl7pPr marR="0" lvl="6" algn="l" rtl="0">
+              <a:lnSpc>
+                <a:spcPct val="100000"/>
+              </a:lnSpc>
+              <a:spcBef>
+                <a:spcPts val="0"/>
+              </a:spcBef>
+              <a:spcAft>
+                <a:spcPts val="0"/>
+              </a:spcAft>
+              <a:buClr>
+                <a:schemeClr val="dk1"/>
+              </a:buClr>
+              <a:buSzPts val="3000"/>
+              <a:buFont typeface="Questrial"/>
+              <a:buNone/>
+              <a:defRPr sz="3000" b="0" i="0" u="none" strike="noStrike" cap="none">
+                <a:solidFill>
+                  <a:schemeClr val="dk1"/>
+                </a:solidFill>
+                <a:latin typeface="Questrial"/>
+                <a:ea typeface="Questrial"/>
+                <a:cs typeface="Questrial"/>
+                <a:sym typeface="Questrial"/>
+              </a:defRPr>
+            </a:lvl7pPr>
+            <a:lvl8pPr marR="0" lvl="7" algn="l" rtl="0">
+              <a:lnSpc>
+                <a:spcPct val="100000"/>
+              </a:lnSpc>
+              <a:spcBef>
+                <a:spcPts val="0"/>
+              </a:spcBef>
+              <a:spcAft>
+                <a:spcPts val="0"/>
+              </a:spcAft>
+              <a:buClr>
+                <a:schemeClr val="dk1"/>
+              </a:buClr>
+              <a:buSzPts val="3000"/>
+              <a:buFont typeface="Questrial"/>
+              <a:buNone/>
+              <a:defRPr sz="3000" b="0" i="0" u="none" strike="noStrike" cap="none">
+                <a:solidFill>
+                  <a:schemeClr val="dk1"/>
+                </a:solidFill>
+                <a:latin typeface="Questrial"/>
+                <a:ea typeface="Questrial"/>
+                <a:cs typeface="Questrial"/>
+                <a:sym typeface="Questrial"/>
+              </a:defRPr>
+            </a:lvl8pPr>
+            <a:lvl9pPr marR="0" lvl="8" algn="l" rtl="0">
+              <a:lnSpc>
+                <a:spcPct val="100000"/>
+              </a:lnSpc>
+              <a:spcBef>
+                <a:spcPts val="0"/>
+              </a:spcBef>
+              <a:spcAft>
+                <a:spcPts val="0"/>
+              </a:spcAft>
+              <a:buClr>
+                <a:schemeClr val="dk1"/>
+              </a:buClr>
+              <a:buSzPts val="3000"/>
+              <a:buFont typeface="Questrial"/>
+              <a:buNone/>
+              <a:defRPr sz="3000" b="0" i="0" u="none" strike="noStrike" cap="none">
+                <a:solidFill>
+                  <a:schemeClr val="dk1"/>
+                </a:solidFill>
+                <a:latin typeface="Questrial"/>
+                <a:ea typeface="Questrial"/>
+                <a:cs typeface="Questrial"/>
+                <a:sym typeface="Questrial"/>
+              </a:defRPr>
+            </a:lvl9pPr>
+          </a:lstStyle>
+          <a:p>
+            <a:r>
+              <a:rPr lang="ru-RU" dirty="0">
+                <a:solidFill>
+                  <a:schemeClr val="bg1">
+                    <a:lumMod val="10000"/>
+                  </a:schemeClr>
+                </a:solidFill>
+              </a:rPr>
+              <a:t>3</a:t>
+            </a:r>
+            <a:endParaRPr lang="es" dirty="0">
+              <a:solidFill>
+                <a:schemeClr val="bg1">
+                  <a:lumMod val="10000"/>
+                </a:schemeClr>
+              </a:solidFill>
+            </a:endParaRPr>
+          </a:p>
+        </p:txBody>
+      </p:sp>
+      <p:grpSp>
+        <p:nvGrpSpPr>
+          <p:cNvPr id="19" name="Группа 18">
+            <a:extLst>
+              <a:ext uri="{FF2B5EF4-FFF2-40B4-BE49-F238E27FC236}">
+                <a16:creationId xmlns:a16="http://schemas.microsoft.com/office/drawing/2014/main" id="{AF6D9C93-4897-1776-ED8B-2E124AF7A9E8}"/>
+              </a:ext>
+            </a:extLst>
+          </p:cNvPr>
+          <p:cNvGrpSpPr/>
+          <p:nvPr/>
+        </p:nvGrpSpPr>
+        <p:grpSpPr>
+          <a:xfrm>
+            <a:off x="450688" y="2702928"/>
+            <a:ext cx="577034" cy="175828"/>
+            <a:chOff x="2050256" y="941294"/>
+            <a:chExt cx="5093494" cy="0"/>
+          </a:xfrm>
+        </p:grpSpPr>
+        <p:cxnSp>
+          <p:nvCxnSpPr>
+            <p:cNvPr id="27" name="Google Shape;258;p35">
+              <a:extLst>
+                <a:ext uri="{FF2B5EF4-FFF2-40B4-BE49-F238E27FC236}">
+                  <a16:creationId xmlns:a16="http://schemas.microsoft.com/office/drawing/2014/main" id="{C800F500-B609-24FD-689D-EE94422737F9}"/>
+                </a:ext>
+              </a:extLst>
+            </p:cNvPr>
+            <p:cNvCxnSpPr>
+              <a:cxnSpLocks/>
+            </p:cNvCxnSpPr>
+            <p:nvPr/>
+          </p:nvCxnSpPr>
+          <p:spPr>
+            <a:xfrm>
+              <a:off x="2050256" y="941294"/>
+              <a:ext cx="5093494" cy="0"/>
+            </a:xfrm>
+            <a:prstGeom prst="straightConnector1">
+              <a:avLst/>
+            </a:prstGeom>
+            <a:noFill/>
+            <a:ln w="38100" cap="flat" cmpd="sng">
+              <a:solidFill>
+                <a:schemeClr val="accent1"/>
+              </a:solidFill>
+              <a:prstDash val="solid"/>
+              <a:round/>
+              <a:headEnd type="none" w="med" len="med"/>
+              <a:tailEnd type="none" w="med" len="med"/>
+            </a:ln>
+          </p:spPr>
+        </p:cxnSp>
+        <p:cxnSp>
+          <p:nvCxnSpPr>
+            <p:cNvPr id="28" name="Google Shape;145;p28">
+              <a:extLst>
+                <a:ext uri="{FF2B5EF4-FFF2-40B4-BE49-F238E27FC236}">
+                  <a16:creationId xmlns:a16="http://schemas.microsoft.com/office/drawing/2014/main" id="{4122AF36-62BE-51E1-4982-5C1C076CE000}"/>
+                </a:ext>
+              </a:extLst>
+            </p:cNvPr>
+            <p:cNvCxnSpPr/>
+            <p:nvPr/>
+          </p:nvCxnSpPr>
+          <p:spPr>
+            <a:xfrm>
+              <a:off x="2073959" y="941294"/>
+              <a:ext cx="5041761" cy="0"/>
+            </a:xfrm>
+            <a:prstGeom prst="straightConnector1">
+              <a:avLst/>
+            </a:prstGeom>
+            <a:noFill/>
+            <a:ln w="19050" cap="flat" cmpd="sng">
+              <a:solidFill>
+                <a:schemeClr val="dk1"/>
+              </a:solidFill>
+              <a:prstDash val="solid"/>
+              <a:round/>
+              <a:headEnd type="none" w="med" len="med"/>
+              <a:tailEnd type="none" w="med" len="med"/>
+            </a:ln>
+          </p:spPr>
+        </p:cxnSp>
+      </p:grpSp>
+      <p:grpSp>
+        <p:nvGrpSpPr>
+          <p:cNvPr id="29" name="Группа 28">
+            <a:extLst>
+              <a:ext uri="{FF2B5EF4-FFF2-40B4-BE49-F238E27FC236}">
+                <a16:creationId xmlns:a16="http://schemas.microsoft.com/office/drawing/2014/main" id="{4D0D82C1-E215-E253-F4AE-39BD1D00F1EB}"/>
+              </a:ext>
+            </a:extLst>
+          </p:cNvPr>
+          <p:cNvGrpSpPr/>
+          <p:nvPr/>
+        </p:nvGrpSpPr>
+        <p:grpSpPr>
+          <a:xfrm>
+            <a:off x="447512" y="3740408"/>
+            <a:ext cx="577034" cy="175828"/>
+            <a:chOff x="2050256" y="941294"/>
+            <a:chExt cx="5093494" cy="0"/>
+          </a:xfrm>
+        </p:grpSpPr>
+        <p:cxnSp>
+          <p:nvCxnSpPr>
+            <p:cNvPr id="31" name="Google Shape;258;p35">
+              <a:extLst>
+                <a:ext uri="{FF2B5EF4-FFF2-40B4-BE49-F238E27FC236}">
+                  <a16:creationId xmlns:a16="http://schemas.microsoft.com/office/drawing/2014/main" id="{7FF8DEF7-23EA-4708-D364-7493AA1A5A45}"/>
+                </a:ext>
+              </a:extLst>
+            </p:cNvPr>
+            <p:cNvCxnSpPr>
+              <a:cxnSpLocks/>
+            </p:cNvCxnSpPr>
+            <p:nvPr/>
+          </p:nvCxnSpPr>
+          <p:spPr>
+            <a:xfrm>
+              <a:off x="2050256" y="941294"/>
+              <a:ext cx="5093494" cy="0"/>
+            </a:xfrm>
+            <a:prstGeom prst="straightConnector1">
+              <a:avLst/>
+            </a:prstGeom>
+            <a:noFill/>
+            <a:ln w="38100" cap="flat" cmpd="sng">
+              <a:solidFill>
+                <a:schemeClr val="accent1"/>
+              </a:solidFill>
+              <a:prstDash val="solid"/>
+              <a:round/>
+              <a:headEnd type="none" w="med" len="med"/>
+              <a:tailEnd type="none" w="med" len="med"/>
+            </a:ln>
+          </p:spPr>
+        </p:cxnSp>
+        <p:cxnSp>
+          <p:nvCxnSpPr>
+            <p:cNvPr id="34" name="Google Shape;145;p28">
+              <a:extLst>
+                <a:ext uri="{FF2B5EF4-FFF2-40B4-BE49-F238E27FC236}">
+                  <a16:creationId xmlns:a16="http://schemas.microsoft.com/office/drawing/2014/main" id="{04AEF555-54B0-8C09-133E-53D4B0E60771}"/>
+                </a:ext>
+              </a:extLst>
+            </p:cNvPr>
+            <p:cNvCxnSpPr/>
+            <p:nvPr/>
+          </p:nvCxnSpPr>
+          <p:spPr>
+            <a:xfrm>
+              <a:off x="2073959" y="941294"/>
+              <a:ext cx="5041761" cy="0"/>
+            </a:xfrm>
+            <a:prstGeom prst="straightConnector1">
+              <a:avLst/>
+            </a:prstGeom>
+            <a:noFill/>
+            <a:ln w="19050" cap="flat" cmpd="sng">
+              <a:solidFill>
+                <a:schemeClr val="dk1"/>
+              </a:solidFill>
+              <a:prstDash val="solid"/>
+              <a:round/>
+              <a:headEnd type="none" w="med" len="med"/>
+              <a:tailEnd type="none" w="med" len="med"/>
+            </a:ln>
+          </p:spPr>
+        </p:cxnSp>
+      </p:grpSp>
+      <p:sp>
+        <p:nvSpPr>
+          <p:cNvPr id="8" name="Google Shape;182;p31">
+            <a:extLst>
+              <a:ext uri="{FF2B5EF4-FFF2-40B4-BE49-F238E27FC236}">
+                <a16:creationId xmlns:a16="http://schemas.microsoft.com/office/drawing/2014/main" id="{957E4EDD-BD82-7C71-73A4-05DC0F13B59B}"/>
+              </a:ext>
+            </a:extLst>
+          </p:cNvPr>
+          <p:cNvSpPr txBox="1">
+            <a:spLocks/>
+          </p:cNvSpPr>
+          <p:nvPr/>
+        </p:nvSpPr>
+        <p:spPr>
+          <a:xfrm>
+            <a:off x="344543" y="4078820"/>
+            <a:ext cx="737401" cy="671326"/>
+          </a:xfrm>
+          <a:prstGeom prst="rect">
+            <a:avLst/>
+          </a:prstGeom>
+          <a:noFill/>
+          <a:ln>
+            <a:noFill/>
+          </a:ln>
+        </p:spPr>
+        <p:txBody>
+          <a:bodyPr spcFirstLastPara="1" wrap="square" lIns="91425" tIns="91425" rIns="91425" bIns="91425" anchor="ctr" anchorCtr="0">
+            <a:noAutofit/>
+          </a:bodyPr>
+          <a:lstStyle>
+            <a:defPPr marR="0" lvl="0" algn="l" rtl="0">
+              <a:lnSpc>
+                <a:spcPct val="100000"/>
+              </a:lnSpc>
+              <a:spcBef>
+                <a:spcPts val="0"/>
+              </a:spcBef>
+              <a:spcAft>
+                <a:spcPts val="0"/>
+              </a:spcAft>
+            </a:defPPr>
+            <a:lvl1pPr marR="0" lvl="0" algn="ctr" rtl="0">
+              <a:lnSpc>
+                <a:spcPct val="100000"/>
+              </a:lnSpc>
+              <a:spcBef>
+                <a:spcPts val="0"/>
+              </a:spcBef>
+              <a:spcAft>
+                <a:spcPts val="0"/>
+              </a:spcAft>
+              <a:buClr>
+                <a:schemeClr val="dk1"/>
+              </a:buClr>
+              <a:buSzPts val="3000"/>
+              <a:buFont typeface="Questrial"/>
+              <a:buNone/>
+              <a:defRPr sz="5400" b="1" i="0" u="none" strike="noStrike" cap="none">
+                <a:solidFill>
+                  <a:schemeClr val="dk1"/>
+                </a:solidFill>
+                <a:latin typeface="Questrial"/>
+                <a:ea typeface="Questrial"/>
+                <a:cs typeface="Questrial"/>
+                <a:sym typeface="Questrial"/>
+              </a:defRPr>
+            </a:lvl1pPr>
+            <a:lvl2pPr marR="0" lvl="1" algn="l" rtl="0">
+              <a:lnSpc>
+                <a:spcPct val="100000"/>
+              </a:lnSpc>
+              <a:spcBef>
+                <a:spcPts val="0"/>
+              </a:spcBef>
+              <a:spcAft>
+                <a:spcPts val="0"/>
+              </a:spcAft>
+              <a:buClr>
+                <a:schemeClr val="dk1"/>
+              </a:buClr>
+              <a:buSzPts val="3000"/>
+              <a:buFont typeface="Questrial"/>
+              <a:buNone/>
+              <a:defRPr sz="3000" b="0" i="0" u="none" strike="noStrike" cap="none">
+                <a:solidFill>
+                  <a:schemeClr val="dk1"/>
+                </a:solidFill>
+                <a:latin typeface="Questrial"/>
+                <a:ea typeface="Questrial"/>
+                <a:cs typeface="Questrial"/>
+                <a:sym typeface="Questrial"/>
+              </a:defRPr>
+            </a:lvl2pPr>
+            <a:lvl3pPr marR="0" lvl="2" algn="l" rtl="0">
+              <a:lnSpc>
+                <a:spcPct val="100000"/>
+              </a:lnSpc>
+              <a:spcBef>
+                <a:spcPts val="0"/>
+              </a:spcBef>
+              <a:spcAft>
+                <a:spcPts val="0"/>
+              </a:spcAft>
+              <a:buClr>
+                <a:schemeClr val="dk1"/>
+              </a:buClr>
+              <a:buSzPts val="3000"/>
+              <a:buFont typeface="Questrial"/>
+              <a:buNone/>
+              <a:defRPr sz="3000" b="0" i="0" u="none" strike="noStrike" cap="none">
+                <a:solidFill>
+                  <a:schemeClr val="dk1"/>
+                </a:solidFill>
+                <a:latin typeface="Questrial"/>
+                <a:ea typeface="Questrial"/>
+                <a:cs typeface="Questrial"/>
+                <a:sym typeface="Questrial"/>
+              </a:defRPr>
+            </a:lvl3pPr>
+            <a:lvl4pPr marR="0" lvl="3" algn="l" rtl="0">
+              <a:lnSpc>
+                <a:spcPct val="100000"/>
+              </a:lnSpc>
+              <a:spcBef>
+                <a:spcPts val="0"/>
+              </a:spcBef>
+              <a:spcAft>
+                <a:spcPts val="0"/>
+              </a:spcAft>
+              <a:buClr>
+                <a:schemeClr val="dk1"/>
+              </a:buClr>
+              <a:buSzPts val="3000"/>
+              <a:buFont typeface="Questrial"/>
+              <a:buNone/>
+              <a:defRPr sz="3000" b="0" i="0" u="none" strike="noStrike" cap="none">
+                <a:solidFill>
+                  <a:schemeClr val="dk1"/>
+                </a:solidFill>
+                <a:latin typeface="Questrial"/>
+                <a:ea typeface="Questrial"/>
+                <a:cs typeface="Questrial"/>
+                <a:sym typeface="Questrial"/>
+              </a:defRPr>
+            </a:lvl4pPr>
+            <a:lvl5pPr marR="0" lvl="4" algn="l" rtl="0">
+              <a:lnSpc>
+                <a:spcPct val="100000"/>
+              </a:lnSpc>
+              <a:spcBef>
+                <a:spcPts val="0"/>
+              </a:spcBef>
+              <a:spcAft>
+                <a:spcPts val="0"/>
+              </a:spcAft>
+              <a:buClr>
+                <a:schemeClr val="dk1"/>
+              </a:buClr>
+              <a:buSzPts val="3000"/>
+              <a:buFont typeface="Questrial"/>
+              <a:buNone/>
+              <a:defRPr sz="3000" b="0" i="0" u="none" strike="noStrike" cap="none">
+                <a:solidFill>
+                  <a:schemeClr val="dk1"/>
+                </a:solidFill>
+                <a:latin typeface="Questrial"/>
+                <a:ea typeface="Questrial"/>
+                <a:cs typeface="Questrial"/>
+                <a:sym typeface="Questrial"/>
+              </a:defRPr>
+            </a:lvl5pPr>
+            <a:lvl6pPr marR="0" lvl="5" algn="l" rtl="0">
+              <a:lnSpc>
+                <a:spcPct val="100000"/>
+              </a:lnSpc>
+              <a:spcBef>
+                <a:spcPts val="0"/>
+              </a:spcBef>
+              <a:spcAft>
+                <a:spcPts val="0"/>
+              </a:spcAft>
+              <a:buClr>
+                <a:schemeClr val="dk1"/>
+              </a:buClr>
+              <a:buSzPts val="3000"/>
+              <a:buFont typeface="Questrial"/>
+              <a:buNone/>
+              <a:defRPr sz="3000" b="0" i="0" u="none" strike="noStrike" cap="none">
+                <a:solidFill>
+                  <a:schemeClr val="dk1"/>
+                </a:solidFill>
+                <a:latin typeface="Questrial"/>
+                <a:ea typeface="Questrial"/>
+                <a:cs typeface="Questrial"/>
+                <a:sym typeface="Questrial"/>
+              </a:defRPr>
+            </a:lvl6pPr>
+            <a:lvl7pPr marR="0" lvl="6" algn="l" rtl="0">
+              <a:lnSpc>
+                <a:spcPct val="100000"/>
+              </a:lnSpc>
+              <a:spcBef>
+                <a:spcPts val="0"/>
+              </a:spcBef>
+              <a:spcAft>
+                <a:spcPts val="0"/>
+              </a:spcAft>
+              <a:buClr>
+                <a:schemeClr val="dk1"/>
+              </a:buClr>
+              <a:buSzPts val="3000"/>
+              <a:buFont typeface="Questrial"/>
+              <a:buNone/>
+              <a:defRPr sz="3000" b="0" i="0" u="none" strike="noStrike" cap="none">
+                <a:solidFill>
+                  <a:schemeClr val="dk1"/>
+                </a:solidFill>
+                <a:latin typeface="Questrial"/>
+                <a:ea typeface="Questrial"/>
+                <a:cs typeface="Questrial"/>
+                <a:sym typeface="Questrial"/>
+              </a:defRPr>
+            </a:lvl7pPr>
+            <a:lvl8pPr marR="0" lvl="7" algn="l" rtl="0">
+              <a:lnSpc>
+                <a:spcPct val="100000"/>
+              </a:lnSpc>
+              <a:spcBef>
+                <a:spcPts val="0"/>
+              </a:spcBef>
+              <a:spcAft>
+                <a:spcPts val="0"/>
+              </a:spcAft>
+              <a:buClr>
+                <a:schemeClr val="dk1"/>
+              </a:buClr>
+              <a:buSzPts val="3000"/>
+              <a:buFont typeface="Questrial"/>
+              <a:buNone/>
+              <a:defRPr sz="3000" b="0" i="0" u="none" strike="noStrike" cap="none">
+                <a:solidFill>
+                  <a:schemeClr val="dk1"/>
+                </a:solidFill>
+                <a:latin typeface="Questrial"/>
+                <a:ea typeface="Questrial"/>
+                <a:cs typeface="Questrial"/>
+                <a:sym typeface="Questrial"/>
+              </a:defRPr>
+            </a:lvl8pPr>
+            <a:lvl9pPr marR="0" lvl="8" algn="l" rtl="0">
+              <a:lnSpc>
+                <a:spcPct val="100000"/>
+              </a:lnSpc>
+              <a:spcBef>
+                <a:spcPts val="0"/>
+              </a:spcBef>
+              <a:spcAft>
+                <a:spcPts val="0"/>
+              </a:spcAft>
+              <a:buClr>
+                <a:schemeClr val="dk1"/>
+              </a:buClr>
+              <a:buSzPts val="3000"/>
+              <a:buFont typeface="Questrial"/>
+              <a:buNone/>
+              <a:defRPr sz="3000" b="0" i="0" u="none" strike="noStrike" cap="none">
+                <a:solidFill>
+                  <a:schemeClr val="dk1"/>
+                </a:solidFill>
+                <a:latin typeface="Questrial"/>
+                <a:ea typeface="Questrial"/>
+                <a:cs typeface="Questrial"/>
+                <a:sym typeface="Questrial"/>
+              </a:defRPr>
+            </a:lvl9pPr>
+          </a:lstStyle>
+          <a:p>
+            <a:r>
+              <a:rPr lang="ru-RU" dirty="0">
+                <a:solidFill>
+                  <a:schemeClr val="bg1">
+                    <a:lumMod val="10000"/>
+                  </a:schemeClr>
+                </a:solidFill>
+              </a:rPr>
+              <a:t>4</a:t>
+            </a:r>
+            <a:endParaRPr lang="es" dirty="0">
+              <a:solidFill>
+                <a:schemeClr val="bg1">
+                  <a:lumMod val="10000"/>
+                </a:schemeClr>
+              </a:solidFill>
+            </a:endParaRPr>
+          </a:p>
+        </p:txBody>
+      </p:sp>
+      <p:grpSp>
+        <p:nvGrpSpPr>
+          <p:cNvPr id="10" name="Группа 9">
+            <a:extLst>
+              <a:ext uri="{FF2B5EF4-FFF2-40B4-BE49-F238E27FC236}">
+                <a16:creationId xmlns:a16="http://schemas.microsoft.com/office/drawing/2014/main" id="{838DFC9E-1A56-E264-2A2D-8992D8F2ABBD}"/>
+              </a:ext>
+            </a:extLst>
+          </p:cNvPr>
+          <p:cNvGrpSpPr/>
+          <p:nvPr/>
+        </p:nvGrpSpPr>
+        <p:grpSpPr>
+          <a:xfrm>
+            <a:off x="450688" y="4697056"/>
+            <a:ext cx="577034" cy="175828"/>
+            <a:chOff x="2050256" y="941294"/>
+            <a:chExt cx="5093494" cy="0"/>
+          </a:xfrm>
+        </p:grpSpPr>
+        <p:cxnSp>
+          <p:nvCxnSpPr>
+            <p:cNvPr id="11" name="Google Shape;258;p35">
+              <a:extLst>
+                <a:ext uri="{FF2B5EF4-FFF2-40B4-BE49-F238E27FC236}">
+                  <a16:creationId xmlns:a16="http://schemas.microsoft.com/office/drawing/2014/main" id="{D0BA8CD8-4787-B535-4FB0-C73810578FB9}"/>
+                </a:ext>
+              </a:extLst>
+            </p:cNvPr>
+            <p:cNvCxnSpPr>
+              <a:cxnSpLocks/>
+            </p:cNvCxnSpPr>
+            <p:nvPr/>
+          </p:nvCxnSpPr>
+          <p:spPr>
+            <a:xfrm>
+              <a:off x="2050256" y="941294"/>
+              <a:ext cx="5093494" cy="0"/>
+            </a:xfrm>
+            <a:prstGeom prst="straightConnector1">
+              <a:avLst/>
+            </a:prstGeom>
+            <a:noFill/>
+            <a:ln w="38100" cap="flat" cmpd="sng">
+              <a:solidFill>
+                <a:schemeClr val="accent1"/>
+              </a:solidFill>
+              <a:prstDash val="solid"/>
+              <a:round/>
+              <a:headEnd type="none" w="med" len="med"/>
+              <a:tailEnd type="none" w="med" len="med"/>
+            </a:ln>
+          </p:spPr>
+        </p:cxnSp>
+        <p:cxnSp>
+          <p:nvCxnSpPr>
+            <p:cNvPr id="14" name="Google Shape;145;p28">
+              <a:extLst>
+                <a:ext uri="{FF2B5EF4-FFF2-40B4-BE49-F238E27FC236}">
+                  <a16:creationId xmlns:a16="http://schemas.microsoft.com/office/drawing/2014/main" id="{8509018E-B4EB-543C-9467-2D2231B39462}"/>
+                </a:ext>
+              </a:extLst>
+            </p:cNvPr>
+            <p:cNvCxnSpPr/>
+            <p:nvPr/>
+          </p:nvCxnSpPr>
+          <p:spPr>
+            <a:xfrm>
+              <a:off x="2073959" y="941294"/>
+              <a:ext cx="5041761" cy="0"/>
+            </a:xfrm>
+            <a:prstGeom prst="straightConnector1">
+              <a:avLst/>
+            </a:prstGeom>
+            <a:noFill/>
+            <a:ln w="19050" cap="flat" cmpd="sng">
+              <a:solidFill>
+                <a:schemeClr val="dk1"/>
+              </a:solidFill>
+              <a:prstDash val="solid"/>
+              <a:round/>
+              <a:headEnd type="none" w="med" len="med"/>
+              <a:tailEnd type="none" w="med" len="med"/>
+            </a:ln>
+          </p:spPr>
+        </p:cxnSp>
+      </p:grpSp>
+      <p:sp>
+        <p:nvSpPr>
+          <p:cNvPr id="17" name="Google Shape;172;p31">
+            <a:extLst>
+              <a:ext uri="{FF2B5EF4-FFF2-40B4-BE49-F238E27FC236}">
+                <a16:creationId xmlns:a16="http://schemas.microsoft.com/office/drawing/2014/main" id="{42F97B13-7285-C34B-4F53-CA4F256419A2}"/>
+              </a:ext>
+            </a:extLst>
+          </p:cNvPr>
+          <p:cNvSpPr txBox="1">
+            <a:spLocks/>
+          </p:cNvSpPr>
+          <p:nvPr/>
+        </p:nvSpPr>
+        <p:spPr>
+          <a:xfrm>
+            <a:off x="1248529" y="937359"/>
+            <a:ext cx="7454511" cy="836522"/>
+          </a:xfrm>
+          <a:prstGeom prst="rect">
+            <a:avLst/>
+          </a:prstGeom>
+          <a:noFill/>
+          <a:ln>
+            <a:noFill/>
+          </a:ln>
+        </p:spPr>
+        <p:txBody>
+          <a:bodyPr spcFirstLastPara="1" wrap="square" lIns="91425" tIns="91425" rIns="91425" bIns="91425" anchor="ctr" anchorCtr="0">
+            <a:noAutofit/>
+          </a:bodyPr>
+          <a:lstStyle>
+            <a:defPPr marR="0" lvl="0" algn="l" rtl="0">
+              <a:lnSpc>
+                <a:spcPct val="100000"/>
+              </a:lnSpc>
+              <a:spcBef>
+                <a:spcPts val="0"/>
+              </a:spcBef>
+              <a:spcAft>
+                <a:spcPts val="0"/>
+              </a:spcAft>
+            </a:defPPr>
+            <a:lvl1pPr marR="0" lvl="0" algn="l" rtl="0">
+              <a:lnSpc>
+                <a:spcPct val="100000"/>
+              </a:lnSpc>
+              <a:spcBef>
+                <a:spcPts val="0"/>
+              </a:spcBef>
+              <a:spcAft>
+                <a:spcPts val="0"/>
+              </a:spcAft>
+              <a:buClr>
+                <a:schemeClr val="dk1"/>
+              </a:buClr>
+              <a:buSzPts val="3000"/>
+              <a:buFont typeface="Questrial"/>
+              <a:buNone/>
+              <a:defRPr sz="3000" b="0" i="0" u="none" strike="noStrike" cap="none">
+                <a:solidFill>
+                  <a:schemeClr val="dk1"/>
+                </a:solidFill>
+                <a:latin typeface="Questrial"/>
+                <a:ea typeface="Questrial"/>
+                <a:cs typeface="Questrial"/>
+                <a:sym typeface="Questrial"/>
+              </a:defRPr>
+            </a:lvl1pPr>
+            <a:lvl2pPr marR="0" lvl="1" algn="l" rtl="0">
+              <a:lnSpc>
+                <a:spcPct val="100000"/>
+              </a:lnSpc>
+              <a:spcBef>
+                <a:spcPts val="0"/>
+              </a:spcBef>
+              <a:spcAft>
+                <a:spcPts val="0"/>
+              </a:spcAft>
+              <a:buClr>
+                <a:schemeClr val="dk1"/>
+              </a:buClr>
+              <a:buSzPts val="3000"/>
+              <a:buFont typeface="Questrial"/>
+              <a:buNone/>
+              <a:defRPr sz="3000" b="0" i="0" u="none" strike="noStrike" cap="none">
+                <a:solidFill>
+                  <a:schemeClr val="dk1"/>
+                </a:solidFill>
+                <a:latin typeface="Questrial"/>
+                <a:ea typeface="Questrial"/>
+                <a:cs typeface="Questrial"/>
+                <a:sym typeface="Questrial"/>
+              </a:defRPr>
+            </a:lvl2pPr>
+            <a:lvl3pPr marR="0" lvl="2" algn="l" rtl="0">
+              <a:lnSpc>
+                <a:spcPct val="100000"/>
+              </a:lnSpc>
+              <a:spcBef>
+                <a:spcPts val="0"/>
+              </a:spcBef>
+              <a:spcAft>
+                <a:spcPts val="0"/>
+              </a:spcAft>
+              <a:buClr>
+                <a:schemeClr val="dk1"/>
+              </a:buClr>
+              <a:buSzPts val="3000"/>
+              <a:buFont typeface="Questrial"/>
+              <a:buNone/>
+              <a:defRPr sz="3000" b="0" i="0" u="none" strike="noStrike" cap="none">
+                <a:solidFill>
+                  <a:schemeClr val="dk1"/>
+                </a:solidFill>
+                <a:latin typeface="Questrial"/>
+                <a:ea typeface="Questrial"/>
+                <a:cs typeface="Questrial"/>
+                <a:sym typeface="Questrial"/>
+              </a:defRPr>
+            </a:lvl3pPr>
+            <a:lvl4pPr marR="0" lvl="3" algn="l" rtl="0">
+              <a:lnSpc>
+                <a:spcPct val="100000"/>
+              </a:lnSpc>
+              <a:spcBef>
+                <a:spcPts val="0"/>
+              </a:spcBef>
+              <a:spcAft>
+                <a:spcPts val="0"/>
+              </a:spcAft>
+              <a:buClr>
+                <a:schemeClr val="dk1"/>
+              </a:buClr>
+              <a:buSzPts val="3000"/>
+              <a:buFont typeface="Questrial"/>
+              <a:buNone/>
+              <a:defRPr sz="3000" b="0" i="0" u="none" strike="noStrike" cap="none">
+                <a:solidFill>
+                  <a:schemeClr val="dk1"/>
+                </a:solidFill>
+                <a:latin typeface="Questrial"/>
+                <a:ea typeface="Questrial"/>
+                <a:cs typeface="Questrial"/>
+                <a:sym typeface="Questrial"/>
+              </a:defRPr>
+            </a:lvl4pPr>
+            <a:lvl5pPr marR="0" lvl="4" algn="l" rtl="0">
+              <a:lnSpc>
+                <a:spcPct val="100000"/>
+              </a:lnSpc>
+              <a:spcBef>
+                <a:spcPts val="0"/>
+              </a:spcBef>
+              <a:spcAft>
+                <a:spcPts val="0"/>
+              </a:spcAft>
+              <a:buClr>
+                <a:schemeClr val="dk1"/>
+              </a:buClr>
+              <a:buSzPts val="3000"/>
+              <a:buFont typeface="Questrial"/>
+              <a:buNone/>
+              <a:defRPr sz="3000" b="0" i="0" u="none" strike="noStrike" cap="none">
+                <a:solidFill>
+                  <a:schemeClr val="dk1"/>
+                </a:solidFill>
+                <a:latin typeface="Questrial"/>
+                <a:ea typeface="Questrial"/>
+                <a:cs typeface="Questrial"/>
+                <a:sym typeface="Questrial"/>
+              </a:defRPr>
+            </a:lvl5pPr>
+            <a:lvl6pPr marR="0" lvl="5" algn="l" rtl="0">
+              <a:lnSpc>
+                <a:spcPct val="100000"/>
+              </a:lnSpc>
+              <a:spcBef>
+                <a:spcPts val="0"/>
+              </a:spcBef>
+              <a:spcAft>
+                <a:spcPts val="0"/>
+              </a:spcAft>
+              <a:buClr>
+                <a:schemeClr val="dk1"/>
+              </a:buClr>
+              <a:buSzPts val="3000"/>
+              <a:buFont typeface="Questrial"/>
+              <a:buNone/>
+              <a:defRPr sz="3000" b="0" i="0" u="none" strike="noStrike" cap="none">
+                <a:solidFill>
+                  <a:schemeClr val="dk1"/>
+                </a:solidFill>
+                <a:latin typeface="Questrial"/>
+                <a:ea typeface="Questrial"/>
+                <a:cs typeface="Questrial"/>
+                <a:sym typeface="Questrial"/>
+              </a:defRPr>
+            </a:lvl6pPr>
+            <a:lvl7pPr marR="0" lvl="6" algn="l" rtl="0">
+              <a:lnSpc>
+                <a:spcPct val="100000"/>
+              </a:lnSpc>
+              <a:spcBef>
+                <a:spcPts val="0"/>
+              </a:spcBef>
+              <a:spcAft>
+                <a:spcPts val="0"/>
+              </a:spcAft>
+              <a:buClr>
+                <a:schemeClr val="dk1"/>
+              </a:buClr>
+              <a:buSzPts val="3000"/>
+              <a:buFont typeface="Questrial"/>
+              <a:buNone/>
+              <a:defRPr sz="3000" b="0" i="0" u="none" strike="noStrike" cap="none">
+                <a:solidFill>
+                  <a:schemeClr val="dk1"/>
+                </a:solidFill>
+                <a:latin typeface="Questrial"/>
+                <a:ea typeface="Questrial"/>
+                <a:cs typeface="Questrial"/>
+                <a:sym typeface="Questrial"/>
+              </a:defRPr>
+            </a:lvl7pPr>
+            <a:lvl8pPr marR="0" lvl="7" algn="l" rtl="0">
+              <a:lnSpc>
+                <a:spcPct val="100000"/>
+              </a:lnSpc>
+              <a:spcBef>
+                <a:spcPts val="0"/>
+              </a:spcBef>
+              <a:spcAft>
+                <a:spcPts val="0"/>
+              </a:spcAft>
+              <a:buClr>
+                <a:schemeClr val="dk1"/>
+              </a:buClr>
+              <a:buSzPts val="3000"/>
+              <a:buFont typeface="Questrial"/>
+              <a:buNone/>
+              <a:defRPr sz="3000" b="0" i="0" u="none" strike="noStrike" cap="none">
+                <a:solidFill>
+                  <a:schemeClr val="dk1"/>
+                </a:solidFill>
+                <a:latin typeface="Questrial"/>
+                <a:ea typeface="Questrial"/>
+                <a:cs typeface="Questrial"/>
+                <a:sym typeface="Questrial"/>
+              </a:defRPr>
+            </a:lvl8pPr>
+            <a:lvl9pPr marR="0" lvl="8" algn="l" rtl="0">
+              <a:lnSpc>
+                <a:spcPct val="100000"/>
+              </a:lnSpc>
+              <a:spcBef>
+                <a:spcPts val="0"/>
+              </a:spcBef>
+              <a:spcAft>
+                <a:spcPts val="0"/>
+              </a:spcAft>
+              <a:buClr>
+                <a:schemeClr val="dk1"/>
+              </a:buClr>
+              <a:buSzPts val="3000"/>
+              <a:buFont typeface="Questrial"/>
+              <a:buNone/>
+              <a:defRPr sz="3000" b="0" i="0" u="none" strike="noStrike" cap="none">
+                <a:solidFill>
+                  <a:schemeClr val="dk1"/>
+                </a:solidFill>
+                <a:latin typeface="Questrial"/>
+                <a:ea typeface="Questrial"/>
+                <a:cs typeface="Questrial"/>
+                <a:sym typeface="Questrial"/>
+              </a:defRPr>
+            </a:lvl9pPr>
+          </a:lstStyle>
+          <a:p>
+            <a:pPr algn="just"/>
+            <a:r>
+              <a:rPr lang="ru-RU" sz="1800" b="1" dirty="0">
+                <a:solidFill>
+                  <a:schemeClr val="bg1">
+                    <a:lumMod val="10000"/>
+                  </a:schemeClr>
+                </a:solidFill>
+              </a:rPr>
+              <a:t>-</a:t>
+            </a:r>
+            <a:endParaRPr lang="ru-RU" sz="1800" dirty="0">
+              <a:solidFill>
+                <a:schemeClr val="bg1">
+                  <a:lumMod val="10000"/>
+                </a:schemeClr>
+              </a:solidFill>
+            </a:endParaRPr>
+          </a:p>
+        </p:txBody>
+      </p:sp>
+    </p:spTree>
+    <p:extLst>
+      <p:ext uri="{BB962C8B-B14F-4D97-AF65-F5344CB8AC3E}">
+        <p14:creationId xmlns:p14="http://schemas.microsoft.com/office/powerpoint/2010/main" val="3666664012"/>
+      </p:ext>
+    </p:extLst>
+  </p:cSld>
+  <p:clrMapOvr>
+    <a:masterClrMapping/>
+  </p:clrMapOvr>
+  <p:transition spd="slow">
+    <p:fade/>
+  </p:transition>
+  <p:timing>
+    <p:tnLst>
+      <p:par>
+        <p:cTn id="1" dur="indefinite" restart="never" nodeType="tmRoot">
+          <p:childTnLst>
+            <p:seq concurrent="1" nextAc="seek">
+              <p:cTn id="2" dur="indefinite" nodeType="mainSeq">
+                <p:childTnLst>
+                  <p:par>
+                    <p:cTn id="3" fill="hold">
+                      <p:stCondLst>
+                        <p:cond delay="indefinite"/>
+                      </p:stCondLst>
+                      <p:childTnLst>
+                        <p:par>
+                          <p:cTn id="4" fill="hold">
+                            <p:stCondLst>
+                              <p:cond delay="0"/>
+                            </p:stCondLst>
+                            <p:childTnLst>
+                              <p:par>
+                                <p:cTn id="5" presetID="10" presetClass="entr" presetSubtype="0" fill="hold" nodeType="clickEffect">
+                                  <p:stCondLst>
+                                    <p:cond delay="0"/>
+                                  </p:stCondLst>
+                                  <p:childTnLst>
+                                    <p:set>
+                                      <p:cBhvr>
+                                        <p:cTn id="6" dur="1" fill="hold">
+                                          <p:stCondLst>
+                                            <p:cond delay="0"/>
+                                          </p:stCondLst>
+                                        </p:cTn>
+                                        <p:tgtEl>
+                                          <p:spTgt spid="2"/>
+                                        </p:tgtEl>
+                                        <p:attrNameLst>
+                                          <p:attrName>style.visibility</p:attrName>
+                                        </p:attrNameLst>
+                                      </p:cBhvr>
+                                      <p:to>
+                                        <p:strVal val="visible"/>
+                                      </p:to>
+                                    </p:set>
+                                    <p:animEffect transition="in" filter="fade">
+                                      <p:cBhvr>
+                                        <p:cTn id="7" dur="750"/>
+                                        <p:tgtEl>
+                                          <p:spTgt spid="2"/>
+                                        </p:tgtEl>
+                                      </p:cBhvr>
+                                    </p:animEffect>
+                                  </p:childTnLst>
+                                </p:cTn>
+                              </p:par>
+                              <p:par>
+                                <p:cTn id="8" presetID="10" presetClass="entr" presetSubtype="0" fill="hold" grpId="0" nodeType="withEffect">
+                                  <p:stCondLst>
+                                    <p:cond delay="0"/>
+                                  </p:stCondLst>
+                                  <p:childTnLst>
+                                    <p:set>
+                                      <p:cBhvr>
+                                        <p:cTn id="9" dur="1" fill="hold">
+                                          <p:stCondLst>
+                                            <p:cond delay="0"/>
+                                          </p:stCondLst>
+                                        </p:cTn>
+                                        <p:tgtEl>
+                                          <p:spTgt spid="24"/>
+                                        </p:tgtEl>
+                                        <p:attrNameLst>
+                                          <p:attrName>style.visibility</p:attrName>
+                                        </p:attrNameLst>
+                                      </p:cBhvr>
+                                      <p:to>
+                                        <p:strVal val="visible"/>
+                                      </p:to>
+                                    </p:set>
+                                    <p:animEffect transition="in" filter="fade">
+                                      <p:cBhvr>
+                                        <p:cTn id="10" dur="750"/>
+                                        <p:tgtEl>
+                                          <p:spTgt spid="24"/>
+                                        </p:tgtEl>
+                                      </p:cBhvr>
+                                    </p:animEffect>
+                                  </p:childTnLst>
+                                </p:cTn>
+                              </p:par>
+                              <p:par>
+                                <p:cTn id="11" presetID="10" presetClass="entr" presetSubtype="0" fill="hold" grpId="0" nodeType="withEffect">
+                                  <p:stCondLst>
+                                    <p:cond delay="0"/>
+                                  </p:stCondLst>
+                                  <p:childTnLst>
+                                    <p:set>
+                                      <p:cBhvr>
+                                        <p:cTn id="12" dur="1" fill="hold">
+                                          <p:stCondLst>
+                                            <p:cond delay="0"/>
+                                          </p:stCondLst>
+                                        </p:cTn>
+                                        <p:tgtEl>
+                                          <p:spTgt spid="17"/>
+                                        </p:tgtEl>
+                                        <p:attrNameLst>
+                                          <p:attrName>style.visibility</p:attrName>
+                                        </p:attrNameLst>
+                                      </p:cBhvr>
+                                      <p:to>
+                                        <p:strVal val="visible"/>
+                                      </p:to>
+                                    </p:set>
+                                    <p:animEffect transition="in" filter="fade">
+                                      <p:cBhvr>
+                                        <p:cTn id="13" dur="750"/>
+                                        <p:tgtEl>
+                                          <p:spTgt spid="17"/>
+                                        </p:tgtEl>
+                                      </p:cBhvr>
+                                    </p:animEffect>
+                                  </p:childTnLst>
+                                </p:cTn>
+                              </p:par>
+                            </p:childTnLst>
+                          </p:cTn>
+                        </p:par>
+                      </p:childTnLst>
+                    </p:cTn>
+                  </p:par>
+                  <p:par>
+                    <p:cTn id="14" fill="hold">
+                      <p:stCondLst>
+                        <p:cond delay="indefinite"/>
+                      </p:stCondLst>
+                      <p:childTnLst>
+                        <p:par>
+                          <p:cTn id="15" fill="hold">
+                            <p:stCondLst>
+                              <p:cond delay="0"/>
+                            </p:stCondLst>
+                            <p:childTnLst>
+                              <p:par>
+                                <p:cTn id="16" presetID="10" presetClass="entr" presetSubtype="0" fill="hold" grpId="0" nodeType="clickEffect">
+                                  <p:stCondLst>
+                                    <p:cond delay="0"/>
+                                  </p:stCondLst>
+                                  <p:childTnLst>
+                                    <p:set>
+                                      <p:cBhvr>
+                                        <p:cTn id="17" dur="1" fill="hold">
+                                          <p:stCondLst>
+                                            <p:cond delay="0"/>
+                                          </p:stCondLst>
+                                        </p:cTn>
+                                        <p:tgtEl>
+                                          <p:spTgt spid="26"/>
+                                        </p:tgtEl>
+                                        <p:attrNameLst>
+                                          <p:attrName>style.visibility</p:attrName>
+                                        </p:attrNameLst>
+                                      </p:cBhvr>
+                                      <p:to>
+                                        <p:strVal val="visible"/>
+                                      </p:to>
+                                    </p:set>
+                                    <p:animEffect transition="in" filter="fade">
+                                      <p:cBhvr>
+                                        <p:cTn id="18" dur="750"/>
+                                        <p:tgtEl>
+                                          <p:spTgt spid="26"/>
+                                        </p:tgtEl>
+                                      </p:cBhvr>
+                                    </p:animEffect>
+                                  </p:childTnLst>
+                                </p:cTn>
+                              </p:par>
+                              <p:par>
+                                <p:cTn id="19" presetID="10" presetClass="entr" presetSubtype="0" fill="hold" nodeType="withEffect">
+                                  <p:stCondLst>
+                                    <p:cond delay="0"/>
+                                  </p:stCondLst>
+                                  <p:childTnLst>
+                                    <p:set>
+                                      <p:cBhvr>
+                                        <p:cTn id="20" dur="1" fill="hold">
+                                          <p:stCondLst>
+                                            <p:cond delay="0"/>
+                                          </p:stCondLst>
+                                        </p:cTn>
+                                        <p:tgtEl>
+                                          <p:spTgt spid="19"/>
+                                        </p:tgtEl>
+                                        <p:attrNameLst>
+                                          <p:attrName>style.visibility</p:attrName>
+                                        </p:attrNameLst>
+                                      </p:cBhvr>
+                                      <p:to>
+                                        <p:strVal val="visible"/>
+                                      </p:to>
+                                    </p:set>
+                                    <p:animEffect transition="in" filter="fade">
+                                      <p:cBhvr>
+                                        <p:cTn id="21" dur="750"/>
+                                        <p:tgtEl>
+                                          <p:spTgt spid="19"/>
+                                        </p:tgtEl>
+                                      </p:cBhvr>
+                                    </p:animEffect>
+                                  </p:childTnLst>
+                                </p:cTn>
+                              </p:par>
+                              <p:par>
+                                <p:cTn id="22" presetID="10" presetClass="entr" presetSubtype="0" fill="hold" grpId="0" nodeType="withEffect">
+                                  <p:stCondLst>
+                                    <p:cond delay="0"/>
+                                  </p:stCondLst>
+                                  <p:childTnLst>
+                                    <p:set>
+                                      <p:cBhvr>
+                                        <p:cTn id="23" dur="1" fill="hold">
+                                          <p:stCondLst>
+                                            <p:cond delay="0"/>
+                                          </p:stCondLst>
+                                        </p:cTn>
+                                        <p:tgtEl>
+                                          <p:spTgt spid="12"/>
+                                        </p:tgtEl>
+                                        <p:attrNameLst>
+                                          <p:attrName>style.visibility</p:attrName>
+                                        </p:attrNameLst>
+                                      </p:cBhvr>
+                                      <p:to>
+                                        <p:strVal val="visible"/>
+                                      </p:to>
+                                    </p:set>
+                                    <p:animEffect transition="in" filter="fade">
+                                      <p:cBhvr>
+                                        <p:cTn id="24" dur="750"/>
+                                        <p:tgtEl>
+                                          <p:spTgt spid="12"/>
+                                        </p:tgtEl>
+                                      </p:cBhvr>
+                                    </p:animEffect>
+                                  </p:childTnLst>
+                                </p:cTn>
+                              </p:par>
+                            </p:childTnLst>
+                          </p:cTn>
+                        </p:par>
+                      </p:childTnLst>
+                    </p:cTn>
+                  </p:par>
+                  <p:par>
+                    <p:cTn id="25" fill="hold">
+                      <p:stCondLst>
+                        <p:cond delay="indefinite"/>
+                      </p:stCondLst>
+                      <p:childTnLst>
+                        <p:par>
+                          <p:cTn id="26" fill="hold">
+                            <p:stCondLst>
+                              <p:cond delay="0"/>
+                            </p:stCondLst>
+                            <p:childTnLst>
+                              <p:par>
+                                <p:cTn id="27" presetID="10" presetClass="entr" presetSubtype="0" fill="hold" grpId="0" nodeType="clickEffect">
+                                  <p:stCondLst>
+                                    <p:cond delay="0"/>
+                                  </p:stCondLst>
+                                  <p:childTnLst>
+                                    <p:set>
+                                      <p:cBhvr>
+                                        <p:cTn id="28" dur="1" fill="hold">
+                                          <p:stCondLst>
+                                            <p:cond delay="0"/>
+                                          </p:stCondLst>
+                                        </p:cTn>
+                                        <p:tgtEl>
+                                          <p:spTgt spid="30"/>
+                                        </p:tgtEl>
+                                        <p:attrNameLst>
+                                          <p:attrName>style.visibility</p:attrName>
+                                        </p:attrNameLst>
+                                      </p:cBhvr>
+                                      <p:to>
+                                        <p:strVal val="visible"/>
+                                      </p:to>
+                                    </p:set>
+                                    <p:animEffect transition="in" filter="fade">
+                                      <p:cBhvr>
+                                        <p:cTn id="29" dur="750"/>
+                                        <p:tgtEl>
+                                          <p:spTgt spid="30"/>
+                                        </p:tgtEl>
+                                      </p:cBhvr>
+                                    </p:animEffect>
+                                  </p:childTnLst>
+                                </p:cTn>
+                              </p:par>
+                              <p:par>
+                                <p:cTn id="30" presetID="10" presetClass="entr" presetSubtype="0" fill="hold" nodeType="withEffect">
+                                  <p:stCondLst>
+                                    <p:cond delay="0"/>
+                                  </p:stCondLst>
+                                  <p:childTnLst>
+                                    <p:set>
+                                      <p:cBhvr>
+                                        <p:cTn id="31" dur="1" fill="hold">
+                                          <p:stCondLst>
+                                            <p:cond delay="0"/>
+                                          </p:stCondLst>
+                                        </p:cTn>
+                                        <p:tgtEl>
+                                          <p:spTgt spid="29"/>
+                                        </p:tgtEl>
+                                        <p:attrNameLst>
+                                          <p:attrName>style.visibility</p:attrName>
+                                        </p:attrNameLst>
+                                      </p:cBhvr>
+                                      <p:to>
+                                        <p:strVal val="visible"/>
+                                      </p:to>
+                                    </p:set>
+                                    <p:animEffect transition="in" filter="fade">
+                                      <p:cBhvr>
+                                        <p:cTn id="32" dur="750"/>
+                                        <p:tgtEl>
+                                          <p:spTgt spid="29"/>
+                                        </p:tgtEl>
+                                      </p:cBhvr>
+                                    </p:animEffect>
+                                  </p:childTnLst>
+                                </p:cTn>
+                              </p:par>
+                              <p:par>
+                                <p:cTn id="33" presetID="10" presetClass="entr" presetSubtype="0" fill="hold" grpId="0" nodeType="withEffect">
+                                  <p:stCondLst>
+                                    <p:cond delay="0"/>
+                                  </p:stCondLst>
+                                  <p:childTnLst>
+                                    <p:set>
+                                      <p:cBhvr>
+                                        <p:cTn id="34" dur="1" fill="hold">
+                                          <p:stCondLst>
+                                            <p:cond delay="0"/>
+                                          </p:stCondLst>
+                                        </p:cTn>
+                                        <p:tgtEl>
+                                          <p:spTgt spid="13"/>
+                                        </p:tgtEl>
+                                        <p:attrNameLst>
+                                          <p:attrName>style.visibility</p:attrName>
+                                        </p:attrNameLst>
+                                      </p:cBhvr>
+                                      <p:to>
+                                        <p:strVal val="visible"/>
+                                      </p:to>
+                                    </p:set>
+                                    <p:animEffect transition="in" filter="fade">
+                                      <p:cBhvr>
+                                        <p:cTn id="35" dur="750"/>
+                                        <p:tgtEl>
+                                          <p:spTgt spid="13"/>
+                                        </p:tgtEl>
+                                      </p:cBhvr>
+                                    </p:animEffect>
+                                  </p:childTnLst>
+                                </p:cTn>
+                              </p:par>
+                            </p:childTnLst>
+                          </p:cTn>
+                        </p:par>
+                      </p:childTnLst>
+                    </p:cTn>
+                  </p:par>
+                  <p:par>
+                    <p:cTn id="36" fill="hold">
+                      <p:stCondLst>
+                        <p:cond delay="indefinite"/>
+                      </p:stCondLst>
+                      <p:childTnLst>
+                        <p:par>
+                          <p:cTn id="37" fill="hold">
+                            <p:stCondLst>
+                              <p:cond delay="0"/>
+                            </p:stCondLst>
+                            <p:childTnLst>
+                              <p:par>
+                                <p:cTn id="38" presetID="10" presetClass="entr" presetSubtype="0" fill="hold" grpId="0" nodeType="clickEffect">
+                                  <p:stCondLst>
+                                    <p:cond delay="0"/>
+                                  </p:stCondLst>
+                                  <p:childTnLst>
+                                    <p:set>
+                                      <p:cBhvr>
+                                        <p:cTn id="39" dur="1" fill="hold">
+                                          <p:stCondLst>
+                                            <p:cond delay="0"/>
+                                          </p:stCondLst>
+                                        </p:cTn>
+                                        <p:tgtEl>
+                                          <p:spTgt spid="9"/>
+                                        </p:tgtEl>
+                                        <p:attrNameLst>
+                                          <p:attrName>style.visibility</p:attrName>
+                                        </p:attrNameLst>
+                                      </p:cBhvr>
+                                      <p:to>
+                                        <p:strVal val="visible"/>
+                                      </p:to>
+                                    </p:set>
+                                    <p:animEffect transition="in" filter="fade">
+                                      <p:cBhvr>
+                                        <p:cTn id="40" dur="750"/>
+                                        <p:tgtEl>
+                                          <p:spTgt spid="9"/>
+                                        </p:tgtEl>
+                                      </p:cBhvr>
+                                    </p:animEffect>
+                                  </p:childTnLst>
+                                </p:cTn>
+                              </p:par>
+                              <p:par>
+                                <p:cTn id="41" presetID="10" presetClass="entr" presetSubtype="0" fill="hold" nodeType="withEffect">
+                                  <p:stCondLst>
+                                    <p:cond delay="0"/>
+                                  </p:stCondLst>
+                                  <p:childTnLst>
+                                    <p:set>
+                                      <p:cBhvr>
+                                        <p:cTn id="42" dur="1" fill="hold">
+                                          <p:stCondLst>
+                                            <p:cond delay="0"/>
+                                          </p:stCondLst>
+                                        </p:cTn>
+                                        <p:tgtEl>
+                                          <p:spTgt spid="10"/>
+                                        </p:tgtEl>
+                                        <p:attrNameLst>
+                                          <p:attrName>style.visibility</p:attrName>
+                                        </p:attrNameLst>
+                                      </p:cBhvr>
+                                      <p:to>
+                                        <p:strVal val="visible"/>
+                                      </p:to>
+                                    </p:set>
+                                    <p:animEffect transition="in" filter="fade">
+                                      <p:cBhvr>
+                                        <p:cTn id="43" dur="750"/>
+                                        <p:tgtEl>
+                                          <p:spTgt spid="10"/>
+                                        </p:tgtEl>
+                                      </p:cBhvr>
+                                    </p:animEffect>
+                                  </p:childTnLst>
+                                </p:cTn>
+                              </p:par>
+                              <p:par>
+                                <p:cTn id="44" presetID="10" presetClass="entr" presetSubtype="0" fill="hold" grpId="0" nodeType="withEffect">
+                                  <p:stCondLst>
+                                    <p:cond delay="0"/>
+                                  </p:stCondLst>
+                                  <p:childTnLst>
+                                    <p:set>
+                                      <p:cBhvr>
+                                        <p:cTn id="45" dur="1" fill="hold">
+                                          <p:stCondLst>
+                                            <p:cond delay="0"/>
+                                          </p:stCondLst>
+                                        </p:cTn>
+                                        <p:tgtEl>
+                                          <p:spTgt spid="8"/>
+                                        </p:tgtEl>
+                                        <p:attrNameLst>
+                                          <p:attrName>style.visibility</p:attrName>
+                                        </p:attrNameLst>
+                                      </p:cBhvr>
+                                      <p:to>
+                                        <p:strVal val="visible"/>
+                                      </p:to>
+                                    </p:set>
+                                    <p:animEffect transition="in" filter="fade">
+                                      <p:cBhvr>
+                                        <p:cTn id="46" dur="750"/>
+                                        <p:tgtEl>
+                                          <p:spTgt spid="8"/>
+                                        </p:tgtEl>
+                                      </p:cBhvr>
+                                    </p:animEffect>
+                                  </p:childTnLst>
+                                </p:cTn>
+                              </p:par>
+                            </p:childTnLst>
+                          </p:cTn>
+                        </p:par>
+                      </p:childTnLst>
+                    </p:cTn>
+                  </p:par>
+                </p:childTnLst>
+              </p:cTn>
+              <p:prevCondLst>
+                <p:cond evt="onPrev" delay="0">
+                  <p:tgtEl>
+                    <p:sldTgt/>
+                  </p:tgtEl>
+                </p:cond>
+              </p:prevCondLst>
+              <p:nextCondLst>
+                <p:cond evt="onNext" delay="0">
+                  <p:tgtEl>
+                    <p:sldTgt/>
+                  </p:tgtEl>
+                </p:cond>
+              </p:nextCondLst>
+            </p:seq>
+          </p:childTnLst>
+        </p:cTn>
+      </p:par>
+    </p:tnLst>
+    <p:bldLst>
+      <p:bldP spid="24" grpId="0"/>
+      <p:bldP spid="26" grpId="0"/>
+      <p:bldP spid="30" grpId="0"/>
+      <p:bldP spid="9" grpId="0"/>
+      <p:bldP spid="12" grpId="0"/>
+      <p:bldP spid="13" grpId="0"/>
+      <p:bldP spid="8" grpId="0"/>
+      <p:bldP spid="17" grpId="0"/>
+    </p:bldLst>
+  </p:timing>
+</p:sld>
+</file>
+
+<file path=ppt/slides/slide3.xml><?xml version="1.0" encoding="utf-8"?>
+<p:sld xmlns:a="http://schemas.openxmlformats.org/drawingml/2006/main" xmlns:r="http://schemas.openxmlformats.org/officeDocument/2006/relationships" xmlns:p="http://schemas.openxmlformats.org/presentationml/2006/main">
+  <p:cSld>
+    <p:spTree>
+      <p:nvGrpSpPr>
+        <p:cNvPr id="1" name="Shape 193"/>
+        <p:cNvGrpSpPr/>
+        <p:nvPr/>
+      </p:nvGrpSpPr>
+      <p:grpSpPr>
+        <a:xfrm>
+          <a:off x="0" y="0"/>
+          <a:ext cx="0" cy="0"/>
+          <a:chOff x="0" y="0"/>
+          <a:chExt cx="0" cy="0"/>
+        </a:xfrm>
+      </p:grpSpPr>
+      <p:pic>
+        <p:nvPicPr>
+          <p:cNvPr id="7" name="Picture 2">
+            <a:extLst>
+              <a:ext uri="{FF2B5EF4-FFF2-40B4-BE49-F238E27FC236}">
+                <a16:creationId xmlns:a16="http://schemas.microsoft.com/office/drawing/2014/main" id="{E39C36B1-1A6A-B18D-85DC-38D2DF94C228}"/>
+              </a:ext>
+            </a:extLst>
+          </p:cNvPr>
+          <p:cNvPicPr>
+            <a:picLocks noChangeAspect="1" noChangeArrowheads="1"/>
+          </p:cNvPicPr>
+          <p:nvPr/>
+        </p:nvPicPr>
+        <p:blipFill>
+          <a:blip r:embed="rId3">
+            <a:extLst>
+              <a:ext uri="{28A0092B-C50C-407E-A947-70E740481C1C}">
+                <a14:useLocalDpi xmlns:a14="http://schemas.microsoft.com/office/drawing/2010/main" val="0"/>
+              </a:ext>
+            </a:extLst>
+          </a:blip>
+          <a:srcRect/>
+          <a:stretch>
+            <a:fillRect/>
+          </a:stretch>
+        </p:blipFill>
+        <p:spPr bwMode="auto">
+          <a:xfrm>
+            <a:off x="0" y="0"/>
+            <a:ext cx="9144000" cy="5143500"/>
+          </a:xfrm>
+          <a:prstGeom prst="rect">
+            <a:avLst/>
+          </a:prstGeom>
+          <a:noFill/>
+          <a:extLst>
+            <a:ext uri="{909E8E84-426E-40DD-AFC4-6F175D3DCCD1}">
+              <a14:hiddenFill xmlns:a14="http://schemas.microsoft.com/office/drawing/2010/main">
+                <a:solidFill>
+                  <a:srgbClr val="FFFFFF"/>
+                </a:solidFill>
+              </a14:hiddenFill>
+            </a:ext>
+          </a:extLst>
+        </p:spPr>
+      </p:pic>
+      <p:sp>
+        <p:nvSpPr>
+          <p:cNvPr id="5" name="Прямоугольник: скругленные углы 4">
+            <a:extLst>
+              <a:ext uri="{FF2B5EF4-FFF2-40B4-BE49-F238E27FC236}">
+                <a16:creationId xmlns:a16="http://schemas.microsoft.com/office/drawing/2014/main" id="{D558931A-4240-023F-1832-16600BF80CD6}"/>
+              </a:ext>
+            </a:extLst>
+          </p:cNvPr>
+          <p:cNvSpPr/>
+          <p:nvPr/>
+        </p:nvSpPr>
+        <p:spPr>
+          <a:xfrm>
+            <a:off x="8573269" y="4796684"/>
+            <a:ext cx="408824" cy="239937"/>
+          </a:xfrm>
+          <a:prstGeom prst="roundRect">
+            <a:avLst/>
+          </a:prstGeom>
+          <a:solidFill>
+            <a:srgbClr val="3B9FFF">
+              <a:alpha val="50196"/>
+            </a:srgbClr>
+          </a:solidFill>
+          <a:ln>
+            <a:solidFill>
+              <a:schemeClr val="bg1">
+                <a:alpha val="94902"/>
+              </a:schemeClr>
+            </a:solidFill>
+            <a:headEnd type="none" w="med" len="med"/>
+            <a:tailEnd type="none" w="med" len="med"/>
+          </a:ln>
+        </p:spPr>
+        <p:style>
+          <a:lnRef idx="3">
+            <a:schemeClr val="lt1"/>
+          </a:lnRef>
+          <a:fillRef idx="1">
+            <a:schemeClr val="dk1"/>
+          </a:fillRef>
+          <a:effectRef idx="1">
+            <a:schemeClr val="dk1"/>
+          </a:effectRef>
+          <a:fontRef idx="minor">
+            <a:schemeClr val="lt1"/>
+          </a:fontRef>
+        </p:style>
+        <p:txBody>
+          <a:bodyPr rtlCol="0" anchor="ctr"/>
+          <a:lstStyle/>
+          <a:p>
+            <a:pPr algn="ctr"/>
+            <a:fld id="{C60D91B0-6C93-47AD-8D23-510063BB0AB5}" type="slidenum">
+              <a:rPr lang="ru-RU" smtClean="0">
+                <a:solidFill>
+                  <a:schemeClr val="bg2"/>
+                </a:solidFill>
+              </a:rPr>
+              <a:t>3</a:t>
+            </a:fld>
+            <a:endParaRPr lang="ru-RU" dirty="0">
+              <a:solidFill>
+                <a:schemeClr val="bg2"/>
+              </a:solidFill>
+            </a:endParaRPr>
+          </a:p>
+        </p:txBody>
+      </p:sp>
+    </p:spTree>
+    <p:extLst>
+      <p:ext uri="{BB962C8B-B14F-4D97-AF65-F5344CB8AC3E}">
+        <p14:creationId xmlns:p14="http://schemas.microsoft.com/office/powerpoint/2010/main" val="3379341323"/>
+      </p:ext>
+    </p:extLst>
+  </p:cSld>
+  <p:clrMapOvr>
+    <a:masterClrMapping/>
+  </p:clrMapOvr>
+  <p:transition spd="slow">
+    <p:fade/>
+  </p:transition>
+</p:sld>
+</file>
+
+<file path=ppt/slides/slide4.xml><?xml version="1.0" encoding="utf-8"?>
+<p:sld xmlns:a="http://schemas.openxmlformats.org/drawingml/2006/main" xmlns:r="http://schemas.openxmlformats.org/officeDocument/2006/relationships" xmlns:p="http://schemas.openxmlformats.org/presentationml/2006/main">
+  <p:cSld>
+    <p:spTree>
+      <p:nvGrpSpPr>
+        <p:cNvPr id="1" name="Shape 193"/>
+        <p:cNvGrpSpPr/>
+        <p:nvPr/>
+      </p:nvGrpSpPr>
+      <p:grpSpPr>
+        <a:xfrm>
+          <a:off x="0" y="0"/>
+          <a:ext cx="0" cy="0"/>
+          <a:chOff x="0" y="0"/>
+          <a:chExt cx="0" cy="0"/>
+        </a:xfrm>
+      </p:grpSpPr>
+      <p:pic>
+        <p:nvPicPr>
+          <p:cNvPr id="7" name="Picture 2">
+            <a:extLst>
+              <a:ext uri="{FF2B5EF4-FFF2-40B4-BE49-F238E27FC236}">
+                <a16:creationId xmlns:a16="http://schemas.microsoft.com/office/drawing/2014/main" id="{E39C36B1-1A6A-B18D-85DC-38D2DF94C228}"/>
+              </a:ext>
+            </a:extLst>
+          </p:cNvPr>
+          <p:cNvPicPr>
+            <a:picLocks noChangeAspect="1" noChangeArrowheads="1"/>
+          </p:cNvPicPr>
+          <p:nvPr/>
+        </p:nvPicPr>
+        <p:blipFill>
+          <a:blip r:embed="rId3">
+            <a:extLst>
+              <a:ext uri="{28A0092B-C50C-407E-A947-70E740481C1C}">
+                <a14:useLocalDpi xmlns:a14="http://schemas.microsoft.com/office/drawing/2010/main" val="0"/>
+              </a:ext>
+            </a:extLst>
+          </a:blip>
+          <a:srcRect/>
+          <a:stretch>
+            <a:fillRect/>
+          </a:stretch>
+        </p:blipFill>
+        <p:spPr bwMode="auto">
+          <a:xfrm>
+            <a:off x="0" y="0"/>
+            <a:ext cx="9144000" cy="5143500"/>
+          </a:xfrm>
+          <a:prstGeom prst="rect">
+            <a:avLst/>
+          </a:prstGeom>
+          <a:noFill/>
+          <a:extLst>
+            <a:ext uri="{909E8E84-426E-40DD-AFC4-6F175D3DCCD1}">
+              <a14:hiddenFill xmlns:a14="http://schemas.microsoft.com/office/drawing/2010/main">
+                <a:solidFill>
+                  <a:srgbClr val="FFFFFF"/>
+                </a:solidFill>
+              </a14:hiddenFill>
+            </a:ext>
+          </a:extLst>
+        </p:spPr>
+      </p:pic>
+      <p:sp>
+        <p:nvSpPr>
+          <p:cNvPr id="5" name="Прямоугольник: скругленные углы 4">
+            <a:extLst>
+              <a:ext uri="{FF2B5EF4-FFF2-40B4-BE49-F238E27FC236}">
+                <a16:creationId xmlns:a16="http://schemas.microsoft.com/office/drawing/2014/main" id="{D558931A-4240-023F-1832-16600BF80CD6}"/>
+              </a:ext>
+            </a:extLst>
+          </p:cNvPr>
+          <p:cNvSpPr/>
+          <p:nvPr/>
+        </p:nvSpPr>
+        <p:spPr>
+          <a:xfrm>
+            <a:off x="8573269" y="4796684"/>
+            <a:ext cx="408824" cy="239937"/>
+          </a:xfrm>
+          <a:prstGeom prst="roundRect">
+            <a:avLst/>
+          </a:prstGeom>
+          <a:solidFill>
+            <a:srgbClr val="3B9FFF">
+              <a:alpha val="50196"/>
+            </a:srgbClr>
+          </a:solidFill>
+          <a:ln>
+            <a:solidFill>
+              <a:schemeClr val="bg1">
+                <a:alpha val="94902"/>
+              </a:schemeClr>
+            </a:solidFill>
+            <a:headEnd type="none" w="med" len="med"/>
+            <a:tailEnd type="none" w="med" len="med"/>
+          </a:ln>
+        </p:spPr>
+        <p:style>
+          <a:lnRef idx="3">
+            <a:schemeClr val="lt1"/>
+          </a:lnRef>
+          <a:fillRef idx="1">
+            <a:schemeClr val="dk1"/>
+          </a:fillRef>
+          <a:effectRef idx="1">
+            <a:schemeClr val="dk1"/>
+          </a:effectRef>
+          <a:fontRef idx="minor">
+            <a:schemeClr val="lt1"/>
+          </a:fontRef>
+        </p:style>
+        <p:txBody>
+          <a:bodyPr rtlCol="0" anchor="ctr"/>
+          <a:lstStyle/>
+          <a:p>
+            <a:pPr algn="ctr"/>
+            <a:fld id="{C60D91B0-6C93-47AD-8D23-510063BB0AB5}" type="slidenum">
+              <a:rPr lang="ru-RU" smtClean="0">
+                <a:solidFill>
+                  <a:schemeClr val="bg2"/>
+                </a:solidFill>
+              </a:rPr>
+              <a:t>4</a:t>
+            </a:fld>
+            <a:endParaRPr lang="ru-RU" dirty="0">
+              <a:solidFill>
+                <a:schemeClr val="bg2"/>
+              </a:solidFill>
+            </a:endParaRPr>
+          </a:p>
+        </p:txBody>
+      </p:sp>
+    </p:spTree>
+    <p:extLst>
+      <p:ext uri="{BB962C8B-B14F-4D97-AF65-F5344CB8AC3E}">
+        <p14:creationId xmlns:p14="http://schemas.microsoft.com/office/powerpoint/2010/main" val="3017599141"/>
+      </p:ext>
+    </p:extLst>
+  </p:cSld>
+  <p:clrMapOvr>
+    <a:masterClrMapping/>
+  </p:clrMapOvr>
+  <p:transition spd="slow">
+    <p:fade/>
+  </p:transition>
+</p:sld>
+</file>
+
+<file path=ppt/slides/slide5.xml><?xml version="1.0" encoding="utf-8"?>
+<p:sld xmlns:a="http://schemas.openxmlformats.org/drawingml/2006/main" xmlns:r="http://schemas.openxmlformats.org/officeDocument/2006/relationships" xmlns:p="http://schemas.openxmlformats.org/presentationml/2006/main">
+  <p:cSld>
+    <p:spTree>
+      <p:nvGrpSpPr>
+        <p:cNvPr id="1" name="Shape 193"/>
+        <p:cNvGrpSpPr/>
+        <p:nvPr/>
+      </p:nvGrpSpPr>
+      <p:grpSpPr>
+        <a:xfrm>
+          <a:off x="0" y="0"/>
+          <a:ext cx="0" cy="0"/>
+          <a:chOff x="0" y="0"/>
+          <a:chExt cx="0" cy="0"/>
+        </a:xfrm>
+      </p:grpSpPr>
+      <p:pic>
+        <p:nvPicPr>
+          <p:cNvPr id="7" name="Picture 2">
+            <a:extLst>
+              <a:ext uri="{FF2B5EF4-FFF2-40B4-BE49-F238E27FC236}">
+                <a16:creationId xmlns:a16="http://schemas.microsoft.com/office/drawing/2014/main" id="{E39C36B1-1A6A-B18D-85DC-38D2DF94C228}"/>
+              </a:ext>
+            </a:extLst>
+          </p:cNvPr>
+          <p:cNvPicPr>
+            <a:picLocks noChangeAspect="1" noChangeArrowheads="1"/>
+          </p:cNvPicPr>
+          <p:nvPr/>
+        </p:nvPicPr>
+        <p:blipFill>
+          <a:blip r:embed="rId3">
+            <a:extLst>
+              <a:ext uri="{28A0092B-C50C-407E-A947-70E740481C1C}">
+                <a14:useLocalDpi xmlns:a14="http://schemas.microsoft.com/office/drawing/2010/main" val="0"/>
+              </a:ext>
+            </a:extLst>
+          </a:blip>
+          <a:srcRect/>
+          <a:stretch>
+            <a:fillRect/>
+          </a:stretch>
+        </p:blipFill>
+        <p:spPr bwMode="auto">
+          <a:xfrm>
+            <a:off x="0" y="0"/>
+            <a:ext cx="9144000" cy="5143500"/>
+          </a:xfrm>
+          <a:prstGeom prst="rect">
+            <a:avLst/>
+          </a:prstGeom>
+          <a:noFill/>
+          <a:extLst>
+            <a:ext uri="{909E8E84-426E-40DD-AFC4-6F175D3DCCD1}">
+              <a14:hiddenFill xmlns:a14="http://schemas.microsoft.com/office/drawing/2010/main">
+                <a:solidFill>
+                  <a:srgbClr val="FFFFFF"/>
+                </a:solidFill>
+              </a14:hiddenFill>
+            </a:ext>
+          </a:extLst>
+        </p:spPr>
+      </p:pic>
+      <p:sp>
+        <p:nvSpPr>
+          <p:cNvPr id="5" name="Прямоугольник: скругленные углы 4">
+            <a:extLst>
+              <a:ext uri="{FF2B5EF4-FFF2-40B4-BE49-F238E27FC236}">
+                <a16:creationId xmlns:a16="http://schemas.microsoft.com/office/drawing/2014/main" id="{D558931A-4240-023F-1832-16600BF80CD6}"/>
+              </a:ext>
+            </a:extLst>
+          </p:cNvPr>
+          <p:cNvSpPr/>
+          <p:nvPr/>
+        </p:nvSpPr>
+        <p:spPr>
+          <a:xfrm>
+            <a:off x="8573269" y="4796684"/>
+            <a:ext cx="408824" cy="239937"/>
+          </a:xfrm>
+          <a:prstGeom prst="roundRect">
+            <a:avLst/>
+          </a:prstGeom>
+          <a:solidFill>
+            <a:srgbClr val="3B9FFF">
+              <a:alpha val="50196"/>
+            </a:srgbClr>
+          </a:solidFill>
+          <a:ln>
+            <a:solidFill>
+              <a:schemeClr val="bg1">
+                <a:alpha val="94902"/>
+              </a:schemeClr>
+            </a:solidFill>
+            <a:headEnd type="none" w="med" len="med"/>
+            <a:tailEnd type="none" w="med" len="med"/>
+          </a:ln>
+        </p:spPr>
+        <p:style>
+          <a:lnRef idx="3">
+            <a:schemeClr val="lt1"/>
+          </a:lnRef>
+          <a:fillRef idx="1">
+            <a:schemeClr val="dk1"/>
+          </a:fillRef>
+          <a:effectRef idx="1">
+            <a:schemeClr val="dk1"/>
+          </a:effectRef>
+          <a:fontRef idx="minor">
+            <a:schemeClr val="lt1"/>
+          </a:fontRef>
+        </p:style>
+        <p:txBody>
+          <a:bodyPr rtlCol="0" anchor="ctr"/>
+          <a:lstStyle/>
+          <a:p>
+            <a:pPr algn="ctr"/>
+            <a:fld id="{C60D91B0-6C93-47AD-8D23-510063BB0AB5}" type="slidenum">
+              <a:rPr lang="ru-RU" smtClean="0">
+                <a:solidFill>
+                  <a:schemeClr val="bg2"/>
+                </a:solidFill>
+              </a:rPr>
+              <a:t>5</a:t>
+            </a:fld>
+            <a:endParaRPr lang="ru-RU" dirty="0">
+              <a:solidFill>
+                <a:schemeClr val="bg2"/>
+              </a:solidFill>
+            </a:endParaRPr>
+          </a:p>
+        </p:txBody>
+      </p:sp>
+    </p:spTree>
+    <p:extLst>
+      <p:ext uri="{BB962C8B-B14F-4D97-AF65-F5344CB8AC3E}">
+        <p14:creationId xmlns:p14="http://schemas.microsoft.com/office/powerpoint/2010/main" val="467895498"/>
+      </p:ext>
+    </p:extLst>
+  </p:cSld>
+  <p:clrMapOvr>
+    <a:masterClrMapping/>
+  </p:clrMapOvr>
+  <p:transition spd="slow">
+    <p:fade/>
+  </p:transition>
+</p:sld>
+</file>
+
+<file path=ppt/slides/slide6.xml><?xml version="1.0" encoding="utf-8"?>
+<p:sld xmlns:a="http://schemas.openxmlformats.org/drawingml/2006/main" xmlns:r="http://schemas.openxmlformats.org/officeDocument/2006/relationships" xmlns:p="http://schemas.openxmlformats.org/presentationml/2006/main">
+  <p:cSld>
+    <p:spTree>
+      <p:nvGrpSpPr>
+        <p:cNvPr id="1" name="Shape 193"/>
+        <p:cNvGrpSpPr/>
+        <p:nvPr/>
+      </p:nvGrpSpPr>
+      <p:grpSpPr>
+        <a:xfrm>
+          <a:off x="0" y="0"/>
+          <a:ext cx="0" cy="0"/>
+          <a:chOff x="0" y="0"/>
+          <a:chExt cx="0" cy="0"/>
+        </a:xfrm>
+      </p:grpSpPr>
+      <p:pic>
+        <p:nvPicPr>
+          <p:cNvPr id="7" name="Picture 2">
+            <a:extLst>
+              <a:ext uri="{FF2B5EF4-FFF2-40B4-BE49-F238E27FC236}">
+                <a16:creationId xmlns:a16="http://schemas.microsoft.com/office/drawing/2014/main" id="{E39C36B1-1A6A-B18D-85DC-38D2DF94C228}"/>
+              </a:ext>
+            </a:extLst>
+          </p:cNvPr>
+          <p:cNvPicPr>
+            <a:picLocks noChangeAspect="1" noChangeArrowheads="1"/>
+          </p:cNvPicPr>
+          <p:nvPr/>
+        </p:nvPicPr>
+        <p:blipFill>
+          <a:blip r:embed="rId3">
+            <a:extLst>
+              <a:ext uri="{28A0092B-C50C-407E-A947-70E740481C1C}">
+                <a14:useLocalDpi xmlns:a14="http://schemas.microsoft.com/office/drawing/2010/main" val="0"/>
+              </a:ext>
+            </a:extLst>
+          </a:blip>
+          <a:srcRect/>
+          <a:stretch>
+            <a:fillRect/>
+          </a:stretch>
+        </p:blipFill>
+        <p:spPr bwMode="auto">
+          <a:xfrm>
+            <a:off x="0" y="0"/>
+            <a:ext cx="9144000" cy="5143500"/>
+          </a:xfrm>
+          <a:prstGeom prst="rect">
+            <a:avLst/>
+          </a:prstGeom>
+          <a:noFill/>
+          <a:extLst>
+            <a:ext uri="{909E8E84-426E-40DD-AFC4-6F175D3DCCD1}">
+              <a14:hiddenFill xmlns:a14="http://schemas.microsoft.com/office/drawing/2010/main">
+                <a:solidFill>
+                  <a:srgbClr val="FFFFFF"/>
+                </a:solidFill>
+              </a14:hiddenFill>
+            </a:ext>
+          </a:extLst>
+        </p:spPr>
+      </p:pic>
+      <p:sp>
+        <p:nvSpPr>
+          <p:cNvPr id="5" name="Прямоугольник: скругленные углы 4">
+            <a:extLst>
+              <a:ext uri="{FF2B5EF4-FFF2-40B4-BE49-F238E27FC236}">
+                <a16:creationId xmlns:a16="http://schemas.microsoft.com/office/drawing/2014/main" id="{D558931A-4240-023F-1832-16600BF80CD6}"/>
+              </a:ext>
+            </a:extLst>
+          </p:cNvPr>
+          <p:cNvSpPr/>
+          <p:nvPr/>
+        </p:nvSpPr>
+        <p:spPr>
+          <a:xfrm>
+            <a:off x="8573269" y="4796684"/>
+            <a:ext cx="408824" cy="239937"/>
+          </a:xfrm>
+          <a:prstGeom prst="roundRect">
+            <a:avLst/>
+          </a:prstGeom>
+          <a:solidFill>
+            <a:srgbClr val="3B9FFF">
+              <a:alpha val="50196"/>
+            </a:srgbClr>
+          </a:solidFill>
+          <a:ln>
+            <a:solidFill>
+              <a:schemeClr val="bg1">
+                <a:alpha val="94902"/>
+              </a:schemeClr>
+            </a:solidFill>
+            <a:headEnd type="none" w="med" len="med"/>
+            <a:tailEnd type="none" w="med" len="med"/>
+          </a:ln>
+        </p:spPr>
+        <p:style>
+          <a:lnRef idx="3">
+            <a:schemeClr val="lt1"/>
+          </a:lnRef>
+          <a:fillRef idx="1">
+            <a:schemeClr val="dk1"/>
+          </a:fillRef>
+          <a:effectRef idx="1">
+            <a:schemeClr val="dk1"/>
+          </a:effectRef>
+          <a:fontRef idx="minor">
+            <a:schemeClr val="lt1"/>
+          </a:fontRef>
+        </p:style>
+        <p:txBody>
+          <a:bodyPr rtlCol="0" anchor="ctr"/>
+          <a:lstStyle/>
+          <a:p>
+            <a:pPr algn="ctr"/>
+            <a:fld id="{C60D91B0-6C93-47AD-8D23-510063BB0AB5}" type="slidenum">
+              <a:rPr lang="ru-RU" smtClean="0">
+                <a:solidFill>
+                  <a:schemeClr val="bg2"/>
+                </a:solidFill>
+              </a:rPr>
+              <a:t>6</a:t>
+            </a:fld>
+            <a:endParaRPr lang="ru-RU" dirty="0">
+              <a:solidFill>
+                <a:schemeClr val="bg2"/>
+              </a:solidFill>
+            </a:endParaRPr>
+          </a:p>
+        </p:txBody>
+      </p:sp>
+    </p:spTree>
+    <p:extLst>
+      <p:ext uri="{BB962C8B-B14F-4D97-AF65-F5344CB8AC3E}">
+        <p14:creationId xmlns:p14="http://schemas.microsoft.com/office/powerpoint/2010/main" val="345980989"/>
+      </p:ext>
+    </p:extLst>
+  </p:cSld>
+  <p:clrMapOvr>
+    <a:masterClrMapping/>
+  </p:clrMapOvr>
+  <p:transition spd="slow">
+    <p:fade/>
+  </p:transition>
+</p:sld>
+</file>
+
+<file path=ppt/slides/slide7.xml><?xml version="1.0" encoding="utf-8"?>
+<p:sld xmlns:a="http://schemas.openxmlformats.org/drawingml/2006/main" xmlns:r="http://schemas.openxmlformats.org/officeDocument/2006/relationships" xmlns:p="http://schemas.openxmlformats.org/presentationml/2006/main">
+  <p:cSld>
+    <p:spTree>
+      <p:nvGrpSpPr>
+        <p:cNvPr id="1" name="Shape 193"/>
+        <p:cNvGrpSpPr/>
+        <p:nvPr/>
+      </p:nvGrpSpPr>
+      <p:grpSpPr>
+        <a:xfrm>
+          <a:off x="0" y="0"/>
+          <a:ext cx="0" cy="0"/>
+          <a:chOff x="0" y="0"/>
+          <a:chExt cx="0" cy="0"/>
+        </a:xfrm>
+      </p:grpSpPr>
+      <p:pic>
+        <p:nvPicPr>
+          <p:cNvPr id="7" name="Picture 2">
+            <a:extLst>
+              <a:ext uri="{FF2B5EF4-FFF2-40B4-BE49-F238E27FC236}">
+                <a16:creationId xmlns:a16="http://schemas.microsoft.com/office/drawing/2014/main" id="{E39C36B1-1A6A-B18D-85DC-38D2DF94C228}"/>
+              </a:ext>
+            </a:extLst>
+          </p:cNvPr>
+          <p:cNvPicPr>
+            <a:picLocks noChangeAspect="1" noChangeArrowheads="1"/>
+          </p:cNvPicPr>
+          <p:nvPr/>
+        </p:nvPicPr>
+        <p:blipFill>
+          <a:blip r:embed="rId3">
+            <a:extLst>
+              <a:ext uri="{28A0092B-C50C-407E-A947-70E740481C1C}">
+                <a14:useLocalDpi xmlns:a14="http://schemas.microsoft.com/office/drawing/2010/main" val="0"/>
+              </a:ext>
+            </a:extLst>
+          </a:blip>
+          <a:srcRect/>
+          <a:stretch>
+            <a:fillRect/>
+          </a:stretch>
+        </p:blipFill>
+        <p:spPr bwMode="auto">
+          <a:xfrm>
+            <a:off x="0" y="0"/>
+            <a:ext cx="9144000" cy="5143500"/>
+          </a:xfrm>
+          <a:prstGeom prst="rect">
+            <a:avLst/>
+          </a:prstGeom>
+          <a:noFill/>
+          <a:extLst>
+            <a:ext uri="{909E8E84-426E-40DD-AFC4-6F175D3DCCD1}">
+              <a14:hiddenFill xmlns:a14="http://schemas.microsoft.com/office/drawing/2010/main">
+                <a:solidFill>
+                  <a:srgbClr val="FFFFFF"/>
+                </a:solidFill>
+              </a14:hiddenFill>
+            </a:ext>
+          </a:extLst>
+        </p:spPr>
+      </p:pic>
+      <p:sp>
+        <p:nvSpPr>
+          <p:cNvPr id="5" name="Прямоугольник: скругленные углы 4">
+            <a:extLst>
+              <a:ext uri="{FF2B5EF4-FFF2-40B4-BE49-F238E27FC236}">
+                <a16:creationId xmlns:a16="http://schemas.microsoft.com/office/drawing/2014/main" id="{D558931A-4240-023F-1832-16600BF80CD6}"/>
+              </a:ext>
+            </a:extLst>
+          </p:cNvPr>
+          <p:cNvSpPr/>
+          <p:nvPr/>
+        </p:nvSpPr>
+        <p:spPr>
+          <a:xfrm>
+            <a:off x="8573269" y="4796684"/>
+            <a:ext cx="408824" cy="239937"/>
+          </a:xfrm>
+          <a:prstGeom prst="roundRect">
+            <a:avLst/>
+          </a:prstGeom>
+          <a:solidFill>
+            <a:srgbClr val="3B9FFF">
+              <a:alpha val="50196"/>
+            </a:srgbClr>
+          </a:solidFill>
+          <a:ln>
+            <a:solidFill>
+              <a:schemeClr val="bg1">
+                <a:alpha val="94902"/>
+              </a:schemeClr>
+            </a:solidFill>
+            <a:headEnd type="none" w="med" len="med"/>
+            <a:tailEnd type="none" w="med" len="med"/>
+          </a:ln>
+        </p:spPr>
+        <p:style>
+          <a:lnRef idx="3">
+            <a:schemeClr val="lt1"/>
+          </a:lnRef>
+          <a:fillRef idx="1">
+            <a:schemeClr val="dk1"/>
+          </a:fillRef>
+          <a:effectRef idx="1">
+            <a:schemeClr val="dk1"/>
+          </a:effectRef>
+          <a:fontRef idx="minor">
+            <a:schemeClr val="lt1"/>
+          </a:fontRef>
+        </p:style>
+        <p:txBody>
+          <a:bodyPr rtlCol="0" anchor="ctr"/>
+          <a:lstStyle/>
+          <a:p>
+            <a:pPr algn="ctr"/>
+            <a:fld id="{C60D91B0-6C93-47AD-8D23-510063BB0AB5}" type="slidenum">
+              <a:rPr lang="ru-RU" smtClean="0">
+                <a:solidFill>
+                  <a:schemeClr val="bg2"/>
+                </a:solidFill>
+              </a:rPr>
+              <a:t>7</a:t>
+            </a:fld>
+            <a:endParaRPr lang="ru-RU" dirty="0">
+              <a:solidFill>
+                <a:schemeClr val="bg2"/>
+              </a:solidFill>
+            </a:endParaRPr>
+          </a:p>
+        </p:txBody>
+      </p:sp>
+    </p:spTree>
+    <p:extLst>
+      <p:ext uri="{BB962C8B-B14F-4D97-AF65-F5344CB8AC3E}">
+        <p14:creationId xmlns:p14="http://schemas.microsoft.com/office/powerpoint/2010/main" val="243883244"/>
+      </p:ext>
+    </p:extLst>
+  </p:cSld>
+  <p:clrMapOvr>
+    <a:masterClrMapping/>
+  </p:clrMapOvr>
+  <p:transition spd="slow">
+    <p:fade/>
+  </p:transition>
+</p:sld>
+</file>
+
+<file path=ppt/slides/slide8.xml><?xml version="1.0" encoding="utf-8"?>
+<p:sld xmlns:a="http://schemas.openxmlformats.org/drawingml/2006/main" xmlns:r="http://schemas.openxmlformats.org/officeDocument/2006/relationships" xmlns:p="http://schemas.openxmlformats.org/presentationml/2006/main">
+  <p:cSld>
+    <p:spTree>
+      <p:nvGrpSpPr>
+        <p:cNvPr id="1" name="Shape 193"/>
+        <p:cNvGrpSpPr/>
+        <p:nvPr/>
+      </p:nvGrpSpPr>
+      <p:grpSpPr>
+        <a:xfrm>
+          <a:off x="0" y="0"/>
+          <a:ext cx="0" cy="0"/>
+          <a:chOff x="0" y="0"/>
+          <a:chExt cx="0" cy="0"/>
+        </a:xfrm>
+      </p:grpSpPr>
+      <p:pic>
+        <p:nvPicPr>
+          <p:cNvPr id="7" name="Picture 2">
+            <a:extLst>
+              <a:ext uri="{FF2B5EF4-FFF2-40B4-BE49-F238E27FC236}">
+                <a16:creationId xmlns:a16="http://schemas.microsoft.com/office/drawing/2014/main" id="{E39C36B1-1A6A-B18D-85DC-38D2DF94C228}"/>
+              </a:ext>
+            </a:extLst>
+          </p:cNvPr>
+          <p:cNvPicPr>
+            <a:picLocks noChangeAspect="1" noChangeArrowheads="1"/>
+          </p:cNvPicPr>
+          <p:nvPr/>
+        </p:nvPicPr>
+        <p:blipFill>
+          <a:blip r:embed="rId3">
+            <a:extLst>
+              <a:ext uri="{28A0092B-C50C-407E-A947-70E740481C1C}">
+                <a14:useLocalDpi xmlns:a14="http://schemas.microsoft.com/office/drawing/2010/main" val="0"/>
+              </a:ext>
+            </a:extLst>
+          </a:blip>
+          <a:srcRect/>
+          <a:stretch>
+            <a:fillRect/>
+          </a:stretch>
+        </p:blipFill>
+        <p:spPr bwMode="auto">
+          <a:xfrm>
+            <a:off x="0" y="0"/>
+            <a:ext cx="9144000" cy="5143500"/>
+          </a:xfrm>
+          <a:prstGeom prst="rect">
+            <a:avLst/>
+          </a:prstGeom>
+          <a:noFill/>
+          <a:extLst>
+            <a:ext uri="{909E8E84-426E-40DD-AFC4-6F175D3DCCD1}">
+              <a14:hiddenFill xmlns:a14="http://schemas.microsoft.com/office/drawing/2010/main">
+                <a:solidFill>
+                  <a:srgbClr val="FFFFFF"/>
+                </a:solidFill>
+              </a14:hiddenFill>
+            </a:ext>
+          </a:extLst>
+        </p:spPr>
+      </p:pic>
+      <p:sp>
+        <p:nvSpPr>
+          <p:cNvPr id="5" name="Прямоугольник: скругленные углы 4">
+            <a:extLst>
+              <a:ext uri="{FF2B5EF4-FFF2-40B4-BE49-F238E27FC236}">
+                <a16:creationId xmlns:a16="http://schemas.microsoft.com/office/drawing/2014/main" id="{D558931A-4240-023F-1832-16600BF80CD6}"/>
+              </a:ext>
+            </a:extLst>
+          </p:cNvPr>
+          <p:cNvSpPr/>
+          <p:nvPr/>
+        </p:nvSpPr>
+        <p:spPr>
+          <a:xfrm>
+            <a:off x="8573269" y="4796684"/>
+            <a:ext cx="408824" cy="239937"/>
+          </a:xfrm>
+          <a:prstGeom prst="roundRect">
+            <a:avLst/>
+          </a:prstGeom>
+          <a:solidFill>
+            <a:srgbClr val="3B9FFF">
+              <a:alpha val="50196"/>
+            </a:srgbClr>
+          </a:solidFill>
+          <a:ln>
+            <a:solidFill>
+              <a:schemeClr val="bg1">
+                <a:alpha val="94902"/>
+              </a:schemeClr>
+            </a:solidFill>
+            <a:headEnd type="none" w="med" len="med"/>
+            <a:tailEnd type="none" w="med" len="med"/>
+          </a:ln>
+        </p:spPr>
+        <p:style>
+          <a:lnRef idx="3">
+            <a:schemeClr val="lt1"/>
+          </a:lnRef>
+          <a:fillRef idx="1">
+            <a:schemeClr val="dk1"/>
+          </a:fillRef>
+          <a:effectRef idx="1">
+            <a:schemeClr val="dk1"/>
+          </a:effectRef>
+          <a:fontRef idx="minor">
+            <a:schemeClr val="lt1"/>
+          </a:fontRef>
+        </p:style>
+        <p:txBody>
+          <a:bodyPr rtlCol="0" anchor="ctr"/>
+          <a:lstStyle/>
+          <a:p>
+            <a:pPr algn="ctr"/>
+            <a:fld id="{C60D91B0-6C93-47AD-8D23-510063BB0AB5}" type="slidenum">
+              <a:rPr lang="ru-RU" smtClean="0">
+                <a:solidFill>
+                  <a:schemeClr val="bg2"/>
+                </a:solidFill>
+              </a:rPr>
+              <a:t>8</a:t>
+            </a:fld>
+            <a:endParaRPr lang="ru-RU" dirty="0">
+              <a:solidFill>
+                <a:schemeClr val="bg2"/>
+              </a:solidFill>
+            </a:endParaRPr>
+          </a:p>
+        </p:txBody>
+      </p:sp>
+    </p:spTree>
+    <p:extLst>
+      <p:ext uri="{BB962C8B-B14F-4D97-AF65-F5344CB8AC3E}">
+        <p14:creationId xmlns:p14="http://schemas.microsoft.com/office/powerpoint/2010/main" val="2834831079"/>
+      </p:ext>
+    </p:extLst>
+  </p:cSld>
+  <p:clrMapOvr>
+    <a:masterClrMapping/>
+  </p:clrMapOvr>
+  <p:transition spd="slow">
+    <p:fade/>
+  </p:transition>
+</p:sld>
+</file>
+
+<file path=ppt/slides/slide9.xml><?xml version="1.0" encoding="utf-8"?>
+<p:sld xmlns:a="http://schemas.openxmlformats.org/drawingml/2006/main" xmlns:r="http://schemas.openxmlformats.org/officeDocument/2006/relationships" xmlns:p="http://schemas.openxmlformats.org/presentationml/2006/main">
+  <p:cSld>
+    <p:spTree>
+      <p:nvGrpSpPr>
+        <p:cNvPr id="1" name="Shape 193"/>
+        <p:cNvGrpSpPr/>
+        <p:nvPr/>
+      </p:nvGrpSpPr>
+      <p:grpSpPr>
+        <a:xfrm>
+          <a:off x="0" y="0"/>
+          <a:ext cx="0" cy="0"/>
+          <a:chOff x="0" y="0"/>
+          <a:chExt cx="0" cy="0"/>
+        </a:xfrm>
+      </p:grpSpPr>
+      <p:pic>
+        <p:nvPicPr>
+          <p:cNvPr id="7" name="Picture 2">
+            <a:extLst>
+              <a:ext uri="{FF2B5EF4-FFF2-40B4-BE49-F238E27FC236}">
                 <a16:creationId xmlns:a16="http://schemas.microsoft.com/office/drawing/2014/main" id="{65121734-1D8D-C72B-B5F7-5BFFFBDAB036}"/>
               </a:ext>
             </a:extLst>
@@ -4188,7 +9314,7 @@
         </p:nvSpPr>
         <p:spPr>
           <a:xfrm>
-            <a:off x="1388100" y="1653235"/>
+            <a:off x="1388100" y="1024259"/>
             <a:ext cx="6367800" cy="845363"/>
           </a:xfrm>
           <a:prstGeom prst="rect">
@@ -4256,7 +9382,7 @@
         </p:nvSpPr>
         <p:spPr>
           <a:xfrm>
-            <a:off x="2977538" y="2458894"/>
+            <a:off x="2977538" y="1829918"/>
             <a:ext cx="3200100" cy="416966"/>
           </a:xfrm>
           <a:prstGeom prst="rect">
@@ -4577,7 +9703,7 @@
         </p:nvGrpSpPr>
         <p:grpSpPr>
           <a:xfrm>
-            <a:off x="6137356" y="2508179"/>
+            <a:off x="6137356" y="1879203"/>
             <a:ext cx="320273" cy="318395"/>
             <a:chOff x="4667216" y="2915382"/>
             <a:chExt cx="320273" cy="318395"/>
@@ -5478,7 +10604,7 @@
         </p:nvGrpSpPr>
         <p:grpSpPr>
           <a:xfrm>
-            <a:off x="2557293" y="2378938"/>
+            <a:off x="2557293" y="1749962"/>
             <a:ext cx="4029413" cy="45719"/>
             <a:chOff x="3089826" y="1219668"/>
             <a:chExt cx="3113400" cy="0"/>
@@ -5573,13 +10699,13 @@
               </a:ext>
             </a:extLst>
           </a:blip>
-          <a:srcRect b="10032"/>
+          <a:srcRect r="10843" b="10032"/>
           <a:stretch/>
         </p:blipFill>
         <p:spPr bwMode="auto">
           <a:xfrm>
-            <a:off x="7471206" y="3860019"/>
-            <a:ext cx="1250767" cy="1125288"/>
+            <a:off x="7865107" y="3860019"/>
+            <a:ext cx="1115151" cy="1125288"/>
           </a:xfrm>
           <a:prstGeom prst="rect">
             <a:avLst/>
@@ -5596,6 +10722,805 @@
           </a:extLst>
         </p:spPr>
       </p:pic>
+      <p:sp>
+        <p:nvSpPr>
+          <p:cNvPr id="2" name="Google Shape;144;p28">
+            <a:extLst>
+              <a:ext uri="{FF2B5EF4-FFF2-40B4-BE49-F238E27FC236}">
+                <a16:creationId xmlns:a16="http://schemas.microsoft.com/office/drawing/2014/main" id="{EAEDB4CE-318A-2E75-26D7-C34B63556B77}"/>
+              </a:ext>
+            </a:extLst>
+          </p:cNvPr>
+          <p:cNvSpPr txBox="1">
+            <a:spLocks/>
+          </p:cNvSpPr>
+          <p:nvPr/>
+        </p:nvSpPr>
+        <p:spPr>
+          <a:xfrm>
+            <a:off x="287835" y="2499514"/>
+            <a:ext cx="3787777" cy="1438548"/>
+          </a:xfrm>
+          <a:prstGeom prst="rect">
+            <a:avLst/>
+          </a:prstGeom>
+          <a:noFill/>
+          <a:ln>
+            <a:noFill/>
+          </a:ln>
+        </p:spPr>
+        <p:txBody>
+          <a:bodyPr spcFirstLastPara="1" wrap="square" lIns="91425" tIns="91425" rIns="91425" bIns="91425" anchor="ctr" anchorCtr="0">
+            <a:noAutofit/>
+          </a:bodyPr>
+          <a:lstStyle>
+            <a:defPPr marR="0" lvl="0" algn="l" rtl="0">
+              <a:lnSpc>
+                <a:spcPct val="100000"/>
+              </a:lnSpc>
+              <a:spcBef>
+                <a:spcPts val="0"/>
+              </a:spcBef>
+              <a:spcAft>
+                <a:spcPts val="0"/>
+              </a:spcAft>
+            </a:defPPr>
+            <a:lvl1pPr marL="457200" marR="0" lvl="0" indent="-317500" algn="l" rtl="0">
+              <a:lnSpc>
+                <a:spcPct val="100000"/>
+              </a:lnSpc>
+              <a:spcBef>
+                <a:spcPts val="0"/>
+              </a:spcBef>
+              <a:spcAft>
+                <a:spcPts val="0"/>
+              </a:spcAft>
+              <a:buClr>
+                <a:schemeClr val="dk1"/>
+              </a:buClr>
+              <a:buSzPts val="1400"/>
+              <a:buFont typeface="Nunito"/>
+              <a:buNone/>
+              <a:defRPr sz="1800" b="0" i="0" u="none" strike="noStrike" cap="none">
+                <a:solidFill>
+                  <a:schemeClr val="dk1"/>
+                </a:solidFill>
+                <a:latin typeface="Nunito"/>
+                <a:ea typeface="Nunito"/>
+                <a:cs typeface="Nunito"/>
+                <a:sym typeface="Nunito"/>
+              </a:defRPr>
+            </a:lvl1pPr>
+            <a:lvl2pPr marL="914400" marR="0" lvl="1" indent="-317500" algn="ctr" rtl="0">
+              <a:lnSpc>
+                <a:spcPct val="100000"/>
+              </a:lnSpc>
+              <a:spcBef>
+                <a:spcPts val="0"/>
+              </a:spcBef>
+              <a:spcAft>
+                <a:spcPts val="0"/>
+              </a:spcAft>
+              <a:buClr>
+                <a:schemeClr val="dk1"/>
+              </a:buClr>
+              <a:buSzPts val="1800"/>
+              <a:buFont typeface="Nunito"/>
+              <a:buNone/>
+              <a:defRPr sz="1800" b="0" i="0" u="none" strike="noStrike" cap="none">
+                <a:solidFill>
+                  <a:schemeClr val="dk1"/>
+                </a:solidFill>
+                <a:latin typeface="Nunito"/>
+                <a:ea typeface="Nunito"/>
+                <a:cs typeface="Nunito"/>
+                <a:sym typeface="Nunito"/>
+              </a:defRPr>
+            </a:lvl2pPr>
+            <a:lvl3pPr marL="1371600" marR="0" lvl="2" indent="-317500" algn="ctr" rtl="0">
+              <a:lnSpc>
+                <a:spcPct val="100000"/>
+              </a:lnSpc>
+              <a:spcBef>
+                <a:spcPts val="0"/>
+              </a:spcBef>
+              <a:spcAft>
+                <a:spcPts val="0"/>
+              </a:spcAft>
+              <a:buClr>
+                <a:schemeClr val="dk1"/>
+              </a:buClr>
+              <a:buSzPts val="1800"/>
+              <a:buFont typeface="Nunito"/>
+              <a:buNone/>
+              <a:defRPr sz="1800" b="0" i="0" u="none" strike="noStrike" cap="none">
+                <a:solidFill>
+                  <a:schemeClr val="dk1"/>
+                </a:solidFill>
+                <a:latin typeface="Nunito"/>
+                <a:ea typeface="Nunito"/>
+                <a:cs typeface="Nunito"/>
+                <a:sym typeface="Nunito"/>
+              </a:defRPr>
+            </a:lvl3pPr>
+            <a:lvl4pPr marL="1828800" marR="0" lvl="3" indent="-317500" algn="ctr" rtl="0">
+              <a:lnSpc>
+                <a:spcPct val="100000"/>
+              </a:lnSpc>
+              <a:spcBef>
+                <a:spcPts val="0"/>
+              </a:spcBef>
+              <a:spcAft>
+                <a:spcPts val="0"/>
+              </a:spcAft>
+              <a:buClr>
+                <a:schemeClr val="dk1"/>
+              </a:buClr>
+              <a:buSzPts val="1800"/>
+              <a:buFont typeface="Nunito"/>
+              <a:buNone/>
+              <a:defRPr sz="1800" b="0" i="0" u="none" strike="noStrike" cap="none">
+                <a:solidFill>
+                  <a:schemeClr val="dk1"/>
+                </a:solidFill>
+                <a:latin typeface="Nunito"/>
+                <a:ea typeface="Nunito"/>
+                <a:cs typeface="Nunito"/>
+                <a:sym typeface="Nunito"/>
+              </a:defRPr>
+            </a:lvl4pPr>
+            <a:lvl5pPr marL="2286000" marR="0" lvl="4" indent="-317500" algn="ctr" rtl="0">
+              <a:lnSpc>
+                <a:spcPct val="100000"/>
+              </a:lnSpc>
+              <a:spcBef>
+                <a:spcPts val="0"/>
+              </a:spcBef>
+              <a:spcAft>
+                <a:spcPts val="0"/>
+              </a:spcAft>
+              <a:buClr>
+                <a:schemeClr val="dk1"/>
+              </a:buClr>
+              <a:buSzPts val="1800"/>
+              <a:buFont typeface="Nunito"/>
+              <a:buNone/>
+              <a:defRPr sz="1800" b="0" i="0" u="none" strike="noStrike" cap="none">
+                <a:solidFill>
+                  <a:schemeClr val="dk1"/>
+                </a:solidFill>
+                <a:latin typeface="Nunito"/>
+                <a:ea typeface="Nunito"/>
+                <a:cs typeface="Nunito"/>
+                <a:sym typeface="Nunito"/>
+              </a:defRPr>
+            </a:lvl5pPr>
+            <a:lvl6pPr marL="2743200" marR="0" lvl="5" indent="-317500" algn="ctr" rtl="0">
+              <a:lnSpc>
+                <a:spcPct val="100000"/>
+              </a:lnSpc>
+              <a:spcBef>
+                <a:spcPts val="0"/>
+              </a:spcBef>
+              <a:spcAft>
+                <a:spcPts val="0"/>
+              </a:spcAft>
+              <a:buClr>
+                <a:schemeClr val="dk1"/>
+              </a:buClr>
+              <a:buSzPts val="1800"/>
+              <a:buFont typeface="Nunito"/>
+              <a:buNone/>
+              <a:defRPr sz="1800" b="0" i="0" u="none" strike="noStrike" cap="none">
+                <a:solidFill>
+                  <a:schemeClr val="dk1"/>
+                </a:solidFill>
+                <a:latin typeface="Nunito"/>
+                <a:ea typeface="Nunito"/>
+                <a:cs typeface="Nunito"/>
+                <a:sym typeface="Nunito"/>
+              </a:defRPr>
+            </a:lvl6pPr>
+            <a:lvl7pPr marL="3200400" marR="0" lvl="6" indent="-317500" algn="ctr" rtl="0">
+              <a:lnSpc>
+                <a:spcPct val="100000"/>
+              </a:lnSpc>
+              <a:spcBef>
+                <a:spcPts val="0"/>
+              </a:spcBef>
+              <a:spcAft>
+                <a:spcPts val="0"/>
+              </a:spcAft>
+              <a:buClr>
+                <a:schemeClr val="dk1"/>
+              </a:buClr>
+              <a:buSzPts val="1800"/>
+              <a:buFont typeface="Nunito"/>
+              <a:buNone/>
+              <a:defRPr sz="1800" b="0" i="0" u="none" strike="noStrike" cap="none">
+                <a:solidFill>
+                  <a:schemeClr val="dk1"/>
+                </a:solidFill>
+                <a:latin typeface="Nunito"/>
+                <a:ea typeface="Nunito"/>
+                <a:cs typeface="Nunito"/>
+                <a:sym typeface="Nunito"/>
+              </a:defRPr>
+            </a:lvl7pPr>
+            <a:lvl8pPr marL="3657600" marR="0" lvl="7" indent="-317500" algn="ctr" rtl="0">
+              <a:lnSpc>
+                <a:spcPct val="100000"/>
+              </a:lnSpc>
+              <a:spcBef>
+                <a:spcPts val="0"/>
+              </a:spcBef>
+              <a:spcAft>
+                <a:spcPts val="0"/>
+              </a:spcAft>
+              <a:buClr>
+                <a:schemeClr val="dk1"/>
+              </a:buClr>
+              <a:buSzPts val="1800"/>
+              <a:buFont typeface="Nunito"/>
+              <a:buNone/>
+              <a:defRPr sz="1800" b="0" i="0" u="none" strike="noStrike" cap="none">
+                <a:solidFill>
+                  <a:schemeClr val="dk1"/>
+                </a:solidFill>
+                <a:latin typeface="Nunito"/>
+                <a:ea typeface="Nunito"/>
+                <a:cs typeface="Nunito"/>
+                <a:sym typeface="Nunito"/>
+              </a:defRPr>
+            </a:lvl8pPr>
+            <a:lvl9pPr marL="4114800" marR="0" lvl="8" indent="-317500" algn="ctr" rtl="0">
+              <a:lnSpc>
+                <a:spcPct val="100000"/>
+              </a:lnSpc>
+              <a:spcBef>
+                <a:spcPts val="0"/>
+              </a:spcBef>
+              <a:spcAft>
+                <a:spcPts val="0"/>
+              </a:spcAft>
+              <a:buClr>
+                <a:schemeClr val="dk1"/>
+              </a:buClr>
+              <a:buSzPts val="1800"/>
+              <a:buFont typeface="Nunito"/>
+              <a:buNone/>
+              <a:defRPr sz="1800" b="0" i="0" u="none" strike="noStrike" cap="none">
+                <a:solidFill>
+                  <a:schemeClr val="dk1"/>
+                </a:solidFill>
+                <a:latin typeface="Nunito"/>
+                <a:ea typeface="Nunito"/>
+                <a:cs typeface="Nunito"/>
+                <a:sym typeface="Nunito"/>
+              </a:defRPr>
+            </a:lvl9pPr>
+          </a:lstStyle>
+          <a:p>
+            <a:pPr marL="0" indent="0"/>
+            <a:r>
+              <a:rPr lang="ru-RU" sz="1400" b="1" dirty="0">
+                <a:solidFill>
+                  <a:schemeClr val="tx1">
+                    <a:lumMod val="50000"/>
+                  </a:schemeClr>
+                </a:solidFill>
+              </a:rPr>
+              <a:t>Состав команды</a:t>
+            </a:r>
+            <a:r>
+              <a:rPr lang="en-US" sz="1400" b="1" dirty="0">
+                <a:solidFill>
+                  <a:schemeClr val="tx1">
+                    <a:lumMod val="50000"/>
+                  </a:schemeClr>
+                </a:solidFill>
+              </a:rPr>
+              <a:t>:</a:t>
+            </a:r>
+          </a:p>
+          <a:p>
+            <a:pPr marL="0" indent="0"/>
+            <a:r>
+              <a:rPr lang="ru-RU" sz="1400" b="1" dirty="0">
+                <a:solidFill>
+                  <a:schemeClr val="tx1">
+                    <a:lumMod val="50000"/>
+                  </a:schemeClr>
+                </a:solidFill>
+              </a:rPr>
+              <a:t>- </a:t>
+            </a:r>
+            <a:r>
+              <a:rPr lang="ru-RU" sz="1400" dirty="0">
+                <a:solidFill>
+                  <a:schemeClr val="tx1">
+                    <a:lumMod val="50000"/>
+                  </a:schemeClr>
+                </a:solidFill>
+              </a:rPr>
+              <a:t>Галимов Карим</a:t>
+            </a:r>
+            <a:r>
+              <a:rPr lang="en-US" sz="1400" dirty="0">
+                <a:solidFill>
+                  <a:schemeClr val="tx1">
+                    <a:lumMod val="50000"/>
+                  </a:schemeClr>
+                </a:solidFill>
+              </a:rPr>
+              <a:t>         @number012345678</a:t>
+            </a:r>
+          </a:p>
+          <a:p>
+            <a:pPr marL="0" indent="0"/>
+            <a:r>
+              <a:rPr lang="ru-RU" sz="1400" b="1" dirty="0">
+                <a:solidFill>
+                  <a:schemeClr val="tx1">
+                    <a:lumMod val="50000"/>
+                  </a:schemeClr>
+                </a:solidFill>
+              </a:rPr>
+              <a:t>- </a:t>
+            </a:r>
+            <a:r>
+              <a:rPr lang="ru-RU" sz="1400" dirty="0">
+                <a:solidFill>
+                  <a:schemeClr val="tx1">
+                    <a:lumMod val="50000"/>
+                  </a:schemeClr>
+                </a:solidFill>
+              </a:rPr>
+              <a:t>Дмитрий столяров</a:t>
+            </a:r>
+            <a:r>
+              <a:rPr lang="en-US" sz="1400" dirty="0">
+                <a:solidFill>
+                  <a:schemeClr val="tx1">
+                    <a:lumMod val="50000"/>
+                  </a:schemeClr>
+                </a:solidFill>
+              </a:rPr>
+              <a:t>   @DiStAloff</a:t>
+            </a:r>
+          </a:p>
+          <a:p>
+            <a:pPr marL="0" indent="0"/>
+            <a:r>
+              <a:rPr lang="ru-RU" sz="1400" b="1" dirty="0">
+                <a:solidFill>
+                  <a:schemeClr val="tx1">
+                    <a:lumMod val="50000"/>
+                  </a:schemeClr>
+                </a:solidFill>
+              </a:rPr>
+              <a:t>- </a:t>
+            </a:r>
+            <a:r>
+              <a:rPr lang="ru-RU" sz="1400" dirty="0">
+                <a:solidFill>
+                  <a:schemeClr val="tx1">
+                    <a:lumMod val="50000"/>
+                  </a:schemeClr>
+                </a:solidFill>
+              </a:rPr>
+              <a:t>Зазнобин Петр</a:t>
+            </a:r>
+            <a:r>
+              <a:rPr lang="en-US" sz="1400" dirty="0">
+                <a:solidFill>
+                  <a:schemeClr val="tx1">
+                    <a:lumMod val="50000"/>
+                  </a:schemeClr>
+                </a:solidFill>
+              </a:rPr>
+              <a:t>  	@smortlly</a:t>
+            </a:r>
+            <a:br>
+              <a:rPr lang="ru-RU" sz="1400" b="1" dirty="0">
+                <a:solidFill>
+                  <a:schemeClr val="tx1">
+                    <a:lumMod val="50000"/>
+                  </a:schemeClr>
+                </a:solidFill>
+              </a:rPr>
+            </a:br>
+            <a:r>
+              <a:rPr lang="ru-RU" sz="1400" b="1" dirty="0">
+                <a:solidFill>
+                  <a:schemeClr val="tx1">
+                    <a:lumMod val="50000"/>
+                  </a:schemeClr>
+                </a:solidFill>
+              </a:rPr>
+              <a:t>- </a:t>
+            </a:r>
+            <a:r>
+              <a:rPr lang="ru-RU" sz="1400" dirty="0">
+                <a:solidFill>
+                  <a:schemeClr val="tx1">
+                    <a:lumMod val="50000"/>
+                  </a:schemeClr>
+                </a:solidFill>
+              </a:rPr>
+              <a:t>Подмарев Никита</a:t>
+            </a:r>
+            <a:r>
+              <a:rPr lang="en-US" sz="1400" dirty="0">
+                <a:solidFill>
+                  <a:schemeClr val="tx1">
+                    <a:lumMod val="50000"/>
+                  </a:schemeClr>
+                </a:solidFill>
+              </a:rPr>
+              <a:t> 	@</a:t>
+            </a:r>
+          </a:p>
+          <a:p>
+            <a:pPr marL="0" indent="0"/>
+            <a:r>
+              <a:rPr lang="ru-RU" sz="1400" b="1" dirty="0">
+                <a:solidFill>
+                  <a:schemeClr val="tx1">
+                    <a:lumMod val="50000"/>
+                  </a:schemeClr>
+                </a:solidFill>
+              </a:rPr>
+              <a:t>-</a:t>
+            </a:r>
+            <a:r>
+              <a:rPr lang="en-US" sz="1400" b="1" dirty="0">
+                <a:solidFill>
+                  <a:schemeClr val="tx1">
+                    <a:lumMod val="50000"/>
+                  </a:schemeClr>
+                </a:solidFill>
+              </a:rPr>
+              <a:t> </a:t>
+            </a:r>
+            <a:r>
+              <a:rPr lang="ru-RU" sz="1400" dirty="0">
+                <a:solidFill>
+                  <a:schemeClr val="tx1">
+                    <a:lumMod val="50000"/>
+                  </a:schemeClr>
+                </a:solidFill>
+              </a:rPr>
+              <a:t>Рыжов Сергей</a:t>
+            </a:r>
+            <a:r>
+              <a:rPr lang="en-US" sz="1400" dirty="0">
+                <a:solidFill>
+                  <a:schemeClr val="tx1">
+                    <a:lumMod val="50000"/>
+                  </a:schemeClr>
+                </a:solidFill>
+              </a:rPr>
+              <a:t>	@sr_ryzho	</a:t>
+            </a:r>
+            <a:endParaRPr lang="ru-RU" sz="1400" dirty="0">
+              <a:solidFill>
+                <a:schemeClr val="tx1">
+                  <a:lumMod val="50000"/>
+                </a:schemeClr>
+              </a:solidFill>
+            </a:endParaRPr>
+          </a:p>
+        </p:txBody>
+      </p:sp>
+      <p:pic>
+        <p:nvPicPr>
+          <p:cNvPr id="4" name="Рисунок 3">
+            <a:extLst>
+              <a:ext uri="{FF2B5EF4-FFF2-40B4-BE49-F238E27FC236}">
+                <a16:creationId xmlns:a16="http://schemas.microsoft.com/office/drawing/2014/main" id="{A03FE879-45BC-7E68-7D88-1AA14065D0E5}"/>
+              </a:ext>
+            </a:extLst>
+          </p:cNvPr>
+          <p:cNvPicPr>
+            <a:picLocks noChangeAspect="1"/>
+          </p:cNvPicPr>
+          <p:nvPr/>
+        </p:nvPicPr>
+        <p:blipFill>
+          <a:blip r:embed="rId5"/>
+          <a:stretch>
+            <a:fillRect/>
+          </a:stretch>
+        </p:blipFill>
+        <p:spPr>
+          <a:xfrm>
+            <a:off x="2718919" y="4567954"/>
+            <a:ext cx="255327" cy="255327"/>
+          </a:xfrm>
+          <a:prstGeom prst="rect">
+            <a:avLst/>
+          </a:prstGeom>
+        </p:spPr>
+      </p:pic>
+      <p:sp>
+        <p:nvSpPr>
+          <p:cNvPr id="5" name="Google Shape;584;p52">
+            <a:extLst>
+              <a:ext uri="{FF2B5EF4-FFF2-40B4-BE49-F238E27FC236}">
+                <a16:creationId xmlns:a16="http://schemas.microsoft.com/office/drawing/2014/main" id="{92087CAE-F4B2-3FD8-DBD1-C7D68127ED1C}"/>
+              </a:ext>
+            </a:extLst>
+          </p:cNvPr>
+          <p:cNvSpPr txBox="1">
+            <a:spLocks/>
+          </p:cNvSpPr>
+          <p:nvPr/>
+        </p:nvSpPr>
+        <p:spPr>
+          <a:xfrm>
+            <a:off x="2902468" y="4557669"/>
+            <a:ext cx="3339061" cy="275899"/>
+          </a:xfrm>
+          <a:prstGeom prst="rect">
+            <a:avLst/>
+          </a:prstGeom>
+        </p:spPr>
+        <p:txBody>
+          <a:bodyPr spcFirstLastPara="1" wrap="square" lIns="91425" tIns="91425" rIns="91425" bIns="91425" anchor="ctr" anchorCtr="0">
+            <a:noAutofit/>
+          </a:bodyPr>
+          <a:lstStyle>
+            <a:defPPr marR="0" lvl="0" algn="l" rtl="0">
+              <a:lnSpc>
+                <a:spcPct val="100000"/>
+              </a:lnSpc>
+              <a:spcBef>
+                <a:spcPts val="0"/>
+              </a:spcBef>
+              <a:spcAft>
+                <a:spcPts val="0"/>
+              </a:spcAft>
+            </a:defPPr>
+            <a:lvl1pPr marR="0" lvl="0" algn="l" rtl="0">
+              <a:lnSpc>
+                <a:spcPct val="100000"/>
+              </a:lnSpc>
+              <a:spcBef>
+                <a:spcPts val="0"/>
+              </a:spcBef>
+              <a:spcAft>
+                <a:spcPts val="0"/>
+              </a:spcAft>
+              <a:buClr>
+                <a:srgbClr val="000000"/>
+              </a:buClr>
+              <a:buFont typeface="Arial"/>
+              <a:defRPr sz="1400" b="0" i="0" u="none" strike="noStrike" cap="none">
+                <a:solidFill>
+                  <a:srgbClr val="000000"/>
+                </a:solidFill>
+                <a:latin typeface="Arial"/>
+                <a:ea typeface="Arial"/>
+                <a:cs typeface="Arial"/>
+                <a:sym typeface="Arial"/>
+              </a:defRPr>
+            </a:lvl1pPr>
+            <a:lvl2pPr marR="0" lvl="1" algn="l" rtl="0">
+              <a:lnSpc>
+                <a:spcPct val="100000"/>
+              </a:lnSpc>
+              <a:spcBef>
+                <a:spcPts val="0"/>
+              </a:spcBef>
+              <a:spcAft>
+                <a:spcPts val="0"/>
+              </a:spcAft>
+              <a:buClr>
+                <a:srgbClr val="000000"/>
+              </a:buClr>
+              <a:buFont typeface="Arial"/>
+              <a:defRPr sz="1400" b="0" i="0" u="none" strike="noStrike" cap="none">
+                <a:solidFill>
+                  <a:srgbClr val="000000"/>
+                </a:solidFill>
+                <a:latin typeface="Arial"/>
+                <a:ea typeface="Arial"/>
+                <a:cs typeface="Arial"/>
+                <a:sym typeface="Arial"/>
+              </a:defRPr>
+            </a:lvl2pPr>
+            <a:lvl3pPr marR="0" lvl="2" algn="l" rtl="0">
+              <a:lnSpc>
+                <a:spcPct val="100000"/>
+              </a:lnSpc>
+              <a:spcBef>
+                <a:spcPts val="0"/>
+              </a:spcBef>
+              <a:spcAft>
+                <a:spcPts val="0"/>
+              </a:spcAft>
+              <a:buClr>
+                <a:srgbClr val="000000"/>
+              </a:buClr>
+              <a:buFont typeface="Arial"/>
+              <a:defRPr sz="1400" b="0" i="0" u="none" strike="noStrike" cap="none">
+                <a:solidFill>
+                  <a:srgbClr val="000000"/>
+                </a:solidFill>
+                <a:latin typeface="Arial"/>
+                <a:ea typeface="Arial"/>
+                <a:cs typeface="Arial"/>
+                <a:sym typeface="Arial"/>
+              </a:defRPr>
+            </a:lvl3pPr>
+            <a:lvl4pPr marR="0" lvl="3" algn="l" rtl="0">
+              <a:lnSpc>
+                <a:spcPct val="100000"/>
+              </a:lnSpc>
+              <a:spcBef>
+                <a:spcPts val="0"/>
+              </a:spcBef>
+              <a:spcAft>
+                <a:spcPts val="0"/>
+              </a:spcAft>
+              <a:buClr>
+                <a:srgbClr val="000000"/>
+              </a:buClr>
+              <a:buFont typeface="Arial"/>
+              <a:defRPr sz="1400" b="0" i="0" u="none" strike="noStrike" cap="none">
+                <a:solidFill>
+                  <a:srgbClr val="000000"/>
+                </a:solidFill>
+                <a:latin typeface="Arial"/>
+                <a:ea typeface="Arial"/>
+                <a:cs typeface="Arial"/>
+                <a:sym typeface="Arial"/>
+              </a:defRPr>
+            </a:lvl4pPr>
+            <a:lvl5pPr marR="0" lvl="4" algn="l" rtl="0">
+              <a:lnSpc>
+                <a:spcPct val="100000"/>
+              </a:lnSpc>
+              <a:spcBef>
+                <a:spcPts val="0"/>
+              </a:spcBef>
+              <a:spcAft>
+                <a:spcPts val="0"/>
+              </a:spcAft>
+              <a:buClr>
+                <a:srgbClr val="000000"/>
+              </a:buClr>
+              <a:buFont typeface="Arial"/>
+              <a:defRPr sz="1400" b="0" i="0" u="none" strike="noStrike" cap="none">
+                <a:solidFill>
+                  <a:srgbClr val="000000"/>
+                </a:solidFill>
+                <a:latin typeface="Arial"/>
+                <a:ea typeface="Arial"/>
+                <a:cs typeface="Arial"/>
+                <a:sym typeface="Arial"/>
+              </a:defRPr>
+            </a:lvl5pPr>
+            <a:lvl6pPr marR="0" lvl="5" algn="l" rtl="0">
+              <a:lnSpc>
+                <a:spcPct val="100000"/>
+              </a:lnSpc>
+              <a:spcBef>
+                <a:spcPts val="0"/>
+              </a:spcBef>
+              <a:spcAft>
+                <a:spcPts val="0"/>
+              </a:spcAft>
+              <a:buClr>
+                <a:srgbClr val="000000"/>
+              </a:buClr>
+              <a:buFont typeface="Arial"/>
+              <a:defRPr sz="1400" b="0" i="0" u="none" strike="noStrike" cap="none">
+                <a:solidFill>
+                  <a:srgbClr val="000000"/>
+                </a:solidFill>
+                <a:latin typeface="Arial"/>
+                <a:ea typeface="Arial"/>
+                <a:cs typeface="Arial"/>
+                <a:sym typeface="Arial"/>
+              </a:defRPr>
+            </a:lvl6pPr>
+            <a:lvl7pPr marR="0" lvl="6" algn="l" rtl="0">
+              <a:lnSpc>
+                <a:spcPct val="100000"/>
+              </a:lnSpc>
+              <a:spcBef>
+                <a:spcPts val="0"/>
+              </a:spcBef>
+              <a:spcAft>
+                <a:spcPts val="0"/>
+              </a:spcAft>
+              <a:buClr>
+                <a:srgbClr val="000000"/>
+              </a:buClr>
+              <a:buFont typeface="Arial"/>
+              <a:defRPr sz="1400" b="0" i="0" u="none" strike="noStrike" cap="none">
+                <a:solidFill>
+                  <a:srgbClr val="000000"/>
+                </a:solidFill>
+                <a:latin typeface="Arial"/>
+                <a:ea typeface="Arial"/>
+                <a:cs typeface="Arial"/>
+                <a:sym typeface="Arial"/>
+              </a:defRPr>
+            </a:lvl7pPr>
+            <a:lvl8pPr marR="0" lvl="7" algn="l" rtl="0">
+              <a:lnSpc>
+                <a:spcPct val="100000"/>
+              </a:lnSpc>
+              <a:spcBef>
+                <a:spcPts val="0"/>
+              </a:spcBef>
+              <a:spcAft>
+                <a:spcPts val="0"/>
+              </a:spcAft>
+              <a:buClr>
+                <a:srgbClr val="000000"/>
+              </a:buClr>
+              <a:buFont typeface="Arial"/>
+              <a:defRPr sz="1400" b="0" i="0" u="none" strike="noStrike" cap="none">
+                <a:solidFill>
+                  <a:srgbClr val="000000"/>
+                </a:solidFill>
+                <a:latin typeface="Arial"/>
+                <a:ea typeface="Arial"/>
+                <a:cs typeface="Arial"/>
+                <a:sym typeface="Arial"/>
+              </a:defRPr>
+            </a:lvl8pPr>
+            <a:lvl9pPr marR="0" lvl="8" algn="l" rtl="0">
+              <a:lnSpc>
+                <a:spcPct val="100000"/>
+              </a:lnSpc>
+              <a:spcBef>
+                <a:spcPts val="0"/>
+              </a:spcBef>
+              <a:spcAft>
+                <a:spcPts val="0"/>
+              </a:spcAft>
+              <a:buClr>
+                <a:srgbClr val="000000"/>
+              </a:buClr>
+              <a:buFont typeface="Arial"/>
+              <a:defRPr sz="1400" b="0" i="0" u="none" strike="noStrike" cap="none">
+                <a:solidFill>
+                  <a:srgbClr val="000000"/>
+                </a:solidFill>
+                <a:latin typeface="Arial"/>
+                <a:ea typeface="Arial"/>
+                <a:cs typeface="Arial"/>
+                <a:sym typeface="Arial"/>
+              </a:defRPr>
+            </a:lvl9pPr>
+          </a:lstStyle>
+          <a:p>
+            <a:pPr algn="ctr">
+              <a:buClr>
+                <a:schemeClr val="lt1"/>
+              </a:buClr>
+              <a:buSzPts val="1100"/>
+            </a:pPr>
+            <a:r>
+              <a:rPr lang="en-US" dirty="0">
+                <a:solidFill>
+                  <a:schemeClr val="tx1">
+                    <a:lumMod val="50000"/>
+                  </a:schemeClr>
+                </a:solidFill>
+                <a:latin typeface="Lexend Deca" panose="020B0604020202020204" charset="0"/>
+                <a:cs typeface="Lexend Deca" panose="020B0604020202020204" charset="0"/>
+              </a:rPr>
+              <a:t>https://github.com/srRyzhov/Hackathon</a:t>
+            </a:r>
+          </a:p>
+        </p:txBody>
+      </p:sp>
     </p:spTree>
     <p:extLst>
       <p:ext uri="{BB962C8B-B14F-4D97-AF65-F5344CB8AC3E}">

--- a/Снегири. Презентация.pptx
+++ b/Снегири. Презентация.pptx
@@ -15071,7 +15071,7 @@
             </a:lstStyle>
             <a:p>
               <a:r>
-                <a:rPr lang="es" dirty="0">
+                <a:rPr lang="es" sz="5200" dirty="0">
                   <a:solidFill>
                     <a:schemeClr val="bg1">
                       <a:lumMod val="10000"/>
@@ -16079,7 +16079,7 @@
             </a:lstStyle>
             <a:p>
               <a:r>
-                <a:rPr lang="ru-RU" dirty="0">
+                <a:rPr lang="ru-RU" sz="5200" dirty="0">
                   <a:solidFill>
                     <a:schemeClr val="bg1">
                       <a:lumMod val="10000"/>
@@ -16088,7 +16088,7 @@
                 </a:rPr>
                 <a:t>3</a:t>
               </a:r>
-              <a:endParaRPr lang="es" dirty="0">
+              <a:endParaRPr lang="es" sz="5200" dirty="0">
                 <a:solidFill>
                   <a:schemeClr val="bg1">
                     <a:lumMod val="10000"/>
@@ -17097,7 +17097,7 @@
             </a:lstStyle>
             <a:p>
               <a:r>
-                <a:rPr lang="ru-RU" dirty="0">
+                <a:rPr lang="ru-RU" sz="5200" dirty="0">
                   <a:solidFill>
                     <a:schemeClr val="bg1">
                       <a:lumMod val="10000"/>
@@ -17106,7 +17106,7 @@
                 </a:rPr>
                 <a:t>5</a:t>
               </a:r>
-              <a:endParaRPr lang="es" dirty="0">
+              <a:endParaRPr lang="es" sz="5200" dirty="0">
                 <a:solidFill>
                   <a:schemeClr val="bg1">
                     <a:lumMod val="10000"/>
@@ -17826,7 +17826,7 @@
         </p:nvGrpSpPr>
         <p:grpSpPr>
           <a:xfrm>
-            <a:off x="5265440" y="2880558"/>
+            <a:off x="5396690" y="2878634"/>
             <a:ext cx="3252723" cy="967967"/>
             <a:chOff x="159604" y="1294456"/>
             <a:chExt cx="3252723" cy="967967"/>
@@ -18112,7 +18112,7 @@
             </a:lstStyle>
             <a:p>
               <a:r>
-                <a:rPr lang="ru-RU" dirty="0">
+                <a:rPr lang="ru-RU" sz="5200" dirty="0">
                   <a:solidFill>
                     <a:schemeClr val="bg1">
                       <a:lumMod val="10000"/>
@@ -18121,7 +18121,7 @@
                 </a:rPr>
                 <a:t>4</a:t>
               </a:r>
-              <a:endParaRPr lang="es" dirty="0">
+              <a:endParaRPr lang="es" sz="5200" dirty="0">
                 <a:solidFill>
                   <a:schemeClr val="bg1">
                     <a:lumMod val="10000"/>
@@ -18839,7 +18839,7 @@
         </p:nvGrpSpPr>
         <p:grpSpPr>
           <a:xfrm>
-            <a:off x="5669618" y="1289573"/>
+            <a:off x="5729370" y="1289573"/>
             <a:ext cx="3252723" cy="967967"/>
             <a:chOff x="159604" y="1294456"/>
             <a:chExt cx="3252723" cy="967967"/>
@@ -19125,7 +19125,7 @@
             </a:lstStyle>
             <a:p>
               <a:r>
-                <a:rPr lang="ru-RU" dirty="0">
+                <a:rPr lang="ru-RU" sz="5200" dirty="0">
                   <a:solidFill>
                     <a:schemeClr val="bg1">
                       <a:lumMod val="10000"/>
@@ -19134,7 +19134,7 @@
                 </a:rPr>
                 <a:t>2</a:t>
               </a:r>
-              <a:endParaRPr lang="es" dirty="0">
+              <a:endParaRPr lang="es" sz="5200" dirty="0">
                 <a:solidFill>
                   <a:schemeClr val="bg1">
                     <a:lumMod val="10000"/>

--- a/Снегири. Презентация.pptx
+++ b/Снегири. Презентация.pptx
@@ -18505,7 +18505,7 @@
                     </a:schemeClr>
                   </a:solidFill>
                 </a:rPr>
-                <a:t>Дмитрий столяров </a:t>
+                <a:t>Столяров Дмитрий </a:t>
               </a:r>
               <a:r>
                 <a:rPr lang="en-US" sz="1200" b="1" dirty="0">
@@ -18543,8 +18543,8 @@
           </p:nvSpPr>
           <p:spPr>
             <a:xfrm>
-              <a:off x="902105" y="1932275"/>
-              <a:ext cx="1991060" cy="330148"/>
+              <a:off x="902104" y="1932275"/>
+              <a:ext cx="2116535" cy="330148"/>
             </a:xfrm>
             <a:prstGeom prst="rect">
               <a:avLst/>
@@ -18819,7 +18819,7 @@
                     </a:schemeClr>
                   </a:solidFill>
                 </a:rPr>
-                <a:t>ДОПИСАТЬ</a:t>
+                <a:t>Тестировал код программы</a:t>
               </a:r>
             </a:p>
           </p:txBody>
@@ -19159,7 +19159,7 @@
           <p:grpSpPr>
             <a:xfrm>
               <a:off x="270984" y="1928622"/>
-              <a:ext cx="577034" cy="175828"/>
+              <a:ext cx="577034" cy="0"/>
               <a:chOff x="2050256" y="941294"/>
               <a:chExt cx="5093494" cy="0"/>
             </a:xfrm>
@@ -19212,8 +19212,8 @@
             </p:nvCxnSpPr>
             <p:spPr>
               <a:xfrm>
-                <a:off x="2073959" y="941294"/>
-                <a:ext cx="5041761" cy="0"/>
+                <a:off x="2073957" y="941294"/>
+                <a:ext cx="5041759" cy="0"/>
               </a:xfrm>
               <a:prstGeom prst="straightConnector1">
                 <a:avLst/>
@@ -19530,8 +19530,25 @@
                     </a:schemeClr>
                   </a:solidFill>
                 </a:rPr>
-                <a:t>@дописать</a:t>
+                <a:t>@</a:t>
               </a:r>
+              <a:r>
+                <a:rPr lang="en-US" sz="1200" b="1" dirty="0">
+                  <a:solidFill>
+                    <a:schemeClr val="bg1">
+                      <a:lumMod val="10000"/>
+                    </a:schemeClr>
+                  </a:solidFill>
+                </a:rPr>
+                <a:t>AnanasOro</a:t>
+              </a:r>
+              <a:endParaRPr lang="ru-RU" sz="1200" b="1" dirty="0">
+                <a:solidFill>
+                  <a:schemeClr val="bg1">
+                    <a:lumMod val="10000"/>
+                  </a:schemeClr>
+                </a:solidFill>
+              </a:endParaRPr>
             </a:p>
           </p:txBody>
         </p:sp>

--- a/Снегири. Презентация.pptx
+++ b/Снегири. Презентация.pptx
@@ -9,10 +9,10 @@
   </p:notesMasterIdLst>
   <p:sldIdLst>
     <p:sldId id="256" r:id="rId2"/>
-    <p:sldId id="344" r:id="rId3"/>
-    <p:sldId id="345" r:id="rId4"/>
-    <p:sldId id="346" r:id="rId5"/>
-    <p:sldId id="347" r:id="rId6"/>
+    <p:sldId id="353" r:id="rId3"/>
+    <p:sldId id="354" r:id="rId4"/>
+    <p:sldId id="355" r:id="rId5"/>
+    <p:sldId id="346" r:id="rId6"/>
     <p:sldId id="348" r:id="rId7"/>
     <p:sldId id="349" r:id="rId8"/>
     <p:sldId id="351" r:id="rId9"/>
@@ -1046,7 +1046,7 @@
     </p:spTree>
     <p:extLst>
       <p:ext uri="{BB962C8B-B14F-4D97-AF65-F5344CB8AC3E}">
-        <p14:creationId xmlns:p14="http://schemas.microsoft.com/office/powerpoint/2010/main" val="552624942"/>
+        <p14:creationId xmlns:p14="http://schemas.microsoft.com/office/powerpoint/2010/main" val="2169281463"/>
       </p:ext>
     </p:extLst>
   </p:cSld>
@@ -1155,7 +1155,7 @@
     </p:spTree>
     <p:extLst>
       <p:ext uri="{BB962C8B-B14F-4D97-AF65-F5344CB8AC3E}">
-        <p14:creationId xmlns:p14="http://schemas.microsoft.com/office/powerpoint/2010/main" val="3151265527"/>
+        <p14:creationId xmlns:p14="http://schemas.microsoft.com/office/powerpoint/2010/main" val="230210799"/>
       </p:ext>
     </p:extLst>
   </p:cSld>
@@ -1264,7 +1264,7 @@
     </p:spTree>
     <p:extLst>
       <p:ext uri="{BB962C8B-B14F-4D97-AF65-F5344CB8AC3E}">
-        <p14:creationId xmlns:p14="http://schemas.microsoft.com/office/powerpoint/2010/main" val="490480084"/>
+        <p14:creationId xmlns:p14="http://schemas.microsoft.com/office/powerpoint/2010/main" val="3648288377"/>
       </p:ext>
     </p:extLst>
   </p:cSld>
@@ -1373,7 +1373,7 @@
     </p:spTree>
     <p:extLst>
       <p:ext uri="{BB962C8B-B14F-4D97-AF65-F5344CB8AC3E}">
-        <p14:creationId xmlns:p14="http://schemas.microsoft.com/office/powerpoint/2010/main" val="1027184536"/>
+        <p14:creationId xmlns:p14="http://schemas.microsoft.com/office/powerpoint/2010/main" val="490480084"/>
       </p:ext>
     </p:extLst>
   </p:cSld>
@@ -5852,7 +5852,7 @@
                   </a:schemeClr>
                 </a:solidFill>
               </a:rPr>
-              <a:t>Введение</a:t>
+              <a:t>Цель</a:t>
             </a:r>
             <a:endParaRPr lang="en-US" sz="3200" b="1" dirty="0">
               <a:solidFill>
@@ -5953,658 +5953,6 @@
       </p:grpSp>
       <p:sp>
         <p:nvSpPr>
-          <p:cNvPr id="24" name="Google Shape;182;p31">
-            <a:extLst>
-              <a:ext uri="{FF2B5EF4-FFF2-40B4-BE49-F238E27FC236}">
-                <a16:creationId xmlns:a16="http://schemas.microsoft.com/office/drawing/2014/main" id="{8F6ABAC1-3711-0A72-5C33-AA22D3E37D56}"/>
-              </a:ext>
-            </a:extLst>
-          </p:cNvPr>
-          <p:cNvSpPr txBox="1">
-            <a:spLocks/>
-          </p:cNvSpPr>
-          <p:nvPr/>
-        </p:nvSpPr>
-        <p:spPr>
-          <a:xfrm>
-            <a:off x="342484" y="1019957"/>
-            <a:ext cx="737401" cy="671326"/>
-          </a:xfrm>
-          <a:prstGeom prst="rect">
-            <a:avLst/>
-          </a:prstGeom>
-          <a:noFill/>
-          <a:ln>
-            <a:noFill/>
-          </a:ln>
-        </p:spPr>
-        <p:txBody>
-          <a:bodyPr spcFirstLastPara="1" wrap="square" lIns="91425" tIns="91425" rIns="91425" bIns="91425" anchor="ctr" anchorCtr="0">
-            <a:noAutofit/>
-          </a:bodyPr>
-          <a:lstStyle>
-            <a:defPPr marR="0" lvl="0" algn="l" rtl="0">
-              <a:lnSpc>
-                <a:spcPct val="100000"/>
-              </a:lnSpc>
-              <a:spcBef>
-                <a:spcPts val="0"/>
-              </a:spcBef>
-              <a:spcAft>
-                <a:spcPts val="0"/>
-              </a:spcAft>
-            </a:defPPr>
-            <a:lvl1pPr marR="0" lvl="0" algn="ctr" rtl="0">
-              <a:lnSpc>
-                <a:spcPct val="100000"/>
-              </a:lnSpc>
-              <a:spcBef>
-                <a:spcPts val="0"/>
-              </a:spcBef>
-              <a:spcAft>
-                <a:spcPts val="0"/>
-              </a:spcAft>
-              <a:buClr>
-                <a:schemeClr val="dk1"/>
-              </a:buClr>
-              <a:buSzPts val="3000"/>
-              <a:buFont typeface="Questrial"/>
-              <a:buNone/>
-              <a:defRPr sz="5400" b="1" i="0" u="none" strike="noStrike" cap="none">
-                <a:solidFill>
-                  <a:schemeClr val="dk1"/>
-                </a:solidFill>
-                <a:latin typeface="Questrial"/>
-                <a:ea typeface="Questrial"/>
-                <a:cs typeface="Questrial"/>
-                <a:sym typeface="Questrial"/>
-              </a:defRPr>
-            </a:lvl1pPr>
-            <a:lvl2pPr marR="0" lvl="1" algn="l" rtl="0">
-              <a:lnSpc>
-                <a:spcPct val="100000"/>
-              </a:lnSpc>
-              <a:spcBef>
-                <a:spcPts val="0"/>
-              </a:spcBef>
-              <a:spcAft>
-                <a:spcPts val="0"/>
-              </a:spcAft>
-              <a:buClr>
-                <a:schemeClr val="dk1"/>
-              </a:buClr>
-              <a:buSzPts val="3000"/>
-              <a:buFont typeface="Questrial"/>
-              <a:buNone/>
-              <a:defRPr sz="3000" b="0" i="0" u="none" strike="noStrike" cap="none">
-                <a:solidFill>
-                  <a:schemeClr val="dk1"/>
-                </a:solidFill>
-                <a:latin typeface="Questrial"/>
-                <a:ea typeface="Questrial"/>
-                <a:cs typeface="Questrial"/>
-                <a:sym typeface="Questrial"/>
-              </a:defRPr>
-            </a:lvl2pPr>
-            <a:lvl3pPr marR="0" lvl="2" algn="l" rtl="0">
-              <a:lnSpc>
-                <a:spcPct val="100000"/>
-              </a:lnSpc>
-              <a:spcBef>
-                <a:spcPts val="0"/>
-              </a:spcBef>
-              <a:spcAft>
-                <a:spcPts val="0"/>
-              </a:spcAft>
-              <a:buClr>
-                <a:schemeClr val="dk1"/>
-              </a:buClr>
-              <a:buSzPts val="3000"/>
-              <a:buFont typeface="Questrial"/>
-              <a:buNone/>
-              <a:defRPr sz="3000" b="0" i="0" u="none" strike="noStrike" cap="none">
-                <a:solidFill>
-                  <a:schemeClr val="dk1"/>
-                </a:solidFill>
-                <a:latin typeface="Questrial"/>
-                <a:ea typeface="Questrial"/>
-                <a:cs typeface="Questrial"/>
-                <a:sym typeface="Questrial"/>
-              </a:defRPr>
-            </a:lvl3pPr>
-            <a:lvl4pPr marR="0" lvl="3" algn="l" rtl="0">
-              <a:lnSpc>
-                <a:spcPct val="100000"/>
-              </a:lnSpc>
-              <a:spcBef>
-                <a:spcPts val="0"/>
-              </a:spcBef>
-              <a:spcAft>
-                <a:spcPts val="0"/>
-              </a:spcAft>
-              <a:buClr>
-                <a:schemeClr val="dk1"/>
-              </a:buClr>
-              <a:buSzPts val="3000"/>
-              <a:buFont typeface="Questrial"/>
-              <a:buNone/>
-              <a:defRPr sz="3000" b="0" i="0" u="none" strike="noStrike" cap="none">
-                <a:solidFill>
-                  <a:schemeClr val="dk1"/>
-                </a:solidFill>
-                <a:latin typeface="Questrial"/>
-                <a:ea typeface="Questrial"/>
-                <a:cs typeface="Questrial"/>
-                <a:sym typeface="Questrial"/>
-              </a:defRPr>
-            </a:lvl4pPr>
-            <a:lvl5pPr marR="0" lvl="4" algn="l" rtl="0">
-              <a:lnSpc>
-                <a:spcPct val="100000"/>
-              </a:lnSpc>
-              <a:spcBef>
-                <a:spcPts val="0"/>
-              </a:spcBef>
-              <a:spcAft>
-                <a:spcPts val="0"/>
-              </a:spcAft>
-              <a:buClr>
-                <a:schemeClr val="dk1"/>
-              </a:buClr>
-              <a:buSzPts val="3000"/>
-              <a:buFont typeface="Questrial"/>
-              <a:buNone/>
-              <a:defRPr sz="3000" b="0" i="0" u="none" strike="noStrike" cap="none">
-                <a:solidFill>
-                  <a:schemeClr val="dk1"/>
-                </a:solidFill>
-                <a:latin typeface="Questrial"/>
-                <a:ea typeface="Questrial"/>
-                <a:cs typeface="Questrial"/>
-                <a:sym typeface="Questrial"/>
-              </a:defRPr>
-            </a:lvl5pPr>
-            <a:lvl6pPr marR="0" lvl="5" algn="l" rtl="0">
-              <a:lnSpc>
-                <a:spcPct val="100000"/>
-              </a:lnSpc>
-              <a:spcBef>
-                <a:spcPts val="0"/>
-              </a:spcBef>
-              <a:spcAft>
-                <a:spcPts val="0"/>
-              </a:spcAft>
-              <a:buClr>
-                <a:schemeClr val="dk1"/>
-              </a:buClr>
-              <a:buSzPts val="3000"/>
-              <a:buFont typeface="Questrial"/>
-              <a:buNone/>
-              <a:defRPr sz="3000" b="0" i="0" u="none" strike="noStrike" cap="none">
-                <a:solidFill>
-                  <a:schemeClr val="dk1"/>
-                </a:solidFill>
-                <a:latin typeface="Questrial"/>
-                <a:ea typeface="Questrial"/>
-                <a:cs typeface="Questrial"/>
-                <a:sym typeface="Questrial"/>
-              </a:defRPr>
-            </a:lvl6pPr>
-            <a:lvl7pPr marR="0" lvl="6" algn="l" rtl="0">
-              <a:lnSpc>
-                <a:spcPct val="100000"/>
-              </a:lnSpc>
-              <a:spcBef>
-                <a:spcPts val="0"/>
-              </a:spcBef>
-              <a:spcAft>
-                <a:spcPts val="0"/>
-              </a:spcAft>
-              <a:buClr>
-                <a:schemeClr val="dk1"/>
-              </a:buClr>
-              <a:buSzPts val="3000"/>
-              <a:buFont typeface="Questrial"/>
-              <a:buNone/>
-              <a:defRPr sz="3000" b="0" i="0" u="none" strike="noStrike" cap="none">
-                <a:solidFill>
-                  <a:schemeClr val="dk1"/>
-                </a:solidFill>
-                <a:latin typeface="Questrial"/>
-                <a:ea typeface="Questrial"/>
-                <a:cs typeface="Questrial"/>
-                <a:sym typeface="Questrial"/>
-              </a:defRPr>
-            </a:lvl7pPr>
-            <a:lvl8pPr marR="0" lvl="7" algn="l" rtl="0">
-              <a:lnSpc>
-                <a:spcPct val="100000"/>
-              </a:lnSpc>
-              <a:spcBef>
-                <a:spcPts val="0"/>
-              </a:spcBef>
-              <a:spcAft>
-                <a:spcPts val="0"/>
-              </a:spcAft>
-              <a:buClr>
-                <a:schemeClr val="dk1"/>
-              </a:buClr>
-              <a:buSzPts val="3000"/>
-              <a:buFont typeface="Questrial"/>
-              <a:buNone/>
-              <a:defRPr sz="3000" b="0" i="0" u="none" strike="noStrike" cap="none">
-                <a:solidFill>
-                  <a:schemeClr val="dk1"/>
-                </a:solidFill>
-                <a:latin typeface="Questrial"/>
-                <a:ea typeface="Questrial"/>
-                <a:cs typeface="Questrial"/>
-                <a:sym typeface="Questrial"/>
-              </a:defRPr>
-            </a:lvl8pPr>
-            <a:lvl9pPr marR="0" lvl="8" algn="l" rtl="0">
-              <a:lnSpc>
-                <a:spcPct val="100000"/>
-              </a:lnSpc>
-              <a:spcBef>
-                <a:spcPts val="0"/>
-              </a:spcBef>
-              <a:spcAft>
-                <a:spcPts val="0"/>
-              </a:spcAft>
-              <a:buClr>
-                <a:schemeClr val="dk1"/>
-              </a:buClr>
-              <a:buSzPts val="3000"/>
-              <a:buFont typeface="Questrial"/>
-              <a:buNone/>
-              <a:defRPr sz="3000" b="0" i="0" u="none" strike="noStrike" cap="none">
-                <a:solidFill>
-                  <a:schemeClr val="dk1"/>
-                </a:solidFill>
-                <a:latin typeface="Questrial"/>
-                <a:ea typeface="Questrial"/>
-                <a:cs typeface="Questrial"/>
-                <a:sym typeface="Questrial"/>
-              </a:defRPr>
-            </a:lvl9pPr>
-          </a:lstStyle>
-          <a:p>
-            <a:r>
-              <a:rPr lang="es" dirty="0">
-                <a:solidFill>
-                  <a:schemeClr val="bg1">
-                    <a:lumMod val="10000"/>
-                  </a:schemeClr>
-                </a:solidFill>
-              </a:rPr>
-              <a:t>1</a:t>
-            </a:r>
-          </a:p>
-        </p:txBody>
-      </p:sp>
-      <p:sp>
-        <p:nvSpPr>
-          <p:cNvPr id="26" name="Google Shape;172;p31">
-            <a:extLst>
-              <a:ext uri="{FF2B5EF4-FFF2-40B4-BE49-F238E27FC236}">
-                <a16:creationId xmlns:a16="http://schemas.microsoft.com/office/drawing/2014/main" id="{074C7FD6-5173-0DDA-4AA1-4F10A5D7E649}"/>
-              </a:ext>
-            </a:extLst>
-          </p:cNvPr>
-          <p:cNvSpPr txBox="1">
-            <a:spLocks noGrp="1"/>
-          </p:cNvSpPr>
-          <p:nvPr>
-            <p:ph type="title"/>
-          </p:nvPr>
-        </p:nvSpPr>
-        <p:spPr>
-          <a:xfrm>
-            <a:off x="1248530" y="1884516"/>
-            <a:ext cx="7430157" cy="1023000"/>
-          </a:xfrm>
-          <a:prstGeom prst="rect">
-            <a:avLst/>
-          </a:prstGeom>
-        </p:spPr>
-        <p:txBody>
-          <a:bodyPr spcFirstLastPara="1" wrap="square" lIns="91425" tIns="91425" rIns="91425" bIns="91425" anchor="ctr" anchorCtr="0">
-            <a:noAutofit/>
-          </a:bodyPr>
-          <a:lstStyle/>
-          <a:p>
-            <a:pPr marL="0" lvl="0" indent="0" algn="just" rtl="0">
-              <a:spcBef>
-                <a:spcPts val="0"/>
-              </a:spcBef>
-              <a:spcAft>
-                <a:spcPts val="0"/>
-              </a:spcAft>
-              <a:buNone/>
-            </a:pPr>
-            <a:r>
-              <a:rPr lang="ru-RU" sz="1800" b="1" dirty="0">
-                <a:solidFill>
-                  <a:schemeClr val="bg1">
-                    <a:lumMod val="10000"/>
-                  </a:schemeClr>
-                </a:solidFill>
-              </a:rPr>
-              <a:t>-</a:t>
-            </a:r>
-            <a:endParaRPr sz="1800" dirty="0">
-              <a:solidFill>
-                <a:schemeClr val="bg1">
-                  <a:lumMod val="10000"/>
-                </a:schemeClr>
-              </a:solidFill>
-            </a:endParaRPr>
-          </a:p>
-        </p:txBody>
-      </p:sp>
-      <p:sp>
-        <p:nvSpPr>
-          <p:cNvPr id="30" name="Google Shape;172;p31">
-            <a:extLst>
-              <a:ext uri="{FF2B5EF4-FFF2-40B4-BE49-F238E27FC236}">
-                <a16:creationId xmlns:a16="http://schemas.microsoft.com/office/drawing/2014/main" id="{ED095148-E910-0B76-5E13-858671579D12}"/>
-              </a:ext>
-            </a:extLst>
-          </p:cNvPr>
-          <p:cNvSpPr txBox="1">
-            <a:spLocks/>
-          </p:cNvSpPr>
-          <p:nvPr/>
-        </p:nvSpPr>
-        <p:spPr>
-          <a:xfrm>
-            <a:off x="1248530" y="3026318"/>
-            <a:ext cx="6780060" cy="836522"/>
-          </a:xfrm>
-          <a:prstGeom prst="rect">
-            <a:avLst/>
-          </a:prstGeom>
-          <a:noFill/>
-          <a:ln>
-            <a:noFill/>
-          </a:ln>
-        </p:spPr>
-        <p:txBody>
-          <a:bodyPr spcFirstLastPara="1" wrap="square" lIns="91425" tIns="91425" rIns="91425" bIns="91425" anchor="ctr" anchorCtr="0">
-            <a:noAutofit/>
-          </a:bodyPr>
-          <a:lstStyle>
-            <a:defPPr marR="0" lvl="0" algn="l" rtl="0">
-              <a:lnSpc>
-                <a:spcPct val="100000"/>
-              </a:lnSpc>
-              <a:spcBef>
-                <a:spcPts val="0"/>
-              </a:spcBef>
-              <a:spcAft>
-                <a:spcPts val="0"/>
-              </a:spcAft>
-            </a:defPPr>
-            <a:lvl1pPr marR="0" lvl="0" algn="l" rtl="0">
-              <a:lnSpc>
-                <a:spcPct val="100000"/>
-              </a:lnSpc>
-              <a:spcBef>
-                <a:spcPts val="0"/>
-              </a:spcBef>
-              <a:spcAft>
-                <a:spcPts val="0"/>
-              </a:spcAft>
-              <a:buClr>
-                <a:schemeClr val="dk1"/>
-              </a:buClr>
-              <a:buSzPts val="3000"/>
-              <a:buFont typeface="Questrial"/>
-              <a:buNone/>
-              <a:defRPr sz="3000" b="0" i="0" u="none" strike="noStrike" cap="none">
-                <a:solidFill>
-                  <a:schemeClr val="dk1"/>
-                </a:solidFill>
-                <a:latin typeface="Questrial"/>
-                <a:ea typeface="Questrial"/>
-                <a:cs typeface="Questrial"/>
-                <a:sym typeface="Questrial"/>
-              </a:defRPr>
-            </a:lvl1pPr>
-            <a:lvl2pPr marR="0" lvl="1" algn="l" rtl="0">
-              <a:lnSpc>
-                <a:spcPct val="100000"/>
-              </a:lnSpc>
-              <a:spcBef>
-                <a:spcPts val="0"/>
-              </a:spcBef>
-              <a:spcAft>
-                <a:spcPts val="0"/>
-              </a:spcAft>
-              <a:buClr>
-                <a:schemeClr val="dk1"/>
-              </a:buClr>
-              <a:buSzPts val="3000"/>
-              <a:buFont typeface="Questrial"/>
-              <a:buNone/>
-              <a:defRPr sz="3000" b="0" i="0" u="none" strike="noStrike" cap="none">
-                <a:solidFill>
-                  <a:schemeClr val="dk1"/>
-                </a:solidFill>
-                <a:latin typeface="Questrial"/>
-                <a:ea typeface="Questrial"/>
-                <a:cs typeface="Questrial"/>
-                <a:sym typeface="Questrial"/>
-              </a:defRPr>
-            </a:lvl2pPr>
-            <a:lvl3pPr marR="0" lvl="2" algn="l" rtl="0">
-              <a:lnSpc>
-                <a:spcPct val="100000"/>
-              </a:lnSpc>
-              <a:spcBef>
-                <a:spcPts val="0"/>
-              </a:spcBef>
-              <a:spcAft>
-                <a:spcPts val="0"/>
-              </a:spcAft>
-              <a:buClr>
-                <a:schemeClr val="dk1"/>
-              </a:buClr>
-              <a:buSzPts val="3000"/>
-              <a:buFont typeface="Questrial"/>
-              <a:buNone/>
-              <a:defRPr sz="3000" b="0" i="0" u="none" strike="noStrike" cap="none">
-                <a:solidFill>
-                  <a:schemeClr val="dk1"/>
-                </a:solidFill>
-                <a:latin typeface="Questrial"/>
-                <a:ea typeface="Questrial"/>
-                <a:cs typeface="Questrial"/>
-                <a:sym typeface="Questrial"/>
-              </a:defRPr>
-            </a:lvl3pPr>
-            <a:lvl4pPr marR="0" lvl="3" algn="l" rtl="0">
-              <a:lnSpc>
-                <a:spcPct val="100000"/>
-              </a:lnSpc>
-              <a:spcBef>
-                <a:spcPts val="0"/>
-              </a:spcBef>
-              <a:spcAft>
-                <a:spcPts val="0"/>
-              </a:spcAft>
-              <a:buClr>
-                <a:schemeClr val="dk1"/>
-              </a:buClr>
-              <a:buSzPts val="3000"/>
-              <a:buFont typeface="Questrial"/>
-              <a:buNone/>
-              <a:defRPr sz="3000" b="0" i="0" u="none" strike="noStrike" cap="none">
-                <a:solidFill>
-                  <a:schemeClr val="dk1"/>
-                </a:solidFill>
-                <a:latin typeface="Questrial"/>
-                <a:ea typeface="Questrial"/>
-                <a:cs typeface="Questrial"/>
-                <a:sym typeface="Questrial"/>
-              </a:defRPr>
-            </a:lvl4pPr>
-            <a:lvl5pPr marR="0" lvl="4" algn="l" rtl="0">
-              <a:lnSpc>
-                <a:spcPct val="100000"/>
-              </a:lnSpc>
-              <a:spcBef>
-                <a:spcPts val="0"/>
-              </a:spcBef>
-              <a:spcAft>
-                <a:spcPts val="0"/>
-              </a:spcAft>
-              <a:buClr>
-                <a:schemeClr val="dk1"/>
-              </a:buClr>
-              <a:buSzPts val="3000"/>
-              <a:buFont typeface="Questrial"/>
-              <a:buNone/>
-              <a:defRPr sz="3000" b="0" i="0" u="none" strike="noStrike" cap="none">
-                <a:solidFill>
-                  <a:schemeClr val="dk1"/>
-                </a:solidFill>
-                <a:latin typeface="Questrial"/>
-                <a:ea typeface="Questrial"/>
-                <a:cs typeface="Questrial"/>
-                <a:sym typeface="Questrial"/>
-              </a:defRPr>
-            </a:lvl5pPr>
-            <a:lvl6pPr marR="0" lvl="5" algn="l" rtl="0">
-              <a:lnSpc>
-                <a:spcPct val="100000"/>
-              </a:lnSpc>
-              <a:spcBef>
-                <a:spcPts val="0"/>
-              </a:spcBef>
-              <a:spcAft>
-                <a:spcPts val="0"/>
-              </a:spcAft>
-              <a:buClr>
-                <a:schemeClr val="dk1"/>
-              </a:buClr>
-              <a:buSzPts val="3000"/>
-              <a:buFont typeface="Questrial"/>
-              <a:buNone/>
-              <a:defRPr sz="3000" b="0" i="0" u="none" strike="noStrike" cap="none">
-                <a:solidFill>
-                  <a:schemeClr val="dk1"/>
-                </a:solidFill>
-                <a:latin typeface="Questrial"/>
-                <a:ea typeface="Questrial"/>
-                <a:cs typeface="Questrial"/>
-                <a:sym typeface="Questrial"/>
-              </a:defRPr>
-            </a:lvl6pPr>
-            <a:lvl7pPr marR="0" lvl="6" algn="l" rtl="0">
-              <a:lnSpc>
-                <a:spcPct val="100000"/>
-              </a:lnSpc>
-              <a:spcBef>
-                <a:spcPts val="0"/>
-              </a:spcBef>
-              <a:spcAft>
-                <a:spcPts val="0"/>
-              </a:spcAft>
-              <a:buClr>
-                <a:schemeClr val="dk1"/>
-              </a:buClr>
-              <a:buSzPts val="3000"/>
-              <a:buFont typeface="Questrial"/>
-              <a:buNone/>
-              <a:defRPr sz="3000" b="0" i="0" u="none" strike="noStrike" cap="none">
-                <a:solidFill>
-                  <a:schemeClr val="dk1"/>
-                </a:solidFill>
-                <a:latin typeface="Questrial"/>
-                <a:ea typeface="Questrial"/>
-                <a:cs typeface="Questrial"/>
-                <a:sym typeface="Questrial"/>
-              </a:defRPr>
-            </a:lvl7pPr>
-            <a:lvl8pPr marR="0" lvl="7" algn="l" rtl="0">
-              <a:lnSpc>
-                <a:spcPct val="100000"/>
-              </a:lnSpc>
-              <a:spcBef>
-                <a:spcPts val="0"/>
-              </a:spcBef>
-              <a:spcAft>
-                <a:spcPts val="0"/>
-              </a:spcAft>
-              <a:buClr>
-                <a:schemeClr val="dk1"/>
-              </a:buClr>
-              <a:buSzPts val="3000"/>
-              <a:buFont typeface="Questrial"/>
-              <a:buNone/>
-              <a:defRPr sz="3000" b="0" i="0" u="none" strike="noStrike" cap="none">
-                <a:solidFill>
-                  <a:schemeClr val="dk1"/>
-                </a:solidFill>
-                <a:latin typeface="Questrial"/>
-                <a:ea typeface="Questrial"/>
-                <a:cs typeface="Questrial"/>
-                <a:sym typeface="Questrial"/>
-              </a:defRPr>
-            </a:lvl8pPr>
-            <a:lvl9pPr marR="0" lvl="8" algn="l" rtl="0">
-              <a:lnSpc>
-                <a:spcPct val="100000"/>
-              </a:lnSpc>
-              <a:spcBef>
-                <a:spcPts val="0"/>
-              </a:spcBef>
-              <a:spcAft>
-                <a:spcPts val="0"/>
-              </a:spcAft>
-              <a:buClr>
-                <a:schemeClr val="dk1"/>
-              </a:buClr>
-              <a:buSzPts val="3000"/>
-              <a:buFont typeface="Questrial"/>
-              <a:buNone/>
-              <a:defRPr sz="3000" b="0" i="0" u="none" strike="noStrike" cap="none">
-                <a:solidFill>
-                  <a:schemeClr val="dk1"/>
-                </a:solidFill>
-                <a:latin typeface="Questrial"/>
-                <a:ea typeface="Questrial"/>
-                <a:cs typeface="Questrial"/>
-                <a:sym typeface="Questrial"/>
-              </a:defRPr>
-            </a:lvl9pPr>
-          </a:lstStyle>
-          <a:p>
-            <a:pPr algn="just"/>
-            <a:r>
-              <a:rPr lang="ru-RU" sz="1800" b="1" dirty="0">
-                <a:solidFill>
-                  <a:schemeClr val="bg1">
-                    <a:lumMod val="10000"/>
-                  </a:schemeClr>
-                </a:solidFill>
-              </a:rPr>
-              <a:t>-</a:t>
-            </a:r>
-            <a:endParaRPr lang="ru-RU" sz="1800" dirty="0">
-              <a:solidFill>
-                <a:schemeClr val="bg1">
-                  <a:lumMod val="10000"/>
-                </a:schemeClr>
-              </a:solidFill>
-            </a:endParaRPr>
-          </a:p>
-        </p:txBody>
-      </p:sp>
-      <p:sp>
-        <p:nvSpPr>
           <p:cNvPr id="33" name="Google Shape;172;p31">
             <a:extLst>
               <a:ext uri="{FF2B5EF4-FFF2-40B4-BE49-F238E27FC236}">
@@ -6964,6 +6312,1819 @@
       </p:sp>
       <p:sp>
         <p:nvSpPr>
+          <p:cNvPr id="17" name="Google Shape;172;p31">
+            <a:extLst>
+              <a:ext uri="{FF2B5EF4-FFF2-40B4-BE49-F238E27FC236}">
+                <a16:creationId xmlns:a16="http://schemas.microsoft.com/office/drawing/2014/main" id="{42F97B13-7285-C34B-4F53-CA4F256419A2}"/>
+              </a:ext>
+            </a:extLst>
+          </p:cNvPr>
+          <p:cNvSpPr txBox="1">
+            <a:spLocks/>
+          </p:cNvSpPr>
+          <p:nvPr/>
+        </p:nvSpPr>
+        <p:spPr>
+          <a:xfrm>
+            <a:off x="470925" y="1241500"/>
+            <a:ext cx="8200535" cy="2852139"/>
+          </a:xfrm>
+          <a:prstGeom prst="rect">
+            <a:avLst/>
+          </a:prstGeom>
+          <a:noFill/>
+          <a:ln>
+            <a:noFill/>
+          </a:ln>
+        </p:spPr>
+        <p:txBody>
+          <a:bodyPr spcFirstLastPara="1" wrap="square" lIns="91425" tIns="91425" rIns="91425" bIns="91425" anchor="ctr" anchorCtr="0">
+            <a:noAutofit/>
+          </a:bodyPr>
+          <a:lstStyle>
+            <a:defPPr marR="0" lvl="0" algn="l" rtl="0">
+              <a:lnSpc>
+                <a:spcPct val="100000"/>
+              </a:lnSpc>
+              <a:spcBef>
+                <a:spcPts val="0"/>
+              </a:spcBef>
+              <a:spcAft>
+                <a:spcPts val="0"/>
+              </a:spcAft>
+            </a:defPPr>
+            <a:lvl1pPr marR="0" lvl="0" algn="l" rtl="0">
+              <a:lnSpc>
+                <a:spcPct val="100000"/>
+              </a:lnSpc>
+              <a:spcBef>
+                <a:spcPts val="0"/>
+              </a:spcBef>
+              <a:spcAft>
+                <a:spcPts val="0"/>
+              </a:spcAft>
+              <a:buClr>
+                <a:schemeClr val="dk1"/>
+              </a:buClr>
+              <a:buSzPts val="3000"/>
+              <a:buFont typeface="Questrial"/>
+              <a:buNone/>
+              <a:defRPr sz="3000" b="0" i="0" u="none" strike="noStrike" cap="none">
+                <a:solidFill>
+                  <a:schemeClr val="dk1"/>
+                </a:solidFill>
+                <a:latin typeface="Questrial"/>
+                <a:ea typeface="Questrial"/>
+                <a:cs typeface="Questrial"/>
+                <a:sym typeface="Questrial"/>
+              </a:defRPr>
+            </a:lvl1pPr>
+            <a:lvl2pPr marR="0" lvl="1" algn="l" rtl="0">
+              <a:lnSpc>
+                <a:spcPct val="100000"/>
+              </a:lnSpc>
+              <a:spcBef>
+                <a:spcPts val="0"/>
+              </a:spcBef>
+              <a:spcAft>
+                <a:spcPts val="0"/>
+              </a:spcAft>
+              <a:buClr>
+                <a:schemeClr val="dk1"/>
+              </a:buClr>
+              <a:buSzPts val="3000"/>
+              <a:buFont typeface="Questrial"/>
+              <a:buNone/>
+              <a:defRPr sz="3000" b="0" i="0" u="none" strike="noStrike" cap="none">
+                <a:solidFill>
+                  <a:schemeClr val="dk1"/>
+                </a:solidFill>
+                <a:latin typeface="Questrial"/>
+                <a:ea typeface="Questrial"/>
+                <a:cs typeface="Questrial"/>
+                <a:sym typeface="Questrial"/>
+              </a:defRPr>
+            </a:lvl2pPr>
+            <a:lvl3pPr marR="0" lvl="2" algn="l" rtl="0">
+              <a:lnSpc>
+                <a:spcPct val="100000"/>
+              </a:lnSpc>
+              <a:spcBef>
+                <a:spcPts val="0"/>
+              </a:spcBef>
+              <a:spcAft>
+                <a:spcPts val="0"/>
+              </a:spcAft>
+              <a:buClr>
+                <a:schemeClr val="dk1"/>
+              </a:buClr>
+              <a:buSzPts val="3000"/>
+              <a:buFont typeface="Questrial"/>
+              <a:buNone/>
+              <a:defRPr sz="3000" b="0" i="0" u="none" strike="noStrike" cap="none">
+                <a:solidFill>
+                  <a:schemeClr val="dk1"/>
+                </a:solidFill>
+                <a:latin typeface="Questrial"/>
+                <a:ea typeface="Questrial"/>
+                <a:cs typeface="Questrial"/>
+                <a:sym typeface="Questrial"/>
+              </a:defRPr>
+            </a:lvl3pPr>
+            <a:lvl4pPr marR="0" lvl="3" algn="l" rtl="0">
+              <a:lnSpc>
+                <a:spcPct val="100000"/>
+              </a:lnSpc>
+              <a:spcBef>
+                <a:spcPts val="0"/>
+              </a:spcBef>
+              <a:spcAft>
+                <a:spcPts val="0"/>
+              </a:spcAft>
+              <a:buClr>
+                <a:schemeClr val="dk1"/>
+              </a:buClr>
+              <a:buSzPts val="3000"/>
+              <a:buFont typeface="Questrial"/>
+              <a:buNone/>
+              <a:defRPr sz="3000" b="0" i="0" u="none" strike="noStrike" cap="none">
+                <a:solidFill>
+                  <a:schemeClr val="dk1"/>
+                </a:solidFill>
+                <a:latin typeface="Questrial"/>
+                <a:ea typeface="Questrial"/>
+                <a:cs typeface="Questrial"/>
+                <a:sym typeface="Questrial"/>
+              </a:defRPr>
+            </a:lvl4pPr>
+            <a:lvl5pPr marR="0" lvl="4" algn="l" rtl="0">
+              <a:lnSpc>
+                <a:spcPct val="100000"/>
+              </a:lnSpc>
+              <a:spcBef>
+                <a:spcPts val="0"/>
+              </a:spcBef>
+              <a:spcAft>
+                <a:spcPts val="0"/>
+              </a:spcAft>
+              <a:buClr>
+                <a:schemeClr val="dk1"/>
+              </a:buClr>
+              <a:buSzPts val="3000"/>
+              <a:buFont typeface="Questrial"/>
+              <a:buNone/>
+              <a:defRPr sz="3000" b="0" i="0" u="none" strike="noStrike" cap="none">
+                <a:solidFill>
+                  <a:schemeClr val="dk1"/>
+                </a:solidFill>
+                <a:latin typeface="Questrial"/>
+                <a:ea typeface="Questrial"/>
+                <a:cs typeface="Questrial"/>
+                <a:sym typeface="Questrial"/>
+              </a:defRPr>
+            </a:lvl5pPr>
+            <a:lvl6pPr marR="0" lvl="5" algn="l" rtl="0">
+              <a:lnSpc>
+                <a:spcPct val="100000"/>
+              </a:lnSpc>
+              <a:spcBef>
+                <a:spcPts val="0"/>
+              </a:spcBef>
+              <a:spcAft>
+                <a:spcPts val="0"/>
+              </a:spcAft>
+              <a:buClr>
+                <a:schemeClr val="dk1"/>
+              </a:buClr>
+              <a:buSzPts val="3000"/>
+              <a:buFont typeface="Questrial"/>
+              <a:buNone/>
+              <a:defRPr sz="3000" b="0" i="0" u="none" strike="noStrike" cap="none">
+                <a:solidFill>
+                  <a:schemeClr val="dk1"/>
+                </a:solidFill>
+                <a:latin typeface="Questrial"/>
+                <a:ea typeface="Questrial"/>
+                <a:cs typeface="Questrial"/>
+                <a:sym typeface="Questrial"/>
+              </a:defRPr>
+            </a:lvl6pPr>
+            <a:lvl7pPr marR="0" lvl="6" algn="l" rtl="0">
+              <a:lnSpc>
+                <a:spcPct val="100000"/>
+              </a:lnSpc>
+              <a:spcBef>
+                <a:spcPts val="0"/>
+              </a:spcBef>
+              <a:spcAft>
+                <a:spcPts val="0"/>
+              </a:spcAft>
+              <a:buClr>
+                <a:schemeClr val="dk1"/>
+              </a:buClr>
+              <a:buSzPts val="3000"/>
+              <a:buFont typeface="Questrial"/>
+              <a:buNone/>
+              <a:defRPr sz="3000" b="0" i="0" u="none" strike="noStrike" cap="none">
+                <a:solidFill>
+                  <a:schemeClr val="dk1"/>
+                </a:solidFill>
+                <a:latin typeface="Questrial"/>
+                <a:ea typeface="Questrial"/>
+                <a:cs typeface="Questrial"/>
+                <a:sym typeface="Questrial"/>
+              </a:defRPr>
+            </a:lvl7pPr>
+            <a:lvl8pPr marR="0" lvl="7" algn="l" rtl="0">
+              <a:lnSpc>
+                <a:spcPct val="100000"/>
+              </a:lnSpc>
+              <a:spcBef>
+                <a:spcPts val="0"/>
+              </a:spcBef>
+              <a:spcAft>
+                <a:spcPts val="0"/>
+              </a:spcAft>
+              <a:buClr>
+                <a:schemeClr val="dk1"/>
+              </a:buClr>
+              <a:buSzPts val="3000"/>
+              <a:buFont typeface="Questrial"/>
+              <a:buNone/>
+              <a:defRPr sz="3000" b="0" i="0" u="none" strike="noStrike" cap="none">
+                <a:solidFill>
+                  <a:schemeClr val="dk1"/>
+                </a:solidFill>
+                <a:latin typeface="Questrial"/>
+                <a:ea typeface="Questrial"/>
+                <a:cs typeface="Questrial"/>
+                <a:sym typeface="Questrial"/>
+              </a:defRPr>
+            </a:lvl8pPr>
+            <a:lvl9pPr marR="0" lvl="8" algn="l" rtl="0">
+              <a:lnSpc>
+                <a:spcPct val="100000"/>
+              </a:lnSpc>
+              <a:spcBef>
+                <a:spcPts val="0"/>
+              </a:spcBef>
+              <a:spcAft>
+                <a:spcPts val="0"/>
+              </a:spcAft>
+              <a:buClr>
+                <a:schemeClr val="dk1"/>
+              </a:buClr>
+              <a:buSzPts val="3000"/>
+              <a:buFont typeface="Questrial"/>
+              <a:buNone/>
+              <a:defRPr sz="3000" b="0" i="0" u="none" strike="noStrike" cap="none">
+                <a:solidFill>
+                  <a:schemeClr val="dk1"/>
+                </a:solidFill>
+                <a:latin typeface="Questrial"/>
+                <a:ea typeface="Questrial"/>
+                <a:cs typeface="Questrial"/>
+                <a:sym typeface="Questrial"/>
+              </a:defRPr>
+            </a:lvl9pPr>
+          </a:lstStyle>
+          <a:p>
+            <a:pPr algn="just"/>
+            <a:r>
+              <a:rPr lang="ru-RU" sz="1800" dirty="0">
+                <a:solidFill>
+                  <a:schemeClr val="bg1">
+                    <a:lumMod val="10000"/>
+                  </a:schemeClr>
+                </a:solidFill>
+              </a:rPr>
+              <a:t>На основании исторических пресс-релизов кредитных рейтинговых агентств необходимо построить интерпретируемую ML-модель, устанавливающую взаимосвязь между текстом пресс-релиза и присвоенным кредитным рейтингом по национальной рейтинговой шкале Российской Федерации для организации с учетом методологических особенностей оценки рейтинга. ML-модель должна не просто устанавливать соответствие текста пресс-релиза кредитному рейтингу, но также и выделять ключевые конструкции в тексте, соответствующие присвоенному кредитному рейтингу.</a:t>
+            </a:r>
+          </a:p>
+        </p:txBody>
+      </p:sp>
+    </p:spTree>
+    <p:extLst>
+      <p:ext uri="{BB962C8B-B14F-4D97-AF65-F5344CB8AC3E}">
+        <p14:creationId xmlns:p14="http://schemas.microsoft.com/office/powerpoint/2010/main" val="2392307391"/>
+      </p:ext>
+    </p:extLst>
+  </p:cSld>
+  <p:clrMapOvr>
+    <a:masterClrMapping/>
+  </p:clrMapOvr>
+  <p:transition spd="slow">
+    <p:fade/>
+  </p:transition>
+</p:sld>
+</file>
+
+<file path=ppt/slides/slide3.xml><?xml version="1.0" encoding="utf-8"?>
+<p:sld xmlns:a="http://schemas.openxmlformats.org/drawingml/2006/main" xmlns:r="http://schemas.openxmlformats.org/officeDocument/2006/relationships" xmlns:p="http://schemas.openxmlformats.org/presentationml/2006/main">
+  <p:cSld>
+    <p:spTree>
+      <p:nvGrpSpPr>
+        <p:cNvPr id="1" name="Shape 193"/>
+        <p:cNvGrpSpPr/>
+        <p:nvPr/>
+      </p:nvGrpSpPr>
+      <p:grpSpPr>
+        <a:xfrm>
+          <a:off x="0" y="0"/>
+          <a:ext cx="0" cy="0"/>
+          <a:chOff x="0" y="0"/>
+          <a:chExt cx="0" cy="0"/>
+        </a:xfrm>
+      </p:grpSpPr>
+      <p:pic>
+        <p:nvPicPr>
+          <p:cNvPr id="7" name="Picture 2">
+            <a:extLst>
+              <a:ext uri="{FF2B5EF4-FFF2-40B4-BE49-F238E27FC236}">
+                <a16:creationId xmlns:a16="http://schemas.microsoft.com/office/drawing/2014/main" id="{E39C36B1-1A6A-B18D-85DC-38D2DF94C228}"/>
+              </a:ext>
+            </a:extLst>
+          </p:cNvPr>
+          <p:cNvPicPr>
+            <a:picLocks noChangeAspect="1" noChangeArrowheads="1"/>
+          </p:cNvPicPr>
+          <p:nvPr/>
+        </p:nvPicPr>
+        <p:blipFill>
+          <a:blip r:embed="rId3">
+            <a:extLst>
+              <a:ext uri="{28A0092B-C50C-407E-A947-70E740481C1C}">
+                <a14:useLocalDpi xmlns:a14="http://schemas.microsoft.com/office/drawing/2010/main" val="0"/>
+              </a:ext>
+            </a:extLst>
+          </a:blip>
+          <a:srcRect/>
+          <a:stretch>
+            <a:fillRect/>
+          </a:stretch>
+        </p:blipFill>
+        <p:spPr bwMode="auto">
+          <a:xfrm>
+            <a:off x="0" y="0"/>
+            <a:ext cx="9144000" cy="5143500"/>
+          </a:xfrm>
+          <a:prstGeom prst="rect">
+            <a:avLst/>
+          </a:prstGeom>
+          <a:noFill/>
+          <a:extLst>
+            <a:ext uri="{909E8E84-426E-40DD-AFC4-6F175D3DCCD1}">
+              <a14:hiddenFill xmlns:a14="http://schemas.microsoft.com/office/drawing/2010/main">
+                <a:solidFill>
+                  <a:srgbClr val="FFFFFF"/>
+                </a:solidFill>
+              </a14:hiddenFill>
+            </a:ext>
+          </a:extLst>
+        </p:spPr>
+      </p:pic>
+      <p:sp>
+        <p:nvSpPr>
+          <p:cNvPr id="15" name="Google Shape;510;p46">
+            <a:extLst>
+              <a:ext uri="{FF2B5EF4-FFF2-40B4-BE49-F238E27FC236}">
+                <a16:creationId xmlns:a16="http://schemas.microsoft.com/office/drawing/2014/main" id="{E7A8F942-5745-9CD6-9937-F52A4F305A79}"/>
+              </a:ext>
+            </a:extLst>
+          </p:cNvPr>
+          <p:cNvSpPr txBox="1">
+            <a:spLocks/>
+          </p:cNvSpPr>
+          <p:nvPr/>
+        </p:nvSpPr>
+        <p:spPr>
+          <a:xfrm>
+            <a:off x="2252192" y="296746"/>
+            <a:ext cx="4639610" cy="441908"/>
+          </a:xfrm>
+          <a:prstGeom prst="rect">
+            <a:avLst/>
+          </a:prstGeom>
+          <a:noFill/>
+          <a:ln>
+            <a:noFill/>
+          </a:ln>
+        </p:spPr>
+        <p:txBody>
+          <a:bodyPr spcFirstLastPara="1" wrap="square" lIns="91425" tIns="91425" rIns="91425" bIns="91425" anchor="ctr" anchorCtr="0">
+            <a:noAutofit/>
+          </a:bodyPr>
+          <a:lstStyle>
+            <a:defPPr marR="0" lvl="0" algn="l" rtl="0">
+              <a:lnSpc>
+                <a:spcPct val="100000"/>
+              </a:lnSpc>
+              <a:spcBef>
+                <a:spcPts val="0"/>
+              </a:spcBef>
+              <a:spcAft>
+                <a:spcPts val="0"/>
+              </a:spcAft>
+            </a:defPPr>
+            <a:lvl1pPr marR="0" lvl="0" algn="l" rtl="0">
+              <a:lnSpc>
+                <a:spcPct val="100000"/>
+              </a:lnSpc>
+              <a:spcBef>
+                <a:spcPts val="0"/>
+              </a:spcBef>
+              <a:spcAft>
+                <a:spcPts val="0"/>
+              </a:spcAft>
+              <a:buClr>
+                <a:schemeClr val="dk1"/>
+              </a:buClr>
+              <a:buSzPts val="3000"/>
+              <a:buFont typeface="Questrial"/>
+              <a:buNone/>
+              <a:defRPr sz="3000" b="0" i="0" u="none" strike="noStrike" cap="none">
+                <a:solidFill>
+                  <a:schemeClr val="dk1"/>
+                </a:solidFill>
+                <a:latin typeface="Questrial"/>
+                <a:ea typeface="Questrial"/>
+                <a:cs typeface="Questrial"/>
+                <a:sym typeface="Questrial"/>
+              </a:defRPr>
+            </a:lvl1pPr>
+            <a:lvl2pPr marR="0" lvl="1" algn="l" rtl="0">
+              <a:lnSpc>
+                <a:spcPct val="100000"/>
+              </a:lnSpc>
+              <a:spcBef>
+                <a:spcPts val="0"/>
+              </a:spcBef>
+              <a:spcAft>
+                <a:spcPts val="0"/>
+              </a:spcAft>
+              <a:buClr>
+                <a:schemeClr val="dk1"/>
+              </a:buClr>
+              <a:buSzPts val="3000"/>
+              <a:buFont typeface="Questrial"/>
+              <a:buNone/>
+              <a:defRPr sz="3000" b="0" i="0" u="none" strike="noStrike" cap="none">
+                <a:solidFill>
+                  <a:schemeClr val="dk1"/>
+                </a:solidFill>
+                <a:latin typeface="Questrial"/>
+                <a:ea typeface="Questrial"/>
+                <a:cs typeface="Questrial"/>
+                <a:sym typeface="Questrial"/>
+              </a:defRPr>
+            </a:lvl2pPr>
+            <a:lvl3pPr marR="0" lvl="2" algn="l" rtl="0">
+              <a:lnSpc>
+                <a:spcPct val="100000"/>
+              </a:lnSpc>
+              <a:spcBef>
+                <a:spcPts val="0"/>
+              </a:spcBef>
+              <a:spcAft>
+                <a:spcPts val="0"/>
+              </a:spcAft>
+              <a:buClr>
+                <a:schemeClr val="dk1"/>
+              </a:buClr>
+              <a:buSzPts val="3000"/>
+              <a:buFont typeface="Questrial"/>
+              <a:buNone/>
+              <a:defRPr sz="3000" b="0" i="0" u="none" strike="noStrike" cap="none">
+                <a:solidFill>
+                  <a:schemeClr val="dk1"/>
+                </a:solidFill>
+                <a:latin typeface="Questrial"/>
+                <a:ea typeface="Questrial"/>
+                <a:cs typeface="Questrial"/>
+                <a:sym typeface="Questrial"/>
+              </a:defRPr>
+            </a:lvl3pPr>
+            <a:lvl4pPr marR="0" lvl="3" algn="l" rtl="0">
+              <a:lnSpc>
+                <a:spcPct val="100000"/>
+              </a:lnSpc>
+              <a:spcBef>
+                <a:spcPts val="0"/>
+              </a:spcBef>
+              <a:spcAft>
+                <a:spcPts val="0"/>
+              </a:spcAft>
+              <a:buClr>
+                <a:schemeClr val="dk1"/>
+              </a:buClr>
+              <a:buSzPts val="3000"/>
+              <a:buFont typeface="Questrial"/>
+              <a:buNone/>
+              <a:defRPr sz="3000" b="0" i="0" u="none" strike="noStrike" cap="none">
+                <a:solidFill>
+                  <a:schemeClr val="dk1"/>
+                </a:solidFill>
+                <a:latin typeface="Questrial"/>
+                <a:ea typeface="Questrial"/>
+                <a:cs typeface="Questrial"/>
+                <a:sym typeface="Questrial"/>
+              </a:defRPr>
+            </a:lvl4pPr>
+            <a:lvl5pPr marR="0" lvl="4" algn="l" rtl="0">
+              <a:lnSpc>
+                <a:spcPct val="100000"/>
+              </a:lnSpc>
+              <a:spcBef>
+                <a:spcPts val="0"/>
+              </a:spcBef>
+              <a:spcAft>
+                <a:spcPts val="0"/>
+              </a:spcAft>
+              <a:buClr>
+                <a:schemeClr val="dk1"/>
+              </a:buClr>
+              <a:buSzPts val="3000"/>
+              <a:buFont typeface="Questrial"/>
+              <a:buNone/>
+              <a:defRPr sz="3000" b="0" i="0" u="none" strike="noStrike" cap="none">
+                <a:solidFill>
+                  <a:schemeClr val="dk1"/>
+                </a:solidFill>
+                <a:latin typeface="Questrial"/>
+                <a:ea typeface="Questrial"/>
+                <a:cs typeface="Questrial"/>
+                <a:sym typeface="Questrial"/>
+              </a:defRPr>
+            </a:lvl5pPr>
+            <a:lvl6pPr marR="0" lvl="5" algn="l" rtl="0">
+              <a:lnSpc>
+                <a:spcPct val="100000"/>
+              </a:lnSpc>
+              <a:spcBef>
+                <a:spcPts val="0"/>
+              </a:spcBef>
+              <a:spcAft>
+                <a:spcPts val="0"/>
+              </a:spcAft>
+              <a:buClr>
+                <a:schemeClr val="dk1"/>
+              </a:buClr>
+              <a:buSzPts val="3000"/>
+              <a:buFont typeface="Questrial"/>
+              <a:buNone/>
+              <a:defRPr sz="3000" b="0" i="0" u="none" strike="noStrike" cap="none">
+                <a:solidFill>
+                  <a:schemeClr val="dk1"/>
+                </a:solidFill>
+                <a:latin typeface="Questrial"/>
+                <a:ea typeface="Questrial"/>
+                <a:cs typeface="Questrial"/>
+                <a:sym typeface="Questrial"/>
+              </a:defRPr>
+            </a:lvl6pPr>
+            <a:lvl7pPr marR="0" lvl="6" algn="l" rtl="0">
+              <a:lnSpc>
+                <a:spcPct val="100000"/>
+              </a:lnSpc>
+              <a:spcBef>
+                <a:spcPts val="0"/>
+              </a:spcBef>
+              <a:spcAft>
+                <a:spcPts val="0"/>
+              </a:spcAft>
+              <a:buClr>
+                <a:schemeClr val="dk1"/>
+              </a:buClr>
+              <a:buSzPts val="3000"/>
+              <a:buFont typeface="Questrial"/>
+              <a:buNone/>
+              <a:defRPr sz="3000" b="0" i="0" u="none" strike="noStrike" cap="none">
+                <a:solidFill>
+                  <a:schemeClr val="dk1"/>
+                </a:solidFill>
+                <a:latin typeface="Questrial"/>
+                <a:ea typeface="Questrial"/>
+                <a:cs typeface="Questrial"/>
+                <a:sym typeface="Questrial"/>
+              </a:defRPr>
+            </a:lvl7pPr>
+            <a:lvl8pPr marR="0" lvl="7" algn="l" rtl="0">
+              <a:lnSpc>
+                <a:spcPct val="100000"/>
+              </a:lnSpc>
+              <a:spcBef>
+                <a:spcPts val="0"/>
+              </a:spcBef>
+              <a:spcAft>
+                <a:spcPts val="0"/>
+              </a:spcAft>
+              <a:buClr>
+                <a:schemeClr val="dk1"/>
+              </a:buClr>
+              <a:buSzPts val="3000"/>
+              <a:buFont typeface="Questrial"/>
+              <a:buNone/>
+              <a:defRPr sz="3000" b="0" i="0" u="none" strike="noStrike" cap="none">
+                <a:solidFill>
+                  <a:schemeClr val="dk1"/>
+                </a:solidFill>
+                <a:latin typeface="Questrial"/>
+                <a:ea typeface="Questrial"/>
+                <a:cs typeface="Questrial"/>
+                <a:sym typeface="Questrial"/>
+              </a:defRPr>
+            </a:lvl8pPr>
+            <a:lvl9pPr marR="0" lvl="8" algn="l" rtl="0">
+              <a:lnSpc>
+                <a:spcPct val="100000"/>
+              </a:lnSpc>
+              <a:spcBef>
+                <a:spcPts val="0"/>
+              </a:spcBef>
+              <a:spcAft>
+                <a:spcPts val="0"/>
+              </a:spcAft>
+              <a:buClr>
+                <a:schemeClr val="dk1"/>
+              </a:buClr>
+              <a:buSzPts val="3000"/>
+              <a:buFont typeface="Questrial"/>
+              <a:buNone/>
+              <a:defRPr sz="3000" b="0" i="0" u="none" strike="noStrike" cap="none">
+                <a:solidFill>
+                  <a:schemeClr val="dk1"/>
+                </a:solidFill>
+                <a:latin typeface="Questrial"/>
+                <a:ea typeface="Questrial"/>
+                <a:cs typeface="Questrial"/>
+                <a:sym typeface="Questrial"/>
+              </a:defRPr>
+            </a:lvl9pPr>
+          </a:lstStyle>
+          <a:p>
+            <a:pPr algn="ctr"/>
+            <a:r>
+              <a:rPr lang="ru-RU" sz="3200" b="1" dirty="0">
+                <a:solidFill>
+                  <a:schemeClr val="bg1">
+                    <a:lumMod val="10000"/>
+                  </a:schemeClr>
+                </a:solidFill>
+              </a:rPr>
+              <a:t>Задачи</a:t>
+            </a:r>
+            <a:endParaRPr lang="en-US" sz="3200" b="1" dirty="0">
+              <a:solidFill>
+                <a:schemeClr val="bg1">
+                  <a:lumMod val="10000"/>
+                </a:schemeClr>
+              </a:solidFill>
+            </a:endParaRPr>
+          </a:p>
+        </p:txBody>
+      </p:sp>
+      <p:grpSp>
+        <p:nvGrpSpPr>
+          <p:cNvPr id="16" name="Группа 15">
+            <a:extLst>
+              <a:ext uri="{FF2B5EF4-FFF2-40B4-BE49-F238E27FC236}">
+                <a16:creationId xmlns:a16="http://schemas.microsoft.com/office/drawing/2014/main" id="{A7772888-662B-9DC4-15BA-8858DE067D32}"/>
+              </a:ext>
+            </a:extLst>
+          </p:cNvPr>
+          <p:cNvGrpSpPr/>
+          <p:nvPr/>
+        </p:nvGrpSpPr>
+        <p:grpSpPr>
+          <a:xfrm>
+            <a:off x="3687443" y="746518"/>
+            <a:ext cx="1769107" cy="221876"/>
+            <a:chOff x="2050256" y="941294"/>
+            <a:chExt cx="5093494" cy="0"/>
+          </a:xfrm>
+        </p:grpSpPr>
+        <p:cxnSp>
+          <p:nvCxnSpPr>
+            <p:cNvPr id="20" name="Google Shape;258;p35">
+              <a:extLst>
+                <a:ext uri="{FF2B5EF4-FFF2-40B4-BE49-F238E27FC236}">
+                  <a16:creationId xmlns:a16="http://schemas.microsoft.com/office/drawing/2014/main" id="{6DAAA07D-DD3F-8850-AB6E-EB27B6A5E07A}"/>
+                </a:ext>
+              </a:extLst>
+            </p:cNvPr>
+            <p:cNvCxnSpPr>
+              <a:cxnSpLocks/>
+            </p:cNvCxnSpPr>
+            <p:nvPr/>
+          </p:nvCxnSpPr>
+          <p:spPr>
+            <a:xfrm>
+              <a:off x="2050256" y="941294"/>
+              <a:ext cx="5093494" cy="0"/>
+            </a:xfrm>
+            <a:prstGeom prst="straightConnector1">
+              <a:avLst/>
+            </a:prstGeom>
+            <a:noFill/>
+            <a:ln w="38100" cap="flat" cmpd="sng">
+              <a:solidFill>
+                <a:schemeClr val="accent1"/>
+              </a:solidFill>
+              <a:prstDash val="solid"/>
+              <a:round/>
+              <a:headEnd type="none" w="med" len="med"/>
+              <a:tailEnd type="none" w="med" len="med"/>
+            </a:ln>
+          </p:spPr>
+        </p:cxnSp>
+        <p:cxnSp>
+          <p:nvCxnSpPr>
+            <p:cNvPr id="21" name="Google Shape;145;p28">
+              <a:extLst>
+                <a:ext uri="{FF2B5EF4-FFF2-40B4-BE49-F238E27FC236}">
+                  <a16:creationId xmlns:a16="http://schemas.microsoft.com/office/drawing/2014/main" id="{0C2C9889-4C7B-EAF9-8A68-D46B36B18D0D}"/>
+                </a:ext>
+              </a:extLst>
+            </p:cNvPr>
+            <p:cNvCxnSpPr/>
+            <p:nvPr/>
+          </p:nvCxnSpPr>
+          <p:spPr>
+            <a:xfrm>
+              <a:off x="2073959" y="941294"/>
+              <a:ext cx="5041761" cy="0"/>
+            </a:xfrm>
+            <a:prstGeom prst="straightConnector1">
+              <a:avLst/>
+            </a:prstGeom>
+            <a:noFill/>
+            <a:ln w="19050" cap="flat" cmpd="sng">
+              <a:solidFill>
+                <a:schemeClr val="dk1"/>
+              </a:solidFill>
+              <a:prstDash val="solid"/>
+              <a:round/>
+              <a:headEnd type="none" w="med" len="med"/>
+              <a:tailEnd type="none" w="med" len="med"/>
+            </a:ln>
+          </p:spPr>
+        </p:cxnSp>
+      </p:grpSp>
+      <p:sp>
+        <p:nvSpPr>
+          <p:cNvPr id="24" name="Google Shape;182;p31">
+            <a:extLst>
+              <a:ext uri="{FF2B5EF4-FFF2-40B4-BE49-F238E27FC236}">
+                <a16:creationId xmlns:a16="http://schemas.microsoft.com/office/drawing/2014/main" id="{8F6ABAC1-3711-0A72-5C33-AA22D3E37D56}"/>
+              </a:ext>
+            </a:extLst>
+          </p:cNvPr>
+          <p:cNvSpPr txBox="1">
+            <a:spLocks/>
+          </p:cNvSpPr>
+          <p:nvPr/>
+        </p:nvSpPr>
+        <p:spPr>
+          <a:xfrm>
+            <a:off x="342484" y="1019957"/>
+            <a:ext cx="737401" cy="671326"/>
+          </a:xfrm>
+          <a:prstGeom prst="rect">
+            <a:avLst/>
+          </a:prstGeom>
+          <a:noFill/>
+          <a:ln>
+            <a:noFill/>
+          </a:ln>
+        </p:spPr>
+        <p:txBody>
+          <a:bodyPr spcFirstLastPara="1" wrap="square" lIns="91425" tIns="91425" rIns="91425" bIns="91425" anchor="ctr" anchorCtr="0">
+            <a:noAutofit/>
+          </a:bodyPr>
+          <a:lstStyle>
+            <a:defPPr marR="0" lvl="0" algn="l" rtl="0">
+              <a:lnSpc>
+                <a:spcPct val="100000"/>
+              </a:lnSpc>
+              <a:spcBef>
+                <a:spcPts val="0"/>
+              </a:spcBef>
+              <a:spcAft>
+                <a:spcPts val="0"/>
+              </a:spcAft>
+            </a:defPPr>
+            <a:lvl1pPr marR="0" lvl="0" algn="ctr" rtl="0">
+              <a:lnSpc>
+                <a:spcPct val="100000"/>
+              </a:lnSpc>
+              <a:spcBef>
+                <a:spcPts val="0"/>
+              </a:spcBef>
+              <a:spcAft>
+                <a:spcPts val="0"/>
+              </a:spcAft>
+              <a:buClr>
+                <a:schemeClr val="dk1"/>
+              </a:buClr>
+              <a:buSzPts val="3000"/>
+              <a:buFont typeface="Questrial"/>
+              <a:buNone/>
+              <a:defRPr sz="5400" b="1" i="0" u="none" strike="noStrike" cap="none">
+                <a:solidFill>
+                  <a:schemeClr val="dk1"/>
+                </a:solidFill>
+                <a:latin typeface="Questrial"/>
+                <a:ea typeface="Questrial"/>
+                <a:cs typeface="Questrial"/>
+                <a:sym typeface="Questrial"/>
+              </a:defRPr>
+            </a:lvl1pPr>
+            <a:lvl2pPr marR="0" lvl="1" algn="l" rtl="0">
+              <a:lnSpc>
+                <a:spcPct val="100000"/>
+              </a:lnSpc>
+              <a:spcBef>
+                <a:spcPts val="0"/>
+              </a:spcBef>
+              <a:spcAft>
+                <a:spcPts val="0"/>
+              </a:spcAft>
+              <a:buClr>
+                <a:schemeClr val="dk1"/>
+              </a:buClr>
+              <a:buSzPts val="3000"/>
+              <a:buFont typeface="Questrial"/>
+              <a:buNone/>
+              <a:defRPr sz="3000" b="0" i="0" u="none" strike="noStrike" cap="none">
+                <a:solidFill>
+                  <a:schemeClr val="dk1"/>
+                </a:solidFill>
+                <a:latin typeface="Questrial"/>
+                <a:ea typeface="Questrial"/>
+                <a:cs typeface="Questrial"/>
+                <a:sym typeface="Questrial"/>
+              </a:defRPr>
+            </a:lvl2pPr>
+            <a:lvl3pPr marR="0" lvl="2" algn="l" rtl="0">
+              <a:lnSpc>
+                <a:spcPct val="100000"/>
+              </a:lnSpc>
+              <a:spcBef>
+                <a:spcPts val="0"/>
+              </a:spcBef>
+              <a:spcAft>
+                <a:spcPts val="0"/>
+              </a:spcAft>
+              <a:buClr>
+                <a:schemeClr val="dk1"/>
+              </a:buClr>
+              <a:buSzPts val="3000"/>
+              <a:buFont typeface="Questrial"/>
+              <a:buNone/>
+              <a:defRPr sz="3000" b="0" i="0" u="none" strike="noStrike" cap="none">
+                <a:solidFill>
+                  <a:schemeClr val="dk1"/>
+                </a:solidFill>
+                <a:latin typeface="Questrial"/>
+                <a:ea typeface="Questrial"/>
+                <a:cs typeface="Questrial"/>
+                <a:sym typeface="Questrial"/>
+              </a:defRPr>
+            </a:lvl3pPr>
+            <a:lvl4pPr marR="0" lvl="3" algn="l" rtl="0">
+              <a:lnSpc>
+                <a:spcPct val="100000"/>
+              </a:lnSpc>
+              <a:spcBef>
+                <a:spcPts val="0"/>
+              </a:spcBef>
+              <a:spcAft>
+                <a:spcPts val="0"/>
+              </a:spcAft>
+              <a:buClr>
+                <a:schemeClr val="dk1"/>
+              </a:buClr>
+              <a:buSzPts val="3000"/>
+              <a:buFont typeface="Questrial"/>
+              <a:buNone/>
+              <a:defRPr sz="3000" b="0" i="0" u="none" strike="noStrike" cap="none">
+                <a:solidFill>
+                  <a:schemeClr val="dk1"/>
+                </a:solidFill>
+                <a:latin typeface="Questrial"/>
+                <a:ea typeface="Questrial"/>
+                <a:cs typeface="Questrial"/>
+                <a:sym typeface="Questrial"/>
+              </a:defRPr>
+            </a:lvl4pPr>
+            <a:lvl5pPr marR="0" lvl="4" algn="l" rtl="0">
+              <a:lnSpc>
+                <a:spcPct val="100000"/>
+              </a:lnSpc>
+              <a:spcBef>
+                <a:spcPts val="0"/>
+              </a:spcBef>
+              <a:spcAft>
+                <a:spcPts val="0"/>
+              </a:spcAft>
+              <a:buClr>
+                <a:schemeClr val="dk1"/>
+              </a:buClr>
+              <a:buSzPts val="3000"/>
+              <a:buFont typeface="Questrial"/>
+              <a:buNone/>
+              <a:defRPr sz="3000" b="0" i="0" u="none" strike="noStrike" cap="none">
+                <a:solidFill>
+                  <a:schemeClr val="dk1"/>
+                </a:solidFill>
+                <a:latin typeface="Questrial"/>
+                <a:ea typeface="Questrial"/>
+                <a:cs typeface="Questrial"/>
+                <a:sym typeface="Questrial"/>
+              </a:defRPr>
+            </a:lvl5pPr>
+            <a:lvl6pPr marR="0" lvl="5" algn="l" rtl="0">
+              <a:lnSpc>
+                <a:spcPct val="100000"/>
+              </a:lnSpc>
+              <a:spcBef>
+                <a:spcPts val="0"/>
+              </a:spcBef>
+              <a:spcAft>
+                <a:spcPts val="0"/>
+              </a:spcAft>
+              <a:buClr>
+                <a:schemeClr val="dk1"/>
+              </a:buClr>
+              <a:buSzPts val="3000"/>
+              <a:buFont typeface="Questrial"/>
+              <a:buNone/>
+              <a:defRPr sz="3000" b="0" i="0" u="none" strike="noStrike" cap="none">
+                <a:solidFill>
+                  <a:schemeClr val="dk1"/>
+                </a:solidFill>
+                <a:latin typeface="Questrial"/>
+                <a:ea typeface="Questrial"/>
+                <a:cs typeface="Questrial"/>
+                <a:sym typeface="Questrial"/>
+              </a:defRPr>
+            </a:lvl6pPr>
+            <a:lvl7pPr marR="0" lvl="6" algn="l" rtl="0">
+              <a:lnSpc>
+                <a:spcPct val="100000"/>
+              </a:lnSpc>
+              <a:spcBef>
+                <a:spcPts val="0"/>
+              </a:spcBef>
+              <a:spcAft>
+                <a:spcPts val="0"/>
+              </a:spcAft>
+              <a:buClr>
+                <a:schemeClr val="dk1"/>
+              </a:buClr>
+              <a:buSzPts val="3000"/>
+              <a:buFont typeface="Questrial"/>
+              <a:buNone/>
+              <a:defRPr sz="3000" b="0" i="0" u="none" strike="noStrike" cap="none">
+                <a:solidFill>
+                  <a:schemeClr val="dk1"/>
+                </a:solidFill>
+                <a:latin typeface="Questrial"/>
+                <a:ea typeface="Questrial"/>
+                <a:cs typeface="Questrial"/>
+                <a:sym typeface="Questrial"/>
+              </a:defRPr>
+            </a:lvl7pPr>
+            <a:lvl8pPr marR="0" lvl="7" algn="l" rtl="0">
+              <a:lnSpc>
+                <a:spcPct val="100000"/>
+              </a:lnSpc>
+              <a:spcBef>
+                <a:spcPts val="0"/>
+              </a:spcBef>
+              <a:spcAft>
+                <a:spcPts val="0"/>
+              </a:spcAft>
+              <a:buClr>
+                <a:schemeClr val="dk1"/>
+              </a:buClr>
+              <a:buSzPts val="3000"/>
+              <a:buFont typeface="Questrial"/>
+              <a:buNone/>
+              <a:defRPr sz="3000" b="0" i="0" u="none" strike="noStrike" cap="none">
+                <a:solidFill>
+                  <a:schemeClr val="dk1"/>
+                </a:solidFill>
+                <a:latin typeface="Questrial"/>
+                <a:ea typeface="Questrial"/>
+                <a:cs typeface="Questrial"/>
+                <a:sym typeface="Questrial"/>
+              </a:defRPr>
+            </a:lvl8pPr>
+            <a:lvl9pPr marR="0" lvl="8" algn="l" rtl="0">
+              <a:lnSpc>
+                <a:spcPct val="100000"/>
+              </a:lnSpc>
+              <a:spcBef>
+                <a:spcPts val="0"/>
+              </a:spcBef>
+              <a:spcAft>
+                <a:spcPts val="0"/>
+              </a:spcAft>
+              <a:buClr>
+                <a:schemeClr val="dk1"/>
+              </a:buClr>
+              <a:buSzPts val="3000"/>
+              <a:buFont typeface="Questrial"/>
+              <a:buNone/>
+              <a:defRPr sz="3000" b="0" i="0" u="none" strike="noStrike" cap="none">
+                <a:solidFill>
+                  <a:schemeClr val="dk1"/>
+                </a:solidFill>
+                <a:latin typeface="Questrial"/>
+                <a:ea typeface="Questrial"/>
+                <a:cs typeface="Questrial"/>
+                <a:sym typeface="Questrial"/>
+              </a:defRPr>
+            </a:lvl9pPr>
+          </a:lstStyle>
+          <a:p>
+            <a:r>
+              <a:rPr lang="es" dirty="0">
+                <a:solidFill>
+                  <a:schemeClr val="bg1">
+                    <a:lumMod val="10000"/>
+                  </a:schemeClr>
+                </a:solidFill>
+              </a:rPr>
+              <a:t>1</a:t>
+            </a:r>
+          </a:p>
+        </p:txBody>
+      </p:sp>
+      <p:sp>
+        <p:nvSpPr>
+          <p:cNvPr id="26" name="Google Shape;172;p31">
+            <a:extLst>
+              <a:ext uri="{FF2B5EF4-FFF2-40B4-BE49-F238E27FC236}">
+                <a16:creationId xmlns:a16="http://schemas.microsoft.com/office/drawing/2014/main" id="{074C7FD6-5173-0DDA-4AA1-4F10A5D7E649}"/>
+              </a:ext>
+            </a:extLst>
+          </p:cNvPr>
+          <p:cNvSpPr txBox="1">
+            <a:spLocks noGrp="1"/>
+          </p:cNvSpPr>
+          <p:nvPr>
+            <p:ph type="title"/>
+          </p:nvPr>
+        </p:nvSpPr>
+        <p:spPr>
+          <a:xfrm>
+            <a:off x="1248530" y="1884516"/>
+            <a:ext cx="7430157" cy="1023000"/>
+          </a:xfrm>
+          <a:prstGeom prst="rect">
+            <a:avLst/>
+          </a:prstGeom>
+        </p:spPr>
+        <p:txBody>
+          <a:bodyPr spcFirstLastPara="1" wrap="square" lIns="91425" tIns="91425" rIns="91425" bIns="91425" anchor="ctr" anchorCtr="0">
+            <a:noAutofit/>
+          </a:bodyPr>
+          <a:lstStyle/>
+          <a:p>
+            <a:pPr lvl="0" algn="just"/>
+            <a:r>
+              <a:rPr lang="ru-RU" sz="2000" b="1" dirty="0">
+                <a:solidFill>
+                  <a:schemeClr val="bg1">
+                    <a:lumMod val="10000"/>
+                  </a:schemeClr>
+                </a:solidFill>
+              </a:rPr>
+              <a:t>–</a:t>
+            </a:r>
+            <a:r>
+              <a:rPr lang="en-US" sz="2000" b="1" dirty="0">
+                <a:solidFill>
+                  <a:schemeClr val="bg1">
+                    <a:lumMod val="10000"/>
+                  </a:schemeClr>
+                </a:solidFill>
+              </a:rPr>
+              <a:t> </a:t>
+            </a:r>
+            <a:r>
+              <a:rPr lang="ru-RU" sz="2000" b="1" dirty="0">
+                <a:solidFill>
+                  <a:schemeClr val="bg1">
+                    <a:lumMod val="10000"/>
+                  </a:schemeClr>
+                </a:solidFill>
+              </a:rPr>
+              <a:t>Выбрать технологию обучения модели</a:t>
+            </a:r>
+            <a:r>
+              <a:rPr lang="en-US" sz="2000" b="1" dirty="0">
+                <a:solidFill>
+                  <a:schemeClr val="bg1">
+                    <a:lumMod val="10000"/>
+                  </a:schemeClr>
+                </a:solidFill>
+              </a:rPr>
+              <a:t> NLP</a:t>
+            </a:r>
+            <a:endParaRPr sz="2000" dirty="0">
+              <a:solidFill>
+                <a:schemeClr val="bg1">
+                  <a:lumMod val="10000"/>
+                </a:schemeClr>
+              </a:solidFill>
+            </a:endParaRPr>
+          </a:p>
+        </p:txBody>
+      </p:sp>
+      <p:sp>
+        <p:nvSpPr>
+          <p:cNvPr id="30" name="Google Shape;172;p31">
+            <a:extLst>
+              <a:ext uri="{FF2B5EF4-FFF2-40B4-BE49-F238E27FC236}">
+                <a16:creationId xmlns:a16="http://schemas.microsoft.com/office/drawing/2014/main" id="{ED095148-E910-0B76-5E13-858671579D12}"/>
+              </a:ext>
+            </a:extLst>
+          </p:cNvPr>
+          <p:cNvSpPr txBox="1">
+            <a:spLocks/>
+          </p:cNvSpPr>
+          <p:nvPr/>
+        </p:nvSpPr>
+        <p:spPr>
+          <a:xfrm>
+            <a:off x="1248530" y="3026318"/>
+            <a:ext cx="6780060" cy="836522"/>
+          </a:xfrm>
+          <a:prstGeom prst="rect">
+            <a:avLst/>
+          </a:prstGeom>
+          <a:noFill/>
+          <a:ln>
+            <a:noFill/>
+          </a:ln>
+        </p:spPr>
+        <p:txBody>
+          <a:bodyPr spcFirstLastPara="1" wrap="square" lIns="91425" tIns="91425" rIns="91425" bIns="91425" anchor="ctr" anchorCtr="0">
+            <a:noAutofit/>
+          </a:bodyPr>
+          <a:lstStyle>
+            <a:defPPr marR="0" lvl="0" algn="l" rtl="0">
+              <a:lnSpc>
+                <a:spcPct val="100000"/>
+              </a:lnSpc>
+              <a:spcBef>
+                <a:spcPts val="0"/>
+              </a:spcBef>
+              <a:spcAft>
+                <a:spcPts val="0"/>
+              </a:spcAft>
+            </a:defPPr>
+            <a:lvl1pPr marR="0" lvl="0" algn="l" rtl="0">
+              <a:lnSpc>
+                <a:spcPct val="100000"/>
+              </a:lnSpc>
+              <a:spcBef>
+                <a:spcPts val="0"/>
+              </a:spcBef>
+              <a:spcAft>
+                <a:spcPts val="0"/>
+              </a:spcAft>
+              <a:buClr>
+                <a:schemeClr val="dk1"/>
+              </a:buClr>
+              <a:buSzPts val="3000"/>
+              <a:buFont typeface="Questrial"/>
+              <a:buNone/>
+              <a:defRPr sz="3000" b="0" i="0" u="none" strike="noStrike" cap="none">
+                <a:solidFill>
+                  <a:schemeClr val="dk1"/>
+                </a:solidFill>
+                <a:latin typeface="Questrial"/>
+                <a:ea typeface="Questrial"/>
+                <a:cs typeface="Questrial"/>
+                <a:sym typeface="Questrial"/>
+              </a:defRPr>
+            </a:lvl1pPr>
+            <a:lvl2pPr marR="0" lvl="1" algn="l" rtl="0">
+              <a:lnSpc>
+                <a:spcPct val="100000"/>
+              </a:lnSpc>
+              <a:spcBef>
+                <a:spcPts val="0"/>
+              </a:spcBef>
+              <a:spcAft>
+                <a:spcPts val="0"/>
+              </a:spcAft>
+              <a:buClr>
+                <a:schemeClr val="dk1"/>
+              </a:buClr>
+              <a:buSzPts val="3000"/>
+              <a:buFont typeface="Questrial"/>
+              <a:buNone/>
+              <a:defRPr sz="3000" b="0" i="0" u="none" strike="noStrike" cap="none">
+                <a:solidFill>
+                  <a:schemeClr val="dk1"/>
+                </a:solidFill>
+                <a:latin typeface="Questrial"/>
+                <a:ea typeface="Questrial"/>
+                <a:cs typeface="Questrial"/>
+                <a:sym typeface="Questrial"/>
+              </a:defRPr>
+            </a:lvl2pPr>
+            <a:lvl3pPr marR="0" lvl="2" algn="l" rtl="0">
+              <a:lnSpc>
+                <a:spcPct val="100000"/>
+              </a:lnSpc>
+              <a:spcBef>
+                <a:spcPts val="0"/>
+              </a:spcBef>
+              <a:spcAft>
+                <a:spcPts val="0"/>
+              </a:spcAft>
+              <a:buClr>
+                <a:schemeClr val="dk1"/>
+              </a:buClr>
+              <a:buSzPts val="3000"/>
+              <a:buFont typeface="Questrial"/>
+              <a:buNone/>
+              <a:defRPr sz="3000" b="0" i="0" u="none" strike="noStrike" cap="none">
+                <a:solidFill>
+                  <a:schemeClr val="dk1"/>
+                </a:solidFill>
+                <a:latin typeface="Questrial"/>
+                <a:ea typeface="Questrial"/>
+                <a:cs typeface="Questrial"/>
+                <a:sym typeface="Questrial"/>
+              </a:defRPr>
+            </a:lvl3pPr>
+            <a:lvl4pPr marR="0" lvl="3" algn="l" rtl="0">
+              <a:lnSpc>
+                <a:spcPct val="100000"/>
+              </a:lnSpc>
+              <a:spcBef>
+                <a:spcPts val="0"/>
+              </a:spcBef>
+              <a:spcAft>
+                <a:spcPts val="0"/>
+              </a:spcAft>
+              <a:buClr>
+                <a:schemeClr val="dk1"/>
+              </a:buClr>
+              <a:buSzPts val="3000"/>
+              <a:buFont typeface="Questrial"/>
+              <a:buNone/>
+              <a:defRPr sz="3000" b="0" i="0" u="none" strike="noStrike" cap="none">
+                <a:solidFill>
+                  <a:schemeClr val="dk1"/>
+                </a:solidFill>
+                <a:latin typeface="Questrial"/>
+                <a:ea typeface="Questrial"/>
+                <a:cs typeface="Questrial"/>
+                <a:sym typeface="Questrial"/>
+              </a:defRPr>
+            </a:lvl4pPr>
+            <a:lvl5pPr marR="0" lvl="4" algn="l" rtl="0">
+              <a:lnSpc>
+                <a:spcPct val="100000"/>
+              </a:lnSpc>
+              <a:spcBef>
+                <a:spcPts val="0"/>
+              </a:spcBef>
+              <a:spcAft>
+                <a:spcPts val="0"/>
+              </a:spcAft>
+              <a:buClr>
+                <a:schemeClr val="dk1"/>
+              </a:buClr>
+              <a:buSzPts val="3000"/>
+              <a:buFont typeface="Questrial"/>
+              <a:buNone/>
+              <a:defRPr sz="3000" b="0" i="0" u="none" strike="noStrike" cap="none">
+                <a:solidFill>
+                  <a:schemeClr val="dk1"/>
+                </a:solidFill>
+                <a:latin typeface="Questrial"/>
+                <a:ea typeface="Questrial"/>
+                <a:cs typeface="Questrial"/>
+                <a:sym typeface="Questrial"/>
+              </a:defRPr>
+            </a:lvl5pPr>
+            <a:lvl6pPr marR="0" lvl="5" algn="l" rtl="0">
+              <a:lnSpc>
+                <a:spcPct val="100000"/>
+              </a:lnSpc>
+              <a:spcBef>
+                <a:spcPts val="0"/>
+              </a:spcBef>
+              <a:spcAft>
+                <a:spcPts val="0"/>
+              </a:spcAft>
+              <a:buClr>
+                <a:schemeClr val="dk1"/>
+              </a:buClr>
+              <a:buSzPts val="3000"/>
+              <a:buFont typeface="Questrial"/>
+              <a:buNone/>
+              <a:defRPr sz="3000" b="0" i="0" u="none" strike="noStrike" cap="none">
+                <a:solidFill>
+                  <a:schemeClr val="dk1"/>
+                </a:solidFill>
+                <a:latin typeface="Questrial"/>
+                <a:ea typeface="Questrial"/>
+                <a:cs typeface="Questrial"/>
+                <a:sym typeface="Questrial"/>
+              </a:defRPr>
+            </a:lvl6pPr>
+            <a:lvl7pPr marR="0" lvl="6" algn="l" rtl="0">
+              <a:lnSpc>
+                <a:spcPct val="100000"/>
+              </a:lnSpc>
+              <a:spcBef>
+                <a:spcPts val="0"/>
+              </a:spcBef>
+              <a:spcAft>
+                <a:spcPts val="0"/>
+              </a:spcAft>
+              <a:buClr>
+                <a:schemeClr val="dk1"/>
+              </a:buClr>
+              <a:buSzPts val="3000"/>
+              <a:buFont typeface="Questrial"/>
+              <a:buNone/>
+              <a:defRPr sz="3000" b="0" i="0" u="none" strike="noStrike" cap="none">
+                <a:solidFill>
+                  <a:schemeClr val="dk1"/>
+                </a:solidFill>
+                <a:latin typeface="Questrial"/>
+                <a:ea typeface="Questrial"/>
+                <a:cs typeface="Questrial"/>
+                <a:sym typeface="Questrial"/>
+              </a:defRPr>
+            </a:lvl7pPr>
+            <a:lvl8pPr marR="0" lvl="7" algn="l" rtl="0">
+              <a:lnSpc>
+                <a:spcPct val="100000"/>
+              </a:lnSpc>
+              <a:spcBef>
+                <a:spcPts val="0"/>
+              </a:spcBef>
+              <a:spcAft>
+                <a:spcPts val="0"/>
+              </a:spcAft>
+              <a:buClr>
+                <a:schemeClr val="dk1"/>
+              </a:buClr>
+              <a:buSzPts val="3000"/>
+              <a:buFont typeface="Questrial"/>
+              <a:buNone/>
+              <a:defRPr sz="3000" b="0" i="0" u="none" strike="noStrike" cap="none">
+                <a:solidFill>
+                  <a:schemeClr val="dk1"/>
+                </a:solidFill>
+                <a:latin typeface="Questrial"/>
+                <a:ea typeface="Questrial"/>
+                <a:cs typeface="Questrial"/>
+                <a:sym typeface="Questrial"/>
+              </a:defRPr>
+            </a:lvl8pPr>
+            <a:lvl9pPr marR="0" lvl="8" algn="l" rtl="0">
+              <a:lnSpc>
+                <a:spcPct val="100000"/>
+              </a:lnSpc>
+              <a:spcBef>
+                <a:spcPts val="0"/>
+              </a:spcBef>
+              <a:spcAft>
+                <a:spcPts val="0"/>
+              </a:spcAft>
+              <a:buClr>
+                <a:schemeClr val="dk1"/>
+              </a:buClr>
+              <a:buSzPts val="3000"/>
+              <a:buFont typeface="Questrial"/>
+              <a:buNone/>
+              <a:defRPr sz="3000" b="0" i="0" u="none" strike="noStrike" cap="none">
+                <a:solidFill>
+                  <a:schemeClr val="dk1"/>
+                </a:solidFill>
+                <a:latin typeface="Questrial"/>
+                <a:ea typeface="Questrial"/>
+                <a:cs typeface="Questrial"/>
+                <a:sym typeface="Questrial"/>
+              </a:defRPr>
+            </a:lvl9pPr>
+          </a:lstStyle>
+          <a:p>
+            <a:pPr algn="just"/>
+            <a:r>
+              <a:rPr lang="ru-RU" sz="2000" b="1" dirty="0">
+                <a:solidFill>
+                  <a:schemeClr val="bg1">
+                    <a:lumMod val="10000"/>
+                  </a:schemeClr>
+                </a:solidFill>
+              </a:rPr>
+              <a:t>–</a:t>
+            </a:r>
+            <a:r>
+              <a:rPr lang="en-US" sz="2000" b="1" dirty="0">
+                <a:solidFill>
+                  <a:schemeClr val="bg1">
+                    <a:lumMod val="10000"/>
+                  </a:schemeClr>
+                </a:solidFill>
+              </a:rPr>
+              <a:t> </a:t>
+            </a:r>
+            <a:r>
+              <a:rPr lang="ru-RU" sz="2000" b="1" dirty="0">
+                <a:solidFill>
+                  <a:schemeClr val="bg1">
+                    <a:lumMod val="10000"/>
+                  </a:schemeClr>
+                </a:solidFill>
+              </a:rPr>
+              <a:t>Обучить модель</a:t>
+            </a:r>
+            <a:endParaRPr lang="ru-RU" sz="2000" dirty="0">
+              <a:solidFill>
+                <a:schemeClr val="bg1">
+                  <a:lumMod val="10000"/>
+                </a:schemeClr>
+              </a:solidFill>
+            </a:endParaRPr>
+          </a:p>
+        </p:txBody>
+      </p:sp>
+      <p:sp>
+        <p:nvSpPr>
+          <p:cNvPr id="33" name="Google Shape;172;p31">
+            <a:extLst>
+              <a:ext uri="{FF2B5EF4-FFF2-40B4-BE49-F238E27FC236}">
+                <a16:creationId xmlns:a16="http://schemas.microsoft.com/office/drawing/2014/main" id="{B71EBB11-A3C5-92F0-83F2-850D6041F6AD}"/>
+              </a:ext>
+            </a:extLst>
+          </p:cNvPr>
+          <p:cNvSpPr txBox="1">
+            <a:spLocks/>
+          </p:cNvSpPr>
+          <p:nvPr/>
+        </p:nvSpPr>
+        <p:spPr>
+          <a:xfrm>
+            <a:off x="1426486" y="3563382"/>
+            <a:ext cx="7660364" cy="836522"/>
+          </a:xfrm>
+          <a:prstGeom prst="rect">
+            <a:avLst/>
+          </a:prstGeom>
+          <a:noFill/>
+          <a:ln>
+            <a:noFill/>
+          </a:ln>
+        </p:spPr>
+        <p:txBody>
+          <a:bodyPr spcFirstLastPara="1" wrap="square" lIns="91425" tIns="91425" rIns="91425" bIns="91425" anchor="ctr" anchorCtr="0">
+            <a:noAutofit/>
+          </a:bodyPr>
+          <a:lstStyle>
+            <a:defPPr marR="0" lvl="0" algn="l" rtl="0">
+              <a:lnSpc>
+                <a:spcPct val="100000"/>
+              </a:lnSpc>
+              <a:spcBef>
+                <a:spcPts val="0"/>
+              </a:spcBef>
+              <a:spcAft>
+                <a:spcPts val="0"/>
+              </a:spcAft>
+            </a:defPPr>
+            <a:lvl1pPr marR="0" lvl="0" algn="l" rtl="0">
+              <a:lnSpc>
+                <a:spcPct val="100000"/>
+              </a:lnSpc>
+              <a:spcBef>
+                <a:spcPts val="0"/>
+              </a:spcBef>
+              <a:spcAft>
+                <a:spcPts val="0"/>
+              </a:spcAft>
+              <a:buClr>
+                <a:schemeClr val="dk1"/>
+              </a:buClr>
+              <a:buSzPts val="3000"/>
+              <a:buFont typeface="Questrial"/>
+              <a:buNone/>
+              <a:defRPr sz="3000" b="0" i="0" u="none" strike="noStrike" cap="none">
+                <a:solidFill>
+                  <a:schemeClr val="dk1"/>
+                </a:solidFill>
+                <a:latin typeface="Questrial"/>
+                <a:ea typeface="Questrial"/>
+                <a:cs typeface="Questrial"/>
+                <a:sym typeface="Questrial"/>
+              </a:defRPr>
+            </a:lvl1pPr>
+            <a:lvl2pPr marR="0" lvl="1" algn="l" rtl="0">
+              <a:lnSpc>
+                <a:spcPct val="100000"/>
+              </a:lnSpc>
+              <a:spcBef>
+                <a:spcPts val="0"/>
+              </a:spcBef>
+              <a:spcAft>
+                <a:spcPts val="0"/>
+              </a:spcAft>
+              <a:buClr>
+                <a:schemeClr val="dk1"/>
+              </a:buClr>
+              <a:buSzPts val="3000"/>
+              <a:buFont typeface="Questrial"/>
+              <a:buNone/>
+              <a:defRPr sz="3000" b="0" i="0" u="none" strike="noStrike" cap="none">
+                <a:solidFill>
+                  <a:schemeClr val="dk1"/>
+                </a:solidFill>
+                <a:latin typeface="Questrial"/>
+                <a:ea typeface="Questrial"/>
+                <a:cs typeface="Questrial"/>
+                <a:sym typeface="Questrial"/>
+              </a:defRPr>
+            </a:lvl2pPr>
+            <a:lvl3pPr marR="0" lvl="2" algn="l" rtl="0">
+              <a:lnSpc>
+                <a:spcPct val="100000"/>
+              </a:lnSpc>
+              <a:spcBef>
+                <a:spcPts val="0"/>
+              </a:spcBef>
+              <a:spcAft>
+                <a:spcPts val="0"/>
+              </a:spcAft>
+              <a:buClr>
+                <a:schemeClr val="dk1"/>
+              </a:buClr>
+              <a:buSzPts val="3000"/>
+              <a:buFont typeface="Questrial"/>
+              <a:buNone/>
+              <a:defRPr sz="3000" b="0" i="0" u="none" strike="noStrike" cap="none">
+                <a:solidFill>
+                  <a:schemeClr val="dk1"/>
+                </a:solidFill>
+                <a:latin typeface="Questrial"/>
+                <a:ea typeface="Questrial"/>
+                <a:cs typeface="Questrial"/>
+                <a:sym typeface="Questrial"/>
+              </a:defRPr>
+            </a:lvl3pPr>
+            <a:lvl4pPr marR="0" lvl="3" algn="l" rtl="0">
+              <a:lnSpc>
+                <a:spcPct val="100000"/>
+              </a:lnSpc>
+              <a:spcBef>
+                <a:spcPts val="0"/>
+              </a:spcBef>
+              <a:spcAft>
+                <a:spcPts val="0"/>
+              </a:spcAft>
+              <a:buClr>
+                <a:schemeClr val="dk1"/>
+              </a:buClr>
+              <a:buSzPts val="3000"/>
+              <a:buFont typeface="Questrial"/>
+              <a:buNone/>
+              <a:defRPr sz="3000" b="0" i="0" u="none" strike="noStrike" cap="none">
+                <a:solidFill>
+                  <a:schemeClr val="dk1"/>
+                </a:solidFill>
+                <a:latin typeface="Questrial"/>
+                <a:ea typeface="Questrial"/>
+                <a:cs typeface="Questrial"/>
+                <a:sym typeface="Questrial"/>
+              </a:defRPr>
+            </a:lvl4pPr>
+            <a:lvl5pPr marR="0" lvl="4" algn="l" rtl="0">
+              <a:lnSpc>
+                <a:spcPct val="100000"/>
+              </a:lnSpc>
+              <a:spcBef>
+                <a:spcPts val="0"/>
+              </a:spcBef>
+              <a:spcAft>
+                <a:spcPts val="0"/>
+              </a:spcAft>
+              <a:buClr>
+                <a:schemeClr val="dk1"/>
+              </a:buClr>
+              <a:buSzPts val="3000"/>
+              <a:buFont typeface="Questrial"/>
+              <a:buNone/>
+              <a:defRPr sz="3000" b="0" i="0" u="none" strike="noStrike" cap="none">
+                <a:solidFill>
+                  <a:schemeClr val="dk1"/>
+                </a:solidFill>
+                <a:latin typeface="Questrial"/>
+                <a:ea typeface="Questrial"/>
+                <a:cs typeface="Questrial"/>
+                <a:sym typeface="Questrial"/>
+              </a:defRPr>
+            </a:lvl5pPr>
+            <a:lvl6pPr marR="0" lvl="5" algn="l" rtl="0">
+              <a:lnSpc>
+                <a:spcPct val="100000"/>
+              </a:lnSpc>
+              <a:spcBef>
+                <a:spcPts val="0"/>
+              </a:spcBef>
+              <a:spcAft>
+                <a:spcPts val="0"/>
+              </a:spcAft>
+              <a:buClr>
+                <a:schemeClr val="dk1"/>
+              </a:buClr>
+              <a:buSzPts val="3000"/>
+              <a:buFont typeface="Questrial"/>
+              <a:buNone/>
+              <a:defRPr sz="3000" b="0" i="0" u="none" strike="noStrike" cap="none">
+                <a:solidFill>
+                  <a:schemeClr val="dk1"/>
+                </a:solidFill>
+                <a:latin typeface="Questrial"/>
+                <a:ea typeface="Questrial"/>
+                <a:cs typeface="Questrial"/>
+                <a:sym typeface="Questrial"/>
+              </a:defRPr>
+            </a:lvl6pPr>
+            <a:lvl7pPr marR="0" lvl="6" algn="l" rtl="0">
+              <a:lnSpc>
+                <a:spcPct val="100000"/>
+              </a:lnSpc>
+              <a:spcBef>
+                <a:spcPts val="0"/>
+              </a:spcBef>
+              <a:spcAft>
+                <a:spcPts val="0"/>
+              </a:spcAft>
+              <a:buClr>
+                <a:schemeClr val="dk1"/>
+              </a:buClr>
+              <a:buSzPts val="3000"/>
+              <a:buFont typeface="Questrial"/>
+              <a:buNone/>
+              <a:defRPr sz="3000" b="0" i="0" u="none" strike="noStrike" cap="none">
+                <a:solidFill>
+                  <a:schemeClr val="dk1"/>
+                </a:solidFill>
+                <a:latin typeface="Questrial"/>
+                <a:ea typeface="Questrial"/>
+                <a:cs typeface="Questrial"/>
+                <a:sym typeface="Questrial"/>
+              </a:defRPr>
+            </a:lvl7pPr>
+            <a:lvl8pPr marR="0" lvl="7" algn="l" rtl="0">
+              <a:lnSpc>
+                <a:spcPct val="100000"/>
+              </a:lnSpc>
+              <a:spcBef>
+                <a:spcPts val="0"/>
+              </a:spcBef>
+              <a:spcAft>
+                <a:spcPts val="0"/>
+              </a:spcAft>
+              <a:buClr>
+                <a:schemeClr val="dk1"/>
+              </a:buClr>
+              <a:buSzPts val="3000"/>
+              <a:buFont typeface="Questrial"/>
+              <a:buNone/>
+              <a:defRPr sz="3000" b="0" i="0" u="none" strike="noStrike" cap="none">
+                <a:solidFill>
+                  <a:schemeClr val="dk1"/>
+                </a:solidFill>
+                <a:latin typeface="Questrial"/>
+                <a:ea typeface="Questrial"/>
+                <a:cs typeface="Questrial"/>
+                <a:sym typeface="Questrial"/>
+              </a:defRPr>
+            </a:lvl8pPr>
+            <a:lvl9pPr marR="0" lvl="8" algn="l" rtl="0">
+              <a:lnSpc>
+                <a:spcPct val="100000"/>
+              </a:lnSpc>
+              <a:spcBef>
+                <a:spcPts val="0"/>
+              </a:spcBef>
+              <a:spcAft>
+                <a:spcPts val="0"/>
+              </a:spcAft>
+              <a:buClr>
+                <a:schemeClr val="dk1"/>
+              </a:buClr>
+              <a:buSzPts val="3000"/>
+              <a:buFont typeface="Questrial"/>
+              <a:buNone/>
+              <a:defRPr sz="3000" b="0" i="0" u="none" strike="noStrike" cap="none">
+                <a:solidFill>
+                  <a:schemeClr val="dk1"/>
+                </a:solidFill>
+                <a:latin typeface="Questrial"/>
+                <a:ea typeface="Questrial"/>
+                <a:cs typeface="Questrial"/>
+                <a:sym typeface="Questrial"/>
+              </a:defRPr>
+            </a:lvl9pPr>
+          </a:lstStyle>
+          <a:p>
+            <a:endParaRPr lang="ru-RU" sz="2800" dirty="0">
+              <a:solidFill>
+                <a:schemeClr val="bg1">
+                  <a:lumMod val="10000"/>
+                </a:schemeClr>
+              </a:solidFill>
+            </a:endParaRPr>
+          </a:p>
+        </p:txBody>
+      </p:sp>
+      <p:sp>
+        <p:nvSpPr>
+          <p:cNvPr id="5" name="Прямоугольник: скругленные углы 4">
+            <a:extLst>
+              <a:ext uri="{FF2B5EF4-FFF2-40B4-BE49-F238E27FC236}">
+                <a16:creationId xmlns:a16="http://schemas.microsoft.com/office/drawing/2014/main" id="{D558931A-4240-023F-1832-16600BF80CD6}"/>
+              </a:ext>
+            </a:extLst>
+          </p:cNvPr>
+          <p:cNvSpPr/>
+          <p:nvPr/>
+        </p:nvSpPr>
+        <p:spPr>
+          <a:xfrm>
+            <a:off x="8573269" y="4796684"/>
+            <a:ext cx="408824" cy="239937"/>
+          </a:xfrm>
+          <a:prstGeom prst="roundRect">
+            <a:avLst/>
+          </a:prstGeom>
+          <a:solidFill>
+            <a:srgbClr val="3B9FFF">
+              <a:alpha val="50196"/>
+            </a:srgbClr>
+          </a:solidFill>
+          <a:ln>
+            <a:solidFill>
+              <a:schemeClr val="bg1">
+                <a:alpha val="94902"/>
+              </a:schemeClr>
+            </a:solidFill>
+            <a:headEnd type="none" w="med" len="med"/>
+            <a:tailEnd type="none" w="med" len="med"/>
+          </a:ln>
+        </p:spPr>
+        <p:style>
+          <a:lnRef idx="3">
+            <a:schemeClr val="lt1"/>
+          </a:lnRef>
+          <a:fillRef idx="1">
+            <a:schemeClr val="dk1"/>
+          </a:fillRef>
+          <a:effectRef idx="1">
+            <a:schemeClr val="dk1"/>
+          </a:effectRef>
+          <a:fontRef idx="minor">
+            <a:schemeClr val="lt1"/>
+          </a:fontRef>
+        </p:style>
+        <p:txBody>
+          <a:bodyPr rtlCol="0" anchor="ctr"/>
+          <a:lstStyle/>
+          <a:p>
+            <a:pPr algn="ctr"/>
+            <a:fld id="{C60D91B0-6C93-47AD-8D23-510063BB0AB5}" type="slidenum">
+              <a:rPr lang="ru-RU" smtClean="0">
+                <a:solidFill>
+                  <a:schemeClr val="bg2"/>
+                </a:solidFill>
+              </a:rPr>
+              <a:t>3</a:t>
+            </a:fld>
+            <a:endParaRPr lang="ru-RU" dirty="0">
+              <a:solidFill>
+                <a:schemeClr val="bg2"/>
+              </a:solidFill>
+            </a:endParaRPr>
+          </a:p>
+        </p:txBody>
+      </p:sp>
+      <p:sp>
+        <p:nvSpPr>
           <p:cNvPr id="9" name="Google Shape;172;p31">
             <a:extLst>
               <a:ext uri="{FF2B5EF4-FFF2-40B4-BE49-F238E27FC236}">
@@ -7243,16 +8404,16 @@
           <a:p>
             <a:pPr algn="just"/>
             <a:r>
-              <a:rPr lang="ru-RU" sz="1800" b="1" dirty="0">
+              <a:rPr lang="ru-RU" sz="2000" b="1" dirty="0">
                 <a:solidFill>
                   <a:schemeClr val="bg1">
                     <a:lumMod val="10000"/>
                   </a:schemeClr>
                 </a:solidFill>
               </a:rPr>
-              <a:t>-</a:t>
+              <a:t>– Получить метрики</a:t>
             </a:r>
-            <a:endParaRPr lang="ru-RU" sz="1800" dirty="0">
+            <a:endParaRPr lang="ru-RU" sz="2000" dirty="0">
               <a:solidFill>
                 <a:schemeClr val="bg1">
                   <a:lumMod val="10000"/>
@@ -8788,16 +9949,16 @@
           <a:p>
             <a:pPr algn="just"/>
             <a:r>
-              <a:rPr lang="ru-RU" sz="1800" b="1" dirty="0">
+              <a:rPr lang="ru-RU" sz="2000" b="1" dirty="0">
                 <a:solidFill>
                   <a:schemeClr val="bg1">
                     <a:lumMod val="10000"/>
                   </a:schemeClr>
                 </a:solidFill>
               </a:rPr>
-              <a:t>-</a:t>
+              <a:t>– Обработать датасет</a:t>
             </a:r>
-            <a:endParaRPr lang="ru-RU" sz="1800" dirty="0">
+            <a:endParaRPr lang="ru-RU" sz="2000" dirty="0">
               <a:solidFill>
                 <a:schemeClr val="bg1">
                   <a:lumMod val="10000"/>
@@ -8810,7 +9971,7 @@
     </p:spTree>
     <p:extLst>
       <p:ext uri="{BB962C8B-B14F-4D97-AF65-F5344CB8AC3E}">
-        <p14:creationId xmlns:p14="http://schemas.microsoft.com/office/powerpoint/2010/main" val="3666664012"/>
+        <p14:creationId xmlns:p14="http://schemas.microsoft.com/office/powerpoint/2010/main" val="1998158379"/>
       </p:ext>
     </p:extLst>
   </p:cSld>
@@ -9355,7 +10516,2177 @@
 </p:sld>
 </file>
 
-<file path=ppt/slides/slide3.xml><?xml version="1.0" encoding="utf-8"?>
+<file path=ppt/slides/slide4.xml><?xml version="1.0" encoding="utf-8"?>
+<p:sld xmlns:a="http://schemas.openxmlformats.org/drawingml/2006/main" xmlns:r="http://schemas.openxmlformats.org/officeDocument/2006/relationships" xmlns:p="http://schemas.openxmlformats.org/presentationml/2006/main">
+  <p:cSld>
+    <p:spTree>
+      <p:nvGrpSpPr>
+        <p:cNvPr id="1" name="Shape 193"/>
+        <p:cNvGrpSpPr/>
+        <p:nvPr/>
+      </p:nvGrpSpPr>
+      <p:grpSpPr>
+        <a:xfrm>
+          <a:off x="0" y="0"/>
+          <a:ext cx="0" cy="0"/>
+          <a:chOff x="0" y="0"/>
+          <a:chExt cx="0" cy="0"/>
+        </a:xfrm>
+      </p:grpSpPr>
+      <p:pic>
+        <p:nvPicPr>
+          <p:cNvPr id="7" name="Picture 2">
+            <a:extLst>
+              <a:ext uri="{FF2B5EF4-FFF2-40B4-BE49-F238E27FC236}">
+                <a16:creationId xmlns:a16="http://schemas.microsoft.com/office/drawing/2014/main" id="{E39C36B1-1A6A-B18D-85DC-38D2DF94C228}"/>
+              </a:ext>
+            </a:extLst>
+          </p:cNvPr>
+          <p:cNvPicPr>
+            <a:picLocks noChangeAspect="1" noChangeArrowheads="1"/>
+          </p:cNvPicPr>
+          <p:nvPr/>
+        </p:nvPicPr>
+        <p:blipFill>
+          <a:blip r:embed="rId3">
+            <a:extLst>
+              <a:ext uri="{28A0092B-C50C-407E-A947-70E740481C1C}">
+                <a14:useLocalDpi xmlns:a14="http://schemas.microsoft.com/office/drawing/2010/main" val="0"/>
+              </a:ext>
+            </a:extLst>
+          </a:blip>
+          <a:srcRect/>
+          <a:stretch>
+            <a:fillRect/>
+          </a:stretch>
+        </p:blipFill>
+        <p:spPr bwMode="auto">
+          <a:xfrm>
+            <a:off x="0" y="0"/>
+            <a:ext cx="9144000" cy="5143500"/>
+          </a:xfrm>
+          <a:prstGeom prst="rect">
+            <a:avLst/>
+          </a:prstGeom>
+          <a:noFill/>
+          <a:extLst>
+            <a:ext uri="{909E8E84-426E-40DD-AFC4-6F175D3DCCD1}">
+              <a14:hiddenFill xmlns:a14="http://schemas.microsoft.com/office/drawing/2010/main">
+                <a:solidFill>
+                  <a:srgbClr val="FFFFFF"/>
+                </a:solidFill>
+              </a14:hiddenFill>
+            </a:ext>
+          </a:extLst>
+        </p:spPr>
+      </p:pic>
+      <p:sp>
+        <p:nvSpPr>
+          <p:cNvPr id="15" name="Google Shape;510;p46">
+            <a:extLst>
+              <a:ext uri="{FF2B5EF4-FFF2-40B4-BE49-F238E27FC236}">
+                <a16:creationId xmlns:a16="http://schemas.microsoft.com/office/drawing/2014/main" id="{E7A8F942-5745-9CD6-9937-F52A4F305A79}"/>
+              </a:ext>
+            </a:extLst>
+          </p:cNvPr>
+          <p:cNvSpPr txBox="1">
+            <a:spLocks/>
+          </p:cNvSpPr>
+          <p:nvPr/>
+        </p:nvSpPr>
+        <p:spPr>
+          <a:xfrm>
+            <a:off x="2252192" y="296746"/>
+            <a:ext cx="4639610" cy="441908"/>
+          </a:xfrm>
+          <a:prstGeom prst="rect">
+            <a:avLst/>
+          </a:prstGeom>
+          <a:noFill/>
+          <a:ln>
+            <a:noFill/>
+          </a:ln>
+        </p:spPr>
+        <p:txBody>
+          <a:bodyPr spcFirstLastPara="1" wrap="square" lIns="91425" tIns="91425" rIns="91425" bIns="91425" anchor="ctr" anchorCtr="0">
+            <a:noAutofit/>
+          </a:bodyPr>
+          <a:lstStyle>
+            <a:defPPr marR="0" lvl="0" algn="l" rtl="0">
+              <a:lnSpc>
+                <a:spcPct val="100000"/>
+              </a:lnSpc>
+              <a:spcBef>
+                <a:spcPts val="0"/>
+              </a:spcBef>
+              <a:spcAft>
+                <a:spcPts val="0"/>
+              </a:spcAft>
+            </a:defPPr>
+            <a:lvl1pPr marR="0" lvl="0" algn="l" rtl="0">
+              <a:lnSpc>
+                <a:spcPct val="100000"/>
+              </a:lnSpc>
+              <a:spcBef>
+                <a:spcPts val="0"/>
+              </a:spcBef>
+              <a:spcAft>
+                <a:spcPts val="0"/>
+              </a:spcAft>
+              <a:buClr>
+                <a:schemeClr val="dk1"/>
+              </a:buClr>
+              <a:buSzPts val="3000"/>
+              <a:buFont typeface="Questrial"/>
+              <a:buNone/>
+              <a:defRPr sz="3000" b="0" i="0" u="none" strike="noStrike" cap="none">
+                <a:solidFill>
+                  <a:schemeClr val="dk1"/>
+                </a:solidFill>
+                <a:latin typeface="Questrial"/>
+                <a:ea typeface="Questrial"/>
+                <a:cs typeface="Questrial"/>
+                <a:sym typeface="Questrial"/>
+              </a:defRPr>
+            </a:lvl1pPr>
+            <a:lvl2pPr marR="0" lvl="1" algn="l" rtl="0">
+              <a:lnSpc>
+                <a:spcPct val="100000"/>
+              </a:lnSpc>
+              <a:spcBef>
+                <a:spcPts val="0"/>
+              </a:spcBef>
+              <a:spcAft>
+                <a:spcPts val="0"/>
+              </a:spcAft>
+              <a:buClr>
+                <a:schemeClr val="dk1"/>
+              </a:buClr>
+              <a:buSzPts val="3000"/>
+              <a:buFont typeface="Questrial"/>
+              <a:buNone/>
+              <a:defRPr sz="3000" b="0" i="0" u="none" strike="noStrike" cap="none">
+                <a:solidFill>
+                  <a:schemeClr val="dk1"/>
+                </a:solidFill>
+                <a:latin typeface="Questrial"/>
+                <a:ea typeface="Questrial"/>
+                <a:cs typeface="Questrial"/>
+                <a:sym typeface="Questrial"/>
+              </a:defRPr>
+            </a:lvl2pPr>
+            <a:lvl3pPr marR="0" lvl="2" algn="l" rtl="0">
+              <a:lnSpc>
+                <a:spcPct val="100000"/>
+              </a:lnSpc>
+              <a:spcBef>
+                <a:spcPts val="0"/>
+              </a:spcBef>
+              <a:spcAft>
+                <a:spcPts val="0"/>
+              </a:spcAft>
+              <a:buClr>
+                <a:schemeClr val="dk1"/>
+              </a:buClr>
+              <a:buSzPts val="3000"/>
+              <a:buFont typeface="Questrial"/>
+              <a:buNone/>
+              <a:defRPr sz="3000" b="0" i="0" u="none" strike="noStrike" cap="none">
+                <a:solidFill>
+                  <a:schemeClr val="dk1"/>
+                </a:solidFill>
+                <a:latin typeface="Questrial"/>
+                <a:ea typeface="Questrial"/>
+                <a:cs typeface="Questrial"/>
+                <a:sym typeface="Questrial"/>
+              </a:defRPr>
+            </a:lvl3pPr>
+            <a:lvl4pPr marR="0" lvl="3" algn="l" rtl="0">
+              <a:lnSpc>
+                <a:spcPct val="100000"/>
+              </a:lnSpc>
+              <a:spcBef>
+                <a:spcPts val="0"/>
+              </a:spcBef>
+              <a:spcAft>
+                <a:spcPts val="0"/>
+              </a:spcAft>
+              <a:buClr>
+                <a:schemeClr val="dk1"/>
+              </a:buClr>
+              <a:buSzPts val="3000"/>
+              <a:buFont typeface="Questrial"/>
+              <a:buNone/>
+              <a:defRPr sz="3000" b="0" i="0" u="none" strike="noStrike" cap="none">
+                <a:solidFill>
+                  <a:schemeClr val="dk1"/>
+                </a:solidFill>
+                <a:latin typeface="Questrial"/>
+                <a:ea typeface="Questrial"/>
+                <a:cs typeface="Questrial"/>
+                <a:sym typeface="Questrial"/>
+              </a:defRPr>
+            </a:lvl4pPr>
+            <a:lvl5pPr marR="0" lvl="4" algn="l" rtl="0">
+              <a:lnSpc>
+                <a:spcPct val="100000"/>
+              </a:lnSpc>
+              <a:spcBef>
+                <a:spcPts val="0"/>
+              </a:spcBef>
+              <a:spcAft>
+                <a:spcPts val="0"/>
+              </a:spcAft>
+              <a:buClr>
+                <a:schemeClr val="dk1"/>
+              </a:buClr>
+              <a:buSzPts val="3000"/>
+              <a:buFont typeface="Questrial"/>
+              <a:buNone/>
+              <a:defRPr sz="3000" b="0" i="0" u="none" strike="noStrike" cap="none">
+                <a:solidFill>
+                  <a:schemeClr val="dk1"/>
+                </a:solidFill>
+                <a:latin typeface="Questrial"/>
+                <a:ea typeface="Questrial"/>
+                <a:cs typeface="Questrial"/>
+                <a:sym typeface="Questrial"/>
+              </a:defRPr>
+            </a:lvl5pPr>
+            <a:lvl6pPr marR="0" lvl="5" algn="l" rtl="0">
+              <a:lnSpc>
+                <a:spcPct val="100000"/>
+              </a:lnSpc>
+              <a:spcBef>
+                <a:spcPts val="0"/>
+              </a:spcBef>
+              <a:spcAft>
+                <a:spcPts val="0"/>
+              </a:spcAft>
+              <a:buClr>
+                <a:schemeClr val="dk1"/>
+              </a:buClr>
+              <a:buSzPts val="3000"/>
+              <a:buFont typeface="Questrial"/>
+              <a:buNone/>
+              <a:defRPr sz="3000" b="0" i="0" u="none" strike="noStrike" cap="none">
+                <a:solidFill>
+                  <a:schemeClr val="dk1"/>
+                </a:solidFill>
+                <a:latin typeface="Questrial"/>
+                <a:ea typeface="Questrial"/>
+                <a:cs typeface="Questrial"/>
+                <a:sym typeface="Questrial"/>
+              </a:defRPr>
+            </a:lvl6pPr>
+            <a:lvl7pPr marR="0" lvl="6" algn="l" rtl="0">
+              <a:lnSpc>
+                <a:spcPct val="100000"/>
+              </a:lnSpc>
+              <a:spcBef>
+                <a:spcPts val="0"/>
+              </a:spcBef>
+              <a:spcAft>
+                <a:spcPts val="0"/>
+              </a:spcAft>
+              <a:buClr>
+                <a:schemeClr val="dk1"/>
+              </a:buClr>
+              <a:buSzPts val="3000"/>
+              <a:buFont typeface="Questrial"/>
+              <a:buNone/>
+              <a:defRPr sz="3000" b="0" i="0" u="none" strike="noStrike" cap="none">
+                <a:solidFill>
+                  <a:schemeClr val="dk1"/>
+                </a:solidFill>
+                <a:latin typeface="Questrial"/>
+                <a:ea typeface="Questrial"/>
+                <a:cs typeface="Questrial"/>
+                <a:sym typeface="Questrial"/>
+              </a:defRPr>
+            </a:lvl7pPr>
+            <a:lvl8pPr marR="0" lvl="7" algn="l" rtl="0">
+              <a:lnSpc>
+                <a:spcPct val="100000"/>
+              </a:lnSpc>
+              <a:spcBef>
+                <a:spcPts val="0"/>
+              </a:spcBef>
+              <a:spcAft>
+                <a:spcPts val="0"/>
+              </a:spcAft>
+              <a:buClr>
+                <a:schemeClr val="dk1"/>
+              </a:buClr>
+              <a:buSzPts val="3000"/>
+              <a:buFont typeface="Questrial"/>
+              <a:buNone/>
+              <a:defRPr sz="3000" b="0" i="0" u="none" strike="noStrike" cap="none">
+                <a:solidFill>
+                  <a:schemeClr val="dk1"/>
+                </a:solidFill>
+                <a:latin typeface="Questrial"/>
+                <a:ea typeface="Questrial"/>
+                <a:cs typeface="Questrial"/>
+                <a:sym typeface="Questrial"/>
+              </a:defRPr>
+            </a:lvl8pPr>
+            <a:lvl9pPr marR="0" lvl="8" algn="l" rtl="0">
+              <a:lnSpc>
+                <a:spcPct val="100000"/>
+              </a:lnSpc>
+              <a:spcBef>
+                <a:spcPts val="0"/>
+              </a:spcBef>
+              <a:spcAft>
+                <a:spcPts val="0"/>
+              </a:spcAft>
+              <a:buClr>
+                <a:schemeClr val="dk1"/>
+              </a:buClr>
+              <a:buSzPts val="3000"/>
+              <a:buFont typeface="Questrial"/>
+              <a:buNone/>
+              <a:defRPr sz="3000" b="0" i="0" u="none" strike="noStrike" cap="none">
+                <a:solidFill>
+                  <a:schemeClr val="dk1"/>
+                </a:solidFill>
+                <a:latin typeface="Questrial"/>
+                <a:ea typeface="Questrial"/>
+                <a:cs typeface="Questrial"/>
+                <a:sym typeface="Questrial"/>
+              </a:defRPr>
+            </a:lvl9pPr>
+          </a:lstStyle>
+          <a:p>
+            <a:pPr algn="ctr"/>
+            <a:r>
+              <a:rPr lang="ru-RU" sz="3200" b="1" dirty="0">
+                <a:solidFill>
+                  <a:schemeClr val="bg1">
+                    <a:lumMod val="10000"/>
+                  </a:schemeClr>
+                </a:solidFill>
+              </a:rPr>
+              <a:t>Стек технологий</a:t>
+            </a:r>
+            <a:endParaRPr lang="en-US" sz="3200" b="1" dirty="0">
+              <a:solidFill>
+                <a:schemeClr val="bg1">
+                  <a:lumMod val="10000"/>
+                </a:schemeClr>
+              </a:solidFill>
+            </a:endParaRPr>
+          </a:p>
+        </p:txBody>
+      </p:sp>
+      <p:grpSp>
+        <p:nvGrpSpPr>
+          <p:cNvPr id="16" name="Группа 15">
+            <a:extLst>
+              <a:ext uri="{FF2B5EF4-FFF2-40B4-BE49-F238E27FC236}">
+                <a16:creationId xmlns:a16="http://schemas.microsoft.com/office/drawing/2014/main" id="{A7772888-662B-9DC4-15BA-8858DE067D32}"/>
+              </a:ext>
+            </a:extLst>
+          </p:cNvPr>
+          <p:cNvGrpSpPr/>
+          <p:nvPr/>
+        </p:nvGrpSpPr>
+        <p:grpSpPr>
+          <a:xfrm>
+            <a:off x="2994657" y="777638"/>
+            <a:ext cx="3154680" cy="221876"/>
+            <a:chOff x="2050256" y="941294"/>
+            <a:chExt cx="5093494" cy="0"/>
+          </a:xfrm>
+        </p:grpSpPr>
+        <p:cxnSp>
+          <p:nvCxnSpPr>
+            <p:cNvPr id="20" name="Google Shape;258;p35">
+              <a:extLst>
+                <a:ext uri="{FF2B5EF4-FFF2-40B4-BE49-F238E27FC236}">
+                  <a16:creationId xmlns:a16="http://schemas.microsoft.com/office/drawing/2014/main" id="{6DAAA07D-DD3F-8850-AB6E-EB27B6A5E07A}"/>
+                </a:ext>
+              </a:extLst>
+            </p:cNvPr>
+            <p:cNvCxnSpPr>
+              <a:cxnSpLocks/>
+            </p:cNvCxnSpPr>
+            <p:nvPr/>
+          </p:nvCxnSpPr>
+          <p:spPr>
+            <a:xfrm>
+              <a:off x="2050256" y="941294"/>
+              <a:ext cx="5093494" cy="0"/>
+            </a:xfrm>
+            <a:prstGeom prst="straightConnector1">
+              <a:avLst/>
+            </a:prstGeom>
+            <a:noFill/>
+            <a:ln w="38100" cap="flat" cmpd="sng">
+              <a:solidFill>
+                <a:schemeClr val="accent1"/>
+              </a:solidFill>
+              <a:prstDash val="solid"/>
+              <a:round/>
+              <a:headEnd type="none" w="med" len="med"/>
+              <a:tailEnd type="none" w="med" len="med"/>
+            </a:ln>
+          </p:spPr>
+        </p:cxnSp>
+        <p:cxnSp>
+          <p:nvCxnSpPr>
+            <p:cNvPr id="21" name="Google Shape;145;p28">
+              <a:extLst>
+                <a:ext uri="{FF2B5EF4-FFF2-40B4-BE49-F238E27FC236}">
+                  <a16:creationId xmlns:a16="http://schemas.microsoft.com/office/drawing/2014/main" id="{0C2C9889-4C7B-EAF9-8A68-D46B36B18D0D}"/>
+                </a:ext>
+              </a:extLst>
+            </p:cNvPr>
+            <p:cNvCxnSpPr/>
+            <p:nvPr/>
+          </p:nvCxnSpPr>
+          <p:spPr>
+            <a:xfrm>
+              <a:off x="2073959" y="941294"/>
+              <a:ext cx="5041761" cy="0"/>
+            </a:xfrm>
+            <a:prstGeom prst="straightConnector1">
+              <a:avLst/>
+            </a:prstGeom>
+            <a:noFill/>
+            <a:ln w="19050" cap="flat" cmpd="sng">
+              <a:solidFill>
+                <a:schemeClr val="dk1"/>
+              </a:solidFill>
+              <a:prstDash val="solid"/>
+              <a:round/>
+              <a:headEnd type="none" w="med" len="med"/>
+              <a:tailEnd type="none" w="med" len="med"/>
+            </a:ln>
+          </p:spPr>
+        </p:cxnSp>
+      </p:grpSp>
+      <p:sp>
+        <p:nvSpPr>
+          <p:cNvPr id="33" name="Google Shape;172;p31">
+            <a:extLst>
+              <a:ext uri="{FF2B5EF4-FFF2-40B4-BE49-F238E27FC236}">
+                <a16:creationId xmlns:a16="http://schemas.microsoft.com/office/drawing/2014/main" id="{B71EBB11-A3C5-92F0-83F2-850D6041F6AD}"/>
+              </a:ext>
+            </a:extLst>
+          </p:cNvPr>
+          <p:cNvSpPr txBox="1">
+            <a:spLocks/>
+          </p:cNvSpPr>
+          <p:nvPr/>
+        </p:nvSpPr>
+        <p:spPr>
+          <a:xfrm>
+            <a:off x="1426486" y="3563382"/>
+            <a:ext cx="7660364" cy="836522"/>
+          </a:xfrm>
+          <a:prstGeom prst="rect">
+            <a:avLst/>
+          </a:prstGeom>
+          <a:noFill/>
+          <a:ln>
+            <a:noFill/>
+          </a:ln>
+        </p:spPr>
+        <p:txBody>
+          <a:bodyPr spcFirstLastPara="1" wrap="square" lIns="91425" tIns="91425" rIns="91425" bIns="91425" anchor="ctr" anchorCtr="0">
+            <a:noAutofit/>
+          </a:bodyPr>
+          <a:lstStyle>
+            <a:defPPr marR="0" lvl="0" algn="l" rtl="0">
+              <a:lnSpc>
+                <a:spcPct val="100000"/>
+              </a:lnSpc>
+              <a:spcBef>
+                <a:spcPts val="0"/>
+              </a:spcBef>
+              <a:spcAft>
+                <a:spcPts val="0"/>
+              </a:spcAft>
+            </a:defPPr>
+            <a:lvl1pPr marR="0" lvl="0" algn="l" rtl="0">
+              <a:lnSpc>
+                <a:spcPct val="100000"/>
+              </a:lnSpc>
+              <a:spcBef>
+                <a:spcPts val="0"/>
+              </a:spcBef>
+              <a:spcAft>
+                <a:spcPts val="0"/>
+              </a:spcAft>
+              <a:buClr>
+                <a:schemeClr val="dk1"/>
+              </a:buClr>
+              <a:buSzPts val="3000"/>
+              <a:buFont typeface="Questrial"/>
+              <a:buNone/>
+              <a:defRPr sz="3000" b="0" i="0" u="none" strike="noStrike" cap="none">
+                <a:solidFill>
+                  <a:schemeClr val="dk1"/>
+                </a:solidFill>
+                <a:latin typeface="Questrial"/>
+                <a:ea typeface="Questrial"/>
+                <a:cs typeface="Questrial"/>
+                <a:sym typeface="Questrial"/>
+              </a:defRPr>
+            </a:lvl1pPr>
+            <a:lvl2pPr marR="0" lvl="1" algn="l" rtl="0">
+              <a:lnSpc>
+                <a:spcPct val="100000"/>
+              </a:lnSpc>
+              <a:spcBef>
+                <a:spcPts val="0"/>
+              </a:spcBef>
+              <a:spcAft>
+                <a:spcPts val="0"/>
+              </a:spcAft>
+              <a:buClr>
+                <a:schemeClr val="dk1"/>
+              </a:buClr>
+              <a:buSzPts val="3000"/>
+              <a:buFont typeface="Questrial"/>
+              <a:buNone/>
+              <a:defRPr sz="3000" b="0" i="0" u="none" strike="noStrike" cap="none">
+                <a:solidFill>
+                  <a:schemeClr val="dk1"/>
+                </a:solidFill>
+                <a:latin typeface="Questrial"/>
+                <a:ea typeface="Questrial"/>
+                <a:cs typeface="Questrial"/>
+                <a:sym typeface="Questrial"/>
+              </a:defRPr>
+            </a:lvl2pPr>
+            <a:lvl3pPr marR="0" lvl="2" algn="l" rtl="0">
+              <a:lnSpc>
+                <a:spcPct val="100000"/>
+              </a:lnSpc>
+              <a:spcBef>
+                <a:spcPts val="0"/>
+              </a:spcBef>
+              <a:spcAft>
+                <a:spcPts val="0"/>
+              </a:spcAft>
+              <a:buClr>
+                <a:schemeClr val="dk1"/>
+              </a:buClr>
+              <a:buSzPts val="3000"/>
+              <a:buFont typeface="Questrial"/>
+              <a:buNone/>
+              <a:defRPr sz="3000" b="0" i="0" u="none" strike="noStrike" cap="none">
+                <a:solidFill>
+                  <a:schemeClr val="dk1"/>
+                </a:solidFill>
+                <a:latin typeface="Questrial"/>
+                <a:ea typeface="Questrial"/>
+                <a:cs typeface="Questrial"/>
+                <a:sym typeface="Questrial"/>
+              </a:defRPr>
+            </a:lvl3pPr>
+            <a:lvl4pPr marR="0" lvl="3" algn="l" rtl="0">
+              <a:lnSpc>
+                <a:spcPct val="100000"/>
+              </a:lnSpc>
+              <a:spcBef>
+                <a:spcPts val="0"/>
+              </a:spcBef>
+              <a:spcAft>
+                <a:spcPts val="0"/>
+              </a:spcAft>
+              <a:buClr>
+                <a:schemeClr val="dk1"/>
+              </a:buClr>
+              <a:buSzPts val="3000"/>
+              <a:buFont typeface="Questrial"/>
+              <a:buNone/>
+              <a:defRPr sz="3000" b="0" i="0" u="none" strike="noStrike" cap="none">
+                <a:solidFill>
+                  <a:schemeClr val="dk1"/>
+                </a:solidFill>
+                <a:latin typeface="Questrial"/>
+                <a:ea typeface="Questrial"/>
+                <a:cs typeface="Questrial"/>
+                <a:sym typeface="Questrial"/>
+              </a:defRPr>
+            </a:lvl4pPr>
+            <a:lvl5pPr marR="0" lvl="4" algn="l" rtl="0">
+              <a:lnSpc>
+                <a:spcPct val="100000"/>
+              </a:lnSpc>
+              <a:spcBef>
+                <a:spcPts val="0"/>
+              </a:spcBef>
+              <a:spcAft>
+                <a:spcPts val="0"/>
+              </a:spcAft>
+              <a:buClr>
+                <a:schemeClr val="dk1"/>
+              </a:buClr>
+              <a:buSzPts val="3000"/>
+              <a:buFont typeface="Questrial"/>
+              <a:buNone/>
+              <a:defRPr sz="3000" b="0" i="0" u="none" strike="noStrike" cap="none">
+                <a:solidFill>
+                  <a:schemeClr val="dk1"/>
+                </a:solidFill>
+                <a:latin typeface="Questrial"/>
+                <a:ea typeface="Questrial"/>
+                <a:cs typeface="Questrial"/>
+                <a:sym typeface="Questrial"/>
+              </a:defRPr>
+            </a:lvl5pPr>
+            <a:lvl6pPr marR="0" lvl="5" algn="l" rtl="0">
+              <a:lnSpc>
+                <a:spcPct val="100000"/>
+              </a:lnSpc>
+              <a:spcBef>
+                <a:spcPts val="0"/>
+              </a:spcBef>
+              <a:spcAft>
+                <a:spcPts val="0"/>
+              </a:spcAft>
+              <a:buClr>
+                <a:schemeClr val="dk1"/>
+              </a:buClr>
+              <a:buSzPts val="3000"/>
+              <a:buFont typeface="Questrial"/>
+              <a:buNone/>
+              <a:defRPr sz="3000" b="0" i="0" u="none" strike="noStrike" cap="none">
+                <a:solidFill>
+                  <a:schemeClr val="dk1"/>
+                </a:solidFill>
+                <a:latin typeface="Questrial"/>
+                <a:ea typeface="Questrial"/>
+                <a:cs typeface="Questrial"/>
+                <a:sym typeface="Questrial"/>
+              </a:defRPr>
+            </a:lvl6pPr>
+            <a:lvl7pPr marR="0" lvl="6" algn="l" rtl="0">
+              <a:lnSpc>
+                <a:spcPct val="100000"/>
+              </a:lnSpc>
+              <a:spcBef>
+                <a:spcPts val="0"/>
+              </a:spcBef>
+              <a:spcAft>
+                <a:spcPts val="0"/>
+              </a:spcAft>
+              <a:buClr>
+                <a:schemeClr val="dk1"/>
+              </a:buClr>
+              <a:buSzPts val="3000"/>
+              <a:buFont typeface="Questrial"/>
+              <a:buNone/>
+              <a:defRPr sz="3000" b="0" i="0" u="none" strike="noStrike" cap="none">
+                <a:solidFill>
+                  <a:schemeClr val="dk1"/>
+                </a:solidFill>
+                <a:latin typeface="Questrial"/>
+                <a:ea typeface="Questrial"/>
+                <a:cs typeface="Questrial"/>
+                <a:sym typeface="Questrial"/>
+              </a:defRPr>
+            </a:lvl7pPr>
+            <a:lvl8pPr marR="0" lvl="7" algn="l" rtl="0">
+              <a:lnSpc>
+                <a:spcPct val="100000"/>
+              </a:lnSpc>
+              <a:spcBef>
+                <a:spcPts val="0"/>
+              </a:spcBef>
+              <a:spcAft>
+                <a:spcPts val="0"/>
+              </a:spcAft>
+              <a:buClr>
+                <a:schemeClr val="dk1"/>
+              </a:buClr>
+              <a:buSzPts val="3000"/>
+              <a:buFont typeface="Questrial"/>
+              <a:buNone/>
+              <a:defRPr sz="3000" b="0" i="0" u="none" strike="noStrike" cap="none">
+                <a:solidFill>
+                  <a:schemeClr val="dk1"/>
+                </a:solidFill>
+                <a:latin typeface="Questrial"/>
+                <a:ea typeface="Questrial"/>
+                <a:cs typeface="Questrial"/>
+                <a:sym typeface="Questrial"/>
+              </a:defRPr>
+            </a:lvl8pPr>
+            <a:lvl9pPr marR="0" lvl="8" algn="l" rtl="0">
+              <a:lnSpc>
+                <a:spcPct val="100000"/>
+              </a:lnSpc>
+              <a:spcBef>
+                <a:spcPts val="0"/>
+              </a:spcBef>
+              <a:spcAft>
+                <a:spcPts val="0"/>
+              </a:spcAft>
+              <a:buClr>
+                <a:schemeClr val="dk1"/>
+              </a:buClr>
+              <a:buSzPts val="3000"/>
+              <a:buFont typeface="Questrial"/>
+              <a:buNone/>
+              <a:defRPr sz="3000" b="0" i="0" u="none" strike="noStrike" cap="none">
+                <a:solidFill>
+                  <a:schemeClr val="dk1"/>
+                </a:solidFill>
+                <a:latin typeface="Questrial"/>
+                <a:ea typeface="Questrial"/>
+                <a:cs typeface="Questrial"/>
+                <a:sym typeface="Questrial"/>
+              </a:defRPr>
+            </a:lvl9pPr>
+          </a:lstStyle>
+          <a:p>
+            <a:endParaRPr lang="ru-RU" sz="2800" dirty="0">
+              <a:solidFill>
+                <a:schemeClr val="bg1">
+                  <a:lumMod val="10000"/>
+                </a:schemeClr>
+              </a:solidFill>
+            </a:endParaRPr>
+          </a:p>
+        </p:txBody>
+      </p:sp>
+      <p:sp>
+        <p:nvSpPr>
+          <p:cNvPr id="5" name="Прямоугольник: скругленные углы 4">
+            <a:extLst>
+              <a:ext uri="{FF2B5EF4-FFF2-40B4-BE49-F238E27FC236}">
+                <a16:creationId xmlns:a16="http://schemas.microsoft.com/office/drawing/2014/main" id="{D558931A-4240-023F-1832-16600BF80CD6}"/>
+              </a:ext>
+            </a:extLst>
+          </p:cNvPr>
+          <p:cNvSpPr/>
+          <p:nvPr/>
+        </p:nvSpPr>
+        <p:spPr>
+          <a:xfrm>
+            <a:off x="8573269" y="4796684"/>
+            <a:ext cx="408824" cy="239937"/>
+          </a:xfrm>
+          <a:prstGeom prst="roundRect">
+            <a:avLst/>
+          </a:prstGeom>
+          <a:solidFill>
+            <a:srgbClr val="3B9FFF">
+              <a:alpha val="50196"/>
+            </a:srgbClr>
+          </a:solidFill>
+          <a:ln>
+            <a:solidFill>
+              <a:schemeClr val="bg1">
+                <a:alpha val="94902"/>
+              </a:schemeClr>
+            </a:solidFill>
+            <a:headEnd type="none" w="med" len="med"/>
+            <a:tailEnd type="none" w="med" len="med"/>
+          </a:ln>
+        </p:spPr>
+        <p:style>
+          <a:lnRef idx="3">
+            <a:schemeClr val="lt1"/>
+          </a:lnRef>
+          <a:fillRef idx="1">
+            <a:schemeClr val="dk1"/>
+          </a:fillRef>
+          <a:effectRef idx="1">
+            <a:schemeClr val="dk1"/>
+          </a:effectRef>
+          <a:fontRef idx="minor">
+            <a:schemeClr val="lt1"/>
+          </a:fontRef>
+        </p:style>
+        <p:txBody>
+          <a:bodyPr rtlCol="0" anchor="ctr"/>
+          <a:lstStyle/>
+          <a:p>
+            <a:pPr algn="ctr"/>
+            <a:fld id="{C60D91B0-6C93-47AD-8D23-510063BB0AB5}" type="slidenum">
+              <a:rPr lang="ru-RU" smtClean="0">
+                <a:solidFill>
+                  <a:schemeClr val="bg2"/>
+                </a:solidFill>
+              </a:rPr>
+              <a:t>4</a:t>
+            </a:fld>
+            <a:endParaRPr lang="ru-RU" dirty="0">
+              <a:solidFill>
+                <a:schemeClr val="bg2"/>
+              </a:solidFill>
+            </a:endParaRPr>
+          </a:p>
+        </p:txBody>
+      </p:sp>
+      <p:sp>
+        <p:nvSpPr>
+          <p:cNvPr id="22" name="Google Shape;243;p35">
+            <a:extLst>
+              <a:ext uri="{FF2B5EF4-FFF2-40B4-BE49-F238E27FC236}">
+                <a16:creationId xmlns:a16="http://schemas.microsoft.com/office/drawing/2014/main" id="{B6C29580-864B-BEA9-DB65-73E7F72738DB}"/>
+              </a:ext>
+            </a:extLst>
+          </p:cNvPr>
+          <p:cNvSpPr/>
+          <p:nvPr/>
+        </p:nvSpPr>
+        <p:spPr>
+          <a:xfrm>
+            <a:off x="471461" y="1655857"/>
+            <a:ext cx="5444578" cy="1107439"/>
+          </a:xfrm>
+          <a:prstGeom prst="roundRect">
+            <a:avLst>
+              <a:gd name="adj" fmla="val 50000"/>
+            </a:avLst>
+          </a:prstGeom>
+          <a:noFill/>
+          <a:ln w="38100" cap="flat" cmpd="sng">
+            <a:solidFill>
+              <a:srgbClr val="73A0F6">
+                <a:alpha val="74902"/>
+              </a:srgbClr>
+            </a:solidFill>
+            <a:prstDash val="solid"/>
+            <a:round/>
+            <a:headEnd type="none" w="sm" len="sm"/>
+            <a:tailEnd type="none" w="sm" len="sm"/>
+          </a:ln>
+        </p:spPr>
+        <p:txBody>
+          <a:bodyPr spcFirstLastPara="1" wrap="square" lIns="91425" tIns="91425" rIns="91425" bIns="91425" anchor="ctr" anchorCtr="0">
+            <a:noAutofit/>
+          </a:bodyPr>
+          <a:lstStyle/>
+          <a:p>
+            <a:pPr marL="0" lvl="0" indent="0" algn="l" rtl="0">
+              <a:spcBef>
+                <a:spcPts val="0"/>
+              </a:spcBef>
+              <a:spcAft>
+                <a:spcPts val="0"/>
+              </a:spcAft>
+              <a:buNone/>
+            </a:pPr>
+            <a:endParaRPr>
+              <a:solidFill>
+                <a:schemeClr val="tx1">
+                  <a:lumMod val="50000"/>
+                </a:schemeClr>
+              </a:solidFill>
+            </a:endParaRPr>
+          </a:p>
+        </p:txBody>
+      </p:sp>
+      <p:sp>
+        <p:nvSpPr>
+          <p:cNvPr id="23" name="Google Shape;245;p35">
+            <a:extLst>
+              <a:ext uri="{FF2B5EF4-FFF2-40B4-BE49-F238E27FC236}">
+                <a16:creationId xmlns:a16="http://schemas.microsoft.com/office/drawing/2014/main" id="{458B1B91-22DC-5CCE-CDC5-04ED48C7674C}"/>
+              </a:ext>
+            </a:extLst>
+          </p:cNvPr>
+          <p:cNvSpPr/>
+          <p:nvPr/>
+        </p:nvSpPr>
+        <p:spPr>
+          <a:xfrm>
+            <a:off x="5178022" y="3475248"/>
+            <a:ext cx="3235422" cy="924656"/>
+          </a:xfrm>
+          <a:prstGeom prst="roundRect">
+            <a:avLst>
+              <a:gd name="adj" fmla="val 50000"/>
+            </a:avLst>
+          </a:prstGeom>
+          <a:noFill/>
+          <a:ln w="38100" cap="flat" cmpd="sng">
+            <a:solidFill>
+              <a:srgbClr val="00B050">
+                <a:alpha val="25098"/>
+              </a:srgbClr>
+            </a:solidFill>
+            <a:prstDash val="solid"/>
+            <a:round/>
+            <a:headEnd type="none" w="sm" len="sm"/>
+            <a:tailEnd type="none" w="sm" len="sm"/>
+          </a:ln>
+        </p:spPr>
+        <p:txBody>
+          <a:bodyPr spcFirstLastPara="1" wrap="square" lIns="91425" tIns="91425" rIns="91425" bIns="91425" anchor="ctr" anchorCtr="0">
+            <a:noAutofit/>
+          </a:bodyPr>
+          <a:lstStyle/>
+          <a:p>
+            <a:pPr marL="0" lvl="0" indent="0" algn="l" rtl="0">
+              <a:spcBef>
+                <a:spcPts val="0"/>
+              </a:spcBef>
+              <a:spcAft>
+                <a:spcPts val="0"/>
+              </a:spcAft>
+              <a:buNone/>
+            </a:pPr>
+            <a:endParaRPr>
+              <a:solidFill>
+                <a:schemeClr val="tx1">
+                  <a:lumMod val="50000"/>
+                </a:schemeClr>
+              </a:solidFill>
+            </a:endParaRPr>
+          </a:p>
+        </p:txBody>
+      </p:sp>
+      <p:sp>
+        <p:nvSpPr>
+          <p:cNvPr id="25" name="Google Shape;236;p35">
+            <a:extLst>
+              <a:ext uri="{FF2B5EF4-FFF2-40B4-BE49-F238E27FC236}">
+                <a16:creationId xmlns:a16="http://schemas.microsoft.com/office/drawing/2014/main" id="{7BE001B4-09AE-A2D4-4865-A09E16B6C1CC}"/>
+              </a:ext>
+            </a:extLst>
+          </p:cNvPr>
+          <p:cNvSpPr txBox="1">
+            <a:spLocks/>
+          </p:cNvSpPr>
+          <p:nvPr/>
+        </p:nvSpPr>
+        <p:spPr>
+          <a:xfrm>
+            <a:off x="620392" y="1817384"/>
+            <a:ext cx="5146716" cy="784384"/>
+          </a:xfrm>
+          <a:prstGeom prst="rect">
+            <a:avLst/>
+          </a:prstGeom>
+          <a:noFill/>
+          <a:ln>
+            <a:noFill/>
+          </a:ln>
+        </p:spPr>
+        <p:txBody>
+          <a:bodyPr spcFirstLastPara="1" wrap="square" lIns="91425" tIns="91425" rIns="91425" bIns="91425" anchor="ctr" anchorCtr="0">
+            <a:noAutofit/>
+          </a:bodyPr>
+          <a:lstStyle>
+            <a:defPPr marR="0" lvl="0" algn="l" rtl="0">
+              <a:lnSpc>
+                <a:spcPct val="100000"/>
+              </a:lnSpc>
+              <a:spcBef>
+                <a:spcPts val="0"/>
+              </a:spcBef>
+              <a:spcAft>
+                <a:spcPts val="0"/>
+              </a:spcAft>
+            </a:defPPr>
+            <a:lvl1pPr marR="0" lvl="0" algn="l" rtl="0">
+              <a:lnSpc>
+                <a:spcPct val="100000"/>
+              </a:lnSpc>
+              <a:spcBef>
+                <a:spcPts val="0"/>
+              </a:spcBef>
+              <a:spcAft>
+                <a:spcPts val="0"/>
+              </a:spcAft>
+              <a:buClr>
+                <a:schemeClr val="dk1"/>
+              </a:buClr>
+              <a:buSzPts val="3500"/>
+              <a:buFont typeface="Lexend Deca"/>
+              <a:buNone/>
+              <a:defRPr sz="3500" b="0" i="0" u="none" strike="noStrike" cap="none">
+                <a:solidFill>
+                  <a:schemeClr val="dk1"/>
+                </a:solidFill>
+                <a:latin typeface="Lexend Deca"/>
+                <a:ea typeface="Lexend Deca"/>
+                <a:cs typeface="Lexend Deca"/>
+                <a:sym typeface="Lexend Deca"/>
+              </a:defRPr>
+            </a:lvl1pPr>
+            <a:lvl2pPr marR="0" lvl="1" algn="l" rtl="0">
+              <a:lnSpc>
+                <a:spcPct val="100000"/>
+              </a:lnSpc>
+              <a:spcBef>
+                <a:spcPts val="0"/>
+              </a:spcBef>
+              <a:spcAft>
+                <a:spcPts val="0"/>
+              </a:spcAft>
+              <a:buClr>
+                <a:schemeClr val="dk1"/>
+              </a:buClr>
+              <a:buSzPts val="3500"/>
+              <a:buFont typeface="Lexend Deca"/>
+              <a:buNone/>
+              <a:defRPr sz="3500" b="0" i="0" u="none" strike="noStrike" cap="none">
+                <a:solidFill>
+                  <a:schemeClr val="dk1"/>
+                </a:solidFill>
+                <a:latin typeface="Lexend Deca"/>
+                <a:ea typeface="Lexend Deca"/>
+                <a:cs typeface="Lexend Deca"/>
+                <a:sym typeface="Lexend Deca"/>
+              </a:defRPr>
+            </a:lvl2pPr>
+            <a:lvl3pPr marR="0" lvl="2" algn="l" rtl="0">
+              <a:lnSpc>
+                <a:spcPct val="100000"/>
+              </a:lnSpc>
+              <a:spcBef>
+                <a:spcPts val="0"/>
+              </a:spcBef>
+              <a:spcAft>
+                <a:spcPts val="0"/>
+              </a:spcAft>
+              <a:buClr>
+                <a:schemeClr val="dk1"/>
+              </a:buClr>
+              <a:buSzPts val="3500"/>
+              <a:buFont typeface="Lexend Deca"/>
+              <a:buNone/>
+              <a:defRPr sz="3500" b="0" i="0" u="none" strike="noStrike" cap="none">
+                <a:solidFill>
+                  <a:schemeClr val="dk1"/>
+                </a:solidFill>
+                <a:latin typeface="Lexend Deca"/>
+                <a:ea typeface="Lexend Deca"/>
+                <a:cs typeface="Lexend Deca"/>
+                <a:sym typeface="Lexend Deca"/>
+              </a:defRPr>
+            </a:lvl3pPr>
+            <a:lvl4pPr marR="0" lvl="3" algn="l" rtl="0">
+              <a:lnSpc>
+                <a:spcPct val="100000"/>
+              </a:lnSpc>
+              <a:spcBef>
+                <a:spcPts val="0"/>
+              </a:spcBef>
+              <a:spcAft>
+                <a:spcPts val="0"/>
+              </a:spcAft>
+              <a:buClr>
+                <a:schemeClr val="dk1"/>
+              </a:buClr>
+              <a:buSzPts val="3500"/>
+              <a:buFont typeface="Lexend Deca"/>
+              <a:buNone/>
+              <a:defRPr sz="3500" b="0" i="0" u="none" strike="noStrike" cap="none">
+                <a:solidFill>
+                  <a:schemeClr val="dk1"/>
+                </a:solidFill>
+                <a:latin typeface="Lexend Deca"/>
+                <a:ea typeface="Lexend Deca"/>
+                <a:cs typeface="Lexend Deca"/>
+                <a:sym typeface="Lexend Deca"/>
+              </a:defRPr>
+            </a:lvl4pPr>
+            <a:lvl5pPr marR="0" lvl="4" algn="l" rtl="0">
+              <a:lnSpc>
+                <a:spcPct val="100000"/>
+              </a:lnSpc>
+              <a:spcBef>
+                <a:spcPts val="0"/>
+              </a:spcBef>
+              <a:spcAft>
+                <a:spcPts val="0"/>
+              </a:spcAft>
+              <a:buClr>
+                <a:schemeClr val="dk1"/>
+              </a:buClr>
+              <a:buSzPts val="3500"/>
+              <a:buFont typeface="Lexend Deca"/>
+              <a:buNone/>
+              <a:defRPr sz="3500" b="0" i="0" u="none" strike="noStrike" cap="none">
+                <a:solidFill>
+                  <a:schemeClr val="dk1"/>
+                </a:solidFill>
+                <a:latin typeface="Lexend Deca"/>
+                <a:ea typeface="Lexend Deca"/>
+                <a:cs typeface="Lexend Deca"/>
+                <a:sym typeface="Lexend Deca"/>
+              </a:defRPr>
+            </a:lvl5pPr>
+            <a:lvl6pPr marR="0" lvl="5" algn="l" rtl="0">
+              <a:lnSpc>
+                <a:spcPct val="100000"/>
+              </a:lnSpc>
+              <a:spcBef>
+                <a:spcPts val="0"/>
+              </a:spcBef>
+              <a:spcAft>
+                <a:spcPts val="0"/>
+              </a:spcAft>
+              <a:buClr>
+                <a:schemeClr val="dk1"/>
+              </a:buClr>
+              <a:buSzPts val="3500"/>
+              <a:buFont typeface="Lexend Deca"/>
+              <a:buNone/>
+              <a:defRPr sz="3500" b="0" i="0" u="none" strike="noStrike" cap="none">
+                <a:solidFill>
+                  <a:schemeClr val="dk1"/>
+                </a:solidFill>
+                <a:latin typeface="Lexend Deca"/>
+                <a:ea typeface="Lexend Deca"/>
+                <a:cs typeface="Lexend Deca"/>
+                <a:sym typeface="Lexend Deca"/>
+              </a:defRPr>
+            </a:lvl6pPr>
+            <a:lvl7pPr marR="0" lvl="6" algn="l" rtl="0">
+              <a:lnSpc>
+                <a:spcPct val="100000"/>
+              </a:lnSpc>
+              <a:spcBef>
+                <a:spcPts val="0"/>
+              </a:spcBef>
+              <a:spcAft>
+                <a:spcPts val="0"/>
+              </a:spcAft>
+              <a:buClr>
+                <a:schemeClr val="dk1"/>
+              </a:buClr>
+              <a:buSzPts val="3500"/>
+              <a:buFont typeface="Lexend Deca"/>
+              <a:buNone/>
+              <a:defRPr sz="3500" b="0" i="0" u="none" strike="noStrike" cap="none">
+                <a:solidFill>
+                  <a:schemeClr val="dk1"/>
+                </a:solidFill>
+                <a:latin typeface="Lexend Deca"/>
+                <a:ea typeface="Lexend Deca"/>
+                <a:cs typeface="Lexend Deca"/>
+                <a:sym typeface="Lexend Deca"/>
+              </a:defRPr>
+            </a:lvl7pPr>
+            <a:lvl8pPr marR="0" lvl="7" algn="l" rtl="0">
+              <a:lnSpc>
+                <a:spcPct val="100000"/>
+              </a:lnSpc>
+              <a:spcBef>
+                <a:spcPts val="0"/>
+              </a:spcBef>
+              <a:spcAft>
+                <a:spcPts val="0"/>
+              </a:spcAft>
+              <a:buClr>
+                <a:schemeClr val="dk1"/>
+              </a:buClr>
+              <a:buSzPts val="3500"/>
+              <a:buFont typeface="Lexend Deca"/>
+              <a:buNone/>
+              <a:defRPr sz="3500" b="0" i="0" u="none" strike="noStrike" cap="none">
+                <a:solidFill>
+                  <a:schemeClr val="dk1"/>
+                </a:solidFill>
+                <a:latin typeface="Lexend Deca"/>
+                <a:ea typeface="Lexend Deca"/>
+                <a:cs typeface="Lexend Deca"/>
+                <a:sym typeface="Lexend Deca"/>
+              </a:defRPr>
+            </a:lvl8pPr>
+            <a:lvl9pPr marR="0" lvl="8" algn="l" rtl="0">
+              <a:lnSpc>
+                <a:spcPct val="100000"/>
+              </a:lnSpc>
+              <a:spcBef>
+                <a:spcPts val="0"/>
+              </a:spcBef>
+              <a:spcAft>
+                <a:spcPts val="0"/>
+              </a:spcAft>
+              <a:buClr>
+                <a:schemeClr val="dk1"/>
+              </a:buClr>
+              <a:buSzPts val="3500"/>
+              <a:buFont typeface="Lexend Deca"/>
+              <a:buNone/>
+              <a:defRPr sz="3500" b="0" i="0" u="none" strike="noStrike" cap="none">
+                <a:solidFill>
+                  <a:schemeClr val="dk1"/>
+                </a:solidFill>
+                <a:latin typeface="Lexend Deca"/>
+                <a:ea typeface="Lexend Deca"/>
+                <a:cs typeface="Lexend Deca"/>
+                <a:sym typeface="Lexend Deca"/>
+              </a:defRPr>
+            </a:lvl9pPr>
+          </a:lstStyle>
+          <a:p>
+            <a:pPr algn="just"/>
+            <a:r>
+              <a:rPr lang="ru-RU" sz="1800" dirty="0">
+                <a:solidFill>
+                  <a:schemeClr val="tx1">
+                    <a:lumMod val="50000"/>
+                  </a:schemeClr>
+                </a:solidFill>
+              </a:rPr>
+              <a:t>Использование </a:t>
+            </a:r>
+            <a:r>
+              <a:rPr lang="en-US" sz="1800" dirty="0">
+                <a:solidFill>
+                  <a:schemeClr val="tx1">
+                    <a:lumMod val="50000"/>
+                  </a:schemeClr>
+                </a:solidFill>
+              </a:rPr>
+              <a:t>Bert</a:t>
+            </a:r>
+            <a:r>
+              <a:rPr lang="ru-RU" sz="1800" dirty="0">
+                <a:solidFill>
+                  <a:schemeClr val="tx1">
+                    <a:lumMod val="50000"/>
+                  </a:schemeClr>
+                </a:solidFill>
+              </a:rPr>
+              <a:t>-подобной предобученной модели классификации</a:t>
+            </a:r>
+          </a:p>
+        </p:txBody>
+      </p:sp>
+      <p:sp>
+        <p:nvSpPr>
+          <p:cNvPr id="32" name="Google Shape;236;p35">
+            <a:extLst>
+              <a:ext uri="{FF2B5EF4-FFF2-40B4-BE49-F238E27FC236}">
+                <a16:creationId xmlns:a16="http://schemas.microsoft.com/office/drawing/2014/main" id="{DDA53B89-8463-66DA-B075-1F88DB667AB4}"/>
+              </a:ext>
+            </a:extLst>
+          </p:cNvPr>
+          <p:cNvSpPr txBox="1">
+            <a:spLocks/>
+          </p:cNvSpPr>
+          <p:nvPr/>
+        </p:nvSpPr>
+        <p:spPr>
+          <a:xfrm>
+            <a:off x="5302068" y="3625328"/>
+            <a:ext cx="2970564" cy="624496"/>
+          </a:xfrm>
+          <a:prstGeom prst="rect">
+            <a:avLst/>
+          </a:prstGeom>
+          <a:noFill/>
+          <a:ln>
+            <a:noFill/>
+          </a:ln>
+        </p:spPr>
+        <p:txBody>
+          <a:bodyPr spcFirstLastPara="1" wrap="square" lIns="91425" tIns="91425" rIns="91425" bIns="91425" anchor="ctr" anchorCtr="0">
+            <a:noAutofit/>
+          </a:bodyPr>
+          <a:lstStyle>
+            <a:defPPr marR="0" lvl="0" algn="l" rtl="0">
+              <a:lnSpc>
+                <a:spcPct val="100000"/>
+              </a:lnSpc>
+              <a:spcBef>
+                <a:spcPts val="0"/>
+              </a:spcBef>
+              <a:spcAft>
+                <a:spcPts val="0"/>
+              </a:spcAft>
+            </a:defPPr>
+            <a:lvl1pPr marR="0" lvl="0" algn="l" rtl="0">
+              <a:lnSpc>
+                <a:spcPct val="100000"/>
+              </a:lnSpc>
+              <a:spcBef>
+                <a:spcPts val="0"/>
+              </a:spcBef>
+              <a:spcAft>
+                <a:spcPts val="0"/>
+              </a:spcAft>
+              <a:buClr>
+                <a:schemeClr val="dk1"/>
+              </a:buClr>
+              <a:buSzPts val="3500"/>
+              <a:buFont typeface="Lexend Deca"/>
+              <a:buNone/>
+              <a:defRPr sz="3500" b="0" i="0" u="none" strike="noStrike" cap="none">
+                <a:solidFill>
+                  <a:schemeClr val="dk1"/>
+                </a:solidFill>
+                <a:latin typeface="Lexend Deca"/>
+                <a:ea typeface="Lexend Deca"/>
+                <a:cs typeface="Lexend Deca"/>
+                <a:sym typeface="Lexend Deca"/>
+              </a:defRPr>
+            </a:lvl1pPr>
+            <a:lvl2pPr marR="0" lvl="1" algn="l" rtl="0">
+              <a:lnSpc>
+                <a:spcPct val="100000"/>
+              </a:lnSpc>
+              <a:spcBef>
+                <a:spcPts val="0"/>
+              </a:spcBef>
+              <a:spcAft>
+                <a:spcPts val="0"/>
+              </a:spcAft>
+              <a:buClr>
+                <a:schemeClr val="dk1"/>
+              </a:buClr>
+              <a:buSzPts val="3500"/>
+              <a:buFont typeface="Lexend Deca"/>
+              <a:buNone/>
+              <a:defRPr sz="3500" b="0" i="0" u="none" strike="noStrike" cap="none">
+                <a:solidFill>
+                  <a:schemeClr val="dk1"/>
+                </a:solidFill>
+                <a:latin typeface="Lexend Deca"/>
+                <a:ea typeface="Lexend Deca"/>
+                <a:cs typeface="Lexend Deca"/>
+                <a:sym typeface="Lexend Deca"/>
+              </a:defRPr>
+            </a:lvl2pPr>
+            <a:lvl3pPr marR="0" lvl="2" algn="l" rtl="0">
+              <a:lnSpc>
+                <a:spcPct val="100000"/>
+              </a:lnSpc>
+              <a:spcBef>
+                <a:spcPts val="0"/>
+              </a:spcBef>
+              <a:spcAft>
+                <a:spcPts val="0"/>
+              </a:spcAft>
+              <a:buClr>
+                <a:schemeClr val="dk1"/>
+              </a:buClr>
+              <a:buSzPts val="3500"/>
+              <a:buFont typeface="Lexend Deca"/>
+              <a:buNone/>
+              <a:defRPr sz="3500" b="0" i="0" u="none" strike="noStrike" cap="none">
+                <a:solidFill>
+                  <a:schemeClr val="dk1"/>
+                </a:solidFill>
+                <a:latin typeface="Lexend Deca"/>
+                <a:ea typeface="Lexend Deca"/>
+                <a:cs typeface="Lexend Deca"/>
+                <a:sym typeface="Lexend Deca"/>
+              </a:defRPr>
+            </a:lvl3pPr>
+            <a:lvl4pPr marR="0" lvl="3" algn="l" rtl="0">
+              <a:lnSpc>
+                <a:spcPct val="100000"/>
+              </a:lnSpc>
+              <a:spcBef>
+                <a:spcPts val="0"/>
+              </a:spcBef>
+              <a:spcAft>
+                <a:spcPts val="0"/>
+              </a:spcAft>
+              <a:buClr>
+                <a:schemeClr val="dk1"/>
+              </a:buClr>
+              <a:buSzPts val="3500"/>
+              <a:buFont typeface="Lexend Deca"/>
+              <a:buNone/>
+              <a:defRPr sz="3500" b="0" i="0" u="none" strike="noStrike" cap="none">
+                <a:solidFill>
+                  <a:schemeClr val="dk1"/>
+                </a:solidFill>
+                <a:latin typeface="Lexend Deca"/>
+                <a:ea typeface="Lexend Deca"/>
+                <a:cs typeface="Lexend Deca"/>
+                <a:sym typeface="Lexend Deca"/>
+              </a:defRPr>
+            </a:lvl4pPr>
+            <a:lvl5pPr marR="0" lvl="4" algn="l" rtl="0">
+              <a:lnSpc>
+                <a:spcPct val="100000"/>
+              </a:lnSpc>
+              <a:spcBef>
+                <a:spcPts val="0"/>
+              </a:spcBef>
+              <a:spcAft>
+                <a:spcPts val="0"/>
+              </a:spcAft>
+              <a:buClr>
+                <a:schemeClr val="dk1"/>
+              </a:buClr>
+              <a:buSzPts val="3500"/>
+              <a:buFont typeface="Lexend Deca"/>
+              <a:buNone/>
+              <a:defRPr sz="3500" b="0" i="0" u="none" strike="noStrike" cap="none">
+                <a:solidFill>
+                  <a:schemeClr val="dk1"/>
+                </a:solidFill>
+                <a:latin typeface="Lexend Deca"/>
+                <a:ea typeface="Lexend Deca"/>
+                <a:cs typeface="Lexend Deca"/>
+                <a:sym typeface="Lexend Deca"/>
+              </a:defRPr>
+            </a:lvl5pPr>
+            <a:lvl6pPr marR="0" lvl="5" algn="l" rtl="0">
+              <a:lnSpc>
+                <a:spcPct val="100000"/>
+              </a:lnSpc>
+              <a:spcBef>
+                <a:spcPts val="0"/>
+              </a:spcBef>
+              <a:spcAft>
+                <a:spcPts val="0"/>
+              </a:spcAft>
+              <a:buClr>
+                <a:schemeClr val="dk1"/>
+              </a:buClr>
+              <a:buSzPts val="3500"/>
+              <a:buFont typeface="Lexend Deca"/>
+              <a:buNone/>
+              <a:defRPr sz="3500" b="0" i="0" u="none" strike="noStrike" cap="none">
+                <a:solidFill>
+                  <a:schemeClr val="dk1"/>
+                </a:solidFill>
+                <a:latin typeface="Lexend Deca"/>
+                <a:ea typeface="Lexend Deca"/>
+                <a:cs typeface="Lexend Deca"/>
+                <a:sym typeface="Lexend Deca"/>
+              </a:defRPr>
+            </a:lvl6pPr>
+            <a:lvl7pPr marR="0" lvl="6" algn="l" rtl="0">
+              <a:lnSpc>
+                <a:spcPct val="100000"/>
+              </a:lnSpc>
+              <a:spcBef>
+                <a:spcPts val="0"/>
+              </a:spcBef>
+              <a:spcAft>
+                <a:spcPts val="0"/>
+              </a:spcAft>
+              <a:buClr>
+                <a:schemeClr val="dk1"/>
+              </a:buClr>
+              <a:buSzPts val="3500"/>
+              <a:buFont typeface="Lexend Deca"/>
+              <a:buNone/>
+              <a:defRPr sz="3500" b="0" i="0" u="none" strike="noStrike" cap="none">
+                <a:solidFill>
+                  <a:schemeClr val="dk1"/>
+                </a:solidFill>
+                <a:latin typeface="Lexend Deca"/>
+                <a:ea typeface="Lexend Deca"/>
+                <a:cs typeface="Lexend Deca"/>
+                <a:sym typeface="Lexend Deca"/>
+              </a:defRPr>
+            </a:lvl7pPr>
+            <a:lvl8pPr marR="0" lvl="7" algn="l" rtl="0">
+              <a:lnSpc>
+                <a:spcPct val="100000"/>
+              </a:lnSpc>
+              <a:spcBef>
+                <a:spcPts val="0"/>
+              </a:spcBef>
+              <a:spcAft>
+                <a:spcPts val="0"/>
+              </a:spcAft>
+              <a:buClr>
+                <a:schemeClr val="dk1"/>
+              </a:buClr>
+              <a:buSzPts val="3500"/>
+              <a:buFont typeface="Lexend Deca"/>
+              <a:buNone/>
+              <a:defRPr sz="3500" b="0" i="0" u="none" strike="noStrike" cap="none">
+                <a:solidFill>
+                  <a:schemeClr val="dk1"/>
+                </a:solidFill>
+                <a:latin typeface="Lexend Deca"/>
+                <a:ea typeface="Lexend Deca"/>
+                <a:cs typeface="Lexend Deca"/>
+                <a:sym typeface="Lexend Deca"/>
+              </a:defRPr>
+            </a:lvl8pPr>
+            <a:lvl9pPr marR="0" lvl="8" algn="l" rtl="0">
+              <a:lnSpc>
+                <a:spcPct val="100000"/>
+              </a:lnSpc>
+              <a:spcBef>
+                <a:spcPts val="0"/>
+              </a:spcBef>
+              <a:spcAft>
+                <a:spcPts val="0"/>
+              </a:spcAft>
+              <a:buClr>
+                <a:schemeClr val="dk1"/>
+              </a:buClr>
+              <a:buSzPts val="3500"/>
+              <a:buFont typeface="Lexend Deca"/>
+              <a:buNone/>
+              <a:defRPr sz="3500" b="0" i="0" u="none" strike="noStrike" cap="none">
+                <a:solidFill>
+                  <a:schemeClr val="dk1"/>
+                </a:solidFill>
+                <a:latin typeface="Lexend Deca"/>
+                <a:ea typeface="Lexend Deca"/>
+                <a:cs typeface="Lexend Deca"/>
+                <a:sym typeface="Lexend Deca"/>
+              </a:defRPr>
+            </a:lvl9pPr>
+          </a:lstStyle>
+          <a:p>
+            <a:pPr algn="just"/>
+            <a:r>
+              <a:rPr lang="ru-RU" sz="1800" dirty="0">
+                <a:solidFill>
+                  <a:schemeClr val="tx1">
+                    <a:lumMod val="50000"/>
+                  </a:schemeClr>
+                </a:solidFill>
+              </a:rPr>
+              <a:t>Использование </a:t>
+            </a:r>
+            <a:r>
+              <a:rPr lang="en-US" sz="1800" dirty="0">
+                <a:solidFill>
+                  <a:schemeClr val="tx1">
+                    <a:lumMod val="50000"/>
+                  </a:schemeClr>
+                </a:solidFill>
+              </a:rPr>
+              <a:t>PyTorch</a:t>
+            </a:r>
+            <a:endParaRPr lang="ru-RU" sz="1800" dirty="0">
+              <a:solidFill>
+                <a:schemeClr val="tx1">
+                  <a:lumMod val="50000"/>
+                </a:schemeClr>
+              </a:solidFill>
+            </a:endParaRPr>
+          </a:p>
+        </p:txBody>
+      </p:sp>
+      <p:pic>
+        <p:nvPicPr>
+          <p:cNvPr id="1026" name="Picture 2">
+            <a:extLst>
+              <a:ext uri="{FF2B5EF4-FFF2-40B4-BE49-F238E27FC236}">
+                <a16:creationId xmlns:a16="http://schemas.microsoft.com/office/drawing/2014/main" id="{173A1402-4CD2-F548-EF6D-602318A1A376}"/>
+              </a:ext>
+            </a:extLst>
+          </p:cNvPr>
+          <p:cNvPicPr>
+            <a:picLocks noChangeAspect="1" noChangeArrowheads="1"/>
+          </p:cNvPicPr>
+          <p:nvPr/>
+        </p:nvPicPr>
+        <p:blipFill rotWithShape="1">
+          <a:blip r:embed="rId4">
+            <a:extLst>
+              <a:ext uri="{28A0092B-C50C-407E-A947-70E740481C1C}">
+                <a14:useLocalDpi xmlns:a14="http://schemas.microsoft.com/office/drawing/2010/main" val="0"/>
+              </a:ext>
+            </a:extLst>
+          </a:blip>
+          <a:srcRect r="74782"/>
+          <a:stretch/>
+        </p:blipFill>
+        <p:spPr bwMode="auto">
+          <a:xfrm>
+            <a:off x="7963623" y="3486137"/>
+            <a:ext cx="324236" cy="950042"/>
+          </a:xfrm>
+          <a:prstGeom prst="rect">
+            <a:avLst/>
+          </a:prstGeom>
+          <a:noFill/>
+          <a:extLst>
+            <a:ext uri="{909E8E84-426E-40DD-AFC4-6F175D3DCCD1}">
+              <a14:hiddenFill xmlns:a14="http://schemas.microsoft.com/office/drawing/2010/main">
+                <a:solidFill>
+                  <a:srgbClr val="FFFFFF"/>
+                </a:solidFill>
+              </a14:hiddenFill>
+            </a:ext>
+          </a:extLst>
+        </p:spPr>
+      </p:pic>
+      <p:grpSp>
+        <p:nvGrpSpPr>
+          <p:cNvPr id="3" name="Группа 2">
+            <a:extLst>
+              <a:ext uri="{FF2B5EF4-FFF2-40B4-BE49-F238E27FC236}">
+                <a16:creationId xmlns:a16="http://schemas.microsoft.com/office/drawing/2014/main" id="{767542CF-6BFD-8D8E-D4AB-5F695E8958EE}"/>
+              </a:ext>
+            </a:extLst>
+          </p:cNvPr>
+          <p:cNvGrpSpPr/>
+          <p:nvPr/>
+        </p:nvGrpSpPr>
+        <p:grpSpPr>
+          <a:xfrm>
+            <a:off x="345537" y="907949"/>
+            <a:ext cx="8474746" cy="3647964"/>
+            <a:chOff x="345537" y="907949"/>
+            <a:chExt cx="8474746" cy="3647964"/>
+          </a:xfrm>
+        </p:grpSpPr>
+        <p:pic>
+          <p:nvPicPr>
+            <p:cNvPr id="1028" name="Picture 4">
+              <a:extLst>
+                <a:ext uri="{FF2B5EF4-FFF2-40B4-BE49-F238E27FC236}">
+                  <a16:creationId xmlns:a16="http://schemas.microsoft.com/office/drawing/2014/main" id="{5EDB9219-C2E2-14CA-03F7-FB6DA2439C8B}"/>
+                </a:ext>
+              </a:extLst>
+            </p:cNvPr>
+            <p:cNvPicPr>
+              <a:picLocks noChangeAspect="1" noChangeArrowheads="1"/>
+            </p:cNvPicPr>
+            <p:nvPr/>
+          </p:nvPicPr>
+          <p:blipFill>
+            <a:blip r:embed="rId5">
+              <a:extLst>
+                <a:ext uri="{28A0092B-C50C-407E-A947-70E740481C1C}">
+                  <a14:useLocalDpi xmlns:a14="http://schemas.microsoft.com/office/drawing/2010/main" val="0"/>
+                </a:ext>
+              </a:extLst>
+            </a:blip>
+            <a:srcRect/>
+            <a:stretch>
+              <a:fillRect/>
+            </a:stretch>
+          </p:blipFill>
+          <p:spPr bwMode="auto">
+            <a:xfrm>
+              <a:off x="345537" y="3559599"/>
+              <a:ext cx="1850619" cy="996314"/>
+            </a:xfrm>
+            <a:prstGeom prst="rect">
+              <a:avLst/>
+            </a:prstGeom>
+            <a:noFill/>
+            <a:extLst>
+              <a:ext uri="{909E8E84-426E-40DD-AFC4-6F175D3DCCD1}">
+                <a14:hiddenFill xmlns:a14="http://schemas.microsoft.com/office/drawing/2010/main">
+                  <a:solidFill>
+                    <a:srgbClr val="FFFFFF"/>
+                  </a:solidFill>
+                </a14:hiddenFill>
+              </a:ext>
+            </a:extLst>
+          </p:spPr>
+        </p:pic>
+        <p:pic>
+          <p:nvPicPr>
+            <p:cNvPr id="1030" name="Picture 6" descr="Логотип программы Pandas">
+              <a:extLst>
+                <a:ext uri="{FF2B5EF4-FFF2-40B4-BE49-F238E27FC236}">
+                  <a16:creationId xmlns:a16="http://schemas.microsoft.com/office/drawing/2014/main" id="{8D6C9924-5D9B-FF79-2338-45D35E312584}"/>
+                </a:ext>
+              </a:extLst>
+            </p:cNvPr>
+            <p:cNvPicPr>
+              <a:picLocks noChangeAspect="1" noChangeArrowheads="1"/>
+            </p:cNvPicPr>
+            <p:nvPr/>
+          </p:nvPicPr>
+          <p:blipFill>
+            <a:blip r:embed="rId6">
+              <a:extLst>
+                <a:ext uri="{28A0092B-C50C-407E-A947-70E740481C1C}">
+                  <a14:useLocalDpi xmlns:a14="http://schemas.microsoft.com/office/drawing/2010/main" val="0"/>
+                </a:ext>
+              </a:extLst>
+            </a:blip>
+            <a:srcRect/>
+            <a:stretch>
+              <a:fillRect/>
+            </a:stretch>
+          </p:blipFill>
+          <p:spPr bwMode="auto">
+            <a:xfrm>
+              <a:off x="2838304" y="3129319"/>
+              <a:ext cx="1712347" cy="691857"/>
+            </a:xfrm>
+            <a:prstGeom prst="rect">
+              <a:avLst/>
+            </a:prstGeom>
+            <a:noFill/>
+            <a:extLst>
+              <a:ext uri="{909E8E84-426E-40DD-AFC4-6F175D3DCCD1}">
+                <a14:hiddenFill xmlns:a14="http://schemas.microsoft.com/office/drawing/2010/main">
+                  <a:solidFill>
+                    <a:srgbClr val="FFFFFF"/>
+                  </a:solidFill>
+                </a14:hiddenFill>
+              </a:ext>
+            </a:extLst>
+          </p:spPr>
+        </p:pic>
+        <p:pic>
+          <p:nvPicPr>
+            <p:cNvPr id="1032" name="Picture 8">
+              <a:extLst>
+                <a:ext uri="{FF2B5EF4-FFF2-40B4-BE49-F238E27FC236}">
+                  <a16:creationId xmlns:a16="http://schemas.microsoft.com/office/drawing/2014/main" id="{18799752-D87A-86B1-0F7B-F00823B3408B}"/>
+                </a:ext>
+              </a:extLst>
+            </p:cNvPr>
+            <p:cNvPicPr>
+              <a:picLocks noChangeAspect="1" noChangeArrowheads="1"/>
+            </p:cNvPicPr>
+            <p:nvPr/>
+          </p:nvPicPr>
+          <p:blipFill>
+            <a:blip r:embed="rId7">
+              <a:extLst>
+                <a:ext uri="{28A0092B-C50C-407E-A947-70E740481C1C}">
+                  <a14:useLocalDpi xmlns:a14="http://schemas.microsoft.com/office/drawing/2010/main" val="0"/>
+                </a:ext>
+              </a:extLst>
+            </a:blip>
+            <a:srcRect/>
+            <a:stretch>
+              <a:fillRect/>
+            </a:stretch>
+          </p:blipFill>
+          <p:spPr bwMode="auto">
+            <a:xfrm>
+              <a:off x="713267" y="907949"/>
+              <a:ext cx="1283507" cy="509392"/>
+            </a:xfrm>
+            <a:prstGeom prst="rect">
+              <a:avLst/>
+            </a:prstGeom>
+            <a:noFill/>
+            <a:extLst>
+              <a:ext uri="{909E8E84-426E-40DD-AFC4-6F175D3DCCD1}">
+                <a14:hiddenFill xmlns:a14="http://schemas.microsoft.com/office/drawing/2010/main">
+                  <a:solidFill>
+                    <a:srgbClr val="FFFFFF"/>
+                  </a:solidFill>
+                </a14:hiddenFill>
+              </a:ext>
+            </a:extLst>
+          </p:spPr>
+        </p:pic>
+        <p:pic>
+          <p:nvPicPr>
+            <p:cNvPr id="1034" name="Picture 10">
+              <a:extLst>
+                <a:ext uri="{FF2B5EF4-FFF2-40B4-BE49-F238E27FC236}">
+                  <a16:creationId xmlns:a16="http://schemas.microsoft.com/office/drawing/2014/main" id="{14AF0B2A-9394-47DA-F5E8-7366D531C447}"/>
+                </a:ext>
+              </a:extLst>
+            </p:cNvPr>
+            <p:cNvPicPr>
+              <a:picLocks noChangeAspect="1" noChangeArrowheads="1"/>
+            </p:cNvPicPr>
+            <p:nvPr/>
+          </p:nvPicPr>
+          <p:blipFill>
+            <a:blip r:embed="rId8">
+              <a:extLst>
+                <a:ext uri="{28A0092B-C50C-407E-A947-70E740481C1C}">
+                  <a14:useLocalDpi xmlns:a14="http://schemas.microsoft.com/office/drawing/2010/main" val="0"/>
+                </a:ext>
+              </a:extLst>
+            </a:blip>
+            <a:srcRect/>
+            <a:stretch>
+              <a:fillRect/>
+            </a:stretch>
+          </p:blipFill>
+          <p:spPr bwMode="auto">
+            <a:xfrm>
+              <a:off x="6377529" y="1071442"/>
+              <a:ext cx="2442754" cy="699323"/>
+            </a:xfrm>
+            <a:prstGeom prst="rect">
+              <a:avLst/>
+            </a:prstGeom>
+            <a:noFill/>
+            <a:extLst>
+              <a:ext uri="{909E8E84-426E-40DD-AFC4-6F175D3DCCD1}">
+                <a14:hiddenFill xmlns:a14="http://schemas.microsoft.com/office/drawing/2010/main">
+                  <a:solidFill>
+                    <a:srgbClr val="FFFFFF"/>
+                  </a:solidFill>
+                </a14:hiddenFill>
+              </a:ext>
+            </a:extLst>
+          </p:spPr>
+        </p:pic>
+        <p:pic>
+          <p:nvPicPr>
+            <p:cNvPr id="1036" name="Picture 12">
+              <a:extLst>
+                <a:ext uri="{FF2B5EF4-FFF2-40B4-BE49-F238E27FC236}">
+                  <a16:creationId xmlns:a16="http://schemas.microsoft.com/office/drawing/2014/main" id="{9BEB74EC-1993-F52F-FC0C-7DB0BC3A450F}"/>
+                </a:ext>
+              </a:extLst>
+            </p:cNvPr>
+            <p:cNvPicPr>
+              <a:picLocks noChangeAspect="1" noChangeArrowheads="1"/>
+            </p:cNvPicPr>
+            <p:nvPr/>
+          </p:nvPicPr>
+          <p:blipFill>
+            <a:blip r:embed="rId9">
+              <a:extLst>
+                <a:ext uri="{28A0092B-C50C-407E-A947-70E740481C1C}">
+                  <a14:useLocalDpi xmlns:a14="http://schemas.microsoft.com/office/drawing/2010/main" val="0"/>
+                </a:ext>
+              </a:extLst>
+            </a:blip>
+            <a:srcRect/>
+            <a:stretch>
+              <a:fillRect/>
+            </a:stretch>
+          </p:blipFill>
+          <p:spPr bwMode="auto">
+            <a:xfrm>
+              <a:off x="6636325" y="2221550"/>
+              <a:ext cx="1787389" cy="1005406"/>
+            </a:xfrm>
+            <a:prstGeom prst="rect">
+              <a:avLst/>
+            </a:prstGeom>
+            <a:noFill/>
+            <a:extLst>
+              <a:ext uri="{909E8E84-426E-40DD-AFC4-6F175D3DCCD1}">
+                <a14:hiddenFill xmlns:a14="http://schemas.microsoft.com/office/drawing/2010/main">
+                  <a:solidFill>
+                    <a:srgbClr val="FFFFFF"/>
+                  </a:solidFill>
+                </a14:hiddenFill>
+              </a:ext>
+            </a:extLst>
+          </p:spPr>
+        </p:pic>
+      </p:grpSp>
+    </p:spTree>
+    <p:extLst>
+      <p:ext uri="{BB962C8B-B14F-4D97-AF65-F5344CB8AC3E}">
+        <p14:creationId xmlns:p14="http://schemas.microsoft.com/office/powerpoint/2010/main" val="2068794940"/>
+      </p:ext>
+    </p:extLst>
+  </p:cSld>
+  <p:clrMapOvr>
+    <a:masterClrMapping/>
+  </p:clrMapOvr>
+  <p:transition spd="slow">
+    <p:fade/>
+  </p:transition>
+  <p:timing>
+    <p:tnLst>
+      <p:par>
+        <p:cTn id="1" dur="indefinite" restart="never" nodeType="tmRoot">
+          <p:childTnLst>
+            <p:seq concurrent="1" nextAc="seek">
+              <p:cTn id="2" dur="indefinite" nodeType="mainSeq">
+                <p:childTnLst>
+                  <p:par>
+                    <p:cTn id="3" fill="hold">
+                      <p:stCondLst>
+                        <p:cond delay="indefinite"/>
+                      </p:stCondLst>
+                      <p:childTnLst>
+                        <p:par>
+                          <p:cTn id="4" fill="hold">
+                            <p:stCondLst>
+                              <p:cond delay="0"/>
+                            </p:stCondLst>
+                            <p:childTnLst>
+                              <p:par>
+                                <p:cTn id="5" presetID="10" presetClass="entr" presetSubtype="0" fill="hold" grpId="0" nodeType="clickEffect">
+                                  <p:stCondLst>
+                                    <p:cond delay="0"/>
+                                  </p:stCondLst>
+                                  <p:childTnLst>
+                                    <p:set>
+                                      <p:cBhvr>
+                                        <p:cTn id="6" dur="1" fill="hold">
+                                          <p:stCondLst>
+                                            <p:cond delay="0"/>
+                                          </p:stCondLst>
+                                        </p:cTn>
+                                        <p:tgtEl>
+                                          <p:spTgt spid="25"/>
+                                        </p:tgtEl>
+                                        <p:attrNameLst>
+                                          <p:attrName>style.visibility</p:attrName>
+                                        </p:attrNameLst>
+                                      </p:cBhvr>
+                                      <p:to>
+                                        <p:strVal val="visible"/>
+                                      </p:to>
+                                    </p:set>
+                                    <p:animEffect transition="in" filter="fade">
+                                      <p:cBhvr>
+                                        <p:cTn id="7" dur="500"/>
+                                        <p:tgtEl>
+                                          <p:spTgt spid="25"/>
+                                        </p:tgtEl>
+                                      </p:cBhvr>
+                                    </p:animEffect>
+                                  </p:childTnLst>
+                                </p:cTn>
+                              </p:par>
+                              <p:par>
+                                <p:cTn id="8" presetID="10" presetClass="entr" presetSubtype="0" fill="hold" grpId="0" nodeType="withEffect">
+                                  <p:stCondLst>
+                                    <p:cond delay="0"/>
+                                  </p:stCondLst>
+                                  <p:childTnLst>
+                                    <p:set>
+                                      <p:cBhvr>
+                                        <p:cTn id="9" dur="1" fill="hold">
+                                          <p:stCondLst>
+                                            <p:cond delay="0"/>
+                                          </p:stCondLst>
+                                        </p:cTn>
+                                        <p:tgtEl>
+                                          <p:spTgt spid="22"/>
+                                        </p:tgtEl>
+                                        <p:attrNameLst>
+                                          <p:attrName>style.visibility</p:attrName>
+                                        </p:attrNameLst>
+                                      </p:cBhvr>
+                                      <p:to>
+                                        <p:strVal val="visible"/>
+                                      </p:to>
+                                    </p:set>
+                                    <p:animEffect transition="in" filter="fade">
+                                      <p:cBhvr>
+                                        <p:cTn id="10" dur="500"/>
+                                        <p:tgtEl>
+                                          <p:spTgt spid="22"/>
+                                        </p:tgtEl>
+                                      </p:cBhvr>
+                                    </p:animEffect>
+                                  </p:childTnLst>
+                                </p:cTn>
+                              </p:par>
+                            </p:childTnLst>
+                          </p:cTn>
+                        </p:par>
+                      </p:childTnLst>
+                    </p:cTn>
+                  </p:par>
+                  <p:par>
+                    <p:cTn id="11" fill="hold">
+                      <p:stCondLst>
+                        <p:cond delay="indefinite"/>
+                      </p:stCondLst>
+                      <p:childTnLst>
+                        <p:par>
+                          <p:cTn id="12" fill="hold">
+                            <p:stCondLst>
+                              <p:cond delay="0"/>
+                            </p:stCondLst>
+                            <p:childTnLst>
+                              <p:par>
+                                <p:cTn id="13" presetID="10" presetClass="entr" presetSubtype="0" fill="hold" grpId="0" nodeType="clickEffect">
+                                  <p:stCondLst>
+                                    <p:cond delay="0"/>
+                                  </p:stCondLst>
+                                  <p:childTnLst>
+                                    <p:set>
+                                      <p:cBhvr>
+                                        <p:cTn id="14" dur="1" fill="hold">
+                                          <p:stCondLst>
+                                            <p:cond delay="0"/>
+                                          </p:stCondLst>
+                                        </p:cTn>
+                                        <p:tgtEl>
+                                          <p:spTgt spid="23"/>
+                                        </p:tgtEl>
+                                        <p:attrNameLst>
+                                          <p:attrName>style.visibility</p:attrName>
+                                        </p:attrNameLst>
+                                      </p:cBhvr>
+                                      <p:to>
+                                        <p:strVal val="visible"/>
+                                      </p:to>
+                                    </p:set>
+                                    <p:animEffect transition="in" filter="fade">
+                                      <p:cBhvr>
+                                        <p:cTn id="15" dur="500"/>
+                                        <p:tgtEl>
+                                          <p:spTgt spid="23"/>
+                                        </p:tgtEl>
+                                      </p:cBhvr>
+                                    </p:animEffect>
+                                  </p:childTnLst>
+                                </p:cTn>
+                              </p:par>
+                              <p:par>
+                                <p:cTn id="16" presetID="10" presetClass="entr" presetSubtype="0" fill="hold" grpId="0" nodeType="withEffect">
+                                  <p:stCondLst>
+                                    <p:cond delay="0"/>
+                                  </p:stCondLst>
+                                  <p:childTnLst>
+                                    <p:set>
+                                      <p:cBhvr>
+                                        <p:cTn id="17" dur="1" fill="hold">
+                                          <p:stCondLst>
+                                            <p:cond delay="0"/>
+                                          </p:stCondLst>
+                                        </p:cTn>
+                                        <p:tgtEl>
+                                          <p:spTgt spid="32"/>
+                                        </p:tgtEl>
+                                        <p:attrNameLst>
+                                          <p:attrName>style.visibility</p:attrName>
+                                        </p:attrNameLst>
+                                      </p:cBhvr>
+                                      <p:to>
+                                        <p:strVal val="visible"/>
+                                      </p:to>
+                                    </p:set>
+                                    <p:animEffect transition="in" filter="fade">
+                                      <p:cBhvr>
+                                        <p:cTn id="18" dur="500"/>
+                                        <p:tgtEl>
+                                          <p:spTgt spid="32"/>
+                                        </p:tgtEl>
+                                      </p:cBhvr>
+                                    </p:animEffect>
+                                  </p:childTnLst>
+                                </p:cTn>
+                              </p:par>
+                              <p:par>
+                                <p:cTn id="19" presetID="10" presetClass="entr" presetSubtype="0" fill="hold" nodeType="withEffect">
+                                  <p:stCondLst>
+                                    <p:cond delay="0"/>
+                                  </p:stCondLst>
+                                  <p:childTnLst>
+                                    <p:set>
+                                      <p:cBhvr>
+                                        <p:cTn id="20" dur="1" fill="hold">
+                                          <p:stCondLst>
+                                            <p:cond delay="0"/>
+                                          </p:stCondLst>
+                                        </p:cTn>
+                                        <p:tgtEl>
+                                          <p:spTgt spid="1026"/>
+                                        </p:tgtEl>
+                                        <p:attrNameLst>
+                                          <p:attrName>style.visibility</p:attrName>
+                                        </p:attrNameLst>
+                                      </p:cBhvr>
+                                      <p:to>
+                                        <p:strVal val="visible"/>
+                                      </p:to>
+                                    </p:set>
+                                    <p:animEffect transition="in" filter="fade">
+                                      <p:cBhvr>
+                                        <p:cTn id="21" dur="500"/>
+                                        <p:tgtEl>
+                                          <p:spTgt spid="1026"/>
+                                        </p:tgtEl>
+                                      </p:cBhvr>
+                                    </p:animEffect>
+                                  </p:childTnLst>
+                                </p:cTn>
+                              </p:par>
+                            </p:childTnLst>
+                          </p:cTn>
+                        </p:par>
+                      </p:childTnLst>
+                    </p:cTn>
+                  </p:par>
+                  <p:par>
+                    <p:cTn id="22" fill="hold">
+                      <p:stCondLst>
+                        <p:cond delay="indefinite"/>
+                      </p:stCondLst>
+                      <p:childTnLst>
+                        <p:par>
+                          <p:cTn id="23" fill="hold">
+                            <p:stCondLst>
+                              <p:cond delay="0"/>
+                            </p:stCondLst>
+                            <p:childTnLst>
+                              <p:par>
+                                <p:cTn id="24" presetID="22" presetClass="entr" presetSubtype="8" fill="hold" nodeType="clickEffect">
+                                  <p:stCondLst>
+                                    <p:cond delay="0"/>
+                                  </p:stCondLst>
+                                  <p:childTnLst>
+                                    <p:set>
+                                      <p:cBhvr>
+                                        <p:cTn id="25" dur="1" fill="hold">
+                                          <p:stCondLst>
+                                            <p:cond delay="0"/>
+                                          </p:stCondLst>
+                                        </p:cTn>
+                                        <p:tgtEl>
+                                          <p:spTgt spid="3"/>
+                                        </p:tgtEl>
+                                        <p:attrNameLst>
+                                          <p:attrName>style.visibility</p:attrName>
+                                        </p:attrNameLst>
+                                      </p:cBhvr>
+                                      <p:to>
+                                        <p:strVal val="visible"/>
+                                      </p:to>
+                                    </p:set>
+                                    <p:animEffect transition="in" filter="wipe(left)">
+                                      <p:cBhvr>
+                                        <p:cTn id="26" dur="1000"/>
+                                        <p:tgtEl>
+                                          <p:spTgt spid="3"/>
+                                        </p:tgtEl>
+                                      </p:cBhvr>
+                                    </p:animEffect>
+                                  </p:childTnLst>
+                                </p:cTn>
+                              </p:par>
+                            </p:childTnLst>
+                          </p:cTn>
+                        </p:par>
+                      </p:childTnLst>
+                    </p:cTn>
+                  </p:par>
+                </p:childTnLst>
+              </p:cTn>
+              <p:prevCondLst>
+                <p:cond evt="onPrev" delay="0">
+                  <p:tgtEl>
+                    <p:sldTgt/>
+                  </p:tgtEl>
+                </p:cond>
+              </p:prevCondLst>
+              <p:nextCondLst>
+                <p:cond evt="onNext" delay="0">
+                  <p:tgtEl>
+                    <p:sldTgt/>
+                  </p:tgtEl>
+                </p:cond>
+              </p:nextCondLst>
+            </p:seq>
+          </p:childTnLst>
+        </p:cTn>
+      </p:par>
+    </p:tnLst>
+    <p:bldLst>
+      <p:bldP spid="22" grpId="0" animBg="1"/>
+      <p:bldP spid="23" grpId="0" animBg="1"/>
+      <p:bldP spid="25" grpId="0"/>
+      <p:bldP spid="32" grpId="0"/>
+    </p:bldLst>
+  </p:timing>
+</p:sld>
+</file>
+
+<file path=ppt/slides/slide5.xml><?xml version="1.0" encoding="utf-8"?>
 <p:sld xmlns:a="http://schemas.openxmlformats.org/drawingml/2006/main" xmlns:r="http://schemas.openxmlformats.org/officeDocument/2006/relationships" xmlns:p="http://schemas.openxmlformats.org/presentationml/2006/main">
   <p:cSld>
     <p:spTree>
@@ -9479,157 +12810,7 @@
                   <a:schemeClr val="bg2"/>
                 </a:solidFill>
               </a:rPr>
-              <a:t>3</a:t>
-            </a:fld>
-            <a:endParaRPr lang="ru-RU" dirty="0">
-              <a:solidFill>
-                <a:schemeClr val="bg2"/>
-              </a:solidFill>
-            </a:endParaRPr>
-          </a:p>
-        </p:txBody>
-      </p:sp>
-    </p:spTree>
-    <p:extLst>
-      <p:ext uri="{BB962C8B-B14F-4D97-AF65-F5344CB8AC3E}">
-        <p14:creationId xmlns:p14="http://schemas.microsoft.com/office/powerpoint/2010/main" val="3379341323"/>
-      </p:ext>
-    </p:extLst>
-  </p:cSld>
-  <p:clrMapOvr>
-    <a:masterClrMapping/>
-  </p:clrMapOvr>
-  <p:transition spd="slow">
-    <p:fade/>
-  </p:transition>
-</p:sld>
-</file>
-
-<file path=ppt/slides/slide4.xml><?xml version="1.0" encoding="utf-8"?>
-<p:sld xmlns:a="http://schemas.openxmlformats.org/drawingml/2006/main" xmlns:r="http://schemas.openxmlformats.org/officeDocument/2006/relationships" xmlns:p="http://schemas.openxmlformats.org/presentationml/2006/main">
-  <p:cSld>
-    <p:spTree>
-      <p:nvGrpSpPr>
-        <p:cNvPr id="1" name="Shape 193"/>
-        <p:cNvGrpSpPr/>
-        <p:nvPr/>
-      </p:nvGrpSpPr>
-      <p:grpSpPr>
-        <a:xfrm>
-          <a:off x="0" y="0"/>
-          <a:ext cx="0" cy="0"/>
-          <a:chOff x="0" y="0"/>
-          <a:chExt cx="0" cy="0"/>
-        </a:xfrm>
-      </p:grpSpPr>
-      <p:pic>
-        <p:nvPicPr>
-          <p:cNvPr id="7" name="Picture 2">
-            <a:extLst>
-              <a:ext uri="{FF2B5EF4-FFF2-40B4-BE49-F238E27FC236}">
-                <a16:creationId xmlns:a16="http://schemas.microsoft.com/office/drawing/2014/main" id="{E39C36B1-1A6A-B18D-85DC-38D2DF94C228}"/>
-              </a:ext>
-            </a:extLst>
-          </p:cNvPr>
-          <p:cNvPicPr>
-            <a:picLocks noChangeAspect="1" noChangeArrowheads="1"/>
-          </p:cNvPicPr>
-          <p:nvPr/>
-        </p:nvPicPr>
-        <p:blipFill>
-          <a:blip r:embed="rId3">
-            <a:extLst>
-              <a:ext uri="{28A0092B-C50C-407E-A947-70E740481C1C}">
-                <a14:useLocalDpi xmlns:a14="http://schemas.microsoft.com/office/drawing/2010/main" val="0"/>
-              </a:ext>
-            </a:extLst>
-          </a:blip>
-          <a:srcRect/>
-          <a:stretch>
-            <a:fillRect/>
-          </a:stretch>
-        </p:blipFill>
-        <p:spPr bwMode="auto">
-          <a:xfrm>
-            <a:off x="0" y="0"/>
-            <a:ext cx="9144000" cy="5143500"/>
-          </a:xfrm>
-          <a:prstGeom prst="rect">
-            <a:avLst/>
-          </a:prstGeom>
-          <a:noFill/>
-          <a:extLst>
-            <a:ext uri="{909E8E84-426E-40DD-AFC4-6F175D3DCCD1}">
-              <a14:hiddenFill xmlns:a14="http://schemas.microsoft.com/office/drawing/2010/main">
-                <a:solidFill>
-                  <a:srgbClr val="FFFFFF"/>
-                </a:solidFill>
-              </a14:hiddenFill>
-            </a:ext>
-          </a:extLst>
-        </p:spPr>
-      </p:pic>
-      <p:sp>
-        <p:nvSpPr>
-          <p:cNvPr id="5" name="Прямоугольник: скругленные углы 4">
-            <a:extLst>
-              <a:ext uri="{FF2B5EF4-FFF2-40B4-BE49-F238E27FC236}">
-                <a16:creationId xmlns:a16="http://schemas.microsoft.com/office/drawing/2014/main" id="{D558931A-4240-023F-1832-16600BF80CD6}"/>
-              </a:ext>
-            </a:extLst>
-          </p:cNvPr>
-          <p:cNvSpPr/>
-          <p:nvPr/>
-        </p:nvSpPr>
-        <p:spPr>
-          <a:xfrm>
-            <a:off x="8573269" y="4796684"/>
-            <a:ext cx="408824" cy="239937"/>
-          </a:xfrm>
-          <a:prstGeom prst="roundRect">
-            <a:avLst/>
-          </a:prstGeom>
-          <a:solidFill>
-            <a:srgbClr val="3B9FFF">
-              <a:alpha val="50196"/>
-            </a:srgbClr>
-          </a:solidFill>
-          <a:ln>
-            <a:solidFill>
-              <a:schemeClr val="bg1">
-                <a:alpha val="94902"/>
-              </a:schemeClr>
-            </a:solidFill>
-            <a:headEnd type="none" w="med" len="med"/>
-            <a:tailEnd type="none" w="med" len="med"/>
-          </a:ln>
-        </p:spPr>
-        <p:style>
-          <a:lnRef idx="3">
-            <a:schemeClr val="lt1"/>
-          </a:lnRef>
-          <a:fillRef idx="1">
-            <a:schemeClr val="dk1"/>
-          </a:fillRef>
-          <a:effectRef idx="1">
-            <a:schemeClr val="dk1"/>
-          </a:effectRef>
-          <a:fontRef idx="minor">
-            <a:schemeClr val="lt1"/>
-          </a:fontRef>
-        </p:style>
-        <p:txBody>
-          <a:bodyPr rtlCol="0" anchor="ctr"/>
-          <a:lstStyle/>
-          <a:p>
-            <a:pPr algn="ctr"/>
-            <a:fld id="{C60D91B0-6C93-47AD-8D23-510063BB0AB5}" type="slidenum">
-              <a:rPr lang="ru-RU" smtClean="0">
-                <a:solidFill>
-                  <a:schemeClr val="bg2"/>
-                </a:solidFill>
-              </a:rPr>
-              <a:t>4</a:t>
+              <a:t>5</a:t>
             </a:fld>
             <a:endParaRPr lang="ru-RU" dirty="0">
               <a:solidFill>
@@ -9643,156 +12824,6 @@
     <p:extLst>
       <p:ext uri="{BB962C8B-B14F-4D97-AF65-F5344CB8AC3E}">
         <p14:creationId xmlns:p14="http://schemas.microsoft.com/office/powerpoint/2010/main" val="3017599141"/>
-      </p:ext>
-    </p:extLst>
-  </p:cSld>
-  <p:clrMapOvr>
-    <a:masterClrMapping/>
-  </p:clrMapOvr>
-  <p:transition spd="slow">
-    <p:fade/>
-  </p:transition>
-</p:sld>
-</file>
-
-<file path=ppt/slides/slide5.xml><?xml version="1.0" encoding="utf-8"?>
-<p:sld xmlns:a="http://schemas.openxmlformats.org/drawingml/2006/main" xmlns:r="http://schemas.openxmlformats.org/officeDocument/2006/relationships" xmlns:p="http://schemas.openxmlformats.org/presentationml/2006/main">
-  <p:cSld>
-    <p:spTree>
-      <p:nvGrpSpPr>
-        <p:cNvPr id="1" name="Shape 193"/>
-        <p:cNvGrpSpPr/>
-        <p:nvPr/>
-      </p:nvGrpSpPr>
-      <p:grpSpPr>
-        <a:xfrm>
-          <a:off x="0" y="0"/>
-          <a:ext cx="0" cy="0"/>
-          <a:chOff x="0" y="0"/>
-          <a:chExt cx="0" cy="0"/>
-        </a:xfrm>
-      </p:grpSpPr>
-      <p:pic>
-        <p:nvPicPr>
-          <p:cNvPr id="7" name="Picture 2">
-            <a:extLst>
-              <a:ext uri="{FF2B5EF4-FFF2-40B4-BE49-F238E27FC236}">
-                <a16:creationId xmlns:a16="http://schemas.microsoft.com/office/drawing/2014/main" id="{E39C36B1-1A6A-B18D-85DC-38D2DF94C228}"/>
-              </a:ext>
-            </a:extLst>
-          </p:cNvPr>
-          <p:cNvPicPr>
-            <a:picLocks noChangeAspect="1" noChangeArrowheads="1"/>
-          </p:cNvPicPr>
-          <p:nvPr/>
-        </p:nvPicPr>
-        <p:blipFill>
-          <a:blip r:embed="rId3">
-            <a:extLst>
-              <a:ext uri="{28A0092B-C50C-407E-A947-70E740481C1C}">
-                <a14:useLocalDpi xmlns:a14="http://schemas.microsoft.com/office/drawing/2010/main" val="0"/>
-              </a:ext>
-            </a:extLst>
-          </a:blip>
-          <a:srcRect/>
-          <a:stretch>
-            <a:fillRect/>
-          </a:stretch>
-        </p:blipFill>
-        <p:spPr bwMode="auto">
-          <a:xfrm>
-            <a:off x="0" y="0"/>
-            <a:ext cx="9144000" cy="5143500"/>
-          </a:xfrm>
-          <a:prstGeom prst="rect">
-            <a:avLst/>
-          </a:prstGeom>
-          <a:noFill/>
-          <a:extLst>
-            <a:ext uri="{909E8E84-426E-40DD-AFC4-6F175D3DCCD1}">
-              <a14:hiddenFill xmlns:a14="http://schemas.microsoft.com/office/drawing/2010/main">
-                <a:solidFill>
-                  <a:srgbClr val="FFFFFF"/>
-                </a:solidFill>
-              </a14:hiddenFill>
-            </a:ext>
-          </a:extLst>
-        </p:spPr>
-      </p:pic>
-      <p:sp>
-        <p:nvSpPr>
-          <p:cNvPr id="5" name="Прямоугольник: скругленные углы 4">
-            <a:extLst>
-              <a:ext uri="{FF2B5EF4-FFF2-40B4-BE49-F238E27FC236}">
-                <a16:creationId xmlns:a16="http://schemas.microsoft.com/office/drawing/2014/main" id="{D558931A-4240-023F-1832-16600BF80CD6}"/>
-              </a:ext>
-            </a:extLst>
-          </p:cNvPr>
-          <p:cNvSpPr/>
-          <p:nvPr/>
-        </p:nvSpPr>
-        <p:spPr>
-          <a:xfrm>
-            <a:off x="8573269" y="4796684"/>
-            <a:ext cx="408824" cy="239937"/>
-          </a:xfrm>
-          <a:prstGeom prst="roundRect">
-            <a:avLst/>
-          </a:prstGeom>
-          <a:solidFill>
-            <a:srgbClr val="3B9FFF">
-              <a:alpha val="50196"/>
-            </a:srgbClr>
-          </a:solidFill>
-          <a:ln>
-            <a:solidFill>
-              <a:schemeClr val="bg1">
-                <a:alpha val="94902"/>
-              </a:schemeClr>
-            </a:solidFill>
-            <a:headEnd type="none" w="med" len="med"/>
-            <a:tailEnd type="none" w="med" len="med"/>
-          </a:ln>
-        </p:spPr>
-        <p:style>
-          <a:lnRef idx="3">
-            <a:schemeClr val="lt1"/>
-          </a:lnRef>
-          <a:fillRef idx="1">
-            <a:schemeClr val="dk1"/>
-          </a:fillRef>
-          <a:effectRef idx="1">
-            <a:schemeClr val="dk1"/>
-          </a:effectRef>
-          <a:fontRef idx="minor">
-            <a:schemeClr val="lt1"/>
-          </a:fontRef>
-        </p:style>
-        <p:txBody>
-          <a:bodyPr rtlCol="0" anchor="ctr"/>
-          <a:lstStyle/>
-          <a:p>
-            <a:pPr algn="ctr"/>
-            <a:fld id="{C60D91B0-6C93-47AD-8D23-510063BB0AB5}" type="slidenum">
-              <a:rPr lang="ru-RU" smtClean="0">
-                <a:solidFill>
-                  <a:schemeClr val="bg2"/>
-                </a:solidFill>
-              </a:rPr>
-              <a:t>5</a:t>
-            </a:fld>
-            <a:endParaRPr lang="ru-RU" dirty="0">
-              <a:solidFill>
-                <a:schemeClr val="bg2"/>
-              </a:solidFill>
-            </a:endParaRPr>
-          </a:p>
-        </p:txBody>
-      </p:sp>
-    </p:spTree>
-    <p:extLst>
-      <p:ext uri="{BB962C8B-B14F-4D97-AF65-F5344CB8AC3E}">
-        <p14:creationId xmlns:p14="http://schemas.microsoft.com/office/powerpoint/2010/main" val="467895498"/>
       </p:ext>
     </p:extLst>
   </p:cSld>
@@ -14006,8 +17037,55 @@
         </p:blipFill>
         <p:spPr bwMode="auto">
           <a:xfrm>
-            <a:off x="0" y="-40046"/>
+            <a:off x="0" y="-65159"/>
             <a:ext cx="9144000" cy="5143500"/>
+          </a:xfrm>
+          <a:prstGeom prst="rect">
+            <a:avLst/>
+          </a:prstGeom>
+          <a:noFill/>
+          <a:extLst>
+            <a:ext uri="{909E8E84-426E-40DD-AFC4-6F175D3DCCD1}">
+              <a14:hiddenFill xmlns:a14="http://schemas.microsoft.com/office/drawing/2010/main">
+                <a:solidFill>
+                  <a:srgbClr val="FFFFFF"/>
+                </a:solidFill>
+              </a14:hiddenFill>
+            </a:ext>
+          </a:extLst>
+        </p:spPr>
+      </p:pic>
+      <p:pic>
+        <p:nvPicPr>
+          <p:cNvPr id="2068" name="Picture 20">
+            <a:extLst>
+              <a:ext uri="{FF2B5EF4-FFF2-40B4-BE49-F238E27FC236}">
+                <a16:creationId xmlns:a16="http://schemas.microsoft.com/office/drawing/2014/main" id="{3251382D-DF6C-7D8E-5D40-9C9E2EDCF447}"/>
+              </a:ext>
+            </a:extLst>
+          </p:cNvPr>
+          <p:cNvPicPr>
+            <a:picLocks noChangeAspect="1" noChangeArrowheads="1"/>
+          </p:cNvPicPr>
+          <p:nvPr/>
+        </p:nvPicPr>
+        <p:blipFill>
+          <a:blip r:embed="rId4">
+            <a:extLst>
+              <a:ext uri="{28A0092B-C50C-407E-A947-70E740481C1C}">
+                <a14:useLocalDpi xmlns:a14="http://schemas.microsoft.com/office/drawing/2010/main" val="0"/>
+              </a:ext>
+            </a:extLst>
+          </a:blip>
+          <a:srcRect/>
+          <a:stretch>
+            <a:fillRect/>
+          </a:stretch>
+        </p:blipFill>
+        <p:spPr bwMode="auto">
+          <a:xfrm rot="1707275">
+            <a:off x="2065863" y="992083"/>
+            <a:ext cx="4682315" cy="3121543"/>
           </a:xfrm>
           <a:prstGeom prst="rect">
             <a:avLst/>
@@ -15497,8 +18575,8 @@
           </p:nvSpPr>
           <p:spPr>
             <a:xfrm>
-              <a:off x="902105" y="1932275"/>
-              <a:ext cx="1991060" cy="330148"/>
+              <a:off x="1008385" y="1932275"/>
+              <a:ext cx="1610718" cy="330148"/>
             </a:xfrm>
             <a:prstGeom prst="rect">
               <a:avLst/>
@@ -15506,9 +18584,7 @@
             <a:noFill/>
             <a:ln>
               <a:solidFill>
-                <a:schemeClr val="accent5">
-                  <a:lumMod val="95000"/>
-                </a:schemeClr>
+                <a:srgbClr val="3B9FFF"/>
               </a:solidFill>
             </a:ln>
           </p:spPr>
@@ -15773,7 +18849,7 @@
                     </a:schemeClr>
                   </a:solidFill>
                 </a:rPr>
-                <a:t>ДОПИСАТЬ</a:t>
+                <a:t>Аналитик</a:t>
               </a:r>
             </a:p>
           </p:txBody>
@@ -15794,9 +18870,9 @@
         <p:grpSpPr>
           <a:xfrm>
             <a:off x="380522" y="2878190"/>
-            <a:ext cx="3252723" cy="967967"/>
+            <a:ext cx="3252723" cy="968411"/>
             <a:chOff x="159604" y="1294456"/>
-            <a:chExt cx="3252723" cy="967967"/>
+            <a:chExt cx="3252723" cy="968411"/>
           </a:xfrm>
         </p:grpSpPr>
         <p:sp>
@@ -16515,8 +19591,8 @@
           </p:nvSpPr>
           <p:spPr>
             <a:xfrm>
-              <a:off x="902105" y="1932275"/>
-              <a:ext cx="1991060" cy="330148"/>
+              <a:off x="991689" y="1932719"/>
+              <a:ext cx="1727124" cy="330148"/>
             </a:xfrm>
             <a:prstGeom prst="rect">
               <a:avLst/>
@@ -16524,9 +19600,7 @@
             <a:noFill/>
             <a:ln>
               <a:solidFill>
-                <a:schemeClr val="accent5">
-                  <a:lumMod val="95000"/>
-                </a:schemeClr>
+                <a:srgbClr val="3B9FFF"/>
               </a:solidFill>
             </a:ln>
           </p:spPr>
@@ -16784,6 +19858,16 @@
             <a:p>
               <a:pPr algn="just"/>
               <a:r>
+                <a:rPr lang="en-US" sz="1200" dirty="0">
+                  <a:solidFill>
+                    <a:schemeClr val="bg1">
+                      <a:lumMod val="10000"/>
+                    </a:schemeClr>
+                  </a:solidFill>
+                </a:rPr>
+                <a:t>ML-</a:t>
+              </a:r>
+              <a:r>
                 <a:rPr lang="ru-RU" sz="1200" dirty="0">
                   <a:solidFill>
                     <a:schemeClr val="bg1">
@@ -16791,7 +19875,7 @@
                     </a:schemeClr>
                   </a:solidFill>
                 </a:rPr>
-                <a:t>ДОПИСАТЬ</a:t>
+                <a:t>инженер</a:t>
               </a:r>
             </a:p>
           </p:txBody>
@@ -16812,9 +19896,9 @@
         <p:grpSpPr>
           <a:xfrm>
             <a:off x="2944831" y="3850088"/>
-            <a:ext cx="3252723" cy="1033315"/>
+            <a:ext cx="3252723" cy="1033357"/>
             <a:chOff x="159604" y="1294456"/>
-            <a:chExt cx="3252723" cy="1033315"/>
+            <a:chExt cx="3252723" cy="1033357"/>
           </a:xfrm>
         </p:grpSpPr>
         <p:sp>
@@ -17530,8 +20614,8 @@
           </p:nvSpPr>
           <p:spPr>
             <a:xfrm>
-              <a:off x="902105" y="1932274"/>
-              <a:ext cx="2510222" cy="395497"/>
+              <a:off x="995323" y="1932316"/>
+              <a:ext cx="1810353" cy="395497"/>
             </a:xfrm>
             <a:prstGeom prst="rect">
               <a:avLst/>
@@ -17539,9 +20623,7 @@
             <a:noFill/>
             <a:ln>
               <a:solidFill>
-                <a:schemeClr val="accent5">
-                  <a:lumMod val="95000"/>
-                </a:schemeClr>
+                <a:srgbClr val="3B9FFF"/>
               </a:solidFill>
             </a:ln>
           </p:spPr>
@@ -17806,7 +20888,7 @@
                     </a:schemeClr>
                   </a:solidFill>
                 </a:rPr>
-                <a:t>Делал презентацию и занимался организацией команды</a:t>
+                <a:t>Дизайнер, организатор</a:t>
               </a:r>
             </a:p>
           </p:txBody>
@@ -18543,8 +21625,8 @@
           </p:nvSpPr>
           <p:spPr>
             <a:xfrm>
-              <a:off x="902104" y="1932275"/>
-              <a:ext cx="2116535" cy="330148"/>
+              <a:off x="1008385" y="1932275"/>
+              <a:ext cx="2069038" cy="330148"/>
             </a:xfrm>
             <a:prstGeom prst="rect">
               <a:avLst/>
@@ -18552,9 +21634,7 @@
             <a:noFill/>
             <a:ln>
               <a:solidFill>
-                <a:schemeClr val="accent5">
-                  <a:lumMod val="95000"/>
-                </a:schemeClr>
+                <a:srgbClr val="3B9FFF"/>
               </a:solidFill>
             </a:ln>
           </p:spPr>
@@ -18819,7 +21899,7 @@
                     </a:schemeClr>
                   </a:solidFill>
                 </a:rPr>
-                <a:t>Тестировал код программы</a:t>
+                <a:t>Тестировщик</a:t>
               </a:r>
             </a:p>
           </p:txBody>
@@ -18840,9 +21920,9 @@
         <p:grpSpPr>
           <a:xfrm>
             <a:off x="5729370" y="1289573"/>
-            <a:ext cx="3252723" cy="967967"/>
+            <a:ext cx="3252723" cy="954451"/>
             <a:chOff x="159604" y="1294456"/>
-            <a:chExt cx="3252723" cy="967967"/>
+            <a:chExt cx="3252723" cy="954451"/>
           </a:xfrm>
         </p:grpSpPr>
         <p:sp>
@@ -19568,8 +22648,8 @@
           </p:nvSpPr>
           <p:spPr>
             <a:xfrm>
-              <a:off x="902105" y="1932275"/>
-              <a:ext cx="1991060" cy="330148"/>
+              <a:off x="1008385" y="1918759"/>
+              <a:ext cx="1938832" cy="330148"/>
             </a:xfrm>
             <a:prstGeom prst="rect">
               <a:avLst/>
@@ -19577,9 +22657,7 @@
             <a:noFill/>
             <a:ln>
               <a:solidFill>
-                <a:schemeClr val="accent5">
-                  <a:lumMod val="95000"/>
-                </a:schemeClr>
+                <a:srgbClr val="3B9FFF"/>
               </a:solidFill>
             </a:ln>
           </p:spPr>
@@ -19844,12 +22922,59 @@
                     </a:schemeClr>
                   </a:solidFill>
                 </a:rPr>
-                <a:t>ДОПИСАТЬ</a:t>
+                <a:t>Тестировщик</a:t>
               </a:r>
             </a:p>
           </p:txBody>
         </p:sp>
       </p:grpSp>
+      <p:pic>
+        <p:nvPicPr>
+          <p:cNvPr id="2062" name="Picture 14">
+            <a:extLst>
+              <a:ext uri="{FF2B5EF4-FFF2-40B4-BE49-F238E27FC236}">
+                <a16:creationId xmlns:a16="http://schemas.microsoft.com/office/drawing/2014/main" id="{8A97F03A-E72F-ADBC-3CD1-5D7C7914809E}"/>
+              </a:ext>
+            </a:extLst>
+          </p:cNvPr>
+          <p:cNvPicPr>
+            <a:picLocks noChangeAspect="1" noChangeArrowheads="1"/>
+          </p:cNvPicPr>
+          <p:nvPr/>
+        </p:nvPicPr>
+        <p:blipFill>
+          <a:blip r:embed="rId5">
+            <a:extLst>
+              <a:ext uri="{28A0092B-C50C-407E-A947-70E740481C1C}">
+                <a14:useLocalDpi xmlns:a14="http://schemas.microsoft.com/office/drawing/2010/main" val="0"/>
+              </a:ext>
+            </a:extLst>
+          </a:blip>
+          <a:srcRect/>
+          <a:stretch>
+            <a:fillRect/>
+          </a:stretch>
+        </p:blipFill>
+        <p:spPr bwMode="auto">
+          <a:xfrm>
+            <a:off x="0" y="144426"/>
+            <a:ext cx="953589" cy="953589"/>
+          </a:xfrm>
+          <a:prstGeom prst="rect">
+            <a:avLst/>
+          </a:prstGeom>
+          <a:noFill/>
+          <a:extLst>
+            <a:ext uri="{909E8E84-426E-40DD-AFC4-6F175D3DCCD1}">
+              <a14:hiddenFill xmlns:a14="http://schemas.microsoft.com/office/drawing/2010/main">
+                <a:solidFill>
+                  <a:srgbClr val="FFFFFF"/>
+                </a:solidFill>
+              </a14:hiddenFill>
+            </a:ext>
+          </a:extLst>
+        </p:spPr>
+      </p:pic>
     </p:spTree>
     <p:extLst>
       <p:ext uri="{BB962C8B-B14F-4D97-AF65-F5344CB8AC3E}">
